--- a/DraftSlides/Lecture3.pptx
+++ b/DraftSlides/Lecture3.pptx
@@ -7,13 +7,33 @@
     <p:sldMasterId id="2147483711" r:id="rId3"/>
   </p:sldMasterIdLst>
   <p:notesMasterIdLst>
-    <p:notesMasterId r:id="rId8"/>
+    <p:notesMasterId r:id="rId28"/>
   </p:notesMasterIdLst>
   <p:sldIdLst>
     <p:sldId id="405" r:id="rId4"/>
     <p:sldId id="496" r:id="rId5"/>
     <p:sldId id="498" r:id="rId6"/>
-    <p:sldId id="513" r:id="rId7"/>
+    <p:sldId id="514" r:id="rId7"/>
+    <p:sldId id="515" r:id="rId8"/>
+    <p:sldId id="516" r:id="rId9"/>
+    <p:sldId id="517" r:id="rId10"/>
+    <p:sldId id="1859" r:id="rId11"/>
+    <p:sldId id="1747" r:id="rId12"/>
+    <p:sldId id="1749" r:id="rId13"/>
+    <p:sldId id="1870" r:id="rId14"/>
+    <p:sldId id="1860" r:id="rId15"/>
+    <p:sldId id="1756" r:id="rId16"/>
+    <p:sldId id="281" r:id="rId17"/>
+    <p:sldId id="282" r:id="rId18"/>
+    <p:sldId id="283" r:id="rId19"/>
+    <p:sldId id="1875" r:id="rId20"/>
+    <p:sldId id="1876" r:id="rId21"/>
+    <p:sldId id="1877" r:id="rId22"/>
+    <p:sldId id="1878" r:id="rId23"/>
+    <p:sldId id="1879" r:id="rId24"/>
+    <p:sldId id="1873" r:id="rId25"/>
+    <p:sldId id="1874" r:id="rId26"/>
+    <p:sldId id="513" r:id="rId27"/>
   </p:sldIdLst>
   <p:sldSz cx="10077450" cy="7562850"/>
   <p:notesSz cx="6858000" cy="9144000"/>
@@ -141,6 +161,14 @@
     </p:extLst>
   </p:cmAuthor>
 </p:cmAuthorLst>
+</file>
+
+<file path=ppt/revisionInfo.xml><?xml version="1.0" encoding="utf-8"?>
+<p1510:revInfo xmlns:a="http://schemas.openxmlformats.org/drawingml/2006/main" xmlns:r="http://schemas.openxmlformats.org/officeDocument/2006/relationships" xmlns:p1510="http://schemas.microsoft.com/office/powerpoint/2015/10/main">
+  <p1510:revLst>
+    <p1510:client id="{F2938780-69D4-7440-8672-A89FA067EE16}" v="270" dt="2022-01-24T19:11:27.721"/>
+  </p1510:revLst>
+</p1510:revInfo>
 </file>
 
 <file path=ppt/changesInfos/changesInfo1.xml><?xml version="1.0" encoding="utf-8"?>
@@ -644,11 +672,32 @@
   </pc:docChgLst>
   <pc:docChgLst>
     <pc:chgData name="Khattab, Sherif" userId="c83b1e15-36f3-4f46-aceb-05aac24c545e" providerId="ADAL" clId="{F2938780-69D4-7440-8672-A89FA067EE16}"/>
-    <pc:docChg chg="delSld">
-      <pc:chgData name="Khattab, Sherif" userId="c83b1e15-36f3-4f46-aceb-05aac24c545e" providerId="ADAL" clId="{F2938780-69D4-7440-8672-A89FA067EE16}" dt="2022-01-19T19:44:11.292" v="1" actId="2696"/>
+    <pc:docChg chg="custSel addSld delSld modSld">
+      <pc:chgData name="Khattab, Sherif" userId="c83b1e15-36f3-4f46-aceb-05aac24c545e" providerId="ADAL" clId="{F2938780-69D4-7440-8672-A89FA067EE16}" dt="2022-01-24T19:11:27.720" v="1472"/>
       <pc:docMkLst>
         <pc:docMk/>
       </pc:docMkLst>
+      <pc:sldChg chg="add del">
+        <pc:chgData name="Khattab, Sherif" userId="c83b1e15-36f3-4f46-aceb-05aac24c545e" providerId="ADAL" clId="{F2938780-69D4-7440-8672-A89FA067EE16}" dt="2022-01-24T19:00:47.936" v="1054"/>
+        <pc:sldMkLst>
+          <pc:docMk/>
+          <pc:sldMk cId="2805000757" sldId="281"/>
+        </pc:sldMkLst>
+      </pc:sldChg>
+      <pc:sldChg chg="add del">
+        <pc:chgData name="Khattab, Sherif" userId="c83b1e15-36f3-4f46-aceb-05aac24c545e" providerId="ADAL" clId="{F2938780-69D4-7440-8672-A89FA067EE16}" dt="2022-01-24T19:00:47.936" v="1054"/>
+        <pc:sldMkLst>
+          <pc:docMk/>
+          <pc:sldMk cId="644336610" sldId="282"/>
+        </pc:sldMkLst>
+      </pc:sldChg>
+      <pc:sldChg chg="add del">
+        <pc:chgData name="Khattab, Sherif" userId="c83b1e15-36f3-4f46-aceb-05aac24c545e" providerId="ADAL" clId="{F2938780-69D4-7440-8672-A89FA067EE16}" dt="2022-01-24T19:00:47.936" v="1054"/>
+        <pc:sldMkLst>
+          <pc:docMk/>
+          <pc:sldMk cId="3275560456" sldId="283"/>
+        </pc:sldMkLst>
+      </pc:sldChg>
       <pc:sldChg chg="del">
         <pc:chgData name="Khattab, Sherif" userId="c83b1e15-36f3-4f46-aceb-05aac24c545e" providerId="ADAL" clId="{F2938780-69D4-7440-8672-A89FA067EE16}" dt="2022-01-19T19:44:11.292" v="1" actId="2696"/>
         <pc:sldMkLst>
@@ -705,6 +754,44 @@
           <pc:sldMk cId="3756086896" sldId="402"/>
         </pc:sldMkLst>
       </pc:sldChg>
+      <pc:sldChg chg="modSp mod modAnim">
+        <pc:chgData name="Khattab, Sherif" userId="c83b1e15-36f3-4f46-aceb-05aac24c545e" providerId="ADAL" clId="{F2938780-69D4-7440-8672-A89FA067EE16}" dt="2022-01-24T18:50:27.070" v="250"/>
+        <pc:sldMkLst>
+          <pc:docMk/>
+          <pc:sldMk cId="1068465410" sldId="496"/>
+        </pc:sldMkLst>
+        <pc:spChg chg="mod">
+          <ac:chgData name="Khattab, Sherif" userId="c83b1e15-36f3-4f46-aceb-05aac24c545e" providerId="ADAL" clId="{F2938780-69D4-7440-8672-A89FA067EE16}" dt="2022-01-24T18:50:02.639" v="245" actId="20577"/>
+          <ac:spMkLst>
+            <pc:docMk/>
+            <pc:sldMk cId="1068465410" sldId="496"/>
+            <ac:spMk id="3" creationId="{2466C52D-9A48-4683-BE7F-268D8DB7FAAD}"/>
+          </ac:spMkLst>
+        </pc:spChg>
+      </pc:sldChg>
+      <pc:sldChg chg="modSp mod">
+        <pc:chgData name="Khattab, Sherif" userId="c83b1e15-36f3-4f46-aceb-05aac24c545e" providerId="ADAL" clId="{F2938780-69D4-7440-8672-A89FA067EE16}" dt="2022-01-24T18:51:55.854" v="384" actId="20577"/>
+        <pc:sldMkLst>
+          <pc:docMk/>
+          <pc:sldMk cId="2374057061" sldId="498"/>
+        </pc:sldMkLst>
+        <pc:spChg chg="mod">
+          <ac:chgData name="Khattab, Sherif" userId="c83b1e15-36f3-4f46-aceb-05aac24c545e" providerId="ADAL" clId="{F2938780-69D4-7440-8672-A89FA067EE16}" dt="2022-01-24T18:51:16.644" v="287" actId="20577"/>
+          <ac:spMkLst>
+            <pc:docMk/>
+            <pc:sldMk cId="2374057061" sldId="498"/>
+            <ac:spMk id="2" creationId="{741EEA9E-5858-4409-A959-87D88423DD63}"/>
+          </ac:spMkLst>
+        </pc:spChg>
+        <pc:spChg chg="mod">
+          <ac:chgData name="Khattab, Sherif" userId="c83b1e15-36f3-4f46-aceb-05aac24c545e" providerId="ADAL" clId="{F2938780-69D4-7440-8672-A89FA067EE16}" dt="2022-01-24T18:51:55.854" v="384" actId="20577"/>
+          <ac:spMkLst>
+            <pc:docMk/>
+            <pc:sldMk cId="2374057061" sldId="498"/>
+            <ac:spMk id="3" creationId="{F832F02F-5ABF-4702-A259-B8272D97DD79}"/>
+          </ac:spMkLst>
+        </pc:spChg>
+      </pc:sldChg>
       <pc:sldChg chg="del">
         <pc:chgData name="Khattab, Sherif" userId="c83b1e15-36f3-4f46-aceb-05aac24c545e" providerId="ADAL" clId="{F2938780-69D4-7440-8672-A89FA067EE16}" dt="2022-01-12T17:55:44.979" v="0" actId="2696"/>
         <pc:sldMkLst>
@@ -726,6 +813,141 @@
           <pc:sldMk cId="729670177" sldId="505"/>
         </pc:sldMkLst>
       </pc:sldChg>
+      <pc:sldChg chg="modSp new mod">
+        <pc:chgData name="Khattab, Sherif" userId="c83b1e15-36f3-4f46-aceb-05aac24c545e" providerId="ADAL" clId="{F2938780-69D4-7440-8672-A89FA067EE16}" dt="2022-01-24T18:50:48.212" v="283" actId="20577"/>
+        <pc:sldMkLst>
+          <pc:docMk/>
+          <pc:sldMk cId="1934269584" sldId="514"/>
+        </pc:sldMkLst>
+        <pc:spChg chg="mod">
+          <ac:chgData name="Khattab, Sherif" userId="c83b1e15-36f3-4f46-aceb-05aac24c545e" providerId="ADAL" clId="{F2938780-69D4-7440-8672-A89FA067EE16}" dt="2022-01-24T18:50:48.212" v="283" actId="20577"/>
+          <ac:spMkLst>
+            <pc:docMk/>
+            <pc:sldMk cId="1934269584" sldId="514"/>
+            <ac:spMk id="2" creationId="{1A1299B1-F2F3-8B42-B1C5-F009AD7F2E02}"/>
+          </ac:spMkLst>
+        </pc:spChg>
+      </pc:sldChg>
+      <pc:sldChg chg="modSp new mod modAnim">
+        <pc:chgData name="Khattab, Sherif" userId="c83b1e15-36f3-4f46-aceb-05aac24c545e" providerId="ADAL" clId="{F2938780-69D4-7440-8672-A89FA067EE16}" dt="2022-01-24T19:04:37.515" v="1222"/>
+        <pc:sldMkLst>
+          <pc:docMk/>
+          <pc:sldMk cId="4101598668" sldId="515"/>
+        </pc:sldMkLst>
+        <pc:spChg chg="mod">
+          <ac:chgData name="Khattab, Sherif" userId="c83b1e15-36f3-4f46-aceb-05aac24c545e" providerId="ADAL" clId="{F2938780-69D4-7440-8672-A89FA067EE16}" dt="2022-01-24T18:52:06.451" v="402" actId="20577"/>
+          <ac:spMkLst>
+            <pc:docMk/>
+            <pc:sldMk cId="4101598668" sldId="515"/>
+            <ac:spMk id="2" creationId="{BAE4BE55-BB47-0840-8926-187F65000663}"/>
+          </ac:spMkLst>
+        </pc:spChg>
+        <pc:spChg chg="mod">
+          <ac:chgData name="Khattab, Sherif" userId="c83b1e15-36f3-4f46-aceb-05aac24c545e" providerId="ADAL" clId="{F2938780-69D4-7440-8672-A89FA067EE16}" dt="2022-01-24T19:04:29.958" v="1220" actId="6549"/>
+          <ac:spMkLst>
+            <pc:docMk/>
+            <pc:sldMk cId="4101598668" sldId="515"/>
+            <ac:spMk id="3" creationId="{66D37046-C00B-C743-8909-879EA730BF48}"/>
+          </ac:spMkLst>
+        </pc:spChg>
+      </pc:sldChg>
+      <pc:sldChg chg="modSp new mod modAnim">
+        <pc:chgData name="Khattab, Sherif" userId="c83b1e15-36f3-4f46-aceb-05aac24c545e" providerId="ADAL" clId="{F2938780-69D4-7440-8672-A89FA067EE16}" dt="2022-01-24T19:04:46.414" v="1224"/>
+        <pc:sldMkLst>
+          <pc:docMk/>
+          <pc:sldMk cId="3882715997" sldId="516"/>
+        </pc:sldMkLst>
+        <pc:spChg chg="mod">
+          <ac:chgData name="Khattab, Sherif" userId="c83b1e15-36f3-4f46-aceb-05aac24c545e" providerId="ADAL" clId="{F2938780-69D4-7440-8672-A89FA067EE16}" dt="2022-01-24T18:57:29.547" v="754" actId="20577"/>
+          <ac:spMkLst>
+            <pc:docMk/>
+            <pc:sldMk cId="3882715997" sldId="516"/>
+            <ac:spMk id="2" creationId="{F04FD427-B855-7748-91DD-4345F845EDDA}"/>
+          </ac:spMkLst>
+        </pc:spChg>
+        <pc:spChg chg="mod">
+          <ac:chgData name="Khattab, Sherif" userId="c83b1e15-36f3-4f46-aceb-05aac24c545e" providerId="ADAL" clId="{F2938780-69D4-7440-8672-A89FA067EE16}" dt="2022-01-24T18:58:27.537" v="889" actId="20577"/>
+          <ac:spMkLst>
+            <pc:docMk/>
+            <pc:sldMk cId="3882715997" sldId="516"/>
+            <ac:spMk id="3" creationId="{A60090A3-B522-CB4C-A719-CFC3F560260F}"/>
+          </ac:spMkLst>
+        </pc:spChg>
+      </pc:sldChg>
+      <pc:sldChg chg="modSp new mod modAnim">
+        <pc:chgData name="Khattab, Sherif" userId="c83b1e15-36f3-4f46-aceb-05aac24c545e" providerId="ADAL" clId="{F2938780-69D4-7440-8672-A89FA067EE16}" dt="2022-01-24T19:05:01.412" v="1226"/>
+        <pc:sldMkLst>
+          <pc:docMk/>
+          <pc:sldMk cId="178079215" sldId="517"/>
+        </pc:sldMkLst>
+        <pc:spChg chg="mod">
+          <ac:chgData name="Khattab, Sherif" userId="c83b1e15-36f3-4f46-aceb-05aac24c545e" providerId="ADAL" clId="{F2938780-69D4-7440-8672-A89FA067EE16}" dt="2022-01-24T18:58:43.312" v="922" actId="20577"/>
+          <ac:spMkLst>
+            <pc:docMk/>
+            <pc:sldMk cId="178079215" sldId="517"/>
+            <ac:spMk id="2" creationId="{773F923B-DA4B-404C-A019-FF4AD6C70756}"/>
+          </ac:spMkLst>
+        </pc:spChg>
+        <pc:spChg chg="mod">
+          <ac:chgData name="Khattab, Sherif" userId="c83b1e15-36f3-4f46-aceb-05aac24c545e" providerId="ADAL" clId="{F2938780-69D4-7440-8672-A89FA067EE16}" dt="2022-01-24T18:59:26.359" v="1047" actId="20577"/>
+          <ac:spMkLst>
+            <pc:docMk/>
+            <pc:sldMk cId="178079215" sldId="517"/>
+            <ac:spMk id="3" creationId="{D790DADA-0309-444A-9E7A-F2F44A3F624E}"/>
+          </ac:spMkLst>
+        </pc:spChg>
+      </pc:sldChg>
+      <pc:sldChg chg="add del">
+        <pc:chgData name="Khattab, Sherif" userId="c83b1e15-36f3-4f46-aceb-05aac24c545e" providerId="ADAL" clId="{F2938780-69D4-7440-8672-A89FA067EE16}" dt="2022-01-24T19:00:47.936" v="1054"/>
+        <pc:sldMkLst>
+          <pc:docMk/>
+          <pc:sldMk cId="2496682011" sldId="1747"/>
+        </pc:sldMkLst>
+      </pc:sldChg>
+      <pc:sldChg chg="add del">
+        <pc:chgData name="Khattab, Sherif" userId="c83b1e15-36f3-4f46-aceb-05aac24c545e" providerId="ADAL" clId="{F2938780-69D4-7440-8672-A89FA067EE16}" dt="2022-01-24T19:00:47.936" v="1054"/>
+        <pc:sldMkLst>
+          <pc:docMk/>
+          <pc:sldMk cId="1456819960" sldId="1749"/>
+        </pc:sldMkLst>
+      </pc:sldChg>
+      <pc:sldChg chg="add del modAnim">
+        <pc:chgData name="Khattab, Sherif" userId="c83b1e15-36f3-4f46-aceb-05aac24c545e" providerId="ADAL" clId="{F2938780-69D4-7440-8672-A89FA067EE16}" dt="2022-01-24T19:05:20.791" v="1231"/>
+        <pc:sldMkLst>
+          <pc:docMk/>
+          <pc:sldMk cId="2838362889" sldId="1756"/>
+        </pc:sldMkLst>
+      </pc:sldChg>
+      <pc:sldChg chg="add del">
+        <pc:chgData name="Khattab, Sherif" userId="c83b1e15-36f3-4f46-aceb-05aac24c545e" providerId="ADAL" clId="{F2938780-69D4-7440-8672-A89FA067EE16}" dt="2022-01-24T19:00:47.936" v="1054"/>
+        <pc:sldMkLst>
+          <pc:docMk/>
+          <pc:sldMk cId="2537966333" sldId="1859"/>
+        </pc:sldMkLst>
+      </pc:sldChg>
+      <pc:sldChg chg="modSp new mod modAnim">
+        <pc:chgData name="Khattab, Sherif" userId="c83b1e15-36f3-4f46-aceb-05aac24c545e" providerId="ADAL" clId="{F2938780-69D4-7440-8672-A89FA067EE16}" dt="2022-01-24T19:05:13.379" v="1229"/>
+        <pc:sldMkLst>
+          <pc:docMk/>
+          <pc:sldMk cId="94405796" sldId="1860"/>
+        </pc:sldMkLst>
+        <pc:spChg chg="mod">
+          <ac:chgData name="Khattab, Sherif" userId="c83b1e15-36f3-4f46-aceb-05aac24c545e" providerId="ADAL" clId="{F2938780-69D4-7440-8672-A89FA067EE16}" dt="2022-01-24T19:03:14.495" v="1073" actId="20577"/>
+          <ac:spMkLst>
+            <pc:docMk/>
+            <pc:sldMk cId="94405796" sldId="1860"/>
+            <ac:spMk id="2" creationId="{46D5E86E-526D-C64F-80A9-DE4115CEEF4D}"/>
+          </ac:spMkLst>
+        </pc:spChg>
+        <pc:spChg chg="mod">
+          <ac:chgData name="Khattab, Sherif" userId="c83b1e15-36f3-4f46-aceb-05aac24c545e" providerId="ADAL" clId="{F2938780-69D4-7440-8672-A89FA067EE16}" dt="2022-01-24T19:04:06.025" v="1217" actId="114"/>
+          <ac:spMkLst>
+            <pc:docMk/>
+            <pc:sldMk cId="94405796" sldId="1860"/>
+            <ac:spMk id="3" creationId="{2D817B69-2398-4745-A2CD-07ED6E10AE15}"/>
+          </ac:spMkLst>
+        </pc:spChg>
+      </pc:sldChg>
       <pc:sldChg chg="del">
         <pc:chgData name="Khattab, Sherif" userId="c83b1e15-36f3-4f46-aceb-05aac24c545e" providerId="ADAL" clId="{F2938780-69D4-7440-8672-A89FA067EE16}" dt="2022-01-19T19:44:11.292" v="1" actId="2696"/>
         <pc:sldMkLst>
@@ -745,6 +967,124 @@
         <pc:sldMkLst>
           <pc:docMk/>
           <pc:sldMk cId="3431024549" sldId="1864"/>
+        </pc:sldMkLst>
+      </pc:sldChg>
+      <pc:sldChg chg="add del">
+        <pc:chgData name="Khattab, Sherif" userId="c83b1e15-36f3-4f46-aceb-05aac24c545e" providerId="ADAL" clId="{F2938780-69D4-7440-8672-A89FA067EE16}" dt="2022-01-24T19:08:35.767" v="1235" actId="2696"/>
+        <pc:sldMkLst>
+          <pc:docMk/>
+          <pc:sldMk cId="1662342598" sldId="1870"/>
+        </pc:sldMkLst>
+      </pc:sldChg>
+      <pc:sldChg chg="add del">
+        <pc:chgData name="Khattab, Sherif" userId="c83b1e15-36f3-4f46-aceb-05aac24c545e" providerId="ADAL" clId="{F2938780-69D4-7440-8672-A89FA067EE16}" dt="2022-01-24T19:08:43.089" v="1237"/>
+        <pc:sldMkLst>
+          <pc:docMk/>
+          <pc:sldMk cId="2489273629" sldId="1870"/>
+        </pc:sldMkLst>
+      </pc:sldChg>
+      <pc:sldChg chg="add">
+        <pc:chgData name="Khattab, Sherif" userId="c83b1e15-36f3-4f46-aceb-05aac24c545e" providerId="ADAL" clId="{F2938780-69D4-7440-8672-A89FA067EE16}" dt="2022-01-24T19:08:43.196" v="1238"/>
+        <pc:sldMkLst>
+          <pc:docMk/>
+          <pc:sldMk cId="2643093518" sldId="1870"/>
+        </pc:sldMkLst>
+      </pc:sldChg>
+      <pc:sldChg chg="add del">
+        <pc:chgData name="Khattab, Sherif" userId="c83b1e15-36f3-4f46-aceb-05aac24c545e" providerId="ADAL" clId="{F2938780-69D4-7440-8672-A89FA067EE16}" dt="2022-01-24T19:06:42.347" v="1234"/>
+        <pc:sldMkLst>
+          <pc:docMk/>
+          <pc:sldMk cId="551485046" sldId="1873"/>
+        </pc:sldMkLst>
+      </pc:sldChg>
+      <pc:sldChg chg="add del">
+        <pc:chgData name="Khattab, Sherif" userId="c83b1e15-36f3-4f46-aceb-05aac24c545e" providerId="ADAL" clId="{F2938780-69D4-7440-8672-A89FA067EE16}" dt="2022-01-24T19:06:42.347" v="1234"/>
+        <pc:sldMkLst>
+          <pc:docMk/>
+          <pc:sldMk cId="868200480" sldId="1874"/>
+        </pc:sldMkLst>
+      </pc:sldChg>
+      <pc:sldChg chg="modSp new mod">
+        <pc:chgData name="Khattab, Sherif" userId="c83b1e15-36f3-4f46-aceb-05aac24c545e" providerId="ADAL" clId="{F2938780-69D4-7440-8672-A89FA067EE16}" dt="2022-01-24T19:09:14.554" v="1291" actId="20577"/>
+        <pc:sldMkLst>
+          <pc:docMk/>
+          <pc:sldMk cId="2951067329" sldId="1875"/>
+        </pc:sldMkLst>
+        <pc:spChg chg="mod">
+          <ac:chgData name="Khattab, Sherif" userId="c83b1e15-36f3-4f46-aceb-05aac24c545e" providerId="ADAL" clId="{F2938780-69D4-7440-8672-A89FA067EE16}" dt="2022-01-24T19:08:56.930" v="1259" actId="20577"/>
+          <ac:spMkLst>
+            <pc:docMk/>
+            <pc:sldMk cId="2951067329" sldId="1875"/>
+            <ac:spMk id="2" creationId="{3D3FBB3E-C765-1E4E-94C9-0366E1474005}"/>
+          </ac:spMkLst>
+        </pc:spChg>
+        <pc:spChg chg="mod">
+          <ac:chgData name="Khattab, Sherif" userId="c83b1e15-36f3-4f46-aceb-05aac24c545e" providerId="ADAL" clId="{F2938780-69D4-7440-8672-A89FA067EE16}" dt="2022-01-24T19:09:14.554" v="1291" actId="20577"/>
+          <ac:spMkLst>
+            <pc:docMk/>
+            <pc:sldMk cId="2951067329" sldId="1875"/>
+            <ac:spMk id="3" creationId="{29DC18C8-49D2-814F-9449-B9B1DA721BCC}"/>
+          </ac:spMkLst>
+        </pc:spChg>
+      </pc:sldChg>
+      <pc:sldChg chg="modSp new mod">
+        <pc:chgData name="Khattab, Sherif" userId="c83b1e15-36f3-4f46-aceb-05aac24c545e" providerId="ADAL" clId="{F2938780-69D4-7440-8672-A89FA067EE16}" dt="2022-01-24T19:09:47.781" v="1373" actId="20577"/>
+        <pc:sldMkLst>
+          <pc:docMk/>
+          <pc:sldMk cId="2514033985" sldId="1876"/>
+        </pc:sldMkLst>
+        <pc:spChg chg="mod">
+          <ac:chgData name="Khattab, Sherif" userId="c83b1e15-36f3-4f46-aceb-05aac24c545e" providerId="ADAL" clId="{F2938780-69D4-7440-8672-A89FA067EE16}" dt="2022-01-24T19:09:22.040" v="1309" actId="20577"/>
+          <ac:spMkLst>
+            <pc:docMk/>
+            <pc:sldMk cId="2514033985" sldId="1876"/>
+            <ac:spMk id="2" creationId="{B3AFA3E5-D40A-2249-AC65-F3B19EE1F133}"/>
+          </ac:spMkLst>
+        </pc:spChg>
+        <pc:spChg chg="mod">
+          <ac:chgData name="Khattab, Sherif" userId="c83b1e15-36f3-4f46-aceb-05aac24c545e" providerId="ADAL" clId="{F2938780-69D4-7440-8672-A89FA067EE16}" dt="2022-01-24T19:09:47.781" v="1373" actId="20577"/>
+          <ac:spMkLst>
+            <pc:docMk/>
+            <pc:sldMk cId="2514033985" sldId="1876"/>
+            <ac:spMk id="3" creationId="{8810FF70-0502-7C47-8047-1376AA6A10E9}"/>
+          </ac:spMkLst>
+        </pc:spChg>
+      </pc:sldChg>
+      <pc:sldChg chg="modSp new mod">
+        <pc:chgData name="Khattab, Sherif" userId="c83b1e15-36f3-4f46-aceb-05aac24c545e" providerId="ADAL" clId="{F2938780-69D4-7440-8672-A89FA067EE16}" dt="2022-01-24T19:10:31.458" v="1469" actId="20577"/>
+        <pc:sldMkLst>
+          <pc:docMk/>
+          <pc:sldMk cId="671181895" sldId="1877"/>
+        </pc:sldMkLst>
+        <pc:spChg chg="mod">
+          <ac:chgData name="Khattab, Sherif" userId="c83b1e15-36f3-4f46-aceb-05aac24c545e" providerId="ADAL" clId="{F2938780-69D4-7440-8672-A89FA067EE16}" dt="2022-01-24T19:10:31.458" v="1469" actId="20577"/>
+          <ac:spMkLst>
+            <pc:docMk/>
+            <pc:sldMk cId="671181895" sldId="1877"/>
+            <ac:spMk id="2" creationId="{069B5492-7901-AD4A-A3E3-C3660B01056A}"/>
+          </ac:spMkLst>
+        </pc:spChg>
+        <pc:spChg chg="mod">
+          <ac:chgData name="Khattab, Sherif" userId="c83b1e15-36f3-4f46-aceb-05aac24c545e" providerId="ADAL" clId="{F2938780-69D4-7440-8672-A89FA067EE16}" dt="2022-01-24T19:10:23.844" v="1467" actId="20577"/>
+          <ac:spMkLst>
+            <pc:docMk/>
+            <pc:sldMk cId="671181895" sldId="1877"/>
+            <ac:spMk id="3" creationId="{BE8BCB22-8A89-BF4C-BAD0-7A771C44B9DE}"/>
+          </ac:spMkLst>
+        </pc:spChg>
+      </pc:sldChg>
+      <pc:sldChg chg="add del">
+        <pc:chgData name="Khattab, Sherif" userId="c83b1e15-36f3-4f46-aceb-05aac24c545e" providerId="ADAL" clId="{F2938780-69D4-7440-8672-A89FA067EE16}" dt="2022-01-24T19:11:27.720" v="1472"/>
+        <pc:sldMkLst>
+          <pc:docMk/>
+          <pc:sldMk cId="972574410" sldId="1878"/>
+        </pc:sldMkLst>
+      </pc:sldChg>
+      <pc:sldChg chg="add del">
+        <pc:chgData name="Khattab, Sherif" userId="c83b1e15-36f3-4f46-aceb-05aac24c545e" providerId="ADAL" clId="{F2938780-69D4-7440-8672-A89FA067EE16}" dt="2022-01-24T19:11:27.720" v="1472"/>
+        <pc:sldMkLst>
+          <pc:docMk/>
+          <pc:sldMk cId="3409777137" sldId="1879"/>
         </pc:sldMkLst>
       </pc:sldChg>
     </pc:docChg>
@@ -1631,7 +1971,7 @@
           <a:p>
             <a:fld id="{A845D111-13B1-6540-9222-8BA23A0A1AF2}" type="datetimeFigureOut">
               <a:rPr lang="en-US" smtClean="0"/>
-              <a:t>1/19/22</a:t>
+              <a:t>1/24/22</a:t>
             </a:fld>
             <a:endParaRPr lang="en-US"/>
           </a:p>
@@ -2271,6 +2611,645 @@
 </file>
 
 <file path=ppt/notesSlides/notesSlide2.xml><?xml version="1.0" encoding="utf-8"?>
+<p:notes xmlns:a="http://schemas.openxmlformats.org/drawingml/2006/main" xmlns:r="http://schemas.openxmlformats.org/officeDocument/2006/relationships" xmlns:p="http://schemas.openxmlformats.org/presentationml/2006/main" showMasterSp="0" showMasterPhAnim="0">
+  <p:cSld>
+    <p:spTree>
+      <p:nvGrpSpPr>
+        <p:cNvPr id="1" name="Shape 456"/>
+        <p:cNvGrpSpPr/>
+        <p:nvPr/>
+      </p:nvGrpSpPr>
+      <p:grpSpPr>
+        <a:xfrm>
+          <a:off x="0" y="0"/>
+          <a:ext cx="0" cy="0"/>
+          <a:chOff x="0" y="0"/>
+          <a:chExt cx="0" cy="0"/>
+        </a:xfrm>
+      </p:grpSpPr>
+      <p:sp>
+        <p:nvSpPr>
+          <p:cNvPr id="457" name="Google Shape;457;g3c385fd78_40:notes"/>
+          <p:cNvSpPr>
+            <a:spLocks noGrp="1" noRot="1" noChangeAspect="1"/>
+          </p:cNvSpPr>
+          <p:nvPr>
+            <p:ph type="sldImg" idx="2"/>
+          </p:nvPr>
+        </p:nvSpPr>
+        <p:spPr>
+          <a:xfrm>
+            <a:off x="1144588" y="685800"/>
+            <a:ext cx="4568825" cy="3429000"/>
+          </a:xfrm>
+          <a:custGeom>
+            <a:avLst/>
+            <a:gdLst/>
+            <a:ahLst/>
+            <a:cxnLst/>
+            <a:rect l="0" t="0" r="0" b="0"/>
+            <a:pathLst>
+              <a:path w="120000" h="120000" extrusionOk="0">
+                <a:moveTo>
+                  <a:pt x="0" y="0"/>
+                </a:moveTo>
+                <a:lnTo>
+                  <a:pt x="120000" y="0"/>
+                </a:lnTo>
+                <a:lnTo>
+                  <a:pt x="120000" y="120000"/>
+                </a:lnTo>
+                <a:lnTo>
+                  <a:pt x="0" y="120000"/>
+                </a:lnTo>
+                <a:close/>
+              </a:path>
+            </a:pathLst>
+          </a:custGeom>
+        </p:spPr>
+      </p:sp>
+      <p:sp>
+        <p:nvSpPr>
+          <p:cNvPr id="458" name="Google Shape;458;g3c385fd78_40:notes"/>
+          <p:cNvSpPr txBox="1">
+            <a:spLocks noGrp="1"/>
+          </p:cNvSpPr>
+          <p:nvPr>
+            <p:ph type="body" idx="1"/>
+          </p:nvPr>
+        </p:nvSpPr>
+        <p:spPr>
+          <a:xfrm>
+            <a:off x="685800" y="4343400"/>
+            <a:ext cx="5486400" cy="4114800"/>
+          </a:xfrm>
+          <a:prstGeom prst="rect">
+            <a:avLst/>
+          </a:prstGeom>
+        </p:spPr>
+        <p:txBody>
+          <a:bodyPr spcFirstLastPara="1" wrap="square" lIns="91425" tIns="91425" rIns="91425" bIns="91425" anchor="t" anchorCtr="0">
+            <a:noAutofit/>
+          </a:bodyPr>
+          <a:lstStyle/>
+          <a:p>
+            <a:pPr marL="0" lvl="0" indent="0" rtl="0">
+              <a:spcBef>
+                <a:spcPts val="0"/>
+              </a:spcBef>
+              <a:spcAft>
+                <a:spcPts val="0"/>
+              </a:spcAft>
+              <a:buClr>
+                <a:schemeClr val="dk1"/>
+              </a:buClr>
+              <a:buSzPts val="1100"/>
+              <a:buFont typeface="Arial"/>
+              <a:buNone/>
+            </a:pPr>
+            <a:r>
+              <a:rPr lang="en">
+                <a:solidFill>
+                  <a:srgbClr val="252525"/>
+                </a:solidFill>
+              </a:rPr>
+              <a:t>F, B, A, D, C, E, G, I, H</a:t>
+            </a:r>
+            <a:endParaRPr>
+              <a:solidFill>
+                <a:srgbClr val="252525"/>
+              </a:solidFill>
+            </a:endParaRPr>
+          </a:p>
+          <a:p>
+            <a:pPr marL="0" lvl="0" indent="0" rtl="0">
+              <a:spcBef>
+                <a:spcPts val="0"/>
+              </a:spcBef>
+              <a:spcAft>
+                <a:spcPts val="0"/>
+              </a:spcAft>
+              <a:buClr>
+                <a:schemeClr val="dk1"/>
+              </a:buClr>
+              <a:buSzPts val="1100"/>
+              <a:buFont typeface="Arial"/>
+              <a:buNone/>
+            </a:pPr>
+            <a:endParaRPr>
+              <a:solidFill>
+                <a:srgbClr val="252525"/>
+              </a:solidFill>
+            </a:endParaRPr>
+          </a:p>
+          <a:p>
+            <a:pPr marL="0" lvl="0" indent="0" rtl="0">
+              <a:spcBef>
+                <a:spcPts val="0"/>
+              </a:spcBef>
+              <a:spcAft>
+                <a:spcPts val="0"/>
+              </a:spcAft>
+              <a:buClr>
+                <a:schemeClr val="dk1"/>
+              </a:buClr>
+              <a:buSzPts val="1100"/>
+              <a:buFont typeface="Arial"/>
+              <a:buNone/>
+            </a:pPr>
+            <a:r>
+              <a:rPr lang="en">
+                <a:solidFill>
+                  <a:srgbClr val="252525"/>
+                </a:solidFill>
+              </a:rPr>
+              <a:t>Seen before when we talked about marshalling </a:t>
+            </a:r>
+            <a:r>
+              <a:rPr lang="en" err="1">
+                <a:solidFill>
+                  <a:srgbClr val="252525"/>
+                </a:solidFill>
+              </a:rPr>
+              <a:t>huffman</a:t>
+            </a:r>
+            <a:r>
+              <a:rPr lang="en">
+                <a:solidFill>
+                  <a:srgbClr val="252525"/>
+                </a:solidFill>
+              </a:rPr>
+              <a:t> tries to the compressed file</a:t>
+            </a:r>
+            <a:endParaRPr>
+              <a:solidFill>
+                <a:srgbClr val="252525"/>
+              </a:solidFill>
+            </a:endParaRPr>
+          </a:p>
+          <a:p>
+            <a:pPr marL="0" lvl="0" indent="0" rtl="0">
+              <a:spcBef>
+                <a:spcPts val="0"/>
+              </a:spcBef>
+              <a:spcAft>
+                <a:spcPts val="0"/>
+              </a:spcAft>
+              <a:buClr>
+                <a:schemeClr val="dk1"/>
+              </a:buClr>
+              <a:buSzPts val="1100"/>
+              <a:buFont typeface="Arial"/>
+              <a:buNone/>
+            </a:pPr>
+            <a:endParaRPr>
+              <a:solidFill>
+                <a:srgbClr val="252525"/>
+              </a:solidFill>
+            </a:endParaRPr>
+          </a:p>
+          <a:p>
+            <a:pPr marL="0" lvl="0" indent="0" rtl="0">
+              <a:spcBef>
+                <a:spcPts val="0"/>
+              </a:spcBef>
+              <a:spcAft>
+                <a:spcPts val="0"/>
+              </a:spcAft>
+              <a:buClr>
+                <a:schemeClr val="dk1"/>
+              </a:buClr>
+              <a:buSzPts val="1100"/>
+              <a:buFont typeface="Arial"/>
+              <a:buNone/>
+            </a:pPr>
+            <a:r>
+              <a:rPr lang="en">
+                <a:solidFill>
+                  <a:srgbClr val="252525"/>
+                </a:solidFill>
+              </a:rPr>
+              <a:t>Good for evaluating Polish notation</a:t>
+            </a:r>
+            <a:endParaRPr>
+              <a:solidFill>
+                <a:srgbClr val="252525"/>
+              </a:solidFill>
+            </a:endParaRPr>
+          </a:p>
+          <a:p>
+            <a:pPr marL="0" lvl="0" indent="0">
+              <a:spcBef>
+                <a:spcPts val="0"/>
+              </a:spcBef>
+              <a:spcAft>
+                <a:spcPts val="0"/>
+              </a:spcAft>
+              <a:buNone/>
+            </a:pPr>
+            <a:endParaRPr>
+              <a:solidFill>
+                <a:srgbClr val="252525"/>
+              </a:solidFill>
+              <a:highlight>
+                <a:srgbClr val="F9F9F9"/>
+              </a:highlight>
+            </a:endParaRPr>
+          </a:p>
+        </p:txBody>
+      </p:sp>
+    </p:spTree>
+    <p:extLst>
+      <p:ext uri="{BB962C8B-B14F-4D97-AF65-F5344CB8AC3E}">
+        <p14:creationId xmlns:p14="http://schemas.microsoft.com/office/powerpoint/2010/main" val="3948892276"/>
+      </p:ext>
+    </p:extLst>
+  </p:cSld>
+  <p:clrMapOvr>
+    <a:masterClrMapping/>
+  </p:clrMapOvr>
+</p:notes>
+</file>
+
+<file path=ppt/notesSlides/notesSlide3.xml><?xml version="1.0" encoding="utf-8"?>
+<p:notes xmlns:a="http://schemas.openxmlformats.org/drawingml/2006/main" xmlns:r="http://schemas.openxmlformats.org/officeDocument/2006/relationships" xmlns:p="http://schemas.openxmlformats.org/presentationml/2006/main" showMasterSp="0" showMasterPhAnim="0">
+  <p:cSld>
+    <p:spTree>
+      <p:nvGrpSpPr>
+        <p:cNvPr id="1" name="Shape 463"/>
+        <p:cNvGrpSpPr/>
+        <p:nvPr/>
+      </p:nvGrpSpPr>
+      <p:grpSpPr>
+        <a:xfrm>
+          <a:off x="0" y="0"/>
+          <a:ext cx="0" cy="0"/>
+          <a:chOff x="0" y="0"/>
+          <a:chExt cx="0" cy="0"/>
+        </a:xfrm>
+      </p:grpSpPr>
+      <p:sp>
+        <p:nvSpPr>
+          <p:cNvPr id="464" name="Google Shape;464;g3c385fd78_48:notes"/>
+          <p:cNvSpPr>
+            <a:spLocks noGrp="1" noRot="1" noChangeAspect="1"/>
+          </p:cNvSpPr>
+          <p:nvPr>
+            <p:ph type="sldImg" idx="2"/>
+          </p:nvPr>
+        </p:nvSpPr>
+        <p:spPr>
+          <a:xfrm>
+            <a:off x="1144588" y="685800"/>
+            <a:ext cx="4568825" cy="3429000"/>
+          </a:xfrm>
+          <a:custGeom>
+            <a:avLst/>
+            <a:gdLst/>
+            <a:ahLst/>
+            <a:cxnLst/>
+            <a:rect l="0" t="0" r="0" b="0"/>
+            <a:pathLst>
+              <a:path w="120000" h="120000" extrusionOk="0">
+                <a:moveTo>
+                  <a:pt x="0" y="0"/>
+                </a:moveTo>
+                <a:lnTo>
+                  <a:pt x="120000" y="0"/>
+                </a:lnTo>
+                <a:lnTo>
+                  <a:pt x="120000" y="120000"/>
+                </a:lnTo>
+                <a:lnTo>
+                  <a:pt x="0" y="120000"/>
+                </a:lnTo>
+                <a:close/>
+              </a:path>
+            </a:pathLst>
+          </a:custGeom>
+        </p:spPr>
+      </p:sp>
+      <p:sp>
+        <p:nvSpPr>
+          <p:cNvPr id="465" name="Google Shape;465;g3c385fd78_48:notes"/>
+          <p:cNvSpPr txBox="1">
+            <a:spLocks noGrp="1"/>
+          </p:cNvSpPr>
+          <p:nvPr>
+            <p:ph type="body" idx="1"/>
+          </p:nvPr>
+        </p:nvSpPr>
+        <p:spPr>
+          <a:xfrm>
+            <a:off x="685800" y="4343400"/>
+            <a:ext cx="5486400" cy="4114800"/>
+          </a:xfrm>
+          <a:prstGeom prst="rect">
+            <a:avLst/>
+          </a:prstGeom>
+        </p:spPr>
+        <p:txBody>
+          <a:bodyPr spcFirstLastPara="1" wrap="square" lIns="91425" tIns="91425" rIns="91425" bIns="91425" anchor="t" anchorCtr="0">
+            <a:noAutofit/>
+          </a:bodyPr>
+          <a:lstStyle/>
+          <a:p>
+            <a:pPr marL="0" lvl="0" indent="0" rtl="0">
+              <a:spcBef>
+                <a:spcPts val="0"/>
+              </a:spcBef>
+              <a:spcAft>
+                <a:spcPts val="0"/>
+              </a:spcAft>
+              <a:buNone/>
+            </a:pPr>
+            <a:r>
+              <a:rPr lang="en">
+                <a:solidFill>
+                  <a:srgbClr val="252525"/>
+                </a:solidFill>
+              </a:rPr>
+              <a:t>A, B, C, D, E, F, G, H, I</a:t>
+            </a:r>
+            <a:endParaRPr>
+              <a:solidFill>
+                <a:srgbClr val="252525"/>
+              </a:solidFill>
+            </a:endParaRPr>
+          </a:p>
+          <a:p>
+            <a:pPr marL="0" lvl="0" indent="0" rtl="0">
+              <a:spcBef>
+                <a:spcPts val="0"/>
+              </a:spcBef>
+              <a:spcAft>
+                <a:spcPts val="0"/>
+              </a:spcAft>
+              <a:buNone/>
+            </a:pPr>
+            <a:endParaRPr>
+              <a:solidFill>
+                <a:srgbClr val="252525"/>
+              </a:solidFill>
+            </a:endParaRPr>
+          </a:p>
+          <a:p>
+            <a:pPr marL="0" lvl="0" indent="0" rtl="0">
+              <a:spcBef>
+                <a:spcPts val="0"/>
+              </a:spcBef>
+              <a:spcAft>
+                <a:spcPts val="0"/>
+              </a:spcAft>
+              <a:buNone/>
+            </a:pPr>
+            <a:r>
+              <a:rPr lang="en">
+                <a:solidFill>
+                  <a:srgbClr val="252525"/>
+                </a:solidFill>
+              </a:rPr>
+              <a:t>Seen when we wanted to enumerate all values stored in a B-tree (motivating the need for a </a:t>
+            </a:r>
+            <a:r>
+              <a:rPr lang="en" err="1">
+                <a:solidFill>
+                  <a:srgbClr val="252525"/>
+                </a:solidFill>
+              </a:rPr>
+              <a:t>B+tree</a:t>
+            </a:r>
+            <a:r>
+              <a:rPr lang="en">
+                <a:solidFill>
+                  <a:srgbClr val="252525"/>
+                </a:solidFill>
+              </a:rPr>
+              <a:t>)</a:t>
+            </a:r>
+            <a:endParaRPr>
+              <a:solidFill>
+                <a:srgbClr val="252525"/>
+              </a:solidFill>
+            </a:endParaRPr>
+          </a:p>
+          <a:p>
+            <a:pPr marL="0" lvl="0" indent="0" rtl="0">
+              <a:spcBef>
+                <a:spcPts val="0"/>
+              </a:spcBef>
+              <a:spcAft>
+                <a:spcPts val="0"/>
+              </a:spcAft>
+              <a:buNone/>
+            </a:pPr>
+            <a:endParaRPr>
+              <a:solidFill>
+                <a:srgbClr val="252525"/>
+              </a:solidFill>
+            </a:endParaRPr>
+          </a:p>
+          <a:p>
+            <a:pPr marL="0" lvl="0" indent="0" rtl="0">
+              <a:spcBef>
+                <a:spcPts val="0"/>
+              </a:spcBef>
+              <a:spcAft>
+                <a:spcPts val="0"/>
+              </a:spcAft>
+              <a:buNone/>
+            </a:pPr>
+            <a:r>
+              <a:rPr lang="en">
+                <a:solidFill>
+                  <a:srgbClr val="252525"/>
+                </a:solidFill>
+              </a:rPr>
+              <a:t>Good for sorted ordering (if dealing with sorted data structure)</a:t>
+            </a:r>
+            <a:endParaRPr>
+              <a:solidFill>
+                <a:srgbClr val="252525"/>
+              </a:solidFill>
+            </a:endParaRPr>
+          </a:p>
+        </p:txBody>
+      </p:sp>
+    </p:spTree>
+    <p:extLst>
+      <p:ext uri="{BB962C8B-B14F-4D97-AF65-F5344CB8AC3E}">
+        <p14:creationId xmlns:p14="http://schemas.microsoft.com/office/powerpoint/2010/main" val="2033729014"/>
+      </p:ext>
+    </p:extLst>
+  </p:cSld>
+  <p:clrMapOvr>
+    <a:masterClrMapping/>
+  </p:clrMapOvr>
+</p:notes>
+</file>
+
+<file path=ppt/notesSlides/notesSlide4.xml><?xml version="1.0" encoding="utf-8"?>
+<p:notes xmlns:a="http://schemas.openxmlformats.org/drawingml/2006/main" xmlns:r="http://schemas.openxmlformats.org/officeDocument/2006/relationships" xmlns:p="http://schemas.openxmlformats.org/presentationml/2006/main" showMasterSp="0" showMasterPhAnim="0">
+  <p:cSld>
+    <p:spTree>
+      <p:nvGrpSpPr>
+        <p:cNvPr id="1" name="Shape 470"/>
+        <p:cNvGrpSpPr/>
+        <p:nvPr/>
+      </p:nvGrpSpPr>
+      <p:grpSpPr>
+        <a:xfrm>
+          <a:off x="0" y="0"/>
+          <a:ext cx="0" cy="0"/>
+          <a:chOff x="0" y="0"/>
+          <a:chExt cx="0" cy="0"/>
+        </a:xfrm>
+      </p:grpSpPr>
+      <p:sp>
+        <p:nvSpPr>
+          <p:cNvPr id="471" name="Google Shape;471;g3c385fd78_413:notes"/>
+          <p:cNvSpPr>
+            <a:spLocks noGrp="1" noRot="1" noChangeAspect="1"/>
+          </p:cNvSpPr>
+          <p:nvPr>
+            <p:ph type="sldImg" idx="2"/>
+          </p:nvPr>
+        </p:nvSpPr>
+        <p:spPr>
+          <a:xfrm>
+            <a:off x="1144588" y="685800"/>
+            <a:ext cx="4568825" cy="3429000"/>
+          </a:xfrm>
+          <a:custGeom>
+            <a:avLst/>
+            <a:gdLst/>
+            <a:ahLst/>
+            <a:cxnLst/>
+            <a:rect l="0" t="0" r="0" b="0"/>
+            <a:pathLst>
+              <a:path w="120000" h="120000" extrusionOk="0">
+                <a:moveTo>
+                  <a:pt x="0" y="0"/>
+                </a:moveTo>
+                <a:lnTo>
+                  <a:pt x="120000" y="0"/>
+                </a:lnTo>
+                <a:lnTo>
+                  <a:pt x="120000" y="120000"/>
+                </a:lnTo>
+                <a:lnTo>
+                  <a:pt x="0" y="120000"/>
+                </a:lnTo>
+                <a:close/>
+              </a:path>
+            </a:pathLst>
+          </a:custGeom>
+        </p:spPr>
+      </p:sp>
+      <p:sp>
+        <p:nvSpPr>
+          <p:cNvPr id="472" name="Google Shape;472;g3c385fd78_413:notes"/>
+          <p:cNvSpPr txBox="1">
+            <a:spLocks noGrp="1"/>
+          </p:cNvSpPr>
+          <p:nvPr>
+            <p:ph type="body" idx="1"/>
+          </p:nvPr>
+        </p:nvSpPr>
+        <p:spPr>
+          <a:xfrm>
+            <a:off x="685800" y="4343400"/>
+            <a:ext cx="5486400" cy="4114800"/>
+          </a:xfrm>
+          <a:prstGeom prst="rect">
+            <a:avLst/>
+          </a:prstGeom>
+        </p:spPr>
+        <p:txBody>
+          <a:bodyPr spcFirstLastPara="1" wrap="square" lIns="91425" tIns="91425" rIns="91425" bIns="91425" anchor="t" anchorCtr="0">
+            <a:noAutofit/>
+          </a:bodyPr>
+          <a:lstStyle/>
+          <a:p>
+            <a:pPr marL="0" lvl="0" indent="0" rtl="0">
+              <a:spcBef>
+                <a:spcPts val="0"/>
+              </a:spcBef>
+              <a:spcAft>
+                <a:spcPts val="0"/>
+              </a:spcAft>
+              <a:buNone/>
+            </a:pPr>
+            <a:r>
+              <a:rPr lang="en">
+                <a:solidFill>
+                  <a:srgbClr val="252525"/>
+                </a:solidFill>
+              </a:rPr>
+              <a:t>A, C, E, D, B, H, I, G, F</a:t>
+            </a:r>
+            <a:endParaRPr>
+              <a:solidFill>
+                <a:srgbClr val="252525"/>
+              </a:solidFill>
+            </a:endParaRPr>
+          </a:p>
+          <a:p>
+            <a:pPr marL="0" lvl="0" indent="0" rtl="0">
+              <a:spcBef>
+                <a:spcPts val="0"/>
+              </a:spcBef>
+              <a:spcAft>
+                <a:spcPts val="0"/>
+              </a:spcAft>
+              <a:buNone/>
+            </a:pPr>
+            <a:endParaRPr>
+              <a:solidFill>
+                <a:srgbClr val="252525"/>
+              </a:solidFill>
+            </a:endParaRPr>
+          </a:p>
+          <a:p>
+            <a:pPr marL="0" lvl="0" indent="0" rtl="0">
+              <a:spcBef>
+                <a:spcPts val="0"/>
+              </a:spcBef>
+              <a:spcAft>
+                <a:spcPts val="0"/>
+              </a:spcAft>
+              <a:buNone/>
+            </a:pPr>
+            <a:r>
+              <a:rPr lang="en">
+                <a:solidFill>
+                  <a:srgbClr val="252525"/>
+                </a:solidFill>
+              </a:rPr>
+              <a:t>Good for reverse Polish notation</a:t>
+            </a:r>
+            <a:endParaRPr>
+              <a:solidFill>
+                <a:srgbClr val="252525"/>
+              </a:solidFill>
+            </a:endParaRPr>
+          </a:p>
+        </p:txBody>
+      </p:sp>
+    </p:spTree>
+    <p:extLst>
+      <p:ext uri="{BB962C8B-B14F-4D97-AF65-F5344CB8AC3E}">
+        <p14:creationId xmlns:p14="http://schemas.microsoft.com/office/powerpoint/2010/main" val="926193407"/>
+      </p:ext>
+    </p:extLst>
+  </p:cSld>
+  <p:clrMapOvr>
+    <a:masterClrMapping/>
+  </p:clrMapOvr>
+</p:notes>
+</file>
+
+<file path=ppt/notesSlides/notesSlide5.xml><?xml version="1.0" encoding="utf-8"?>
 <p:notes xmlns:a="http://schemas.openxmlformats.org/drawingml/2006/main" xmlns:r="http://schemas.openxmlformats.org/officeDocument/2006/relationships" xmlns:p="http://schemas.openxmlformats.org/presentationml/2006/main">
   <p:cSld>
     <p:spTree>
@@ -2414,7 +3393,7 @@
                 <a:tabLst/>
                 <a:defRPr/>
               </a:pPr>
-              <a:t>4</a:t>
+              <a:t>24</a:t>
             </a:fld>
             <a:endParaRPr kumimoji="0" lang="en-US" sz="1200" b="0" i="0" u="none" strike="noStrike" kern="1200" cap="none" spc="0" normalizeH="0" baseline="0" noProof="0">
               <a:ln>
@@ -5107,7 +6086,7 @@
             <a:fld id="{049DC8E1-D369-0F48-9062-BB068AFD07CE}" type="datetime1">
               <a:rPr lang="en-US" smtClean="0"/>
               <a:pPr/>
-              <a:t>1/19/22</a:t>
+              <a:t>1/24/22</a:t>
             </a:fld>
             <a:endParaRPr lang="en-US"/>
           </a:p>
@@ -12639,6 +13618,3129 @@
 </p:sld>
 </file>
 
+<file path=ppt/slides/slide10.xml><?xml version="1.0" encoding="utf-8"?>
+<p:sld xmlns:a="http://schemas.openxmlformats.org/drawingml/2006/main" xmlns:r="http://schemas.openxmlformats.org/officeDocument/2006/relationships" xmlns:p="http://schemas.openxmlformats.org/presentationml/2006/main">
+  <p:cSld>
+    <p:spTree>
+      <p:nvGrpSpPr>
+        <p:cNvPr id="1" name=""/>
+        <p:cNvGrpSpPr/>
+        <p:nvPr/>
+      </p:nvGrpSpPr>
+      <p:grpSpPr>
+        <a:xfrm>
+          <a:off x="0" y="0"/>
+          <a:ext cx="0" cy="0"/>
+          <a:chOff x="0" y="0"/>
+          <a:chExt cx="0" cy="0"/>
+        </a:xfrm>
+      </p:grpSpPr>
+      <p:sp>
+        <p:nvSpPr>
+          <p:cNvPr id="11266" name="Title 4"/>
+          <p:cNvSpPr>
+            <a:spLocks noGrp="1"/>
+          </p:cNvSpPr>
+          <p:nvPr>
+            <p:ph type="title"/>
+          </p:nvPr>
+        </p:nvSpPr>
+        <p:spPr/>
+        <p:txBody>
+          <a:bodyPr/>
+          <a:lstStyle/>
+          <a:p>
+            <a:pPr eaLnBrk="1" hangingPunct="1"/>
+            <a:r>
+              <a:rPr lang="en-US" altLang="en-US"/>
+              <a:t>Binary Trees</a:t>
+            </a:r>
+          </a:p>
+        </p:txBody>
+      </p:sp>
+      <p:sp>
+        <p:nvSpPr>
+          <p:cNvPr id="11267" name="Content Placeholder 5"/>
+          <p:cNvSpPr>
+            <a:spLocks noGrp="1"/>
+          </p:cNvSpPr>
+          <p:nvPr>
+            <p:ph idx="1"/>
+          </p:nvPr>
+        </p:nvSpPr>
+        <p:spPr/>
+        <p:txBody>
+          <a:bodyPr/>
+          <a:lstStyle/>
+          <a:p>
+            <a:pPr marL="0" indent="0" eaLnBrk="1" hangingPunct="1">
+              <a:buNone/>
+            </a:pPr>
+            <a:endParaRPr lang="en-US" altLang="en-US"/>
+          </a:p>
+        </p:txBody>
+      </p:sp>
+      <p:sp>
+        <p:nvSpPr>
+          <p:cNvPr id="4" name="Footer Placeholder 3"/>
+          <p:cNvSpPr>
+            <a:spLocks noGrp="1"/>
+          </p:cNvSpPr>
+          <p:nvPr>
+            <p:ph type="ftr" idx="11"/>
+          </p:nvPr>
+        </p:nvSpPr>
+        <p:spPr/>
+        <p:txBody>
+          <a:bodyPr/>
+          <a:lstStyle/>
+          <a:p>
+            <a:pPr marL="0" marR="0" lvl="0" indent="0" algn="ctr" defTabSz="914400" rtl="0" eaLnBrk="1" fontAlgn="auto" latinLnBrk="0" hangingPunct="1">
+              <a:lnSpc>
+                <a:spcPct val="96000"/>
+              </a:lnSpc>
+              <a:spcBef>
+                <a:spcPts val="0"/>
+              </a:spcBef>
+              <a:spcAft>
+                <a:spcPts val="0"/>
+              </a:spcAft>
+              <a:buClrTx/>
+              <a:buSzTx/>
+              <a:buFont typeface="Times New Roman" pitchFamily="16" charset="0"/>
+              <a:buNone/>
+              <a:tabLst>
+                <a:tab pos="0" algn="l"/>
+                <a:tab pos="457436" algn="l"/>
+                <a:tab pos="914872" algn="l"/>
+                <a:tab pos="1372308" algn="l"/>
+                <a:tab pos="1829742" algn="l"/>
+                <a:tab pos="2287178" algn="l"/>
+                <a:tab pos="2744615" algn="l"/>
+                <a:tab pos="3202050" algn="l"/>
+                <a:tab pos="3659486" algn="l"/>
+                <a:tab pos="4116923" algn="l"/>
+                <a:tab pos="4574357" algn="l"/>
+                <a:tab pos="5031793" algn="l"/>
+                <a:tab pos="5489228" algn="l"/>
+                <a:tab pos="5946665" algn="l"/>
+                <a:tab pos="6404101" algn="l"/>
+                <a:tab pos="6861536" algn="l"/>
+                <a:tab pos="7318971" algn="l"/>
+                <a:tab pos="7776408" algn="l"/>
+                <a:tab pos="8233843" algn="l"/>
+                <a:tab pos="8691279" algn="l"/>
+                <a:tab pos="9148715" algn="l"/>
+              </a:tabLst>
+              <a:defRPr/>
+            </a:pPr>
+            <a:r>
+              <a:rPr kumimoji="0" lang="en-US" sz="1401" b="0" i="0" u="none" strike="noStrike" kern="1200" cap="none" spc="0" normalizeH="0" baseline="0" noProof="0">
+                <a:ln>
+                  <a:noFill/>
+                </a:ln>
+                <a:solidFill>
+                  <a:srgbClr val="000000"/>
+                </a:solidFill>
+                <a:effectLst/>
+                <a:uLnTx/>
+                <a:uFillTx/>
+                <a:latin typeface="Times New Roman" pitchFamily="16" charset="0"/>
+                <a:ea typeface="+mn-ea"/>
+                <a:cs typeface="Arial" charset="0"/>
+              </a:rPr>
+              <a:t>CS 1501 – Algorithms &amp; Data Structures 2 – Sherif Khattab</a:t>
+            </a:r>
+          </a:p>
+        </p:txBody>
+      </p:sp>
+      <p:pic>
+        <p:nvPicPr>
+          <p:cNvPr id="23554" name="Picture 2"/>
+          <p:cNvPicPr>
+            <a:picLocks noChangeAspect="1" noChangeArrowheads="1"/>
+          </p:cNvPicPr>
+          <p:nvPr/>
+        </p:nvPicPr>
+        <p:blipFill>
+          <a:blip r:embed="rId2">
+            <a:grayscl/>
+          </a:blip>
+          <a:srcRect/>
+          <a:stretch>
+            <a:fillRect/>
+          </a:stretch>
+        </p:blipFill>
+        <p:spPr bwMode="auto">
+          <a:xfrm>
+            <a:off x="175050" y="1564970"/>
+            <a:ext cx="9732298" cy="4288125"/>
+          </a:xfrm>
+          <a:prstGeom prst="rect">
+            <a:avLst/>
+          </a:prstGeom>
+          <a:ln>
+            <a:noFill/>
+          </a:ln>
+          <a:effectLst>
+            <a:outerShdw blurRad="292100" dist="139700" dir="2700000" algn="tl" rotWithShape="0">
+              <a:srgbClr val="333333">
+                <a:alpha val="65000"/>
+              </a:srgbClr>
+            </a:outerShdw>
+          </a:effectLst>
+        </p:spPr>
+      </p:pic>
+      <p:sp>
+        <p:nvSpPr>
+          <p:cNvPr id="3" name="Slide Number Placeholder 2">
+            <a:extLst>
+              <a:ext uri="{FF2B5EF4-FFF2-40B4-BE49-F238E27FC236}">
+                <a16:creationId xmlns:a16="http://schemas.microsoft.com/office/drawing/2014/main" id="{34494802-B8A3-44AD-96CB-540D08DFF680}"/>
+              </a:ext>
+            </a:extLst>
+          </p:cNvPr>
+          <p:cNvSpPr>
+            <a:spLocks noGrp="1"/>
+          </p:cNvSpPr>
+          <p:nvPr>
+            <p:ph type="sldNum" idx="12"/>
+          </p:nvPr>
+        </p:nvSpPr>
+        <p:spPr/>
+        <p:txBody>
+          <a:bodyPr/>
+          <a:lstStyle/>
+          <a:p>
+            <a:pPr marL="0" marR="0" lvl="0" indent="0" algn="r" defTabSz="914400" rtl="0" eaLnBrk="1" fontAlgn="auto" latinLnBrk="0" hangingPunct="1">
+              <a:lnSpc>
+                <a:spcPct val="96000"/>
+              </a:lnSpc>
+              <a:spcBef>
+                <a:spcPts val="0"/>
+              </a:spcBef>
+              <a:spcAft>
+                <a:spcPts val="0"/>
+              </a:spcAft>
+              <a:buClrTx/>
+              <a:buSzTx/>
+              <a:buFontTx/>
+              <a:buNone/>
+              <a:tabLst/>
+              <a:defRPr/>
+            </a:pPr>
+            <a:fld id="{65E435D9-63B0-4660-8D04-E83F5E2CA2AE}" type="slidenum">
+              <a:rPr kumimoji="0" lang="en-GB" altLang="en-US" sz="1401" b="0" i="0" u="none" strike="noStrike" kern="1200" cap="none" spc="0" normalizeH="0" baseline="0" noProof="0" smtClean="0">
+                <a:ln>
+                  <a:noFill/>
+                </a:ln>
+                <a:solidFill>
+                  <a:srgbClr val="000000"/>
+                </a:solidFill>
+                <a:effectLst/>
+                <a:uLnTx/>
+                <a:uFillTx/>
+                <a:latin typeface="Times New Roman" panose="02020603050405020304" pitchFamily="18" charset="0"/>
+                <a:ea typeface="+mn-ea"/>
+                <a:cs typeface="Arial"/>
+              </a:rPr>
+              <a:pPr marL="0" marR="0" lvl="0" indent="0" algn="r" defTabSz="914400" rtl="0" eaLnBrk="1" fontAlgn="auto" latinLnBrk="0" hangingPunct="1">
+                <a:lnSpc>
+                  <a:spcPct val="96000"/>
+                </a:lnSpc>
+                <a:spcBef>
+                  <a:spcPts val="0"/>
+                </a:spcBef>
+                <a:spcAft>
+                  <a:spcPts val="0"/>
+                </a:spcAft>
+                <a:buClrTx/>
+                <a:buSzTx/>
+                <a:buFontTx/>
+                <a:buNone/>
+                <a:tabLst/>
+                <a:defRPr/>
+              </a:pPr>
+              <a:t>10</a:t>
+            </a:fld>
+            <a:endParaRPr kumimoji="0" lang="en-GB" altLang="en-US" sz="1401" b="0" i="0" u="none" strike="noStrike" kern="1200" cap="none" spc="0" normalizeH="0" baseline="0" noProof="0">
+              <a:ln>
+                <a:noFill/>
+              </a:ln>
+              <a:solidFill>
+                <a:srgbClr val="000000"/>
+              </a:solidFill>
+              <a:effectLst/>
+              <a:uLnTx/>
+              <a:uFillTx/>
+              <a:latin typeface="Times New Roman" panose="02020603050405020304" pitchFamily="18" charset="0"/>
+              <a:ea typeface="+mn-ea"/>
+              <a:cs typeface="Arial"/>
+            </a:endParaRPr>
+          </a:p>
+        </p:txBody>
+      </p:sp>
+    </p:spTree>
+    <p:extLst>
+      <p:ext uri="{BB962C8B-B14F-4D97-AF65-F5344CB8AC3E}">
+        <p14:creationId xmlns:p14="http://schemas.microsoft.com/office/powerpoint/2010/main" val="1456819960"/>
+      </p:ext>
+    </p:extLst>
+  </p:cSld>
+  <p:clrMapOvr>
+    <a:masterClrMapping/>
+  </p:clrMapOvr>
+</p:sld>
+</file>
+
+<file path=ppt/slides/slide11.xml><?xml version="1.0" encoding="utf-8"?>
+<p:sld xmlns:a="http://schemas.openxmlformats.org/drawingml/2006/main" xmlns:r="http://schemas.openxmlformats.org/officeDocument/2006/relationships" xmlns:p="http://schemas.openxmlformats.org/presentationml/2006/main">
+  <p:cSld>
+    <p:spTree>
+      <p:nvGrpSpPr>
+        <p:cNvPr id="1" name=""/>
+        <p:cNvGrpSpPr/>
+        <p:nvPr/>
+      </p:nvGrpSpPr>
+      <p:grpSpPr>
+        <a:xfrm>
+          <a:off x="0" y="0"/>
+          <a:ext cx="0" cy="0"/>
+          <a:chOff x="0" y="0"/>
+          <a:chExt cx="0" cy="0"/>
+        </a:xfrm>
+      </p:grpSpPr>
+      <p:sp>
+        <p:nvSpPr>
+          <p:cNvPr id="2" name="Title 1">
+            <a:extLst>
+              <a:ext uri="{FF2B5EF4-FFF2-40B4-BE49-F238E27FC236}">
+                <a16:creationId xmlns:a16="http://schemas.microsoft.com/office/drawing/2014/main" id="{1F459C60-AE8D-4F03-A53F-591951C657C1}"/>
+              </a:ext>
+            </a:extLst>
+          </p:cNvPr>
+          <p:cNvSpPr>
+            <a:spLocks noGrp="1"/>
+          </p:cNvSpPr>
+          <p:nvPr>
+            <p:ph type="title"/>
+          </p:nvPr>
+        </p:nvSpPr>
+        <p:spPr/>
+        <p:txBody>
+          <a:bodyPr/>
+          <a:lstStyle/>
+          <a:p>
+            <a:r>
+              <a:rPr lang="en-US"/>
+              <a:t>Full vs. Complete Tree</a:t>
+            </a:r>
+          </a:p>
+        </p:txBody>
+      </p:sp>
+      <p:sp>
+        <p:nvSpPr>
+          <p:cNvPr id="3" name="Content Placeholder 2">
+            <a:extLst>
+              <a:ext uri="{FF2B5EF4-FFF2-40B4-BE49-F238E27FC236}">
+                <a16:creationId xmlns:a16="http://schemas.microsoft.com/office/drawing/2014/main" id="{530379AE-91D4-4ED1-93DB-A6FBD0812621}"/>
+              </a:ext>
+            </a:extLst>
+          </p:cNvPr>
+          <p:cNvSpPr>
+            <a:spLocks noGrp="1"/>
+          </p:cNvSpPr>
+          <p:nvPr>
+            <p:ph idx="1"/>
+          </p:nvPr>
+        </p:nvSpPr>
+        <p:spPr/>
+        <p:txBody>
+          <a:bodyPr/>
+          <a:lstStyle/>
+          <a:p>
+            <a:endParaRPr lang="en-US"/>
+          </a:p>
+        </p:txBody>
+      </p:sp>
+      <p:sp>
+        <p:nvSpPr>
+          <p:cNvPr id="4" name="Footer Placeholder 3">
+            <a:extLst>
+              <a:ext uri="{FF2B5EF4-FFF2-40B4-BE49-F238E27FC236}">
+                <a16:creationId xmlns:a16="http://schemas.microsoft.com/office/drawing/2014/main" id="{4A93E061-18AA-45C7-B565-BC86FEF8E808}"/>
+              </a:ext>
+            </a:extLst>
+          </p:cNvPr>
+          <p:cNvSpPr>
+            <a:spLocks noGrp="1"/>
+          </p:cNvSpPr>
+          <p:nvPr>
+            <p:ph type="ftr" idx="11"/>
+          </p:nvPr>
+        </p:nvSpPr>
+        <p:spPr/>
+        <p:txBody>
+          <a:bodyPr/>
+          <a:lstStyle/>
+          <a:p>
+            <a:pPr marL="0" marR="0" lvl="0" indent="0" algn="ctr" defTabSz="914400" rtl="0" eaLnBrk="1" fontAlgn="auto" latinLnBrk="0" hangingPunct="1">
+              <a:lnSpc>
+                <a:spcPct val="96000"/>
+              </a:lnSpc>
+              <a:spcBef>
+                <a:spcPts val="0"/>
+              </a:spcBef>
+              <a:spcAft>
+                <a:spcPts val="0"/>
+              </a:spcAft>
+              <a:buClrTx/>
+              <a:buSzTx/>
+              <a:buFont typeface="Times New Roman" pitchFamily="16" charset="0"/>
+              <a:buNone/>
+              <a:tabLst>
+                <a:tab pos="0" algn="l"/>
+                <a:tab pos="457063" algn="l"/>
+                <a:tab pos="914126" algn="l"/>
+                <a:tab pos="1371189" algn="l"/>
+                <a:tab pos="1828251" algn="l"/>
+                <a:tab pos="2285314" algn="l"/>
+                <a:tab pos="2742377" algn="l"/>
+                <a:tab pos="3199440" algn="l"/>
+                <a:tab pos="3656503" algn="l"/>
+                <a:tab pos="4113566" algn="l"/>
+                <a:tab pos="4570628" algn="l"/>
+                <a:tab pos="5027691" algn="l"/>
+                <a:tab pos="5484754" algn="l"/>
+                <a:tab pos="5941817" algn="l"/>
+                <a:tab pos="6398880" algn="l"/>
+                <a:tab pos="6855943" algn="l"/>
+                <a:tab pos="7313005" algn="l"/>
+                <a:tab pos="7770068" algn="l"/>
+                <a:tab pos="8227131" algn="l"/>
+                <a:tab pos="8684194" algn="l"/>
+                <a:tab pos="9141257" algn="l"/>
+              </a:tabLst>
+              <a:defRPr/>
+            </a:pPr>
+            <a:r>
+              <a:rPr kumimoji="0" lang="en-US" sz="1400" b="0" i="0" u="none" strike="noStrike" kern="1200" cap="none" spc="0" normalizeH="0" baseline="0" noProof="0">
+                <a:ln>
+                  <a:noFill/>
+                </a:ln>
+                <a:solidFill>
+                  <a:srgbClr val="000000"/>
+                </a:solidFill>
+                <a:effectLst/>
+                <a:uLnTx/>
+                <a:uFillTx/>
+                <a:latin typeface="Arial"/>
+                <a:ea typeface="+mn-ea"/>
+                <a:cs typeface="Arial" charset="0"/>
+              </a:rPr>
+              <a:t>CS 1501 – Algorithms &amp; Data Structures 2 – Sherif Khattab</a:t>
+            </a:r>
+            <a:endParaRPr kumimoji="0" lang="en-GB" sz="1400" b="0" i="0" u="none" strike="noStrike" kern="1200" cap="none" spc="0" normalizeH="0" baseline="0" noProof="0">
+              <a:ln>
+                <a:noFill/>
+              </a:ln>
+              <a:solidFill>
+                <a:srgbClr val="000000"/>
+              </a:solidFill>
+              <a:effectLst/>
+              <a:uLnTx/>
+              <a:uFillTx/>
+              <a:latin typeface="Times New Roman" pitchFamily="16" charset="0"/>
+              <a:ea typeface="+mn-ea"/>
+              <a:cs typeface="Arial" charset="0"/>
+            </a:endParaRPr>
+          </a:p>
+        </p:txBody>
+      </p:sp>
+      <p:sp>
+        <p:nvSpPr>
+          <p:cNvPr id="5" name="Slide Number Placeholder 4">
+            <a:extLst>
+              <a:ext uri="{FF2B5EF4-FFF2-40B4-BE49-F238E27FC236}">
+                <a16:creationId xmlns:a16="http://schemas.microsoft.com/office/drawing/2014/main" id="{AF97B27A-0966-46F1-B9B0-69BDD5FB2BAD}"/>
+              </a:ext>
+            </a:extLst>
+          </p:cNvPr>
+          <p:cNvSpPr>
+            <a:spLocks noGrp="1"/>
+          </p:cNvSpPr>
+          <p:nvPr>
+            <p:ph type="sldNum" idx="12"/>
+          </p:nvPr>
+        </p:nvSpPr>
+        <p:spPr/>
+        <p:txBody>
+          <a:bodyPr/>
+          <a:lstStyle/>
+          <a:p>
+            <a:pPr marL="0" marR="0" lvl="0" indent="0" algn="r" defTabSz="914400" rtl="0" eaLnBrk="1" fontAlgn="auto" latinLnBrk="0" hangingPunct="1">
+              <a:lnSpc>
+                <a:spcPct val="96000"/>
+              </a:lnSpc>
+              <a:spcBef>
+                <a:spcPts val="0"/>
+              </a:spcBef>
+              <a:spcAft>
+                <a:spcPts val="0"/>
+              </a:spcAft>
+              <a:buClrTx/>
+              <a:buSzTx/>
+              <a:buFontTx/>
+              <a:buNone/>
+              <a:tabLst/>
+              <a:defRPr/>
+            </a:pPr>
+            <a:fld id="{65E435D9-63B0-4660-8D04-E83F5E2CA2AE}" type="slidenum">
+              <a:rPr kumimoji="0" lang="en-GB" altLang="en-US" sz="1400" b="0" i="0" u="none" strike="noStrike" kern="1200" cap="none" spc="0" normalizeH="0" baseline="0" noProof="0" smtClean="0">
+                <a:ln>
+                  <a:noFill/>
+                </a:ln>
+                <a:solidFill>
+                  <a:srgbClr val="000000"/>
+                </a:solidFill>
+                <a:effectLst/>
+                <a:uLnTx/>
+                <a:uFillTx/>
+                <a:latin typeface="Times New Roman" panose="02020603050405020304" pitchFamily="18" charset="0"/>
+                <a:ea typeface="+mn-ea"/>
+                <a:cs typeface="Arial"/>
+              </a:rPr>
+              <a:pPr marL="0" marR="0" lvl="0" indent="0" algn="r" defTabSz="914400" rtl="0" eaLnBrk="1" fontAlgn="auto" latinLnBrk="0" hangingPunct="1">
+                <a:lnSpc>
+                  <a:spcPct val="96000"/>
+                </a:lnSpc>
+                <a:spcBef>
+                  <a:spcPts val="0"/>
+                </a:spcBef>
+                <a:spcAft>
+                  <a:spcPts val="0"/>
+                </a:spcAft>
+                <a:buClrTx/>
+                <a:buSzTx/>
+                <a:buFontTx/>
+                <a:buNone/>
+                <a:tabLst/>
+                <a:defRPr/>
+              </a:pPr>
+              <a:t>11</a:t>
+            </a:fld>
+            <a:endParaRPr kumimoji="0" lang="en-GB" altLang="en-US" sz="1400" b="0" i="0" u="none" strike="noStrike" kern="1200" cap="none" spc="0" normalizeH="0" baseline="0" noProof="0">
+              <a:ln>
+                <a:noFill/>
+              </a:ln>
+              <a:solidFill>
+                <a:srgbClr val="000000"/>
+              </a:solidFill>
+              <a:effectLst/>
+              <a:uLnTx/>
+              <a:uFillTx/>
+              <a:latin typeface="Times New Roman" panose="02020603050405020304" pitchFamily="18" charset="0"/>
+              <a:ea typeface="+mn-ea"/>
+              <a:cs typeface="Arial"/>
+            </a:endParaRPr>
+          </a:p>
+        </p:txBody>
+      </p:sp>
+      <p:pic>
+        <p:nvPicPr>
+          <p:cNvPr id="7" name="Picture 6">
+            <a:extLst>
+              <a:ext uri="{FF2B5EF4-FFF2-40B4-BE49-F238E27FC236}">
+                <a16:creationId xmlns:a16="http://schemas.microsoft.com/office/drawing/2014/main" id="{4AD8F1EB-2406-449A-8779-F17351BB8E15}"/>
+              </a:ext>
+            </a:extLst>
+          </p:cNvPr>
+          <p:cNvPicPr>
+            <a:picLocks noChangeAspect="1"/>
+          </p:cNvPicPr>
+          <p:nvPr/>
+        </p:nvPicPr>
+        <p:blipFill>
+          <a:blip r:embed="rId2"/>
+          <a:stretch>
+            <a:fillRect/>
+          </a:stretch>
+        </p:blipFill>
+        <p:spPr>
+          <a:xfrm>
+            <a:off x="170266" y="741901"/>
+            <a:ext cx="9364849" cy="6244482"/>
+          </a:xfrm>
+          <a:prstGeom prst="rect">
+            <a:avLst/>
+          </a:prstGeom>
+        </p:spPr>
+      </p:pic>
+    </p:spTree>
+    <p:extLst>
+      <p:ext uri="{BB962C8B-B14F-4D97-AF65-F5344CB8AC3E}">
+        <p14:creationId xmlns:p14="http://schemas.microsoft.com/office/powerpoint/2010/main" val="2643093518"/>
+      </p:ext>
+    </p:extLst>
+  </p:cSld>
+  <p:clrMapOvr>
+    <a:masterClrMapping/>
+  </p:clrMapOvr>
+</p:sld>
+</file>
+
+<file path=ppt/slides/slide12.xml><?xml version="1.0" encoding="utf-8"?>
+<p:sld xmlns:a="http://schemas.openxmlformats.org/drawingml/2006/main" xmlns:r="http://schemas.openxmlformats.org/officeDocument/2006/relationships" xmlns:p="http://schemas.openxmlformats.org/presentationml/2006/main">
+  <p:cSld>
+    <p:spTree>
+      <p:nvGrpSpPr>
+        <p:cNvPr id="1" name=""/>
+        <p:cNvGrpSpPr/>
+        <p:nvPr/>
+      </p:nvGrpSpPr>
+      <p:grpSpPr>
+        <a:xfrm>
+          <a:off x="0" y="0"/>
+          <a:ext cx="0" cy="0"/>
+          <a:chOff x="0" y="0"/>
+          <a:chExt cx="0" cy="0"/>
+        </a:xfrm>
+      </p:grpSpPr>
+      <p:sp>
+        <p:nvSpPr>
+          <p:cNvPr id="2" name="Title 1">
+            <a:extLst>
+              <a:ext uri="{FF2B5EF4-FFF2-40B4-BE49-F238E27FC236}">
+                <a16:creationId xmlns:a16="http://schemas.microsoft.com/office/drawing/2014/main" id="{46D5E86E-526D-C64F-80A9-DE4115CEEF4D}"/>
+              </a:ext>
+            </a:extLst>
+          </p:cNvPr>
+          <p:cNvSpPr>
+            <a:spLocks noGrp="1"/>
+          </p:cNvSpPr>
+          <p:nvPr>
+            <p:ph type="title"/>
+          </p:nvPr>
+        </p:nvSpPr>
+        <p:spPr/>
+        <p:txBody>
+          <a:bodyPr/>
+          <a:lstStyle/>
+          <a:p>
+            <a:r>
+              <a:rPr lang="en-US" dirty="0"/>
+              <a:t>Tree Search Take 1</a:t>
+            </a:r>
+          </a:p>
+        </p:txBody>
+      </p:sp>
+      <p:sp>
+        <p:nvSpPr>
+          <p:cNvPr id="3" name="Content Placeholder 2">
+            <a:extLst>
+              <a:ext uri="{FF2B5EF4-FFF2-40B4-BE49-F238E27FC236}">
+                <a16:creationId xmlns:a16="http://schemas.microsoft.com/office/drawing/2014/main" id="{2D817B69-2398-4745-A2CD-07ED6E10AE15}"/>
+              </a:ext>
+            </a:extLst>
+          </p:cNvPr>
+          <p:cNvSpPr>
+            <a:spLocks noGrp="1"/>
+          </p:cNvSpPr>
+          <p:nvPr>
+            <p:ph idx="1"/>
+          </p:nvPr>
+        </p:nvSpPr>
+        <p:spPr/>
+        <p:txBody>
+          <a:bodyPr/>
+          <a:lstStyle/>
+          <a:p>
+            <a:r>
+              <a:rPr lang="en-US" i="1" dirty="0"/>
+              <a:t>Traverse</a:t>
+            </a:r>
+            <a:r>
+              <a:rPr lang="en-US" dirty="0"/>
+              <a:t> every node of the tree</a:t>
+            </a:r>
+          </a:p>
+          <a:p>
+            <a:pPr lvl="1"/>
+            <a:r>
+              <a:rPr lang="en-US" dirty="0"/>
+              <a:t>Is the key inside the node equal to the target </a:t>
+            </a:r>
+            <a:r>
+              <a:rPr lang="en-US" i="1" dirty="0"/>
+              <a:t>key</a:t>
+            </a:r>
+            <a:r>
+              <a:rPr lang="en-US" dirty="0"/>
+              <a:t>?</a:t>
+            </a:r>
+          </a:p>
+          <a:p>
+            <a:r>
+              <a:rPr lang="en-US" dirty="0"/>
+              <a:t>How can we traverse the tree?</a:t>
+            </a:r>
+          </a:p>
+        </p:txBody>
+      </p:sp>
+      <p:sp>
+        <p:nvSpPr>
+          <p:cNvPr id="4" name="Footer Placeholder 3">
+            <a:extLst>
+              <a:ext uri="{FF2B5EF4-FFF2-40B4-BE49-F238E27FC236}">
+                <a16:creationId xmlns:a16="http://schemas.microsoft.com/office/drawing/2014/main" id="{561B2254-1F04-2E4A-833C-3EFDEBFB8AFA}"/>
+              </a:ext>
+            </a:extLst>
+          </p:cNvPr>
+          <p:cNvSpPr>
+            <a:spLocks noGrp="1"/>
+          </p:cNvSpPr>
+          <p:nvPr>
+            <p:ph type="ftr" idx="11"/>
+          </p:nvPr>
+        </p:nvSpPr>
+        <p:spPr/>
+        <p:txBody>
+          <a:bodyPr/>
+          <a:lstStyle/>
+          <a:p>
+            <a:pPr>
+              <a:defRPr/>
+            </a:pPr>
+            <a:r>
+              <a:rPr lang="en-US">
+                <a:latin typeface="+mn-lt"/>
+              </a:rPr>
+              <a:t>CS 1501 – Algorithms &amp; Data Structures 2 – Sherif Khattab</a:t>
+            </a:r>
+            <a:endParaRPr lang="en-GB"/>
+          </a:p>
+        </p:txBody>
+      </p:sp>
+      <p:sp>
+        <p:nvSpPr>
+          <p:cNvPr id="5" name="Slide Number Placeholder 4">
+            <a:extLst>
+              <a:ext uri="{FF2B5EF4-FFF2-40B4-BE49-F238E27FC236}">
+                <a16:creationId xmlns:a16="http://schemas.microsoft.com/office/drawing/2014/main" id="{510344C7-0BD9-0344-8CDE-D569A25A8402}"/>
+              </a:ext>
+            </a:extLst>
+          </p:cNvPr>
+          <p:cNvSpPr>
+            <a:spLocks noGrp="1"/>
+          </p:cNvSpPr>
+          <p:nvPr>
+            <p:ph type="sldNum" idx="12"/>
+          </p:nvPr>
+        </p:nvSpPr>
+        <p:spPr/>
+        <p:txBody>
+          <a:bodyPr/>
+          <a:lstStyle/>
+          <a:p>
+            <a:fld id="{65E435D9-63B0-4660-8D04-E83F5E2CA2AE}" type="slidenum">
+              <a:rPr lang="en-GB" altLang="en-US" smtClean="0"/>
+              <a:pPr/>
+              <a:t>12</a:t>
+            </a:fld>
+            <a:endParaRPr lang="en-GB" altLang="en-US"/>
+          </a:p>
+        </p:txBody>
+      </p:sp>
+    </p:spTree>
+    <p:extLst>
+      <p:ext uri="{BB962C8B-B14F-4D97-AF65-F5344CB8AC3E}">
+        <p14:creationId xmlns:p14="http://schemas.microsoft.com/office/powerpoint/2010/main" val="94405796"/>
+      </p:ext>
+    </p:extLst>
+  </p:cSld>
+  <p:clrMapOvr>
+    <a:masterClrMapping/>
+  </p:clrMapOvr>
+  <p:timing>
+    <p:tnLst>
+      <p:par>
+        <p:cTn id="1" dur="indefinite" restart="never" nodeType="tmRoot">
+          <p:childTnLst>
+            <p:seq concurrent="1" nextAc="seek">
+              <p:cTn id="2" dur="indefinite" nodeType="mainSeq">
+                <p:childTnLst>
+                  <p:par>
+                    <p:cTn id="3" fill="hold">
+                      <p:stCondLst>
+                        <p:cond delay="indefinite"/>
+                      </p:stCondLst>
+                      <p:childTnLst>
+                        <p:par>
+                          <p:cTn id="4" fill="hold">
+                            <p:stCondLst>
+                              <p:cond delay="0"/>
+                            </p:stCondLst>
+                            <p:childTnLst>
+                              <p:par>
+                                <p:cTn id="5" presetID="1" presetClass="entr" presetSubtype="0" fill="hold" nodeType="clickEffect">
+                                  <p:stCondLst>
+                                    <p:cond delay="0"/>
+                                  </p:stCondLst>
+                                  <p:childTnLst>
+                                    <p:set>
+                                      <p:cBhvr>
+                                        <p:cTn id="6" dur="1" fill="hold">
+                                          <p:stCondLst>
+                                            <p:cond delay="0"/>
+                                          </p:stCondLst>
+                                        </p:cTn>
+                                        <p:tgtEl>
+                                          <p:spTgt spid="3">
+                                            <p:txEl>
+                                              <p:pRg st="0" end="0"/>
+                                            </p:txEl>
+                                          </p:spTgt>
+                                        </p:tgtEl>
+                                        <p:attrNameLst>
+                                          <p:attrName>style.visibility</p:attrName>
+                                        </p:attrNameLst>
+                                      </p:cBhvr>
+                                      <p:to>
+                                        <p:strVal val="visible"/>
+                                      </p:to>
+                                    </p:set>
+                                  </p:childTnLst>
+                                </p:cTn>
+                              </p:par>
+                            </p:childTnLst>
+                          </p:cTn>
+                        </p:par>
+                      </p:childTnLst>
+                    </p:cTn>
+                  </p:par>
+                  <p:par>
+                    <p:cTn id="7" fill="hold">
+                      <p:stCondLst>
+                        <p:cond delay="indefinite"/>
+                      </p:stCondLst>
+                      <p:childTnLst>
+                        <p:par>
+                          <p:cTn id="8" fill="hold">
+                            <p:stCondLst>
+                              <p:cond delay="0"/>
+                            </p:stCondLst>
+                            <p:childTnLst>
+                              <p:par>
+                                <p:cTn id="9" presetID="1" presetClass="entr" presetSubtype="0" fill="hold" nodeType="clickEffect">
+                                  <p:stCondLst>
+                                    <p:cond delay="0"/>
+                                  </p:stCondLst>
+                                  <p:childTnLst>
+                                    <p:set>
+                                      <p:cBhvr>
+                                        <p:cTn id="10" dur="1" fill="hold">
+                                          <p:stCondLst>
+                                            <p:cond delay="0"/>
+                                          </p:stCondLst>
+                                        </p:cTn>
+                                        <p:tgtEl>
+                                          <p:spTgt spid="3">
+                                            <p:txEl>
+                                              <p:pRg st="1" end="1"/>
+                                            </p:txEl>
+                                          </p:spTgt>
+                                        </p:tgtEl>
+                                        <p:attrNameLst>
+                                          <p:attrName>style.visibility</p:attrName>
+                                        </p:attrNameLst>
+                                      </p:cBhvr>
+                                      <p:to>
+                                        <p:strVal val="visible"/>
+                                      </p:to>
+                                    </p:set>
+                                  </p:childTnLst>
+                                </p:cTn>
+                              </p:par>
+                            </p:childTnLst>
+                          </p:cTn>
+                        </p:par>
+                      </p:childTnLst>
+                    </p:cTn>
+                  </p:par>
+                  <p:par>
+                    <p:cTn id="11" fill="hold">
+                      <p:stCondLst>
+                        <p:cond delay="indefinite"/>
+                      </p:stCondLst>
+                      <p:childTnLst>
+                        <p:par>
+                          <p:cTn id="12" fill="hold">
+                            <p:stCondLst>
+                              <p:cond delay="0"/>
+                            </p:stCondLst>
+                            <p:childTnLst>
+                              <p:par>
+                                <p:cTn id="13" presetID="1" presetClass="entr" presetSubtype="0" fill="hold" nodeType="clickEffect">
+                                  <p:stCondLst>
+                                    <p:cond delay="0"/>
+                                  </p:stCondLst>
+                                  <p:childTnLst>
+                                    <p:set>
+                                      <p:cBhvr>
+                                        <p:cTn id="14" dur="1" fill="hold">
+                                          <p:stCondLst>
+                                            <p:cond delay="0"/>
+                                          </p:stCondLst>
+                                        </p:cTn>
+                                        <p:tgtEl>
+                                          <p:spTgt spid="3">
+                                            <p:txEl>
+                                              <p:pRg st="2" end="2"/>
+                                            </p:txEl>
+                                          </p:spTgt>
+                                        </p:tgtEl>
+                                        <p:attrNameLst>
+                                          <p:attrName>style.visibility</p:attrName>
+                                        </p:attrNameLst>
+                                      </p:cBhvr>
+                                      <p:to>
+                                        <p:strVal val="visible"/>
+                                      </p:to>
+                                    </p:set>
+                                  </p:childTnLst>
+                                </p:cTn>
+                              </p:par>
+                            </p:childTnLst>
+                          </p:cTn>
+                        </p:par>
+                      </p:childTnLst>
+                    </p:cTn>
+                  </p:par>
+                </p:childTnLst>
+              </p:cTn>
+              <p:prevCondLst>
+                <p:cond evt="onPrev" delay="0">
+                  <p:tgtEl>
+                    <p:sldTgt/>
+                  </p:tgtEl>
+                </p:cond>
+              </p:prevCondLst>
+              <p:nextCondLst>
+                <p:cond evt="onNext" delay="0">
+                  <p:tgtEl>
+                    <p:sldTgt/>
+                  </p:tgtEl>
+                </p:cond>
+              </p:nextCondLst>
+            </p:seq>
+          </p:childTnLst>
+        </p:cTn>
+      </p:par>
+    </p:tnLst>
+  </p:timing>
+</p:sld>
+</file>
+
+<file path=ppt/slides/slide13.xml><?xml version="1.0" encoding="utf-8"?>
+<p:sld xmlns:a="http://schemas.openxmlformats.org/drawingml/2006/main" xmlns:r="http://schemas.openxmlformats.org/officeDocument/2006/relationships" xmlns:p="http://schemas.openxmlformats.org/presentationml/2006/main">
+  <p:cSld>
+    <p:spTree>
+      <p:nvGrpSpPr>
+        <p:cNvPr id="1" name=""/>
+        <p:cNvGrpSpPr/>
+        <p:nvPr/>
+      </p:nvGrpSpPr>
+      <p:grpSpPr>
+        <a:xfrm>
+          <a:off x="0" y="0"/>
+          <a:ext cx="0" cy="0"/>
+          <a:chOff x="0" y="0"/>
+          <a:chExt cx="0" cy="0"/>
+        </a:xfrm>
+      </p:grpSpPr>
+      <p:sp>
+        <p:nvSpPr>
+          <p:cNvPr id="18434" name="Title 1"/>
+          <p:cNvSpPr>
+            <a:spLocks noGrp="1"/>
+          </p:cNvSpPr>
+          <p:nvPr>
+            <p:ph type="title"/>
+          </p:nvPr>
+        </p:nvSpPr>
+        <p:spPr/>
+        <p:txBody>
+          <a:bodyPr/>
+          <a:lstStyle/>
+          <a:p>
+            <a:pPr eaLnBrk="1" hangingPunct="1"/>
+            <a:r>
+              <a:rPr lang="en-US" altLang="en-US"/>
+              <a:t>Traversals of a Binary Tree</a:t>
+            </a:r>
+          </a:p>
+        </p:txBody>
+      </p:sp>
+      <p:sp>
+        <p:nvSpPr>
+          <p:cNvPr id="18435" name="Content Placeholder 2"/>
+          <p:cNvSpPr>
+            <a:spLocks noGrp="1"/>
+          </p:cNvSpPr>
+          <p:nvPr>
+            <p:ph idx="1"/>
+          </p:nvPr>
+        </p:nvSpPr>
+        <p:spPr/>
+        <p:txBody>
+          <a:bodyPr/>
+          <a:lstStyle/>
+          <a:p>
+            <a:pPr eaLnBrk="1" hangingPunct="1"/>
+            <a:r>
+              <a:rPr lang="en-US" altLang="en-US" sz="3085" dirty="0"/>
+              <a:t>Preorder traversal</a:t>
+            </a:r>
+          </a:p>
+          <a:p>
+            <a:pPr lvl="1" eaLnBrk="1" hangingPunct="1"/>
+            <a:r>
+              <a:rPr lang="en-US" altLang="en-US" sz="2645" dirty="0"/>
+              <a:t>Visit root before we visit root’s subtrees</a:t>
+            </a:r>
+          </a:p>
+          <a:p>
+            <a:pPr eaLnBrk="1" hangingPunct="1"/>
+            <a:r>
+              <a:rPr lang="en-US" altLang="en-US" sz="3085" dirty="0" err="1"/>
+              <a:t>Inorder</a:t>
+            </a:r>
+            <a:r>
+              <a:rPr lang="en-US" altLang="en-US" sz="3085" dirty="0"/>
+              <a:t> traversal </a:t>
+            </a:r>
+          </a:p>
+          <a:p>
+            <a:pPr lvl="1" eaLnBrk="1" hangingPunct="1"/>
+            <a:r>
+              <a:rPr lang="en-US" altLang="en-US" sz="2645" dirty="0"/>
+              <a:t>Visit root of a binary tree between visiting nodes in root’s subtrees.</a:t>
+            </a:r>
+          </a:p>
+          <a:p>
+            <a:pPr eaLnBrk="1" hangingPunct="1"/>
+            <a:r>
+              <a:rPr lang="en-US" altLang="en-US" sz="3085" dirty="0" err="1"/>
+              <a:t>Postorder</a:t>
+            </a:r>
+            <a:r>
+              <a:rPr lang="en-US" altLang="en-US" sz="3085" dirty="0"/>
+              <a:t> traversal </a:t>
+            </a:r>
+          </a:p>
+          <a:p>
+            <a:pPr lvl="1" eaLnBrk="1" hangingPunct="1"/>
+            <a:r>
+              <a:rPr lang="en-US" altLang="en-US" sz="2645" dirty="0"/>
+              <a:t>Visit root of a binary tree after visiting nodes in root’s subtrees </a:t>
+            </a:r>
+          </a:p>
+          <a:p>
+            <a:pPr eaLnBrk="1" hangingPunct="1"/>
+            <a:r>
+              <a:rPr lang="en-US" altLang="en-US" sz="3085" dirty="0"/>
+              <a:t>Level-order traversal </a:t>
+            </a:r>
+          </a:p>
+          <a:p>
+            <a:pPr lvl="1" eaLnBrk="1" hangingPunct="1"/>
+            <a:r>
+              <a:rPr lang="en-US" altLang="en-US" sz="2645" dirty="0"/>
+              <a:t>Begin at root and visit nodes one level at a time</a:t>
+            </a:r>
+          </a:p>
+        </p:txBody>
+      </p:sp>
+      <p:sp>
+        <p:nvSpPr>
+          <p:cNvPr id="4" name="Footer Placeholder 3"/>
+          <p:cNvSpPr>
+            <a:spLocks noGrp="1"/>
+          </p:cNvSpPr>
+          <p:nvPr>
+            <p:ph type="ftr" idx="11"/>
+          </p:nvPr>
+        </p:nvSpPr>
+        <p:spPr/>
+        <p:txBody>
+          <a:bodyPr/>
+          <a:lstStyle/>
+          <a:p>
+            <a:pPr marL="0" marR="0" lvl="0" indent="0" algn="ctr" defTabSz="914400" rtl="0" eaLnBrk="1" fontAlgn="auto" latinLnBrk="0" hangingPunct="1">
+              <a:lnSpc>
+                <a:spcPct val="96000"/>
+              </a:lnSpc>
+              <a:spcBef>
+                <a:spcPts val="0"/>
+              </a:spcBef>
+              <a:spcAft>
+                <a:spcPts val="0"/>
+              </a:spcAft>
+              <a:buClrTx/>
+              <a:buSzTx/>
+              <a:buFont typeface="Times New Roman" pitchFamily="16" charset="0"/>
+              <a:buNone/>
+              <a:tabLst>
+                <a:tab pos="0" algn="l"/>
+                <a:tab pos="457436" algn="l"/>
+                <a:tab pos="914872" algn="l"/>
+                <a:tab pos="1372308" algn="l"/>
+                <a:tab pos="1829742" algn="l"/>
+                <a:tab pos="2287178" algn="l"/>
+                <a:tab pos="2744615" algn="l"/>
+                <a:tab pos="3202050" algn="l"/>
+                <a:tab pos="3659486" algn="l"/>
+                <a:tab pos="4116923" algn="l"/>
+                <a:tab pos="4574357" algn="l"/>
+                <a:tab pos="5031793" algn="l"/>
+                <a:tab pos="5489228" algn="l"/>
+                <a:tab pos="5946665" algn="l"/>
+                <a:tab pos="6404101" algn="l"/>
+                <a:tab pos="6861536" algn="l"/>
+                <a:tab pos="7318971" algn="l"/>
+                <a:tab pos="7776408" algn="l"/>
+                <a:tab pos="8233843" algn="l"/>
+                <a:tab pos="8691279" algn="l"/>
+                <a:tab pos="9148715" algn="l"/>
+              </a:tabLst>
+              <a:defRPr/>
+            </a:pPr>
+            <a:r>
+              <a:rPr kumimoji="0" lang="en-US" sz="1401" b="0" i="0" u="none" strike="noStrike" kern="1200" cap="none" spc="0" normalizeH="0" baseline="0" noProof="0">
+                <a:ln>
+                  <a:noFill/>
+                </a:ln>
+                <a:solidFill>
+                  <a:srgbClr val="000000"/>
+                </a:solidFill>
+                <a:effectLst/>
+                <a:uLnTx/>
+                <a:uFillTx/>
+                <a:latin typeface="Times New Roman" pitchFamily="16" charset="0"/>
+                <a:ea typeface="+mn-ea"/>
+                <a:cs typeface="Arial" charset="0"/>
+              </a:rPr>
+              <a:t>CS 1501 – Algorithms &amp; Data Structures 2 – Sherif Khattab</a:t>
+            </a:r>
+          </a:p>
+        </p:txBody>
+      </p:sp>
+      <p:sp>
+        <p:nvSpPr>
+          <p:cNvPr id="3" name="Slide Number Placeholder 2">
+            <a:extLst>
+              <a:ext uri="{FF2B5EF4-FFF2-40B4-BE49-F238E27FC236}">
+                <a16:creationId xmlns:a16="http://schemas.microsoft.com/office/drawing/2014/main" id="{09DC10F4-FEFE-40CB-8090-DAE3787E30F6}"/>
+              </a:ext>
+            </a:extLst>
+          </p:cNvPr>
+          <p:cNvSpPr>
+            <a:spLocks noGrp="1"/>
+          </p:cNvSpPr>
+          <p:nvPr>
+            <p:ph type="sldNum" idx="12"/>
+          </p:nvPr>
+        </p:nvSpPr>
+        <p:spPr/>
+        <p:txBody>
+          <a:bodyPr/>
+          <a:lstStyle/>
+          <a:p>
+            <a:pPr marL="0" marR="0" lvl="0" indent="0" algn="r" defTabSz="914400" rtl="0" eaLnBrk="1" fontAlgn="auto" latinLnBrk="0" hangingPunct="1">
+              <a:lnSpc>
+                <a:spcPct val="96000"/>
+              </a:lnSpc>
+              <a:spcBef>
+                <a:spcPts val="0"/>
+              </a:spcBef>
+              <a:spcAft>
+                <a:spcPts val="0"/>
+              </a:spcAft>
+              <a:buClrTx/>
+              <a:buSzTx/>
+              <a:buFontTx/>
+              <a:buNone/>
+              <a:tabLst/>
+              <a:defRPr/>
+            </a:pPr>
+            <a:fld id="{65E435D9-63B0-4660-8D04-E83F5E2CA2AE}" type="slidenum">
+              <a:rPr kumimoji="0" lang="en-GB" altLang="en-US" sz="1401" b="0" i="0" u="none" strike="noStrike" kern="1200" cap="none" spc="0" normalizeH="0" baseline="0" noProof="0" smtClean="0">
+                <a:ln>
+                  <a:noFill/>
+                </a:ln>
+                <a:solidFill>
+                  <a:srgbClr val="000000"/>
+                </a:solidFill>
+                <a:effectLst/>
+                <a:uLnTx/>
+                <a:uFillTx/>
+                <a:latin typeface="Times New Roman" panose="02020603050405020304" pitchFamily="18" charset="0"/>
+                <a:ea typeface="+mn-ea"/>
+                <a:cs typeface="Arial"/>
+              </a:rPr>
+              <a:pPr marL="0" marR="0" lvl="0" indent="0" algn="r" defTabSz="914400" rtl="0" eaLnBrk="1" fontAlgn="auto" latinLnBrk="0" hangingPunct="1">
+                <a:lnSpc>
+                  <a:spcPct val="96000"/>
+                </a:lnSpc>
+                <a:spcBef>
+                  <a:spcPts val="0"/>
+                </a:spcBef>
+                <a:spcAft>
+                  <a:spcPts val="0"/>
+                </a:spcAft>
+                <a:buClrTx/>
+                <a:buSzTx/>
+                <a:buFontTx/>
+                <a:buNone/>
+                <a:tabLst/>
+                <a:defRPr/>
+              </a:pPr>
+              <a:t>13</a:t>
+            </a:fld>
+            <a:endParaRPr kumimoji="0" lang="en-GB" altLang="en-US" sz="1401" b="0" i="0" u="none" strike="noStrike" kern="1200" cap="none" spc="0" normalizeH="0" baseline="0" noProof="0">
+              <a:ln>
+                <a:noFill/>
+              </a:ln>
+              <a:solidFill>
+                <a:srgbClr val="000000"/>
+              </a:solidFill>
+              <a:effectLst/>
+              <a:uLnTx/>
+              <a:uFillTx/>
+              <a:latin typeface="Times New Roman" panose="02020603050405020304" pitchFamily="18" charset="0"/>
+              <a:ea typeface="+mn-ea"/>
+              <a:cs typeface="Arial"/>
+            </a:endParaRPr>
+          </a:p>
+        </p:txBody>
+      </p:sp>
+    </p:spTree>
+    <p:extLst>
+      <p:ext uri="{BB962C8B-B14F-4D97-AF65-F5344CB8AC3E}">
+        <p14:creationId xmlns:p14="http://schemas.microsoft.com/office/powerpoint/2010/main" val="2838362889"/>
+      </p:ext>
+    </p:extLst>
+  </p:cSld>
+  <p:clrMapOvr>
+    <a:masterClrMapping/>
+  </p:clrMapOvr>
+  <p:timing>
+    <p:tnLst>
+      <p:par>
+        <p:cTn id="1" dur="indefinite" restart="never" nodeType="tmRoot">
+          <p:childTnLst>
+            <p:seq concurrent="1" nextAc="seek">
+              <p:cTn id="2" dur="indefinite" nodeType="mainSeq">
+                <p:childTnLst>
+                  <p:par>
+                    <p:cTn id="3" fill="hold">
+                      <p:stCondLst>
+                        <p:cond delay="indefinite"/>
+                      </p:stCondLst>
+                      <p:childTnLst>
+                        <p:par>
+                          <p:cTn id="4" fill="hold">
+                            <p:stCondLst>
+                              <p:cond delay="0"/>
+                            </p:stCondLst>
+                            <p:childTnLst>
+                              <p:par>
+                                <p:cTn id="5" presetID="1" presetClass="entr" presetSubtype="0" fill="hold" nodeType="clickEffect">
+                                  <p:stCondLst>
+                                    <p:cond delay="0"/>
+                                  </p:stCondLst>
+                                  <p:childTnLst>
+                                    <p:set>
+                                      <p:cBhvr>
+                                        <p:cTn id="6" dur="1" fill="hold">
+                                          <p:stCondLst>
+                                            <p:cond delay="0"/>
+                                          </p:stCondLst>
+                                        </p:cTn>
+                                        <p:tgtEl>
+                                          <p:spTgt spid="18435">
+                                            <p:txEl>
+                                              <p:pRg st="0" end="0"/>
+                                            </p:txEl>
+                                          </p:spTgt>
+                                        </p:tgtEl>
+                                        <p:attrNameLst>
+                                          <p:attrName>style.visibility</p:attrName>
+                                        </p:attrNameLst>
+                                      </p:cBhvr>
+                                      <p:to>
+                                        <p:strVal val="visible"/>
+                                      </p:to>
+                                    </p:set>
+                                  </p:childTnLst>
+                                </p:cTn>
+                              </p:par>
+                            </p:childTnLst>
+                          </p:cTn>
+                        </p:par>
+                      </p:childTnLst>
+                    </p:cTn>
+                  </p:par>
+                  <p:par>
+                    <p:cTn id="7" fill="hold">
+                      <p:stCondLst>
+                        <p:cond delay="indefinite"/>
+                      </p:stCondLst>
+                      <p:childTnLst>
+                        <p:par>
+                          <p:cTn id="8" fill="hold">
+                            <p:stCondLst>
+                              <p:cond delay="0"/>
+                            </p:stCondLst>
+                            <p:childTnLst>
+                              <p:par>
+                                <p:cTn id="9" presetID="1" presetClass="entr" presetSubtype="0" fill="hold" nodeType="clickEffect">
+                                  <p:stCondLst>
+                                    <p:cond delay="0"/>
+                                  </p:stCondLst>
+                                  <p:childTnLst>
+                                    <p:set>
+                                      <p:cBhvr>
+                                        <p:cTn id="10" dur="1" fill="hold">
+                                          <p:stCondLst>
+                                            <p:cond delay="0"/>
+                                          </p:stCondLst>
+                                        </p:cTn>
+                                        <p:tgtEl>
+                                          <p:spTgt spid="18435">
+                                            <p:txEl>
+                                              <p:pRg st="1" end="1"/>
+                                            </p:txEl>
+                                          </p:spTgt>
+                                        </p:tgtEl>
+                                        <p:attrNameLst>
+                                          <p:attrName>style.visibility</p:attrName>
+                                        </p:attrNameLst>
+                                      </p:cBhvr>
+                                      <p:to>
+                                        <p:strVal val="visible"/>
+                                      </p:to>
+                                    </p:set>
+                                  </p:childTnLst>
+                                </p:cTn>
+                              </p:par>
+                            </p:childTnLst>
+                          </p:cTn>
+                        </p:par>
+                      </p:childTnLst>
+                    </p:cTn>
+                  </p:par>
+                  <p:par>
+                    <p:cTn id="11" fill="hold">
+                      <p:stCondLst>
+                        <p:cond delay="indefinite"/>
+                      </p:stCondLst>
+                      <p:childTnLst>
+                        <p:par>
+                          <p:cTn id="12" fill="hold">
+                            <p:stCondLst>
+                              <p:cond delay="0"/>
+                            </p:stCondLst>
+                            <p:childTnLst>
+                              <p:par>
+                                <p:cTn id="13" presetID="1" presetClass="entr" presetSubtype="0" fill="hold" nodeType="clickEffect">
+                                  <p:stCondLst>
+                                    <p:cond delay="0"/>
+                                  </p:stCondLst>
+                                  <p:childTnLst>
+                                    <p:set>
+                                      <p:cBhvr>
+                                        <p:cTn id="14" dur="1" fill="hold">
+                                          <p:stCondLst>
+                                            <p:cond delay="0"/>
+                                          </p:stCondLst>
+                                        </p:cTn>
+                                        <p:tgtEl>
+                                          <p:spTgt spid="18435">
+                                            <p:txEl>
+                                              <p:pRg st="2" end="2"/>
+                                            </p:txEl>
+                                          </p:spTgt>
+                                        </p:tgtEl>
+                                        <p:attrNameLst>
+                                          <p:attrName>style.visibility</p:attrName>
+                                        </p:attrNameLst>
+                                      </p:cBhvr>
+                                      <p:to>
+                                        <p:strVal val="visible"/>
+                                      </p:to>
+                                    </p:set>
+                                  </p:childTnLst>
+                                </p:cTn>
+                              </p:par>
+                            </p:childTnLst>
+                          </p:cTn>
+                        </p:par>
+                      </p:childTnLst>
+                    </p:cTn>
+                  </p:par>
+                  <p:par>
+                    <p:cTn id="15" fill="hold">
+                      <p:stCondLst>
+                        <p:cond delay="indefinite"/>
+                      </p:stCondLst>
+                      <p:childTnLst>
+                        <p:par>
+                          <p:cTn id="16" fill="hold">
+                            <p:stCondLst>
+                              <p:cond delay="0"/>
+                            </p:stCondLst>
+                            <p:childTnLst>
+                              <p:par>
+                                <p:cTn id="17" presetID="1" presetClass="entr" presetSubtype="0" fill="hold" nodeType="clickEffect">
+                                  <p:stCondLst>
+                                    <p:cond delay="0"/>
+                                  </p:stCondLst>
+                                  <p:childTnLst>
+                                    <p:set>
+                                      <p:cBhvr>
+                                        <p:cTn id="18" dur="1" fill="hold">
+                                          <p:stCondLst>
+                                            <p:cond delay="0"/>
+                                          </p:stCondLst>
+                                        </p:cTn>
+                                        <p:tgtEl>
+                                          <p:spTgt spid="18435">
+                                            <p:txEl>
+                                              <p:pRg st="3" end="3"/>
+                                            </p:txEl>
+                                          </p:spTgt>
+                                        </p:tgtEl>
+                                        <p:attrNameLst>
+                                          <p:attrName>style.visibility</p:attrName>
+                                        </p:attrNameLst>
+                                      </p:cBhvr>
+                                      <p:to>
+                                        <p:strVal val="visible"/>
+                                      </p:to>
+                                    </p:set>
+                                  </p:childTnLst>
+                                </p:cTn>
+                              </p:par>
+                            </p:childTnLst>
+                          </p:cTn>
+                        </p:par>
+                      </p:childTnLst>
+                    </p:cTn>
+                  </p:par>
+                  <p:par>
+                    <p:cTn id="19" fill="hold">
+                      <p:stCondLst>
+                        <p:cond delay="indefinite"/>
+                      </p:stCondLst>
+                      <p:childTnLst>
+                        <p:par>
+                          <p:cTn id="20" fill="hold">
+                            <p:stCondLst>
+                              <p:cond delay="0"/>
+                            </p:stCondLst>
+                            <p:childTnLst>
+                              <p:par>
+                                <p:cTn id="21" presetID="1" presetClass="entr" presetSubtype="0" fill="hold" nodeType="clickEffect">
+                                  <p:stCondLst>
+                                    <p:cond delay="0"/>
+                                  </p:stCondLst>
+                                  <p:childTnLst>
+                                    <p:set>
+                                      <p:cBhvr>
+                                        <p:cTn id="22" dur="1" fill="hold">
+                                          <p:stCondLst>
+                                            <p:cond delay="0"/>
+                                          </p:stCondLst>
+                                        </p:cTn>
+                                        <p:tgtEl>
+                                          <p:spTgt spid="18435">
+                                            <p:txEl>
+                                              <p:pRg st="4" end="4"/>
+                                            </p:txEl>
+                                          </p:spTgt>
+                                        </p:tgtEl>
+                                        <p:attrNameLst>
+                                          <p:attrName>style.visibility</p:attrName>
+                                        </p:attrNameLst>
+                                      </p:cBhvr>
+                                      <p:to>
+                                        <p:strVal val="visible"/>
+                                      </p:to>
+                                    </p:set>
+                                  </p:childTnLst>
+                                </p:cTn>
+                              </p:par>
+                            </p:childTnLst>
+                          </p:cTn>
+                        </p:par>
+                      </p:childTnLst>
+                    </p:cTn>
+                  </p:par>
+                  <p:par>
+                    <p:cTn id="23" fill="hold">
+                      <p:stCondLst>
+                        <p:cond delay="indefinite"/>
+                      </p:stCondLst>
+                      <p:childTnLst>
+                        <p:par>
+                          <p:cTn id="24" fill="hold">
+                            <p:stCondLst>
+                              <p:cond delay="0"/>
+                            </p:stCondLst>
+                            <p:childTnLst>
+                              <p:par>
+                                <p:cTn id="25" presetID="1" presetClass="entr" presetSubtype="0" fill="hold" nodeType="clickEffect">
+                                  <p:stCondLst>
+                                    <p:cond delay="0"/>
+                                  </p:stCondLst>
+                                  <p:childTnLst>
+                                    <p:set>
+                                      <p:cBhvr>
+                                        <p:cTn id="26" dur="1" fill="hold">
+                                          <p:stCondLst>
+                                            <p:cond delay="0"/>
+                                          </p:stCondLst>
+                                        </p:cTn>
+                                        <p:tgtEl>
+                                          <p:spTgt spid="18435">
+                                            <p:txEl>
+                                              <p:pRg st="5" end="5"/>
+                                            </p:txEl>
+                                          </p:spTgt>
+                                        </p:tgtEl>
+                                        <p:attrNameLst>
+                                          <p:attrName>style.visibility</p:attrName>
+                                        </p:attrNameLst>
+                                      </p:cBhvr>
+                                      <p:to>
+                                        <p:strVal val="visible"/>
+                                      </p:to>
+                                    </p:set>
+                                  </p:childTnLst>
+                                </p:cTn>
+                              </p:par>
+                            </p:childTnLst>
+                          </p:cTn>
+                        </p:par>
+                      </p:childTnLst>
+                    </p:cTn>
+                  </p:par>
+                  <p:par>
+                    <p:cTn id="27" fill="hold">
+                      <p:stCondLst>
+                        <p:cond delay="indefinite"/>
+                      </p:stCondLst>
+                      <p:childTnLst>
+                        <p:par>
+                          <p:cTn id="28" fill="hold">
+                            <p:stCondLst>
+                              <p:cond delay="0"/>
+                            </p:stCondLst>
+                            <p:childTnLst>
+                              <p:par>
+                                <p:cTn id="29" presetID="1" presetClass="entr" presetSubtype="0" fill="hold" nodeType="clickEffect">
+                                  <p:stCondLst>
+                                    <p:cond delay="0"/>
+                                  </p:stCondLst>
+                                  <p:childTnLst>
+                                    <p:set>
+                                      <p:cBhvr>
+                                        <p:cTn id="30" dur="1" fill="hold">
+                                          <p:stCondLst>
+                                            <p:cond delay="0"/>
+                                          </p:stCondLst>
+                                        </p:cTn>
+                                        <p:tgtEl>
+                                          <p:spTgt spid="18435">
+                                            <p:txEl>
+                                              <p:pRg st="6" end="6"/>
+                                            </p:txEl>
+                                          </p:spTgt>
+                                        </p:tgtEl>
+                                        <p:attrNameLst>
+                                          <p:attrName>style.visibility</p:attrName>
+                                        </p:attrNameLst>
+                                      </p:cBhvr>
+                                      <p:to>
+                                        <p:strVal val="visible"/>
+                                      </p:to>
+                                    </p:set>
+                                  </p:childTnLst>
+                                </p:cTn>
+                              </p:par>
+                            </p:childTnLst>
+                          </p:cTn>
+                        </p:par>
+                      </p:childTnLst>
+                    </p:cTn>
+                  </p:par>
+                  <p:par>
+                    <p:cTn id="31" fill="hold">
+                      <p:stCondLst>
+                        <p:cond delay="indefinite"/>
+                      </p:stCondLst>
+                      <p:childTnLst>
+                        <p:par>
+                          <p:cTn id="32" fill="hold">
+                            <p:stCondLst>
+                              <p:cond delay="0"/>
+                            </p:stCondLst>
+                            <p:childTnLst>
+                              <p:par>
+                                <p:cTn id="33" presetID="1" presetClass="entr" presetSubtype="0" fill="hold" nodeType="clickEffect">
+                                  <p:stCondLst>
+                                    <p:cond delay="0"/>
+                                  </p:stCondLst>
+                                  <p:childTnLst>
+                                    <p:set>
+                                      <p:cBhvr>
+                                        <p:cTn id="34" dur="1" fill="hold">
+                                          <p:stCondLst>
+                                            <p:cond delay="0"/>
+                                          </p:stCondLst>
+                                        </p:cTn>
+                                        <p:tgtEl>
+                                          <p:spTgt spid="18435">
+                                            <p:txEl>
+                                              <p:pRg st="7" end="7"/>
+                                            </p:txEl>
+                                          </p:spTgt>
+                                        </p:tgtEl>
+                                        <p:attrNameLst>
+                                          <p:attrName>style.visibility</p:attrName>
+                                        </p:attrNameLst>
+                                      </p:cBhvr>
+                                      <p:to>
+                                        <p:strVal val="visible"/>
+                                      </p:to>
+                                    </p:set>
+                                  </p:childTnLst>
+                                </p:cTn>
+                              </p:par>
+                            </p:childTnLst>
+                          </p:cTn>
+                        </p:par>
+                      </p:childTnLst>
+                    </p:cTn>
+                  </p:par>
+                </p:childTnLst>
+              </p:cTn>
+              <p:prevCondLst>
+                <p:cond evt="onPrev" delay="0">
+                  <p:tgtEl>
+                    <p:sldTgt/>
+                  </p:tgtEl>
+                </p:cond>
+              </p:prevCondLst>
+              <p:nextCondLst>
+                <p:cond evt="onNext" delay="0">
+                  <p:tgtEl>
+                    <p:sldTgt/>
+                  </p:tgtEl>
+                </p:cond>
+              </p:nextCondLst>
+            </p:seq>
+          </p:childTnLst>
+        </p:cTn>
+      </p:par>
+    </p:tnLst>
+  </p:timing>
+</p:sld>
+</file>
+
+<file path=ppt/slides/slide14.xml><?xml version="1.0" encoding="utf-8"?>
+<p:sld xmlns:a="http://schemas.openxmlformats.org/drawingml/2006/main" xmlns:r="http://schemas.openxmlformats.org/officeDocument/2006/relationships" xmlns:p="http://schemas.openxmlformats.org/presentationml/2006/main">
+  <p:cSld>
+    <p:spTree>
+      <p:nvGrpSpPr>
+        <p:cNvPr id="1" name="Shape 459"/>
+        <p:cNvGrpSpPr/>
+        <p:nvPr/>
+      </p:nvGrpSpPr>
+      <p:grpSpPr>
+        <a:xfrm>
+          <a:off x="0" y="0"/>
+          <a:ext cx="0" cy="0"/>
+          <a:chOff x="0" y="0"/>
+          <a:chExt cx="0" cy="0"/>
+        </a:xfrm>
+      </p:grpSpPr>
+      <p:sp>
+        <p:nvSpPr>
+          <p:cNvPr id="460" name="Google Shape;460;p32"/>
+          <p:cNvSpPr txBox="1">
+            <a:spLocks noGrp="1"/>
+          </p:cNvSpPr>
+          <p:nvPr>
+            <p:ph type="title"/>
+          </p:nvPr>
+        </p:nvSpPr>
+        <p:spPr>
+          <a:prstGeom prst="rect">
+            <a:avLst/>
+          </a:prstGeom>
+        </p:spPr>
+        <p:txBody>
+          <a:bodyPr spcFirstLastPara="1" wrap="square" lIns="100747" tIns="100747" rIns="100747" bIns="100747" anchor="b" anchorCtr="0">
+            <a:noAutofit/>
+          </a:bodyPr>
+          <a:lstStyle/>
+          <a:p>
+            <a:r>
+              <a:rPr lang="en"/>
+              <a:t>Pre-order traversal</a:t>
+            </a:r>
+            <a:endParaRPr/>
+          </a:p>
+        </p:txBody>
+      </p:sp>
+      <p:sp>
+        <p:nvSpPr>
+          <p:cNvPr id="2" name="Content Placeholder 1">
+            <a:extLst>
+              <a:ext uri="{FF2B5EF4-FFF2-40B4-BE49-F238E27FC236}">
+                <a16:creationId xmlns:a16="http://schemas.microsoft.com/office/drawing/2014/main" id="{90B60445-6D45-4707-BE57-B39027B8E7D3}"/>
+              </a:ext>
+            </a:extLst>
+          </p:cNvPr>
+          <p:cNvSpPr>
+            <a:spLocks noGrp="1"/>
+          </p:cNvSpPr>
+          <p:nvPr>
+            <p:ph idx="1"/>
+          </p:nvPr>
+        </p:nvSpPr>
+        <p:spPr/>
+        <p:txBody>
+          <a:bodyPr/>
+          <a:lstStyle/>
+          <a:p>
+            <a:endParaRPr lang="en-US"/>
+          </a:p>
+        </p:txBody>
+      </p:sp>
+      <p:sp>
+        <p:nvSpPr>
+          <p:cNvPr id="462" name="Google Shape;462;p32"/>
+          <p:cNvSpPr txBox="1">
+            <a:spLocks noGrp="1"/>
+          </p:cNvSpPr>
+          <p:nvPr>
+            <p:ph type="sldNum" idx="12"/>
+          </p:nvPr>
+        </p:nvSpPr>
+        <p:spPr>
+          <a:prstGeom prst="rect">
+            <a:avLst/>
+          </a:prstGeom>
+        </p:spPr>
+        <p:txBody>
+          <a:bodyPr spcFirstLastPara="1" wrap="square" lIns="100747" tIns="100747" rIns="100747" bIns="100747" anchor="ctr" anchorCtr="0">
+            <a:noAutofit/>
+          </a:bodyPr>
+          <a:lstStyle/>
+          <a:p>
+            <a:pPr marL="0" marR="0" lvl="0" indent="0" algn="r" defTabSz="1007641" rtl="0" eaLnBrk="1" fontAlgn="auto" latinLnBrk="0" hangingPunct="1">
+              <a:lnSpc>
+                <a:spcPct val="96000"/>
+              </a:lnSpc>
+              <a:spcBef>
+                <a:spcPts val="0"/>
+              </a:spcBef>
+              <a:spcAft>
+                <a:spcPts val="0"/>
+              </a:spcAft>
+              <a:buClr>
+                <a:srgbClr val="000000"/>
+              </a:buClr>
+              <a:buSzTx/>
+              <a:buFontTx/>
+              <a:buNone/>
+              <a:tabLst/>
+              <a:defRPr/>
+            </a:pPr>
+            <a:fld id="{00000000-1234-1234-1234-123412341234}" type="slidenum">
+              <a:rPr kumimoji="0" lang="en" sz="1401" b="0" i="0" u="none" strike="noStrike" kern="0" cap="none" spc="0" normalizeH="0" baseline="0" noProof="0">
+                <a:ln>
+                  <a:noFill/>
+                </a:ln>
+                <a:solidFill>
+                  <a:srgbClr val="000000"/>
+                </a:solidFill>
+                <a:effectLst/>
+                <a:uLnTx/>
+                <a:uFillTx/>
+                <a:latin typeface="Times New Roman" panose="02020603050405020304" pitchFamily="18" charset="0"/>
+                <a:ea typeface="+mn-ea"/>
+                <a:cs typeface="Arial"/>
+              </a:rPr>
+              <a:pPr marL="0" marR="0" lvl="0" indent="0" algn="r" defTabSz="1007641" rtl="0" eaLnBrk="1" fontAlgn="auto" latinLnBrk="0" hangingPunct="1">
+                <a:lnSpc>
+                  <a:spcPct val="96000"/>
+                </a:lnSpc>
+                <a:spcBef>
+                  <a:spcPts val="0"/>
+                </a:spcBef>
+                <a:spcAft>
+                  <a:spcPts val="0"/>
+                </a:spcAft>
+                <a:buClr>
+                  <a:srgbClr val="000000"/>
+                </a:buClr>
+                <a:buSzTx/>
+                <a:buFontTx/>
+                <a:buNone/>
+                <a:tabLst/>
+                <a:defRPr/>
+              </a:pPr>
+              <a:t>14</a:t>
+            </a:fld>
+            <a:endParaRPr kumimoji="0" sz="1401" b="0" i="0" u="none" strike="noStrike" kern="0" cap="none" spc="0" normalizeH="0" baseline="0" noProof="0">
+              <a:ln>
+                <a:noFill/>
+              </a:ln>
+              <a:solidFill>
+                <a:srgbClr val="000000"/>
+              </a:solidFill>
+              <a:effectLst/>
+              <a:uLnTx/>
+              <a:uFillTx/>
+              <a:latin typeface="Times New Roman" panose="02020603050405020304" pitchFamily="18" charset="0"/>
+              <a:ea typeface="+mn-ea"/>
+              <a:cs typeface="Arial"/>
+            </a:endParaRPr>
+          </a:p>
+        </p:txBody>
+      </p:sp>
+      <p:pic>
+        <p:nvPicPr>
+          <p:cNvPr id="461" name="Google Shape;461;p32" descr="672px-Sorted_binary_tree_preorder.svg.png"/>
+          <p:cNvPicPr preferRelativeResize="0"/>
+          <p:nvPr/>
+        </p:nvPicPr>
+        <p:blipFill>
+          <a:blip r:embed="rId3">
+            <a:alphaModFix/>
+          </a:blip>
+          <a:stretch>
+            <a:fillRect/>
+          </a:stretch>
+        </p:blipFill>
+        <p:spPr>
+          <a:xfrm>
+            <a:off x="1511988" y="1225880"/>
+            <a:ext cx="7053475" cy="6024843"/>
+          </a:xfrm>
+          <a:prstGeom prst="rect">
+            <a:avLst/>
+          </a:prstGeom>
+          <a:noFill/>
+          <a:ln>
+            <a:noFill/>
+          </a:ln>
+        </p:spPr>
+      </p:pic>
+      <p:sp>
+        <p:nvSpPr>
+          <p:cNvPr id="3" name="Footer Placeholder 2">
+            <a:extLst>
+              <a:ext uri="{FF2B5EF4-FFF2-40B4-BE49-F238E27FC236}">
+                <a16:creationId xmlns:a16="http://schemas.microsoft.com/office/drawing/2014/main" id="{8C283871-2EBE-470D-87FA-AA01F7AC82C1}"/>
+              </a:ext>
+            </a:extLst>
+          </p:cNvPr>
+          <p:cNvSpPr>
+            <a:spLocks noGrp="1"/>
+          </p:cNvSpPr>
+          <p:nvPr>
+            <p:ph type="ftr" idx="11"/>
+          </p:nvPr>
+        </p:nvSpPr>
+        <p:spPr/>
+        <p:txBody>
+          <a:bodyPr/>
+          <a:lstStyle/>
+          <a:p>
+            <a:pPr marL="0" marR="0" lvl="0" indent="0" algn="ctr" defTabSz="914400" rtl="0" eaLnBrk="1" fontAlgn="auto" latinLnBrk="0" hangingPunct="1">
+              <a:lnSpc>
+                <a:spcPct val="96000"/>
+              </a:lnSpc>
+              <a:spcBef>
+                <a:spcPts val="0"/>
+              </a:spcBef>
+              <a:spcAft>
+                <a:spcPts val="0"/>
+              </a:spcAft>
+              <a:buClrTx/>
+              <a:buSzTx/>
+              <a:buFont typeface="Times New Roman" pitchFamily="16" charset="0"/>
+              <a:buNone/>
+              <a:tabLst>
+                <a:tab pos="0" algn="l"/>
+                <a:tab pos="457436" algn="l"/>
+                <a:tab pos="914872" algn="l"/>
+                <a:tab pos="1372308" algn="l"/>
+                <a:tab pos="1829742" algn="l"/>
+                <a:tab pos="2287178" algn="l"/>
+                <a:tab pos="2744615" algn="l"/>
+                <a:tab pos="3202050" algn="l"/>
+                <a:tab pos="3659486" algn="l"/>
+                <a:tab pos="4116923" algn="l"/>
+                <a:tab pos="4574357" algn="l"/>
+                <a:tab pos="5031793" algn="l"/>
+                <a:tab pos="5489228" algn="l"/>
+                <a:tab pos="5946665" algn="l"/>
+                <a:tab pos="6404101" algn="l"/>
+                <a:tab pos="6861536" algn="l"/>
+                <a:tab pos="7318971" algn="l"/>
+                <a:tab pos="7776408" algn="l"/>
+                <a:tab pos="8233843" algn="l"/>
+                <a:tab pos="8691279" algn="l"/>
+                <a:tab pos="9148715" algn="l"/>
+              </a:tabLst>
+              <a:defRPr/>
+            </a:pPr>
+            <a:r>
+              <a:rPr kumimoji="0" lang="en-US" sz="1401" b="0" i="0" u="none" strike="noStrike" kern="1200" cap="none" spc="0" normalizeH="0" baseline="0" noProof="0">
+                <a:ln>
+                  <a:noFill/>
+                </a:ln>
+                <a:solidFill>
+                  <a:srgbClr val="000000"/>
+                </a:solidFill>
+                <a:effectLst/>
+                <a:uLnTx/>
+                <a:uFillTx/>
+                <a:latin typeface="Arial"/>
+                <a:ea typeface="+mn-ea"/>
+                <a:cs typeface="Arial" charset="0"/>
+              </a:rPr>
+              <a:t>CS 1501 – Algorithms &amp; Data Structures 2 – Sherif Khattab</a:t>
+            </a:r>
+            <a:endParaRPr kumimoji="0" lang="en-GB" sz="1401" b="0" i="0" u="none" strike="noStrike" kern="1200" cap="none" spc="0" normalizeH="0" baseline="0" noProof="0">
+              <a:ln>
+                <a:noFill/>
+              </a:ln>
+              <a:solidFill>
+                <a:srgbClr val="000000"/>
+              </a:solidFill>
+              <a:effectLst/>
+              <a:uLnTx/>
+              <a:uFillTx/>
+              <a:latin typeface="Times New Roman" pitchFamily="16" charset="0"/>
+              <a:ea typeface="+mn-ea"/>
+              <a:cs typeface="Arial" charset="0"/>
+            </a:endParaRPr>
+          </a:p>
+        </p:txBody>
+      </p:sp>
+    </p:spTree>
+    <p:extLst>
+      <p:ext uri="{BB962C8B-B14F-4D97-AF65-F5344CB8AC3E}">
+        <p14:creationId xmlns:p14="http://schemas.microsoft.com/office/powerpoint/2010/main" val="2805000757"/>
+      </p:ext>
+    </p:extLst>
+  </p:cSld>
+  <p:clrMapOvr>
+    <a:masterClrMapping/>
+  </p:clrMapOvr>
+  <p:timing>
+    <p:tnLst>
+      <p:par>
+        <p:cTn id="1" dur="indefinite" restart="never" nodeType="tmRoot">
+          <p:childTnLst>
+            <p:seq concurrent="1" nextAc="seek">
+              <p:cTn id="2" dur="indefinite" nodeType="mainSeq">
+                <p:childTnLst>
+                  <p:par>
+                    <p:cTn id="3" fill="hold">
+                      <p:stCondLst>
+                        <p:cond delay="indefinite"/>
+                      </p:stCondLst>
+                      <p:childTnLst>
+                        <p:par>
+                          <p:cTn id="4" fill="hold">
+                            <p:stCondLst>
+                              <p:cond delay="0"/>
+                            </p:stCondLst>
+                            <p:childTnLst>
+                              <p:par>
+                                <p:cTn id="5" presetID="10" presetClass="entr" presetSubtype="0" fill="hold" nodeType="clickEffect">
+                                  <p:stCondLst>
+                                    <p:cond delay="0"/>
+                                  </p:stCondLst>
+                                  <p:childTnLst>
+                                    <p:set>
+                                      <p:cBhvr>
+                                        <p:cTn id="6" dur="1" fill="hold">
+                                          <p:stCondLst>
+                                            <p:cond delay="0"/>
+                                          </p:stCondLst>
+                                        </p:cTn>
+                                        <p:tgtEl>
+                                          <p:spTgt spid="461"/>
+                                        </p:tgtEl>
+                                        <p:attrNameLst>
+                                          <p:attrName>style.visibility</p:attrName>
+                                        </p:attrNameLst>
+                                      </p:cBhvr>
+                                      <p:to>
+                                        <p:strVal val="visible"/>
+                                      </p:to>
+                                    </p:set>
+                                    <p:animEffect transition="in" filter="fade">
+                                      <p:cBhvr>
+                                        <p:cTn id="7" dur="100"/>
+                                        <p:tgtEl>
+                                          <p:spTgt spid="461"/>
+                                        </p:tgtEl>
+                                      </p:cBhvr>
+                                    </p:animEffect>
+                                  </p:childTnLst>
+                                </p:cTn>
+                              </p:par>
+                            </p:childTnLst>
+                          </p:cTn>
+                        </p:par>
+                      </p:childTnLst>
+                    </p:cTn>
+                  </p:par>
+                </p:childTnLst>
+              </p:cTn>
+              <p:prevCondLst>
+                <p:cond evt="onPrev" delay="0">
+                  <p:tgtEl>
+                    <p:sldTgt/>
+                  </p:tgtEl>
+                </p:cond>
+              </p:prevCondLst>
+              <p:nextCondLst>
+                <p:cond evt="onNext" delay="0">
+                  <p:tgtEl>
+                    <p:sldTgt/>
+                  </p:tgtEl>
+                </p:cond>
+              </p:nextCondLst>
+            </p:seq>
+          </p:childTnLst>
+        </p:cTn>
+      </p:par>
+    </p:tnLst>
+  </p:timing>
+</p:sld>
+</file>
+
+<file path=ppt/slides/slide15.xml><?xml version="1.0" encoding="utf-8"?>
+<p:sld xmlns:a="http://schemas.openxmlformats.org/drawingml/2006/main" xmlns:r="http://schemas.openxmlformats.org/officeDocument/2006/relationships" xmlns:p="http://schemas.openxmlformats.org/presentationml/2006/main">
+  <p:cSld>
+    <p:spTree>
+      <p:nvGrpSpPr>
+        <p:cNvPr id="1" name="Shape 466"/>
+        <p:cNvGrpSpPr/>
+        <p:nvPr/>
+      </p:nvGrpSpPr>
+      <p:grpSpPr>
+        <a:xfrm>
+          <a:off x="0" y="0"/>
+          <a:ext cx="0" cy="0"/>
+          <a:chOff x="0" y="0"/>
+          <a:chExt cx="0" cy="0"/>
+        </a:xfrm>
+      </p:grpSpPr>
+      <p:sp>
+        <p:nvSpPr>
+          <p:cNvPr id="467" name="Google Shape;467;p33"/>
+          <p:cNvSpPr txBox="1">
+            <a:spLocks noGrp="1"/>
+          </p:cNvSpPr>
+          <p:nvPr>
+            <p:ph type="title"/>
+          </p:nvPr>
+        </p:nvSpPr>
+        <p:spPr>
+          <a:prstGeom prst="rect">
+            <a:avLst/>
+          </a:prstGeom>
+        </p:spPr>
+        <p:txBody>
+          <a:bodyPr spcFirstLastPara="1" wrap="square" lIns="100747" tIns="100747" rIns="100747" bIns="100747" anchor="b" anchorCtr="0">
+            <a:noAutofit/>
+          </a:bodyPr>
+          <a:lstStyle/>
+          <a:p>
+            <a:r>
+              <a:rPr lang="en"/>
+              <a:t>In-order traversal</a:t>
+            </a:r>
+            <a:endParaRPr/>
+          </a:p>
+        </p:txBody>
+      </p:sp>
+      <p:sp>
+        <p:nvSpPr>
+          <p:cNvPr id="2" name="Content Placeholder 1">
+            <a:extLst>
+              <a:ext uri="{FF2B5EF4-FFF2-40B4-BE49-F238E27FC236}">
+                <a16:creationId xmlns:a16="http://schemas.microsoft.com/office/drawing/2014/main" id="{18F6F50C-692C-4BB7-90E4-04D1641EEC95}"/>
+              </a:ext>
+            </a:extLst>
+          </p:cNvPr>
+          <p:cNvSpPr>
+            <a:spLocks noGrp="1"/>
+          </p:cNvSpPr>
+          <p:nvPr>
+            <p:ph idx="1"/>
+          </p:nvPr>
+        </p:nvSpPr>
+        <p:spPr/>
+        <p:txBody>
+          <a:bodyPr/>
+          <a:lstStyle/>
+          <a:p>
+            <a:endParaRPr lang="en-US"/>
+          </a:p>
+        </p:txBody>
+      </p:sp>
+      <p:sp>
+        <p:nvSpPr>
+          <p:cNvPr id="469" name="Google Shape;469;p33"/>
+          <p:cNvSpPr txBox="1">
+            <a:spLocks noGrp="1"/>
+          </p:cNvSpPr>
+          <p:nvPr>
+            <p:ph type="sldNum" idx="12"/>
+          </p:nvPr>
+        </p:nvSpPr>
+        <p:spPr>
+          <a:prstGeom prst="rect">
+            <a:avLst/>
+          </a:prstGeom>
+        </p:spPr>
+        <p:txBody>
+          <a:bodyPr spcFirstLastPara="1" wrap="square" lIns="100747" tIns="100747" rIns="100747" bIns="100747" anchor="ctr" anchorCtr="0">
+            <a:noAutofit/>
+          </a:bodyPr>
+          <a:lstStyle/>
+          <a:p>
+            <a:pPr marL="0" marR="0" lvl="0" indent="0" algn="r" defTabSz="1007641" rtl="0" eaLnBrk="1" fontAlgn="auto" latinLnBrk="0" hangingPunct="1">
+              <a:lnSpc>
+                <a:spcPct val="96000"/>
+              </a:lnSpc>
+              <a:spcBef>
+                <a:spcPts val="0"/>
+              </a:spcBef>
+              <a:spcAft>
+                <a:spcPts val="0"/>
+              </a:spcAft>
+              <a:buClr>
+                <a:srgbClr val="000000"/>
+              </a:buClr>
+              <a:buSzTx/>
+              <a:buFontTx/>
+              <a:buNone/>
+              <a:tabLst/>
+              <a:defRPr/>
+            </a:pPr>
+            <a:fld id="{00000000-1234-1234-1234-123412341234}" type="slidenum">
+              <a:rPr kumimoji="0" lang="en" sz="1401" b="0" i="0" u="none" strike="noStrike" kern="0" cap="none" spc="0" normalizeH="0" baseline="0" noProof="0">
+                <a:ln>
+                  <a:noFill/>
+                </a:ln>
+                <a:solidFill>
+                  <a:srgbClr val="000000"/>
+                </a:solidFill>
+                <a:effectLst/>
+                <a:uLnTx/>
+                <a:uFillTx/>
+                <a:latin typeface="Times New Roman" panose="02020603050405020304" pitchFamily="18" charset="0"/>
+                <a:ea typeface="+mn-ea"/>
+                <a:cs typeface="Arial"/>
+              </a:rPr>
+              <a:pPr marL="0" marR="0" lvl="0" indent="0" algn="r" defTabSz="1007641" rtl="0" eaLnBrk="1" fontAlgn="auto" latinLnBrk="0" hangingPunct="1">
+                <a:lnSpc>
+                  <a:spcPct val="96000"/>
+                </a:lnSpc>
+                <a:spcBef>
+                  <a:spcPts val="0"/>
+                </a:spcBef>
+                <a:spcAft>
+                  <a:spcPts val="0"/>
+                </a:spcAft>
+                <a:buClr>
+                  <a:srgbClr val="000000"/>
+                </a:buClr>
+                <a:buSzTx/>
+                <a:buFontTx/>
+                <a:buNone/>
+                <a:tabLst/>
+                <a:defRPr/>
+              </a:pPr>
+              <a:t>15</a:t>
+            </a:fld>
+            <a:endParaRPr kumimoji="0" sz="1401" b="0" i="0" u="none" strike="noStrike" kern="0" cap="none" spc="0" normalizeH="0" baseline="0" noProof="0">
+              <a:ln>
+                <a:noFill/>
+              </a:ln>
+              <a:solidFill>
+                <a:srgbClr val="000000"/>
+              </a:solidFill>
+              <a:effectLst/>
+              <a:uLnTx/>
+              <a:uFillTx/>
+              <a:latin typeface="Times New Roman" panose="02020603050405020304" pitchFamily="18" charset="0"/>
+              <a:ea typeface="+mn-ea"/>
+              <a:cs typeface="Arial"/>
+            </a:endParaRPr>
+          </a:p>
+        </p:txBody>
+      </p:sp>
+      <p:pic>
+        <p:nvPicPr>
+          <p:cNvPr id="468" name="Google Shape;468;p33" descr="672px-Sorted_binary_tree_inorder.svg.png"/>
+          <p:cNvPicPr preferRelativeResize="0"/>
+          <p:nvPr/>
+        </p:nvPicPr>
+        <p:blipFill>
+          <a:blip r:embed="rId3">
+            <a:alphaModFix/>
+          </a:blip>
+          <a:stretch>
+            <a:fillRect/>
+          </a:stretch>
+        </p:blipFill>
+        <p:spPr>
+          <a:xfrm>
+            <a:off x="1511988" y="1225880"/>
+            <a:ext cx="7053475" cy="6024843"/>
+          </a:xfrm>
+          <a:prstGeom prst="rect">
+            <a:avLst/>
+          </a:prstGeom>
+          <a:noFill/>
+          <a:ln>
+            <a:noFill/>
+          </a:ln>
+        </p:spPr>
+      </p:pic>
+      <p:sp>
+        <p:nvSpPr>
+          <p:cNvPr id="3" name="Footer Placeholder 2">
+            <a:extLst>
+              <a:ext uri="{FF2B5EF4-FFF2-40B4-BE49-F238E27FC236}">
+                <a16:creationId xmlns:a16="http://schemas.microsoft.com/office/drawing/2014/main" id="{ED742C76-47C3-41CD-9659-D0580796E5D8}"/>
+              </a:ext>
+            </a:extLst>
+          </p:cNvPr>
+          <p:cNvSpPr>
+            <a:spLocks noGrp="1"/>
+          </p:cNvSpPr>
+          <p:nvPr>
+            <p:ph type="ftr" idx="11"/>
+          </p:nvPr>
+        </p:nvSpPr>
+        <p:spPr/>
+        <p:txBody>
+          <a:bodyPr/>
+          <a:lstStyle/>
+          <a:p>
+            <a:pPr marL="0" marR="0" lvl="0" indent="0" algn="ctr" defTabSz="914400" rtl="0" eaLnBrk="1" fontAlgn="auto" latinLnBrk="0" hangingPunct="1">
+              <a:lnSpc>
+                <a:spcPct val="96000"/>
+              </a:lnSpc>
+              <a:spcBef>
+                <a:spcPts val="0"/>
+              </a:spcBef>
+              <a:spcAft>
+                <a:spcPts val="0"/>
+              </a:spcAft>
+              <a:buClrTx/>
+              <a:buSzTx/>
+              <a:buFont typeface="Times New Roman" pitchFamily="16" charset="0"/>
+              <a:buNone/>
+              <a:tabLst>
+                <a:tab pos="0" algn="l"/>
+                <a:tab pos="457436" algn="l"/>
+                <a:tab pos="914872" algn="l"/>
+                <a:tab pos="1372308" algn="l"/>
+                <a:tab pos="1829742" algn="l"/>
+                <a:tab pos="2287178" algn="l"/>
+                <a:tab pos="2744615" algn="l"/>
+                <a:tab pos="3202050" algn="l"/>
+                <a:tab pos="3659486" algn="l"/>
+                <a:tab pos="4116923" algn="l"/>
+                <a:tab pos="4574357" algn="l"/>
+                <a:tab pos="5031793" algn="l"/>
+                <a:tab pos="5489228" algn="l"/>
+                <a:tab pos="5946665" algn="l"/>
+                <a:tab pos="6404101" algn="l"/>
+                <a:tab pos="6861536" algn="l"/>
+                <a:tab pos="7318971" algn="l"/>
+                <a:tab pos="7776408" algn="l"/>
+                <a:tab pos="8233843" algn="l"/>
+                <a:tab pos="8691279" algn="l"/>
+                <a:tab pos="9148715" algn="l"/>
+              </a:tabLst>
+              <a:defRPr/>
+            </a:pPr>
+            <a:r>
+              <a:rPr kumimoji="0" lang="en-US" sz="1401" b="0" i="0" u="none" strike="noStrike" kern="1200" cap="none" spc="0" normalizeH="0" baseline="0" noProof="0">
+                <a:ln>
+                  <a:noFill/>
+                </a:ln>
+                <a:solidFill>
+                  <a:srgbClr val="000000"/>
+                </a:solidFill>
+                <a:effectLst/>
+                <a:uLnTx/>
+                <a:uFillTx/>
+                <a:latin typeface="Arial"/>
+                <a:ea typeface="+mn-ea"/>
+                <a:cs typeface="Arial" charset="0"/>
+              </a:rPr>
+              <a:t>CS 1501 – Algorithms &amp; Data Structures 2 – Sherif Khattab</a:t>
+            </a:r>
+            <a:endParaRPr kumimoji="0" lang="en-GB" sz="1401" b="0" i="0" u="none" strike="noStrike" kern="1200" cap="none" spc="0" normalizeH="0" baseline="0" noProof="0">
+              <a:ln>
+                <a:noFill/>
+              </a:ln>
+              <a:solidFill>
+                <a:srgbClr val="000000"/>
+              </a:solidFill>
+              <a:effectLst/>
+              <a:uLnTx/>
+              <a:uFillTx/>
+              <a:latin typeface="Times New Roman" pitchFamily="16" charset="0"/>
+              <a:ea typeface="+mn-ea"/>
+              <a:cs typeface="Arial" charset="0"/>
+            </a:endParaRPr>
+          </a:p>
+        </p:txBody>
+      </p:sp>
+    </p:spTree>
+    <p:extLst>
+      <p:ext uri="{BB962C8B-B14F-4D97-AF65-F5344CB8AC3E}">
+        <p14:creationId xmlns:p14="http://schemas.microsoft.com/office/powerpoint/2010/main" val="644336610"/>
+      </p:ext>
+    </p:extLst>
+  </p:cSld>
+  <p:clrMapOvr>
+    <a:masterClrMapping/>
+  </p:clrMapOvr>
+</p:sld>
+</file>
+
+<file path=ppt/slides/slide16.xml><?xml version="1.0" encoding="utf-8"?>
+<p:sld xmlns:a="http://schemas.openxmlformats.org/drawingml/2006/main" xmlns:r="http://schemas.openxmlformats.org/officeDocument/2006/relationships" xmlns:p="http://schemas.openxmlformats.org/presentationml/2006/main">
+  <p:cSld>
+    <p:spTree>
+      <p:nvGrpSpPr>
+        <p:cNvPr id="1" name="Shape 473"/>
+        <p:cNvGrpSpPr/>
+        <p:nvPr/>
+      </p:nvGrpSpPr>
+      <p:grpSpPr>
+        <a:xfrm>
+          <a:off x="0" y="0"/>
+          <a:ext cx="0" cy="0"/>
+          <a:chOff x="0" y="0"/>
+          <a:chExt cx="0" cy="0"/>
+        </a:xfrm>
+      </p:grpSpPr>
+      <p:sp>
+        <p:nvSpPr>
+          <p:cNvPr id="474" name="Google Shape;474;p34"/>
+          <p:cNvSpPr txBox="1">
+            <a:spLocks noGrp="1"/>
+          </p:cNvSpPr>
+          <p:nvPr>
+            <p:ph type="title"/>
+          </p:nvPr>
+        </p:nvSpPr>
+        <p:spPr>
+          <a:prstGeom prst="rect">
+            <a:avLst/>
+          </a:prstGeom>
+        </p:spPr>
+        <p:txBody>
+          <a:bodyPr spcFirstLastPara="1" wrap="square" lIns="100747" tIns="100747" rIns="100747" bIns="100747" anchor="b" anchorCtr="0">
+            <a:noAutofit/>
+          </a:bodyPr>
+          <a:lstStyle/>
+          <a:p>
+            <a:r>
+              <a:rPr lang="en"/>
+              <a:t>Post-order traversal</a:t>
+            </a:r>
+            <a:endParaRPr/>
+          </a:p>
+        </p:txBody>
+      </p:sp>
+      <p:sp>
+        <p:nvSpPr>
+          <p:cNvPr id="2" name="Content Placeholder 1">
+            <a:extLst>
+              <a:ext uri="{FF2B5EF4-FFF2-40B4-BE49-F238E27FC236}">
+                <a16:creationId xmlns:a16="http://schemas.microsoft.com/office/drawing/2014/main" id="{D0F334F8-8818-4FCC-8B65-BD40D9C391AB}"/>
+              </a:ext>
+            </a:extLst>
+          </p:cNvPr>
+          <p:cNvSpPr>
+            <a:spLocks noGrp="1"/>
+          </p:cNvSpPr>
+          <p:nvPr>
+            <p:ph idx="1"/>
+          </p:nvPr>
+        </p:nvSpPr>
+        <p:spPr/>
+        <p:txBody>
+          <a:bodyPr/>
+          <a:lstStyle/>
+          <a:p>
+            <a:endParaRPr lang="en-US"/>
+          </a:p>
+        </p:txBody>
+      </p:sp>
+      <p:sp>
+        <p:nvSpPr>
+          <p:cNvPr id="476" name="Google Shape;476;p34"/>
+          <p:cNvSpPr txBox="1">
+            <a:spLocks noGrp="1"/>
+          </p:cNvSpPr>
+          <p:nvPr>
+            <p:ph type="sldNum" idx="12"/>
+          </p:nvPr>
+        </p:nvSpPr>
+        <p:spPr>
+          <a:prstGeom prst="rect">
+            <a:avLst/>
+          </a:prstGeom>
+        </p:spPr>
+        <p:txBody>
+          <a:bodyPr spcFirstLastPara="1" wrap="square" lIns="100747" tIns="100747" rIns="100747" bIns="100747" anchor="ctr" anchorCtr="0">
+            <a:noAutofit/>
+          </a:bodyPr>
+          <a:lstStyle/>
+          <a:p>
+            <a:pPr marL="0" marR="0" lvl="0" indent="0" algn="r" defTabSz="1007641" rtl="0" eaLnBrk="1" fontAlgn="auto" latinLnBrk="0" hangingPunct="1">
+              <a:lnSpc>
+                <a:spcPct val="96000"/>
+              </a:lnSpc>
+              <a:spcBef>
+                <a:spcPts val="0"/>
+              </a:spcBef>
+              <a:spcAft>
+                <a:spcPts val="0"/>
+              </a:spcAft>
+              <a:buClr>
+                <a:srgbClr val="000000"/>
+              </a:buClr>
+              <a:buSzTx/>
+              <a:buFontTx/>
+              <a:buNone/>
+              <a:tabLst/>
+              <a:defRPr/>
+            </a:pPr>
+            <a:fld id="{00000000-1234-1234-1234-123412341234}" type="slidenum">
+              <a:rPr kumimoji="0" lang="en" sz="1401" b="0" i="0" u="none" strike="noStrike" kern="0" cap="none" spc="0" normalizeH="0" baseline="0" noProof="0">
+                <a:ln>
+                  <a:noFill/>
+                </a:ln>
+                <a:solidFill>
+                  <a:srgbClr val="000000"/>
+                </a:solidFill>
+                <a:effectLst/>
+                <a:uLnTx/>
+                <a:uFillTx/>
+                <a:latin typeface="Times New Roman" panose="02020603050405020304" pitchFamily="18" charset="0"/>
+                <a:ea typeface="+mn-ea"/>
+                <a:cs typeface="Arial"/>
+              </a:rPr>
+              <a:pPr marL="0" marR="0" lvl="0" indent="0" algn="r" defTabSz="1007641" rtl="0" eaLnBrk="1" fontAlgn="auto" latinLnBrk="0" hangingPunct="1">
+                <a:lnSpc>
+                  <a:spcPct val="96000"/>
+                </a:lnSpc>
+                <a:spcBef>
+                  <a:spcPts val="0"/>
+                </a:spcBef>
+                <a:spcAft>
+                  <a:spcPts val="0"/>
+                </a:spcAft>
+                <a:buClr>
+                  <a:srgbClr val="000000"/>
+                </a:buClr>
+                <a:buSzTx/>
+                <a:buFontTx/>
+                <a:buNone/>
+                <a:tabLst/>
+                <a:defRPr/>
+              </a:pPr>
+              <a:t>16</a:t>
+            </a:fld>
+            <a:endParaRPr kumimoji="0" sz="1401" b="0" i="0" u="none" strike="noStrike" kern="0" cap="none" spc="0" normalizeH="0" baseline="0" noProof="0">
+              <a:ln>
+                <a:noFill/>
+              </a:ln>
+              <a:solidFill>
+                <a:srgbClr val="000000"/>
+              </a:solidFill>
+              <a:effectLst/>
+              <a:uLnTx/>
+              <a:uFillTx/>
+              <a:latin typeface="Times New Roman" panose="02020603050405020304" pitchFamily="18" charset="0"/>
+              <a:ea typeface="+mn-ea"/>
+              <a:cs typeface="Arial"/>
+            </a:endParaRPr>
+          </a:p>
+        </p:txBody>
+      </p:sp>
+      <p:pic>
+        <p:nvPicPr>
+          <p:cNvPr id="475" name="Google Shape;475;p34" descr="672px-Sorted_binary_tree_postorder.svg.png"/>
+          <p:cNvPicPr preferRelativeResize="0"/>
+          <p:nvPr/>
+        </p:nvPicPr>
+        <p:blipFill>
+          <a:blip r:embed="rId3">
+            <a:alphaModFix/>
+          </a:blip>
+          <a:stretch>
+            <a:fillRect/>
+          </a:stretch>
+        </p:blipFill>
+        <p:spPr>
+          <a:xfrm>
+            <a:off x="1511988" y="1225880"/>
+            <a:ext cx="7053475" cy="6024843"/>
+          </a:xfrm>
+          <a:prstGeom prst="rect">
+            <a:avLst/>
+          </a:prstGeom>
+          <a:noFill/>
+          <a:ln>
+            <a:noFill/>
+          </a:ln>
+        </p:spPr>
+      </p:pic>
+      <p:sp>
+        <p:nvSpPr>
+          <p:cNvPr id="3" name="Footer Placeholder 2">
+            <a:extLst>
+              <a:ext uri="{FF2B5EF4-FFF2-40B4-BE49-F238E27FC236}">
+                <a16:creationId xmlns:a16="http://schemas.microsoft.com/office/drawing/2014/main" id="{399CCD8D-E15C-4A55-858D-29F48CB89155}"/>
+              </a:ext>
+            </a:extLst>
+          </p:cNvPr>
+          <p:cNvSpPr>
+            <a:spLocks noGrp="1"/>
+          </p:cNvSpPr>
+          <p:nvPr>
+            <p:ph type="ftr" idx="11"/>
+          </p:nvPr>
+        </p:nvSpPr>
+        <p:spPr/>
+        <p:txBody>
+          <a:bodyPr/>
+          <a:lstStyle/>
+          <a:p>
+            <a:pPr marL="0" marR="0" lvl="0" indent="0" algn="ctr" defTabSz="914400" rtl="0" eaLnBrk="1" fontAlgn="auto" latinLnBrk="0" hangingPunct="1">
+              <a:lnSpc>
+                <a:spcPct val="96000"/>
+              </a:lnSpc>
+              <a:spcBef>
+                <a:spcPts val="0"/>
+              </a:spcBef>
+              <a:spcAft>
+                <a:spcPts val="0"/>
+              </a:spcAft>
+              <a:buClrTx/>
+              <a:buSzTx/>
+              <a:buFont typeface="Times New Roman" pitchFamily="16" charset="0"/>
+              <a:buNone/>
+              <a:tabLst>
+                <a:tab pos="0" algn="l"/>
+                <a:tab pos="457436" algn="l"/>
+                <a:tab pos="914872" algn="l"/>
+                <a:tab pos="1372308" algn="l"/>
+                <a:tab pos="1829742" algn="l"/>
+                <a:tab pos="2287178" algn="l"/>
+                <a:tab pos="2744615" algn="l"/>
+                <a:tab pos="3202050" algn="l"/>
+                <a:tab pos="3659486" algn="l"/>
+                <a:tab pos="4116923" algn="l"/>
+                <a:tab pos="4574357" algn="l"/>
+                <a:tab pos="5031793" algn="l"/>
+                <a:tab pos="5489228" algn="l"/>
+                <a:tab pos="5946665" algn="l"/>
+                <a:tab pos="6404101" algn="l"/>
+                <a:tab pos="6861536" algn="l"/>
+                <a:tab pos="7318971" algn="l"/>
+                <a:tab pos="7776408" algn="l"/>
+                <a:tab pos="8233843" algn="l"/>
+                <a:tab pos="8691279" algn="l"/>
+                <a:tab pos="9148715" algn="l"/>
+              </a:tabLst>
+              <a:defRPr/>
+            </a:pPr>
+            <a:r>
+              <a:rPr kumimoji="0" lang="en-US" sz="1401" b="0" i="0" u="none" strike="noStrike" kern="1200" cap="none" spc="0" normalizeH="0" baseline="0" noProof="0">
+                <a:ln>
+                  <a:noFill/>
+                </a:ln>
+                <a:solidFill>
+                  <a:srgbClr val="000000"/>
+                </a:solidFill>
+                <a:effectLst/>
+                <a:uLnTx/>
+                <a:uFillTx/>
+                <a:latin typeface="Arial"/>
+                <a:ea typeface="+mn-ea"/>
+                <a:cs typeface="Arial" charset="0"/>
+              </a:rPr>
+              <a:t>CS 1501 – Algorithms &amp; Data Structures 2 – Sherif Khattab</a:t>
+            </a:r>
+            <a:endParaRPr kumimoji="0" lang="en-GB" sz="1401" b="0" i="0" u="none" strike="noStrike" kern="1200" cap="none" spc="0" normalizeH="0" baseline="0" noProof="0">
+              <a:ln>
+                <a:noFill/>
+              </a:ln>
+              <a:solidFill>
+                <a:srgbClr val="000000"/>
+              </a:solidFill>
+              <a:effectLst/>
+              <a:uLnTx/>
+              <a:uFillTx/>
+              <a:latin typeface="Times New Roman" pitchFamily="16" charset="0"/>
+              <a:ea typeface="+mn-ea"/>
+              <a:cs typeface="Arial" charset="0"/>
+            </a:endParaRPr>
+          </a:p>
+        </p:txBody>
+      </p:sp>
+    </p:spTree>
+    <p:extLst>
+      <p:ext uri="{BB962C8B-B14F-4D97-AF65-F5344CB8AC3E}">
+        <p14:creationId xmlns:p14="http://schemas.microsoft.com/office/powerpoint/2010/main" val="3275560456"/>
+      </p:ext>
+    </p:extLst>
+  </p:cSld>
+  <p:clrMapOvr>
+    <a:masterClrMapping/>
+  </p:clrMapOvr>
+</p:sld>
+</file>
+
+<file path=ppt/slides/slide17.xml><?xml version="1.0" encoding="utf-8"?>
+<p:sld xmlns:a="http://schemas.openxmlformats.org/drawingml/2006/main" xmlns:r="http://schemas.openxmlformats.org/officeDocument/2006/relationships" xmlns:p="http://schemas.openxmlformats.org/presentationml/2006/main">
+  <p:cSld>
+    <p:spTree>
+      <p:nvGrpSpPr>
+        <p:cNvPr id="1" name=""/>
+        <p:cNvGrpSpPr/>
+        <p:nvPr/>
+      </p:nvGrpSpPr>
+      <p:grpSpPr>
+        <a:xfrm>
+          <a:off x="0" y="0"/>
+          <a:ext cx="0" cy="0"/>
+          <a:chOff x="0" y="0"/>
+          <a:chExt cx="0" cy="0"/>
+        </a:xfrm>
+      </p:grpSpPr>
+      <p:sp>
+        <p:nvSpPr>
+          <p:cNvPr id="2" name="Title 1">
+            <a:extLst>
+              <a:ext uri="{FF2B5EF4-FFF2-40B4-BE49-F238E27FC236}">
+                <a16:creationId xmlns:a16="http://schemas.microsoft.com/office/drawing/2014/main" id="{3D3FBB3E-C765-1E4E-94C9-0366E1474005}"/>
+              </a:ext>
+            </a:extLst>
+          </p:cNvPr>
+          <p:cNvSpPr>
+            <a:spLocks noGrp="1"/>
+          </p:cNvSpPr>
+          <p:nvPr>
+            <p:ph type="title"/>
+          </p:nvPr>
+        </p:nvSpPr>
+        <p:spPr/>
+        <p:txBody>
+          <a:bodyPr/>
+          <a:lstStyle/>
+          <a:p>
+            <a:r>
+              <a:rPr lang="en-US" dirty="0"/>
+              <a:t>Tree Search Take 1</a:t>
+            </a:r>
+          </a:p>
+        </p:txBody>
+      </p:sp>
+      <p:sp>
+        <p:nvSpPr>
+          <p:cNvPr id="3" name="Content Placeholder 2">
+            <a:extLst>
+              <a:ext uri="{FF2B5EF4-FFF2-40B4-BE49-F238E27FC236}">
+                <a16:creationId xmlns:a16="http://schemas.microsoft.com/office/drawing/2014/main" id="{29DC18C8-49D2-814F-9449-B9B1DA721BCC}"/>
+              </a:ext>
+            </a:extLst>
+          </p:cNvPr>
+          <p:cNvSpPr>
+            <a:spLocks noGrp="1"/>
+          </p:cNvSpPr>
+          <p:nvPr>
+            <p:ph idx="1"/>
+          </p:nvPr>
+        </p:nvSpPr>
+        <p:spPr/>
+        <p:txBody>
+          <a:bodyPr/>
+          <a:lstStyle/>
+          <a:p>
+            <a:pPr marL="0" indent="0" algn="ctr">
+              <a:buNone/>
+            </a:pPr>
+            <a:endParaRPr lang="en-US" dirty="0"/>
+          </a:p>
+          <a:p>
+            <a:pPr marL="0" indent="0" algn="ctr">
+              <a:buNone/>
+            </a:pPr>
+            <a:endParaRPr lang="en-US" dirty="0"/>
+          </a:p>
+          <a:p>
+            <a:pPr marL="0" indent="0" algn="ctr">
+              <a:buNone/>
+            </a:pPr>
+            <a:endParaRPr lang="en-US" dirty="0"/>
+          </a:p>
+          <a:p>
+            <a:pPr marL="0" indent="0" algn="ctr">
+              <a:buNone/>
+            </a:pPr>
+            <a:endParaRPr lang="en-US" dirty="0"/>
+          </a:p>
+          <a:p>
+            <a:pPr marL="0" indent="0" algn="ctr">
+              <a:buNone/>
+            </a:pPr>
+            <a:r>
+              <a:rPr lang="en-US" dirty="0"/>
+              <a:t>What is the runtime?</a:t>
+            </a:r>
+          </a:p>
+        </p:txBody>
+      </p:sp>
+      <p:sp>
+        <p:nvSpPr>
+          <p:cNvPr id="4" name="Footer Placeholder 3">
+            <a:extLst>
+              <a:ext uri="{FF2B5EF4-FFF2-40B4-BE49-F238E27FC236}">
+                <a16:creationId xmlns:a16="http://schemas.microsoft.com/office/drawing/2014/main" id="{E1E97D4D-BBCA-C445-9FFA-BE7DB40BF40A}"/>
+              </a:ext>
+            </a:extLst>
+          </p:cNvPr>
+          <p:cNvSpPr>
+            <a:spLocks noGrp="1"/>
+          </p:cNvSpPr>
+          <p:nvPr>
+            <p:ph type="ftr" idx="11"/>
+          </p:nvPr>
+        </p:nvSpPr>
+        <p:spPr/>
+        <p:txBody>
+          <a:bodyPr/>
+          <a:lstStyle/>
+          <a:p>
+            <a:pPr>
+              <a:defRPr/>
+            </a:pPr>
+            <a:r>
+              <a:rPr lang="en-US">
+                <a:latin typeface="+mn-lt"/>
+              </a:rPr>
+              <a:t>CS 1501 – Algorithms &amp; Data Structures 2 – Sherif Khattab</a:t>
+            </a:r>
+            <a:endParaRPr lang="en-GB"/>
+          </a:p>
+        </p:txBody>
+      </p:sp>
+      <p:sp>
+        <p:nvSpPr>
+          <p:cNvPr id="5" name="Slide Number Placeholder 4">
+            <a:extLst>
+              <a:ext uri="{FF2B5EF4-FFF2-40B4-BE49-F238E27FC236}">
+                <a16:creationId xmlns:a16="http://schemas.microsoft.com/office/drawing/2014/main" id="{1123B045-88FD-B44F-84B2-9A1AB76CE6E3}"/>
+              </a:ext>
+            </a:extLst>
+          </p:cNvPr>
+          <p:cNvSpPr>
+            <a:spLocks noGrp="1"/>
+          </p:cNvSpPr>
+          <p:nvPr>
+            <p:ph type="sldNum" idx="12"/>
+          </p:nvPr>
+        </p:nvSpPr>
+        <p:spPr/>
+        <p:txBody>
+          <a:bodyPr/>
+          <a:lstStyle/>
+          <a:p>
+            <a:fld id="{65E435D9-63B0-4660-8D04-E83F5E2CA2AE}" type="slidenum">
+              <a:rPr lang="en-GB" altLang="en-US" smtClean="0"/>
+              <a:pPr/>
+              <a:t>17</a:t>
+            </a:fld>
+            <a:endParaRPr lang="en-GB" altLang="en-US"/>
+          </a:p>
+        </p:txBody>
+      </p:sp>
+    </p:spTree>
+    <p:extLst>
+      <p:ext uri="{BB962C8B-B14F-4D97-AF65-F5344CB8AC3E}">
+        <p14:creationId xmlns:p14="http://schemas.microsoft.com/office/powerpoint/2010/main" val="2951067329"/>
+      </p:ext>
+    </p:extLst>
+  </p:cSld>
+  <p:clrMapOvr>
+    <a:masterClrMapping/>
+  </p:clrMapOvr>
+</p:sld>
+</file>
+
+<file path=ppt/slides/slide18.xml><?xml version="1.0" encoding="utf-8"?>
+<p:sld xmlns:a="http://schemas.openxmlformats.org/drawingml/2006/main" xmlns:r="http://schemas.openxmlformats.org/officeDocument/2006/relationships" xmlns:p="http://schemas.openxmlformats.org/presentationml/2006/main">
+  <p:cSld>
+    <p:spTree>
+      <p:nvGrpSpPr>
+        <p:cNvPr id="1" name=""/>
+        <p:cNvGrpSpPr/>
+        <p:nvPr/>
+      </p:nvGrpSpPr>
+      <p:grpSpPr>
+        <a:xfrm>
+          <a:off x="0" y="0"/>
+          <a:ext cx="0" cy="0"/>
+          <a:chOff x="0" y="0"/>
+          <a:chExt cx="0" cy="0"/>
+        </a:xfrm>
+      </p:grpSpPr>
+      <p:sp>
+        <p:nvSpPr>
+          <p:cNvPr id="2" name="Title 1">
+            <a:extLst>
+              <a:ext uri="{FF2B5EF4-FFF2-40B4-BE49-F238E27FC236}">
+                <a16:creationId xmlns:a16="http://schemas.microsoft.com/office/drawing/2014/main" id="{B3AFA3E5-D40A-2249-AC65-F3B19EE1F133}"/>
+              </a:ext>
+            </a:extLst>
+          </p:cNvPr>
+          <p:cNvSpPr>
+            <a:spLocks noGrp="1"/>
+          </p:cNvSpPr>
+          <p:nvPr>
+            <p:ph type="title"/>
+          </p:nvPr>
+        </p:nvSpPr>
+        <p:spPr/>
+        <p:txBody>
+          <a:bodyPr/>
+          <a:lstStyle/>
+          <a:p>
+            <a:r>
+              <a:rPr lang="en-US" dirty="0"/>
+              <a:t>Can we do better?</a:t>
+            </a:r>
+          </a:p>
+        </p:txBody>
+      </p:sp>
+      <p:sp>
+        <p:nvSpPr>
+          <p:cNvPr id="3" name="Content Placeholder 2">
+            <a:extLst>
+              <a:ext uri="{FF2B5EF4-FFF2-40B4-BE49-F238E27FC236}">
+                <a16:creationId xmlns:a16="http://schemas.microsoft.com/office/drawing/2014/main" id="{8810FF70-0502-7C47-8047-1376AA6A10E9}"/>
+              </a:ext>
+            </a:extLst>
+          </p:cNvPr>
+          <p:cNvSpPr>
+            <a:spLocks noGrp="1"/>
+          </p:cNvSpPr>
+          <p:nvPr>
+            <p:ph idx="1"/>
+          </p:nvPr>
+        </p:nvSpPr>
+        <p:spPr/>
+        <p:txBody>
+          <a:bodyPr/>
+          <a:lstStyle/>
+          <a:p>
+            <a:endParaRPr lang="en-US" dirty="0"/>
+          </a:p>
+          <a:p>
+            <a:endParaRPr lang="en-US" dirty="0"/>
+          </a:p>
+          <a:p>
+            <a:endParaRPr lang="en-US" dirty="0"/>
+          </a:p>
+          <a:p>
+            <a:pPr marL="0" indent="0" algn="ctr">
+              <a:buNone/>
+            </a:pPr>
+            <a:endParaRPr lang="en-US" dirty="0"/>
+          </a:p>
+          <a:p>
+            <a:pPr marL="0" indent="0" algn="ctr">
+              <a:buNone/>
+            </a:pPr>
+            <a:r>
+              <a:rPr lang="en-US" dirty="0"/>
+              <a:t>Can we traverse the tree more intelligently?</a:t>
+            </a:r>
+          </a:p>
+        </p:txBody>
+      </p:sp>
+      <p:sp>
+        <p:nvSpPr>
+          <p:cNvPr id="4" name="Footer Placeholder 3">
+            <a:extLst>
+              <a:ext uri="{FF2B5EF4-FFF2-40B4-BE49-F238E27FC236}">
+                <a16:creationId xmlns:a16="http://schemas.microsoft.com/office/drawing/2014/main" id="{5E7E6FD1-972B-2D48-9B45-5DBC1881EAE4}"/>
+              </a:ext>
+            </a:extLst>
+          </p:cNvPr>
+          <p:cNvSpPr>
+            <a:spLocks noGrp="1"/>
+          </p:cNvSpPr>
+          <p:nvPr>
+            <p:ph type="ftr" idx="11"/>
+          </p:nvPr>
+        </p:nvSpPr>
+        <p:spPr/>
+        <p:txBody>
+          <a:bodyPr/>
+          <a:lstStyle/>
+          <a:p>
+            <a:pPr>
+              <a:defRPr/>
+            </a:pPr>
+            <a:r>
+              <a:rPr lang="en-US">
+                <a:latin typeface="+mn-lt"/>
+              </a:rPr>
+              <a:t>CS 1501 – Algorithms &amp; Data Structures 2 – Sherif Khattab</a:t>
+            </a:r>
+            <a:endParaRPr lang="en-GB"/>
+          </a:p>
+        </p:txBody>
+      </p:sp>
+      <p:sp>
+        <p:nvSpPr>
+          <p:cNvPr id="5" name="Slide Number Placeholder 4">
+            <a:extLst>
+              <a:ext uri="{FF2B5EF4-FFF2-40B4-BE49-F238E27FC236}">
+                <a16:creationId xmlns:a16="http://schemas.microsoft.com/office/drawing/2014/main" id="{FA41DCAA-6091-9E4D-8692-04C474DB5C2F}"/>
+              </a:ext>
+            </a:extLst>
+          </p:cNvPr>
+          <p:cNvSpPr>
+            <a:spLocks noGrp="1"/>
+          </p:cNvSpPr>
+          <p:nvPr>
+            <p:ph type="sldNum" idx="12"/>
+          </p:nvPr>
+        </p:nvSpPr>
+        <p:spPr/>
+        <p:txBody>
+          <a:bodyPr/>
+          <a:lstStyle/>
+          <a:p>
+            <a:fld id="{65E435D9-63B0-4660-8D04-E83F5E2CA2AE}" type="slidenum">
+              <a:rPr lang="en-GB" altLang="en-US" smtClean="0"/>
+              <a:pPr/>
+              <a:t>18</a:t>
+            </a:fld>
+            <a:endParaRPr lang="en-GB" altLang="en-US"/>
+          </a:p>
+        </p:txBody>
+      </p:sp>
+    </p:spTree>
+    <p:extLst>
+      <p:ext uri="{BB962C8B-B14F-4D97-AF65-F5344CB8AC3E}">
+        <p14:creationId xmlns:p14="http://schemas.microsoft.com/office/powerpoint/2010/main" val="2514033985"/>
+      </p:ext>
+    </p:extLst>
+  </p:cSld>
+  <p:clrMapOvr>
+    <a:masterClrMapping/>
+  </p:clrMapOvr>
+</p:sld>
+</file>
+
+<file path=ppt/slides/slide19.xml><?xml version="1.0" encoding="utf-8"?>
+<p:sld xmlns:a="http://schemas.openxmlformats.org/drawingml/2006/main" xmlns:r="http://schemas.openxmlformats.org/officeDocument/2006/relationships" xmlns:p="http://schemas.openxmlformats.org/presentationml/2006/main">
+  <p:cSld>
+    <p:spTree>
+      <p:nvGrpSpPr>
+        <p:cNvPr id="1" name=""/>
+        <p:cNvGrpSpPr/>
+        <p:nvPr/>
+      </p:nvGrpSpPr>
+      <p:grpSpPr>
+        <a:xfrm>
+          <a:off x="0" y="0"/>
+          <a:ext cx="0" cy="0"/>
+          <a:chOff x="0" y="0"/>
+          <a:chExt cx="0" cy="0"/>
+        </a:xfrm>
+      </p:grpSpPr>
+      <p:sp>
+        <p:nvSpPr>
+          <p:cNvPr id="2" name="Title 1">
+            <a:extLst>
+              <a:ext uri="{FF2B5EF4-FFF2-40B4-BE49-F238E27FC236}">
+                <a16:creationId xmlns:a16="http://schemas.microsoft.com/office/drawing/2014/main" id="{069B5492-7901-AD4A-A3E3-C3660B01056A}"/>
+              </a:ext>
+            </a:extLst>
+          </p:cNvPr>
+          <p:cNvSpPr>
+            <a:spLocks noGrp="1"/>
+          </p:cNvSpPr>
+          <p:nvPr>
+            <p:ph type="title"/>
+          </p:nvPr>
+        </p:nvSpPr>
+        <p:spPr/>
+        <p:txBody>
+          <a:bodyPr/>
+          <a:lstStyle/>
+          <a:p>
+            <a:r>
+              <a:rPr lang="en-US" dirty="0"/>
+              <a:t>Tree Search Take 2: Binary Search Tree</a:t>
+            </a:r>
+          </a:p>
+        </p:txBody>
+      </p:sp>
+      <p:sp>
+        <p:nvSpPr>
+          <p:cNvPr id="3" name="Content Placeholder 2">
+            <a:extLst>
+              <a:ext uri="{FF2B5EF4-FFF2-40B4-BE49-F238E27FC236}">
+                <a16:creationId xmlns:a16="http://schemas.microsoft.com/office/drawing/2014/main" id="{BE8BCB22-8A89-BF4C-BAD0-7A771C44B9DE}"/>
+              </a:ext>
+            </a:extLst>
+          </p:cNvPr>
+          <p:cNvSpPr>
+            <a:spLocks noGrp="1"/>
+          </p:cNvSpPr>
+          <p:nvPr>
+            <p:ph idx="1"/>
+          </p:nvPr>
+        </p:nvSpPr>
+        <p:spPr/>
+        <p:txBody>
+          <a:bodyPr/>
+          <a:lstStyle/>
+          <a:p>
+            <a:r>
+              <a:rPr lang="en-US" dirty="0"/>
+              <a:t>Search Tree Property</a:t>
+            </a:r>
+          </a:p>
+          <a:p>
+            <a:pPr lvl="1"/>
+            <a:r>
+              <a:rPr lang="en-US" dirty="0"/>
+              <a:t>left &lt; root &lt; right</a:t>
+            </a:r>
+          </a:p>
+        </p:txBody>
+      </p:sp>
+      <p:sp>
+        <p:nvSpPr>
+          <p:cNvPr id="4" name="Footer Placeholder 3">
+            <a:extLst>
+              <a:ext uri="{FF2B5EF4-FFF2-40B4-BE49-F238E27FC236}">
+                <a16:creationId xmlns:a16="http://schemas.microsoft.com/office/drawing/2014/main" id="{7A2064B8-9DED-1143-8154-39B5A61D690D}"/>
+              </a:ext>
+            </a:extLst>
+          </p:cNvPr>
+          <p:cNvSpPr>
+            <a:spLocks noGrp="1"/>
+          </p:cNvSpPr>
+          <p:nvPr>
+            <p:ph type="ftr" idx="11"/>
+          </p:nvPr>
+        </p:nvSpPr>
+        <p:spPr/>
+        <p:txBody>
+          <a:bodyPr/>
+          <a:lstStyle/>
+          <a:p>
+            <a:pPr>
+              <a:defRPr/>
+            </a:pPr>
+            <a:r>
+              <a:rPr lang="en-US">
+                <a:latin typeface="+mn-lt"/>
+              </a:rPr>
+              <a:t>CS 1501 – Algorithms &amp; Data Structures 2 – Sherif Khattab</a:t>
+            </a:r>
+            <a:endParaRPr lang="en-GB"/>
+          </a:p>
+        </p:txBody>
+      </p:sp>
+      <p:sp>
+        <p:nvSpPr>
+          <p:cNvPr id="5" name="Slide Number Placeholder 4">
+            <a:extLst>
+              <a:ext uri="{FF2B5EF4-FFF2-40B4-BE49-F238E27FC236}">
+                <a16:creationId xmlns:a16="http://schemas.microsoft.com/office/drawing/2014/main" id="{CF76AAD5-EA56-B646-8F1B-B30D4D7BF1B9}"/>
+              </a:ext>
+            </a:extLst>
+          </p:cNvPr>
+          <p:cNvSpPr>
+            <a:spLocks noGrp="1"/>
+          </p:cNvSpPr>
+          <p:nvPr>
+            <p:ph type="sldNum" idx="12"/>
+          </p:nvPr>
+        </p:nvSpPr>
+        <p:spPr/>
+        <p:txBody>
+          <a:bodyPr/>
+          <a:lstStyle/>
+          <a:p>
+            <a:fld id="{65E435D9-63B0-4660-8D04-E83F5E2CA2AE}" type="slidenum">
+              <a:rPr lang="en-GB" altLang="en-US" smtClean="0"/>
+              <a:pPr/>
+              <a:t>19</a:t>
+            </a:fld>
+            <a:endParaRPr lang="en-GB" altLang="en-US"/>
+          </a:p>
+        </p:txBody>
+      </p:sp>
+    </p:spTree>
+    <p:extLst>
+      <p:ext uri="{BB962C8B-B14F-4D97-AF65-F5344CB8AC3E}">
+        <p14:creationId xmlns:p14="http://schemas.microsoft.com/office/powerpoint/2010/main" val="671181895"/>
+      </p:ext>
+    </p:extLst>
+  </p:cSld>
+  <p:clrMapOvr>
+    <a:masterClrMapping/>
+  </p:clrMapOvr>
+</p:sld>
+</file>
+
 <file path=ppt/slides/slide2.xml><?xml version="1.0" encoding="utf-8"?>
 <p:sld xmlns:a="http://schemas.openxmlformats.org/drawingml/2006/main" xmlns:r="http://schemas.openxmlformats.org/officeDocument/2006/relationships" xmlns:p="http://schemas.openxmlformats.org/presentationml/2006/main">
   <p:cSld>
@@ -12703,131 +16805,48 @@
         <p:spPr/>
         <p:txBody>
           <a:bodyPr>
-            <a:normAutofit fontScale="85000" lnSpcReduction="10000"/>
+            <a:normAutofit/>
           </a:bodyPr>
           <a:lstStyle/>
           <a:p>
             <a:r>
               <a:rPr lang="en-US" dirty="0"/>
-              <a:t>Homework 2 and Lab 1 due this Friday</a:t>
+              <a:t>Upcoming Deadlines</a:t>
             </a:r>
           </a:p>
           <a:p>
             <a:pPr lvl="1"/>
             <a:r>
               <a:rPr lang="en-US" dirty="0"/>
-              <a:t>Lab 1 had a typo: please use </a:t>
-            </a:r>
-            <a:r>
-              <a:rPr lang="en-US" dirty="0" err="1">
-                <a:latin typeface="Abadi Extra Light" panose="020B0204020104020204" pitchFamily="34" charset="0"/>
-              </a:rPr>
-              <a:t>nextCoords</a:t>
-            </a:r>
-            <a:r>
-              <a:rPr lang="en-US" dirty="0">
-                <a:latin typeface="Abadi Extra Light" panose="020B0204020104020204" pitchFamily="34" charset="0"/>
-              </a:rPr>
-              <a:t>.</a:t>
-            </a:r>
+              <a:t>Homework 1: today at 11:59 pm</a:t>
+            </a:r>
+          </a:p>
+          <a:p>
+            <a:pPr lvl="1"/>
             <a:r>
               <a:rPr lang="en-US" dirty="0"/>
-              <a:t> instead of </a:t>
-            </a:r>
-            <a:r>
-              <a:rPr lang="en-US" dirty="0" err="1">
-                <a:latin typeface="Abadi Extra Light" panose="020B0204020104020204" pitchFamily="34" charset="0"/>
-              </a:rPr>
-              <a:t>nextCoordinates</a:t>
-            </a:r>
-            <a:r>
-              <a:rPr lang="en-US" dirty="0">
-                <a:latin typeface="Abadi Extra Light" panose="020B0204020104020204" pitchFamily="34" charset="0"/>
-              </a:rPr>
-              <a:t>.</a:t>
-            </a:r>
-          </a:p>
-          <a:p>
+              <a:t>Homework 2: Monday 1/31 at 11:59 pm</a:t>
+            </a:r>
+          </a:p>
+          <a:p>
+            <a:pPr lvl="1"/>
             <a:r>
               <a:rPr lang="en-US" dirty="0"/>
-              <a:t>Assignment 1 due on 10/1</a:t>
-            </a:r>
+              <a:t>Lab 1: Friday 1/28 at 11:59 pm</a:t>
+            </a:r>
+            <a:endParaRPr lang="ar-SA" dirty="0"/>
           </a:p>
           <a:p>
             <a:r>
               <a:rPr lang="en-US" dirty="0"/>
-              <a:t>Code handouts on Canvas</a:t>
+              <a:t>Assignment 1 not yet posted (sorry about that)</a:t>
             </a:r>
           </a:p>
           <a:p>
             <a:r>
               <a:rPr lang="en-US" dirty="0"/>
-              <a:t>Isabella Mailer created a GroupMe for this class for students to discuss content and plan study sessions</a:t>
-            </a:r>
-          </a:p>
-          <a:p>
-            <a:pPr lvl="1"/>
-            <a:r>
-              <a:rPr lang="en-US" dirty="0">
-                <a:hlinkClick r:id="rId2"/>
-              </a:rPr>
-              <a:t>https://groupme.com/join_group/70805571/tsR1V68z</a:t>
-            </a:r>
-            <a:endParaRPr lang="en-US" dirty="0"/>
-          </a:p>
-          <a:p>
-            <a:r>
-              <a:rPr lang="en-US" dirty="0"/>
-              <a:t>Michael G. Wells Competition</a:t>
-            </a:r>
-          </a:p>
-          <a:p>
-            <a:pPr lvl="1"/>
-            <a:r>
-              <a:rPr lang="en-US" dirty="0">
-                <a:hlinkClick r:id="rId3"/>
-              </a:rPr>
-              <a:t>https://www.innovation.pitt.edu/michael-g-wells-competition/</a:t>
-            </a:r>
-            <a:endParaRPr lang="en-US" dirty="0"/>
-          </a:p>
-          <a:p>
-            <a:r>
-              <a:rPr lang="en-US" dirty="0"/>
-              <a:t>Games 4 Social Impact Hackathon</a:t>
-            </a:r>
-          </a:p>
-          <a:p>
-            <a:pPr lvl="1"/>
-            <a:r>
-              <a:rPr lang="en-US" dirty="0">
-                <a:hlinkClick r:id="rId4"/>
-              </a:rPr>
-              <a:t>https://www.games4socialimpact.pitt.edu/</a:t>
-            </a:r>
-            <a:endParaRPr lang="en-US" dirty="0"/>
-          </a:p>
-          <a:p>
-            <a:r>
-              <a:rPr lang="en-US" dirty="0"/>
-              <a:t>Get (Re)involved on Campus</a:t>
-            </a:r>
-          </a:p>
-          <a:p>
-            <a:pPr lvl="1"/>
-            <a:r>
-              <a:rPr lang="en-US" dirty="0">
-                <a:hlinkClick r:id="rId5"/>
-              </a:rPr>
-              <a:t>https://www.pitt.edu/pittwire/features-articles/get-reinvolved-campus</a:t>
-            </a:r>
-            <a:endParaRPr lang="en-US" dirty="0"/>
-          </a:p>
-          <a:p>
-            <a:pPr marL="457063" lvl="1" indent="0">
-              <a:buNone/>
-            </a:pPr>
-            <a:endParaRPr lang="en-US" dirty="0"/>
+              <a:t>CourseMIRROR consent form and pre-survey</a:t>
+            </a:r>
           </a:p>
         </p:txBody>
       </p:sp>
@@ -12936,6 +16955,2398 @@
     <p:extLst>
       <p:ext uri="{BB962C8B-B14F-4D97-AF65-F5344CB8AC3E}">
         <p14:creationId xmlns:p14="http://schemas.microsoft.com/office/powerpoint/2010/main" val="1068465410"/>
+      </p:ext>
+    </p:extLst>
+  </p:cSld>
+  <p:clrMapOvr>
+    <a:masterClrMapping/>
+  </p:clrMapOvr>
+  <p:timing>
+    <p:tnLst>
+      <p:par>
+        <p:cTn id="1" dur="indefinite" restart="never" nodeType="tmRoot">
+          <p:childTnLst>
+            <p:seq concurrent="1" nextAc="seek">
+              <p:cTn id="2" dur="indefinite" nodeType="mainSeq">
+                <p:childTnLst>
+                  <p:par>
+                    <p:cTn id="3" fill="hold">
+                      <p:stCondLst>
+                        <p:cond delay="indefinite"/>
+                      </p:stCondLst>
+                      <p:childTnLst>
+                        <p:par>
+                          <p:cTn id="4" fill="hold">
+                            <p:stCondLst>
+                              <p:cond delay="0"/>
+                            </p:stCondLst>
+                            <p:childTnLst>
+                              <p:par>
+                                <p:cTn id="5" presetID="1" presetClass="entr" presetSubtype="0" fill="hold" nodeType="clickEffect">
+                                  <p:stCondLst>
+                                    <p:cond delay="0"/>
+                                  </p:stCondLst>
+                                  <p:childTnLst>
+                                    <p:set>
+                                      <p:cBhvr>
+                                        <p:cTn id="6" dur="1" fill="hold">
+                                          <p:stCondLst>
+                                            <p:cond delay="0"/>
+                                          </p:stCondLst>
+                                        </p:cTn>
+                                        <p:tgtEl>
+                                          <p:spTgt spid="3">
+                                            <p:txEl>
+                                              <p:pRg st="0" end="0"/>
+                                            </p:txEl>
+                                          </p:spTgt>
+                                        </p:tgtEl>
+                                        <p:attrNameLst>
+                                          <p:attrName>style.visibility</p:attrName>
+                                        </p:attrNameLst>
+                                      </p:cBhvr>
+                                      <p:to>
+                                        <p:strVal val="visible"/>
+                                      </p:to>
+                                    </p:set>
+                                  </p:childTnLst>
+                                </p:cTn>
+                              </p:par>
+                            </p:childTnLst>
+                          </p:cTn>
+                        </p:par>
+                      </p:childTnLst>
+                    </p:cTn>
+                  </p:par>
+                  <p:par>
+                    <p:cTn id="7" fill="hold">
+                      <p:stCondLst>
+                        <p:cond delay="indefinite"/>
+                      </p:stCondLst>
+                      <p:childTnLst>
+                        <p:par>
+                          <p:cTn id="8" fill="hold">
+                            <p:stCondLst>
+                              <p:cond delay="0"/>
+                            </p:stCondLst>
+                            <p:childTnLst>
+                              <p:par>
+                                <p:cTn id="9" presetID="1" presetClass="entr" presetSubtype="0" fill="hold" nodeType="clickEffect">
+                                  <p:stCondLst>
+                                    <p:cond delay="0"/>
+                                  </p:stCondLst>
+                                  <p:childTnLst>
+                                    <p:set>
+                                      <p:cBhvr>
+                                        <p:cTn id="10" dur="1" fill="hold">
+                                          <p:stCondLst>
+                                            <p:cond delay="0"/>
+                                          </p:stCondLst>
+                                        </p:cTn>
+                                        <p:tgtEl>
+                                          <p:spTgt spid="3">
+                                            <p:txEl>
+                                              <p:pRg st="1" end="1"/>
+                                            </p:txEl>
+                                          </p:spTgt>
+                                        </p:tgtEl>
+                                        <p:attrNameLst>
+                                          <p:attrName>style.visibility</p:attrName>
+                                        </p:attrNameLst>
+                                      </p:cBhvr>
+                                      <p:to>
+                                        <p:strVal val="visible"/>
+                                      </p:to>
+                                    </p:set>
+                                  </p:childTnLst>
+                                </p:cTn>
+                              </p:par>
+                            </p:childTnLst>
+                          </p:cTn>
+                        </p:par>
+                      </p:childTnLst>
+                    </p:cTn>
+                  </p:par>
+                  <p:par>
+                    <p:cTn id="11" fill="hold">
+                      <p:stCondLst>
+                        <p:cond delay="indefinite"/>
+                      </p:stCondLst>
+                      <p:childTnLst>
+                        <p:par>
+                          <p:cTn id="12" fill="hold">
+                            <p:stCondLst>
+                              <p:cond delay="0"/>
+                            </p:stCondLst>
+                            <p:childTnLst>
+                              <p:par>
+                                <p:cTn id="13" presetID="1" presetClass="entr" presetSubtype="0" fill="hold" nodeType="clickEffect">
+                                  <p:stCondLst>
+                                    <p:cond delay="0"/>
+                                  </p:stCondLst>
+                                  <p:childTnLst>
+                                    <p:set>
+                                      <p:cBhvr>
+                                        <p:cTn id="14" dur="1" fill="hold">
+                                          <p:stCondLst>
+                                            <p:cond delay="0"/>
+                                          </p:stCondLst>
+                                        </p:cTn>
+                                        <p:tgtEl>
+                                          <p:spTgt spid="3">
+                                            <p:txEl>
+                                              <p:pRg st="2" end="2"/>
+                                            </p:txEl>
+                                          </p:spTgt>
+                                        </p:tgtEl>
+                                        <p:attrNameLst>
+                                          <p:attrName>style.visibility</p:attrName>
+                                        </p:attrNameLst>
+                                      </p:cBhvr>
+                                      <p:to>
+                                        <p:strVal val="visible"/>
+                                      </p:to>
+                                    </p:set>
+                                  </p:childTnLst>
+                                </p:cTn>
+                              </p:par>
+                            </p:childTnLst>
+                          </p:cTn>
+                        </p:par>
+                      </p:childTnLst>
+                    </p:cTn>
+                  </p:par>
+                  <p:par>
+                    <p:cTn id="15" fill="hold">
+                      <p:stCondLst>
+                        <p:cond delay="indefinite"/>
+                      </p:stCondLst>
+                      <p:childTnLst>
+                        <p:par>
+                          <p:cTn id="16" fill="hold">
+                            <p:stCondLst>
+                              <p:cond delay="0"/>
+                            </p:stCondLst>
+                            <p:childTnLst>
+                              <p:par>
+                                <p:cTn id="17" presetID="1" presetClass="entr" presetSubtype="0" fill="hold" nodeType="clickEffect">
+                                  <p:stCondLst>
+                                    <p:cond delay="0"/>
+                                  </p:stCondLst>
+                                  <p:childTnLst>
+                                    <p:set>
+                                      <p:cBhvr>
+                                        <p:cTn id="18" dur="1" fill="hold">
+                                          <p:stCondLst>
+                                            <p:cond delay="0"/>
+                                          </p:stCondLst>
+                                        </p:cTn>
+                                        <p:tgtEl>
+                                          <p:spTgt spid="3">
+                                            <p:txEl>
+                                              <p:pRg st="3" end="3"/>
+                                            </p:txEl>
+                                          </p:spTgt>
+                                        </p:tgtEl>
+                                        <p:attrNameLst>
+                                          <p:attrName>style.visibility</p:attrName>
+                                        </p:attrNameLst>
+                                      </p:cBhvr>
+                                      <p:to>
+                                        <p:strVal val="visible"/>
+                                      </p:to>
+                                    </p:set>
+                                  </p:childTnLst>
+                                </p:cTn>
+                              </p:par>
+                            </p:childTnLst>
+                          </p:cTn>
+                        </p:par>
+                      </p:childTnLst>
+                    </p:cTn>
+                  </p:par>
+                  <p:par>
+                    <p:cTn id="19" fill="hold">
+                      <p:stCondLst>
+                        <p:cond delay="indefinite"/>
+                      </p:stCondLst>
+                      <p:childTnLst>
+                        <p:par>
+                          <p:cTn id="20" fill="hold">
+                            <p:stCondLst>
+                              <p:cond delay="0"/>
+                            </p:stCondLst>
+                            <p:childTnLst>
+                              <p:par>
+                                <p:cTn id="21" presetID="1" presetClass="entr" presetSubtype="0" fill="hold" nodeType="clickEffect">
+                                  <p:stCondLst>
+                                    <p:cond delay="0"/>
+                                  </p:stCondLst>
+                                  <p:childTnLst>
+                                    <p:set>
+                                      <p:cBhvr>
+                                        <p:cTn id="22" dur="1" fill="hold">
+                                          <p:stCondLst>
+                                            <p:cond delay="0"/>
+                                          </p:stCondLst>
+                                        </p:cTn>
+                                        <p:tgtEl>
+                                          <p:spTgt spid="3">
+                                            <p:txEl>
+                                              <p:pRg st="4" end="4"/>
+                                            </p:txEl>
+                                          </p:spTgt>
+                                        </p:tgtEl>
+                                        <p:attrNameLst>
+                                          <p:attrName>style.visibility</p:attrName>
+                                        </p:attrNameLst>
+                                      </p:cBhvr>
+                                      <p:to>
+                                        <p:strVal val="visible"/>
+                                      </p:to>
+                                    </p:set>
+                                  </p:childTnLst>
+                                </p:cTn>
+                              </p:par>
+                            </p:childTnLst>
+                          </p:cTn>
+                        </p:par>
+                      </p:childTnLst>
+                    </p:cTn>
+                  </p:par>
+                  <p:par>
+                    <p:cTn id="23" fill="hold">
+                      <p:stCondLst>
+                        <p:cond delay="indefinite"/>
+                      </p:stCondLst>
+                      <p:childTnLst>
+                        <p:par>
+                          <p:cTn id="24" fill="hold">
+                            <p:stCondLst>
+                              <p:cond delay="0"/>
+                            </p:stCondLst>
+                            <p:childTnLst>
+                              <p:par>
+                                <p:cTn id="25" presetID="1" presetClass="entr" presetSubtype="0" fill="hold" nodeType="clickEffect">
+                                  <p:stCondLst>
+                                    <p:cond delay="0"/>
+                                  </p:stCondLst>
+                                  <p:childTnLst>
+                                    <p:set>
+                                      <p:cBhvr>
+                                        <p:cTn id="26" dur="1" fill="hold">
+                                          <p:stCondLst>
+                                            <p:cond delay="0"/>
+                                          </p:stCondLst>
+                                        </p:cTn>
+                                        <p:tgtEl>
+                                          <p:spTgt spid="3">
+                                            <p:txEl>
+                                              <p:pRg st="5" end="5"/>
+                                            </p:txEl>
+                                          </p:spTgt>
+                                        </p:tgtEl>
+                                        <p:attrNameLst>
+                                          <p:attrName>style.visibility</p:attrName>
+                                        </p:attrNameLst>
+                                      </p:cBhvr>
+                                      <p:to>
+                                        <p:strVal val="visible"/>
+                                      </p:to>
+                                    </p:set>
+                                  </p:childTnLst>
+                                </p:cTn>
+                              </p:par>
+                            </p:childTnLst>
+                          </p:cTn>
+                        </p:par>
+                      </p:childTnLst>
+                    </p:cTn>
+                  </p:par>
+                </p:childTnLst>
+              </p:cTn>
+              <p:prevCondLst>
+                <p:cond evt="onPrev" delay="0">
+                  <p:tgtEl>
+                    <p:sldTgt/>
+                  </p:tgtEl>
+                </p:cond>
+              </p:prevCondLst>
+              <p:nextCondLst>
+                <p:cond evt="onNext" delay="0">
+                  <p:tgtEl>
+                    <p:sldTgt/>
+                  </p:tgtEl>
+                </p:cond>
+              </p:nextCondLst>
+            </p:seq>
+          </p:childTnLst>
+        </p:cTn>
+      </p:par>
+    </p:tnLst>
+  </p:timing>
+</p:sld>
+</file>
+
+<file path=ppt/slides/slide20.xml><?xml version="1.0" encoding="utf-8"?>
+<p:sld xmlns:a="http://schemas.openxmlformats.org/drawingml/2006/main" xmlns:r="http://schemas.openxmlformats.org/officeDocument/2006/relationships" xmlns:p="http://schemas.openxmlformats.org/presentationml/2006/main">
+  <p:cSld>
+    <p:spTree>
+      <p:nvGrpSpPr>
+        <p:cNvPr id="1" name=""/>
+        <p:cNvGrpSpPr/>
+        <p:nvPr/>
+      </p:nvGrpSpPr>
+      <p:grpSpPr>
+        <a:xfrm>
+          <a:off x="0" y="0"/>
+          <a:ext cx="0" cy="0"/>
+          <a:chOff x="0" y="0"/>
+          <a:chExt cx="0" cy="0"/>
+        </a:xfrm>
+      </p:grpSpPr>
+      <p:sp>
+        <p:nvSpPr>
+          <p:cNvPr id="2" name="Title 1">
+            <a:extLst>
+              <a:ext uri="{FF2B5EF4-FFF2-40B4-BE49-F238E27FC236}">
+                <a16:creationId xmlns:a16="http://schemas.microsoft.com/office/drawing/2014/main" id="{F8C38C92-9798-42DA-A083-C24A2C9B5537}"/>
+              </a:ext>
+            </a:extLst>
+          </p:cNvPr>
+          <p:cNvSpPr>
+            <a:spLocks noGrp="1"/>
+          </p:cNvSpPr>
+          <p:nvPr>
+            <p:ph type="title"/>
+          </p:nvPr>
+        </p:nvSpPr>
+        <p:spPr/>
+        <p:txBody>
+          <a:bodyPr/>
+          <a:lstStyle/>
+          <a:p>
+            <a:r>
+              <a:rPr lang="en-US"/>
+              <a:t>BSTs with varying heights</a:t>
+            </a:r>
+          </a:p>
+        </p:txBody>
+      </p:sp>
+      <p:sp>
+        <p:nvSpPr>
+          <p:cNvPr id="3" name="Content Placeholder 2">
+            <a:extLst>
+              <a:ext uri="{FF2B5EF4-FFF2-40B4-BE49-F238E27FC236}">
+                <a16:creationId xmlns:a16="http://schemas.microsoft.com/office/drawing/2014/main" id="{9F4092E2-AFA0-44C5-8D49-1C1556A5A933}"/>
+              </a:ext>
+            </a:extLst>
+          </p:cNvPr>
+          <p:cNvSpPr>
+            <a:spLocks noGrp="1"/>
+          </p:cNvSpPr>
+          <p:nvPr>
+            <p:ph idx="1"/>
+          </p:nvPr>
+        </p:nvSpPr>
+        <p:spPr/>
+        <p:txBody>
+          <a:bodyPr/>
+          <a:lstStyle/>
+          <a:p>
+            <a:endParaRPr lang="en-US"/>
+          </a:p>
+        </p:txBody>
+      </p:sp>
+      <p:sp>
+        <p:nvSpPr>
+          <p:cNvPr id="4" name="Footer Placeholder 3">
+            <a:extLst>
+              <a:ext uri="{FF2B5EF4-FFF2-40B4-BE49-F238E27FC236}">
+                <a16:creationId xmlns:a16="http://schemas.microsoft.com/office/drawing/2014/main" id="{FD599C8D-9747-4909-8F2F-B0DA1EC7D77D}"/>
+              </a:ext>
+            </a:extLst>
+          </p:cNvPr>
+          <p:cNvSpPr>
+            <a:spLocks noGrp="1"/>
+          </p:cNvSpPr>
+          <p:nvPr>
+            <p:ph type="ftr" idx="11"/>
+          </p:nvPr>
+        </p:nvSpPr>
+        <p:spPr/>
+        <p:txBody>
+          <a:bodyPr/>
+          <a:lstStyle/>
+          <a:p>
+            <a:pPr marL="0" marR="0" lvl="0" indent="0" algn="ctr" defTabSz="914400" rtl="0" eaLnBrk="1" fontAlgn="auto" latinLnBrk="0" hangingPunct="1">
+              <a:lnSpc>
+                <a:spcPct val="96000"/>
+              </a:lnSpc>
+              <a:spcBef>
+                <a:spcPts val="0"/>
+              </a:spcBef>
+              <a:spcAft>
+                <a:spcPts val="0"/>
+              </a:spcAft>
+              <a:buClrTx/>
+              <a:buSzTx/>
+              <a:buFont typeface="Times New Roman" pitchFamily="16" charset="0"/>
+              <a:buNone/>
+              <a:tabLst>
+                <a:tab pos="0" algn="l"/>
+                <a:tab pos="457436" algn="l"/>
+                <a:tab pos="914872" algn="l"/>
+                <a:tab pos="1372308" algn="l"/>
+                <a:tab pos="1829742" algn="l"/>
+                <a:tab pos="2287178" algn="l"/>
+                <a:tab pos="2744615" algn="l"/>
+                <a:tab pos="3202050" algn="l"/>
+                <a:tab pos="3659486" algn="l"/>
+                <a:tab pos="4116923" algn="l"/>
+                <a:tab pos="4574357" algn="l"/>
+                <a:tab pos="5031793" algn="l"/>
+                <a:tab pos="5489228" algn="l"/>
+                <a:tab pos="5946665" algn="l"/>
+                <a:tab pos="6404101" algn="l"/>
+                <a:tab pos="6861536" algn="l"/>
+                <a:tab pos="7318971" algn="l"/>
+                <a:tab pos="7776408" algn="l"/>
+                <a:tab pos="8233843" algn="l"/>
+                <a:tab pos="8691279" algn="l"/>
+                <a:tab pos="9148715" algn="l"/>
+              </a:tabLst>
+              <a:defRPr/>
+            </a:pPr>
+            <a:r>
+              <a:rPr kumimoji="0" lang="en-US" sz="1401" b="0" i="0" u="none" strike="noStrike" kern="1200" cap="none" spc="0" normalizeH="0" baseline="0" noProof="0">
+                <a:ln>
+                  <a:noFill/>
+                </a:ln>
+                <a:solidFill>
+                  <a:srgbClr val="000000"/>
+                </a:solidFill>
+                <a:effectLst/>
+                <a:uLnTx/>
+                <a:uFillTx/>
+                <a:latin typeface="Arial"/>
+                <a:ea typeface="+mn-ea"/>
+                <a:cs typeface="Arial" charset="0"/>
+              </a:rPr>
+              <a:t>CS 1501 – Algorithms &amp; Data Structures 2 – Sherif Khattab</a:t>
+            </a:r>
+            <a:endParaRPr kumimoji="0" lang="en-GB" sz="1401" b="0" i="0" u="none" strike="noStrike" kern="1200" cap="none" spc="0" normalizeH="0" baseline="0" noProof="0">
+              <a:ln>
+                <a:noFill/>
+              </a:ln>
+              <a:solidFill>
+                <a:srgbClr val="000000"/>
+              </a:solidFill>
+              <a:effectLst/>
+              <a:uLnTx/>
+              <a:uFillTx/>
+              <a:latin typeface="Times New Roman" pitchFamily="16" charset="0"/>
+              <a:ea typeface="+mn-ea"/>
+              <a:cs typeface="Arial" charset="0"/>
+            </a:endParaRPr>
+          </a:p>
+        </p:txBody>
+      </p:sp>
+      <p:sp>
+        <p:nvSpPr>
+          <p:cNvPr id="5" name="Slide Number Placeholder 4">
+            <a:extLst>
+              <a:ext uri="{FF2B5EF4-FFF2-40B4-BE49-F238E27FC236}">
+                <a16:creationId xmlns:a16="http://schemas.microsoft.com/office/drawing/2014/main" id="{180419D4-7ED8-453A-92B4-BF142E5D5459}"/>
+              </a:ext>
+            </a:extLst>
+          </p:cNvPr>
+          <p:cNvSpPr>
+            <a:spLocks noGrp="1"/>
+          </p:cNvSpPr>
+          <p:nvPr>
+            <p:ph type="sldNum" idx="12"/>
+          </p:nvPr>
+        </p:nvSpPr>
+        <p:spPr/>
+        <p:txBody>
+          <a:bodyPr/>
+          <a:lstStyle/>
+          <a:p>
+            <a:pPr marL="0" marR="0" lvl="0" indent="0" algn="r" defTabSz="914400" rtl="0" eaLnBrk="1" fontAlgn="auto" latinLnBrk="0" hangingPunct="1">
+              <a:lnSpc>
+                <a:spcPct val="96000"/>
+              </a:lnSpc>
+              <a:spcBef>
+                <a:spcPts val="0"/>
+              </a:spcBef>
+              <a:spcAft>
+                <a:spcPts val="0"/>
+              </a:spcAft>
+              <a:buClrTx/>
+              <a:buSzTx/>
+              <a:buFontTx/>
+              <a:buNone/>
+              <a:tabLst/>
+              <a:defRPr/>
+            </a:pPr>
+            <a:fld id="{65E435D9-63B0-4660-8D04-E83F5E2CA2AE}" type="slidenum">
+              <a:rPr kumimoji="0" lang="en-GB" altLang="en-US" sz="1401" b="0" i="0" u="none" strike="noStrike" kern="1200" cap="none" spc="0" normalizeH="0" baseline="0" noProof="0" smtClean="0">
+                <a:ln>
+                  <a:noFill/>
+                </a:ln>
+                <a:solidFill>
+                  <a:srgbClr val="000000"/>
+                </a:solidFill>
+                <a:effectLst/>
+                <a:uLnTx/>
+                <a:uFillTx/>
+                <a:latin typeface="Times New Roman" panose="02020603050405020304" pitchFamily="18" charset="0"/>
+                <a:ea typeface="+mn-ea"/>
+                <a:cs typeface="Arial"/>
+              </a:rPr>
+              <a:pPr marL="0" marR="0" lvl="0" indent="0" algn="r" defTabSz="914400" rtl="0" eaLnBrk="1" fontAlgn="auto" latinLnBrk="0" hangingPunct="1">
+                <a:lnSpc>
+                  <a:spcPct val="96000"/>
+                </a:lnSpc>
+                <a:spcBef>
+                  <a:spcPts val="0"/>
+                </a:spcBef>
+                <a:spcAft>
+                  <a:spcPts val="0"/>
+                </a:spcAft>
+                <a:buClrTx/>
+                <a:buSzTx/>
+                <a:buFontTx/>
+                <a:buNone/>
+                <a:tabLst/>
+                <a:defRPr/>
+              </a:pPr>
+              <a:t>20</a:t>
+            </a:fld>
+            <a:endParaRPr kumimoji="0" lang="en-GB" altLang="en-US" sz="1401" b="0" i="0" u="none" strike="noStrike" kern="1200" cap="none" spc="0" normalizeH="0" baseline="0" noProof="0">
+              <a:ln>
+                <a:noFill/>
+              </a:ln>
+              <a:solidFill>
+                <a:srgbClr val="000000"/>
+              </a:solidFill>
+              <a:effectLst/>
+              <a:uLnTx/>
+              <a:uFillTx/>
+              <a:latin typeface="Times New Roman" panose="02020603050405020304" pitchFamily="18" charset="0"/>
+              <a:ea typeface="+mn-ea"/>
+              <a:cs typeface="Arial"/>
+            </a:endParaRPr>
+          </a:p>
+        </p:txBody>
+      </p:sp>
+      <p:pic>
+        <p:nvPicPr>
+          <p:cNvPr id="7" name="Picture 6">
+            <a:extLst>
+              <a:ext uri="{FF2B5EF4-FFF2-40B4-BE49-F238E27FC236}">
+                <a16:creationId xmlns:a16="http://schemas.microsoft.com/office/drawing/2014/main" id="{A1A214CE-6882-4472-AC79-5B2AF6B68305}"/>
+              </a:ext>
+            </a:extLst>
+          </p:cNvPr>
+          <p:cNvPicPr>
+            <a:picLocks noChangeAspect="1"/>
+          </p:cNvPicPr>
+          <p:nvPr/>
+        </p:nvPicPr>
+        <p:blipFill>
+          <a:blip r:embed="rId2"/>
+          <a:stretch>
+            <a:fillRect/>
+          </a:stretch>
+        </p:blipFill>
+        <p:spPr>
+          <a:xfrm>
+            <a:off x="1077864" y="1318727"/>
+            <a:ext cx="8358884" cy="5573704"/>
+          </a:xfrm>
+          <a:prstGeom prst="rect">
+            <a:avLst/>
+          </a:prstGeom>
+        </p:spPr>
+      </p:pic>
+    </p:spTree>
+    <p:extLst>
+      <p:ext uri="{BB962C8B-B14F-4D97-AF65-F5344CB8AC3E}">
+        <p14:creationId xmlns:p14="http://schemas.microsoft.com/office/powerpoint/2010/main" val="972574410"/>
+      </p:ext>
+    </p:extLst>
+  </p:cSld>
+  <p:clrMapOvr>
+    <a:masterClrMapping/>
+  </p:clrMapOvr>
+</p:sld>
+</file>
+
+<file path=ppt/slides/slide21.xml><?xml version="1.0" encoding="utf-8"?>
+<p:sld xmlns:a="http://schemas.openxmlformats.org/drawingml/2006/main" xmlns:r="http://schemas.openxmlformats.org/officeDocument/2006/relationships" xmlns:p="http://schemas.openxmlformats.org/presentationml/2006/main">
+  <p:cSld>
+    <p:spTree>
+      <p:nvGrpSpPr>
+        <p:cNvPr id="1" name=""/>
+        <p:cNvGrpSpPr/>
+        <p:nvPr/>
+      </p:nvGrpSpPr>
+      <p:grpSpPr>
+        <a:xfrm>
+          <a:off x="0" y="0"/>
+          <a:ext cx="0" cy="0"/>
+          <a:chOff x="0" y="0"/>
+          <a:chExt cx="0" cy="0"/>
+        </a:xfrm>
+      </p:grpSpPr>
+      <p:sp>
+        <p:nvSpPr>
+          <p:cNvPr id="2" name="Title 1">
+            <a:extLst>
+              <a:ext uri="{FF2B5EF4-FFF2-40B4-BE49-F238E27FC236}">
+                <a16:creationId xmlns:a16="http://schemas.microsoft.com/office/drawing/2014/main" id="{9C19357A-79CF-4420-98D2-CCC8A3C7BA47}"/>
+              </a:ext>
+            </a:extLst>
+          </p:cNvPr>
+          <p:cNvSpPr>
+            <a:spLocks noGrp="1"/>
+          </p:cNvSpPr>
+          <p:nvPr>
+            <p:ph type="title"/>
+          </p:nvPr>
+        </p:nvSpPr>
+        <p:spPr/>
+        <p:txBody>
+          <a:bodyPr/>
+          <a:lstStyle/>
+          <a:p>
+            <a:r>
+              <a:rPr lang="en-US"/>
+              <a:t>Searching in and insertion to a BST</a:t>
+            </a:r>
+          </a:p>
+        </p:txBody>
+      </p:sp>
+      <p:sp>
+        <p:nvSpPr>
+          <p:cNvPr id="3" name="Content Placeholder 2">
+            <a:extLst>
+              <a:ext uri="{FF2B5EF4-FFF2-40B4-BE49-F238E27FC236}">
+                <a16:creationId xmlns:a16="http://schemas.microsoft.com/office/drawing/2014/main" id="{F227D5D5-689D-4CF2-BC51-C8F4CBF095B7}"/>
+              </a:ext>
+            </a:extLst>
+          </p:cNvPr>
+          <p:cNvSpPr>
+            <a:spLocks noGrp="1"/>
+          </p:cNvSpPr>
+          <p:nvPr>
+            <p:ph idx="1"/>
+          </p:nvPr>
+        </p:nvSpPr>
+        <p:spPr/>
+        <p:txBody>
+          <a:bodyPr/>
+          <a:lstStyle/>
+          <a:p>
+            <a:endParaRPr lang="en-US"/>
+          </a:p>
+        </p:txBody>
+      </p:sp>
+      <p:sp>
+        <p:nvSpPr>
+          <p:cNvPr id="4" name="Footer Placeholder 3">
+            <a:extLst>
+              <a:ext uri="{FF2B5EF4-FFF2-40B4-BE49-F238E27FC236}">
+                <a16:creationId xmlns:a16="http://schemas.microsoft.com/office/drawing/2014/main" id="{BE9F2757-701C-4D5F-9C3B-D98BEE126DE6}"/>
+              </a:ext>
+            </a:extLst>
+          </p:cNvPr>
+          <p:cNvSpPr>
+            <a:spLocks noGrp="1"/>
+          </p:cNvSpPr>
+          <p:nvPr>
+            <p:ph type="ftr" idx="11"/>
+          </p:nvPr>
+        </p:nvSpPr>
+        <p:spPr/>
+        <p:txBody>
+          <a:bodyPr/>
+          <a:lstStyle/>
+          <a:p>
+            <a:pPr marL="0" marR="0" lvl="0" indent="0" algn="ctr" defTabSz="914400" rtl="0" eaLnBrk="1" fontAlgn="auto" latinLnBrk="0" hangingPunct="1">
+              <a:lnSpc>
+                <a:spcPct val="96000"/>
+              </a:lnSpc>
+              <a:spcBef>
+                <a:spcPts val="0"/>
+              </a:spcBef>
+              <a:spcAft>
+                <a:spcPts val="0"/>
+              </a:spcAft>
+              <a:buClrTx/>
+              <a:buSzTx/>
+              <a:buFont typeface="Times New Roman" pitchFamily="16" charset="0"/>
+              <a:buNone/>
+              <a:tabLst>
+                <a:tab pos="0" algn="l"/>
+                <a:tab pos="457063" algn="l"/>
+                <a:tab pos="914126" algn="l"/>
+                <a:tab pos="1371189" algn="l"/>
+                <a:tab pos="1828251" algn="l"/>
+                <a:tab pos="2285314" algn="l"/>
+                <a:tab pos="2742377" algn="l"/>
+                <a:tab pos="3199440" algn="l"/>
+                <a:tab pos="3656503" algn="l"/>
+                <a:tab pos="4113566" algn="l"/>
+                <a:tab pos="4570628" algn="l"/>
+                <a:tab pos="5027691" algn="l"/>
+                <a:tab pos="5484754" algn="l"/>
+                <a:tab pos="5941817" algn="l"/>
+                <a:tab pos="6398880" algn="l"/>
+                <a:tab pos="6855943" algn="l"/>
+                <a:tab pos="7313005" algn="l"/>
+                <a:tab pos="7770068" algn="l"/>
+                <a:tab pos="8227131" algn="l"/>
+                <a:tab pos="8684194" algn="l"/>
+                <a:tab pos="9141257" algn="l"/>
+              </a:tabLst>
+              <a:defRPr/>
+            </a:pPr>
+            <a:r>
+              <a:rPr kumimoji="0" lang="en-US" sz="1400" b="0" i="0" u="none" strike="noStrike" kern="1200" cap="none" spc="0" normalizeH="0" baseline="0" noProof="0">
+                <a:ln>
+                  <a:noFill/>
+                </a:ln>
+                <a:solidFill>
+                  <a:srgbClr val="000000"/>
+                </a:solidFill>
+                <a:effectLst/>
+                <a:uLnTx/>
+                <a:uFillTx/>
+                <a:latin typeface="Arial"/>
+                <a:ea typeface="+mn-ea"/>
+                <a:cs typeface="Arial" charset="0"/>
+              </a:rPr>
+              <a:t>CS 1501 – Algorithms &amp; Data Structures 2 – Sherif Khattab</a:t>
+            </a:r>
+            <a:endParaRPr kumimoji="0" lang="en-GB" sz="1400" b="0" i="0" u="none" strike="noStrike" kern="1200" cap="none" spc="0" normalizeH="0" baseline="0" noProof="0">
+              <a:ln>
+                <a:noFill/>
+              </a:ln>
+              <a:solidFill>
+                <a:srgbClr val="000000"/>
+              </a:solidFill>
+              <a:effectLst/>
+              <a:uLnTx/>
+              <a:uFillTx/>
+              <a:latin typeface="Times New Roman" pitchFamily="16" charset="0"/>
+              <a:ea typeface="+mn-ea"/>
+              <a:cs typeface="Arial" charset="0"/>
+            </a:endParaRPr>
+          </a:p>
+        </p:txBody>
+      </p:sp>
+      <p:sp>
+        <p:nvSpPr>
+          <p:cNvPr id="5" name="Slide Number Placeholder 4">
+            <a:extLst>
+              <a:ext uri="{FF2B5EF4-FFF2-40B4-BE49-F238E27FC236}">
+                <a16:creationId xmlns:a16="http://schemas.microsoft.com/office/drawing/2014/main" id="{FD7BE09A-4453-453B-85DA-D2784824128B}"/>
+              </a:ext>
+            </a:extLst>
+          </p:cNvPr>
+          <p:cNvSpPr>
+            <a:spLocks noGrp="1"/>
+          </p:cNvSpPr>
+          <p:nvPr>
+            <p:ph type="sldNum" idx="12"/>
+          </p:nvPr>
+        </p:nvSpPr>
+        <p:spPr/>
+        <p:txBody>
+          <a:bodyPr/>
+          <a:lstStyle/>
+          <a:p>
+            <a:pPr marL="0" marR="0" lvl="0" indent="0" algn="r" defTabSz="914400" rtl="0" eaLnBrk="1" fontAlgn="auto" latinLnBrk="0" hangingPunct="1">
+              <a:lnSpc>
+                <a:spcPct val="96000"/>
+              </a:lnSpc>
+              <a:spcBef>
+                <a:spcPts val="0"/>
+              </a:spcBef>
+              <a:spcAft>
+                <a:spcPts val="0"/>
+              </a:spcAft>
+              <a:buClrTx/>
+              <a:buSzTx/>
+              <a:buFontTx/>
+              <a:buNone/>
+              <a:tabLst/>
+              <a:defRPr/>
+            </a:pPr>
+            <a:fld id="{65E435D9-63B0-4660-8D04-E83F5E2CA2AE}" type="slidenum">
+              <a:rPr kumimoji="0" lang="en-GB" altLang="en-US" sz="1400" b="0" i="0" u="none" strike="noStrike" kern="1200" cap="none" spc="0" normalizeH="0" baseline="0" noProof="0" smtClean="0">
+                <a:ln>
+                  <a:noFill/>
+                </a:ln>
+                <a:solidFill>
+                  <a:srgbClr val="000000"/>
+                </a:solidFill>
+                <a:effectLst/>
+                <a:uLnTx/>
+                <a:uFillTx/>
+                <a:latin typeface="Times New Roman" panose="02020603050405020304" pitchFamily="18" charset="0"/>
+                <a:ea typeface="+mn-ea"/>
+                <a:cs typeface="Arial"/>
+              </a:rPr>
+              <a:pPr marL="0" marR="0" lvl="0" indent="0" algn="r" defTabSz="914400" rtl="0" eaLnBrk="1" fontAlgn="auto" latinLnBrk="0" hangingPunct="1">
+                <a:lnSpc>
+                  <a:spcPct val="96000"/>
+                </a:lnSpc>
+                <a:spcBef>
+                  <a:spcPts val="0"/>
+                </a:spcBef>
+                <a:spcAft>
+                  <a:spcPts val="0"/>
+                </a:spcAft>
+                <a:buClrTx/>
+                <a:buSzTx/>
+                <a:buFontTx/>
+                <a:buNone/>
+                <a:tabLst/>
+                <a:defRPr/>
+              </a:pPr>
+              <a:t>21</a:t>
+            </a:fld>
+            <a:endParaRPr kumimoji="0" lang="en-GB" altLang="en-US" sz="1400" b="0" i="0" u="none" strike="noStrike" kern="1200" cap="none" spc="0" normalizeH="0" baseline="0" noProof="0">
+              <a:ln>
+                <a:noFill/>
+              </a:ln>
+              <a:solidFill>
+                <a:srgbClr val="000000"/>
+              </a:solidFill>
+              <a:effectLst/>
+              <a:uLnTx/>
+              <a:uFillTx/>
+              <a:latin typeface="Times New Roman" panose="02020603050405020304" pitchFamily="18" charset="0"/>
+              <a:ea typeface="+mn-ea"/>
+              <a:cs typeface="Arial"/>
+            </a:endParaRPr>
+          </a:p>
+        </p:txBody>
+      </p:sp>
+      <p:pic>
+        <p:nvPicPr>
+          <p:cNvPr id="7" name="Picture 6">
+            <a:extLst>
+              <a:ext uri="{FF2B5EF4-FFF2-40B4-BE49-F238E27FC236}">
+                <a16:creationId xmlns:a16="http://schemas.microsoft.com/office/drawing/2014/main" id="{6E77D898-3D24-44AD-BE48-2575EE8B9021}"/>
+              </a:ext>
+            </a:extLst>
+          </p:cNvPr>
+          <p:cNvPicPr>
+            <a:picLocks noChangeAspect="1"/>
+          </p:cNvPicPr>
+          <p:nvPr/>
+        </p:nvPicPr>
+        <p:blipFill>
+          <a:blip r:embed="rId2"/>
+          <a:stretch>
+            <a:fillRect/>
+          </a:stretch>
+        </p:blipFill>
+        <p:spPr>
+          <a:xfrm>
+            <a:off x="1432371" y="1200539"/>
+            <a:ext cx="8079022" cy="5387092"/>
+          </a:xfrm>
+          <a:prstGeom prst="rect">
+            <a:avLst/>
+          </a:prstGeom>
+        </p:spPr>
+      </p:pic>
+    </p:spTree>
+    <p:extLst>
+      <p:ext uri="{BB962C8B-B14F-4D97-AF65-F5344CB8AC3E}">
+        <p14:creationId xmlns:p14="http://schemas.microsoft.com/office/powerpoint/2010/main" val="3409777137"/>
+      </p:ext>
+    </p:extLst>
+  </p:cSld>
+  <p:clrMapOvr>
+    <a:masterClrMapping/>
+  </p:clrMapOvr>
+</p:sld>
+</file>
+
+<file path=ppt/slides/slide22.xml><?xml version="1.0" encoding="utf-8"?>
+<p:sld xmlns:a="http://schemas.openxmlformats.org/drawingml/2006/main" xmlns:r="http://schemas.openxmlformats.org/officeDocument/2006/relationships" xmlns:p="http://schemas.openxmlformats.org/presentationml/2006/main">
+  <p:cSld>
+    <p:spTree>
+      <p:nvGrpSpPr>
+        <p:cNvPr id="1" name=""/>
+        <p:cNvGrpSpPr/>
+        <p:nvPr/>
+      </p:nvGrpSpPr>
+      <p:grpSpPr>
+        <a:xfrm>
+          <a:off x="0" y="0"/>
+          <a:ext cx="0" cy="0"/>
+          <a:chOff x="0" y="0"/>
+          <a:chExt cx="0" cy="0"/>
+        </a:xfrm>
+      </p:grpSpPr>
+      <p:sp>
+        <p:nvSpPr>
+          <p:cNvPr id="3" name="Title 2">
+            <a:extLst>
+              <a:ext uri="{FF2B5EF4-FFF2-40B4-BE49-F238E27FC236}">
+                <a16:creationId xmlns:a16="http://schemas.microsoft.com/office/drawing/2014/main" id="{F353DFE7-5E48-4678-88F9-249C85D9FB6B}"/>
+              </a:ext>
+            </a:extLst>
+          </p:cNvPr>
+          <p:cNvSpPr>
+            <a:spLocks noGrp="1"/>
+          </p:cNvSpPr>
+          <p:nvPr>
+            <p:ph type="title"/>
+          </p:nvPr>
+        </p:nvSpPr>
+        <p:spPr/>
+        <p:txBody>
+          <a:bodyPr/>
+          <a:lstStyle/>
+          <a:p>
+            <a:r>
+              <a:rPr lang="en-US" dirty="0"/>
+              <a:t>Tree Interface</a:t>
+            </a:r>
+          </a:p>
+        </p:txBody>
+      </p:sp>
+      <p:sp>
+        <p:nvSpPr>
+          <p:cNvPr id="8" name="Content Placeholder 7">
+            <a:extLst>
+              <a:ext uri="{FF2B5EF4-FFF2-40B4-BE49-F238E27FC236}">
+                <a16:creationId xmlns:a16="http://schemas.microsoft.com/office/drawing/2014/main" id="{9D6B6965-4F82-4738-80C4-F08AD114D3F6}"/>
+              </a:ext>
+            </a:extLst>
+          </p:cNvPr>
+          <p:cNvSpPr>
+            <a:spLocks noGrp="1"/>
+          </p:cNvSpPr>
+          <p:nvPr>
+            <p:ph idx="1"/>
+          </p:nvPr>
+        </p:nvSpPr>
+        <p:spPr/>
+        <p:txBody>
+          <a:bodyPr/>
+          <a:lstStyle/>
+          <a:p>
+            <a:endParaRPr lang="en-US"/>
+          </a:p>
+        </p:txBody>
+      </p:sp>
+      <p:sp>
+        <p:nvSpPr>
+          <p:cNvPr id="4" name="Slide Number Placeholder 3">
+            <a:extLst>
+              <a:ext uri="{FF2B5EF4-FFF2-40B4-BE49-F238E27FC236}">
+                <a16:creationId xmlns:a16="http://schemas.microsoft.com/office/drawing/2014/main" id="{DA4ADD44-E358-497D-A07F-D9946707740D}"/>
+              </a:ext>
+            </a:extLst>
+          </p:cNvPr>
+          <p:cNvSpPr>
+            <a:spLocks noGrp="1"/>
+          </p:cNvSpPr>
+          <p:nvPr>
+            <p:ph type="sldNum" idx="12"/>
+          </p:nvPr>
+        </p:nvSpPr>
+        <p:spPr/>
+        <p:txBody>
+          <a:bodyPr/>
+          <a:lstStyle/>
+          <a:p>
+            <a:pPr marL="0" marR="0" lvl="0" indent="0" algn="r" defTabSz="914400" rtl="0" eaLnBrk="1" fontAlgn="auto" latinLnBrk="0" hangingPunct="1">
+              <a:lnSpc>
+                <a:spcPct val="96000"/>
+              </a:lnSpc>
+              <a:spcBef>
+                <a:spcPts val="0"/>
+              </a:spcBef>
+              <a:spcAft>
+                <a:spcPts val="0"/>
+              </a:spcAft>
+              <a:buClrTx/>
+              <a:buSzTx/>
+              <a:buFontTx/>
+              <a:buNone/>
+              <a:tabLst/>
+              <a:defRPr/>
+            </a:pPr>
+            <a:fld id="{00000000-1234-1234-1234-123412341234}" type="slidenum">
+              <a:rPr kumimoji="0" lang="en" sz="1400" b="0" i="0" u="none" strike="noStrike" kern="1200" cap="none" spc="0" normalizeH="0" baseline="0" noProof="0" smtClean="0">
+                <a:ln>
+                  <a:noFill/>
+                </a:ln>
+                <a:solidFill>
+                  <a:srgbClr val="000000"/>
+                </a:solidFill>
+                <a:effectLst/>
+                <a:uLnTx/>
+                <a:uFillTx/>
+                <a:latin typeface="Times New Roman" panose="02020603050405020304" pitchFamily="18" charset="0"/>
+                <a:ea typeface="+mn-ea"/>
+                <a:cs typeface="Arial"/>
+              </a:rPr>
+              <a:pPr marL="0" marR="0" lvl="0" indent="0" algn="r" defTabSz="914400" rtl="0" eaLnBrk="1" fontAlgn="auto" latinLnBrk="0" hangingPunct="1">
+                <a:lnSpc>
+                  <a:spcPct val="96000"/>
+                </a:lnSpc>
+                <a:spcBef>
+                  <a:spcPts val="0"/>
+                </a:spcBef>
+                <a:spcAft>
+                  <a:spcPts val="0"/>
+                </a:spcAft>
+                <a:buClrTx/>
+                <a:buSzTx/>
+                <a:buFontTx/>
+                <a:buNone/>
+                <a:tabLst/>
+                <a:defRPr/>
+              </a:pPr>
+              <a:t>22</a:t>
+            </a:fld>
+            <a:endParaRPr kumimoji="0" lang="en" sz="1400" b="0" i="0" u="none" strike="noStrike" kern="1200" cap="none" spc="0" normalizeH="0" baseline="0" noProof="0">
+              <a:ln>
+                <a:noFill/>
+              </a:ln>
+              <a:solidFill>
+                <a:srgbClr val="000000"/>
+              </a:solidFill>
+              <a:effectLst/>
+              <a:uLnTx/>
+              <a:uFillTx/>
+              <a:latin typeface="Times New Roman" panose="02020603050405020304" pitchFamily="18" charset="0"/>
+              <a:ea typeface="+mn-ea"/>
+              <a:cs typeface="Arial"/>
+            </a:endParaRPr>
+          </a:p>
+        </p:txBody>
+      </p:sp>
+      <p:pic>
+        <p:nvPicPr>
+          <p:cNvPr id="6" name="Picture 5" descr="Text&#10;&#10;Description automatically generated">
+            <a:extLst>
+              <a:ext uri="{FF2B5EF4-FFF2-40B4-BE49-F238E27FC236}">
+                <a16:creationId xmlns:a16="http://schemas.microsoft.com/office/drawing/2014/main" id="{81EA26B8-8DD2-49AA-9483-A5CA3C75C6D7}"/>
+              </a:ext>
+            </a:extLst>
+          </p:cNvPr>
+          <p:cNvPicPr>
+            <a:picLocks noChangeAspect="1"/>
+          </p:cNvPicPr>
+          <p:nvPr/>
+        </p:nvPicPr>
+        <p:blipFill>
+          <a:blip r:embed="rId2"/>
+          <a:stretch>
+            <a:fillRect/>
+          </a:stretch>
+        </p:blipFill>
+        <p:spPr>
+          <a:xfrm>
+            <a:off x="19050" y="1952625"/>
+            <a:ext cx="10039350" cy="3657600"/>
+          </a:xfrm>
+          <a:prstGeom prst="rect">
+            <a:avLst/>
+          </a:prstGeom>
+        </p:spPr>
+      </p:pic>
+      <p:sp>
+        <p:nvSpPr>
+          <p:cNvPr id="9" name="Footer Placeholder 8">
+            <a:extLst>
+              <a:ext uri="{FF2B5EF4-FFF2-40B4-BE49-F238E27FC236}">
+                <a16:creationId xmlns:a16="http://schemas.microsoft.com/office/drawing/2014/main" id="{BB54C99C-B492-4E6B-9CC4-C61404F47E69}"/>
+              </a:ext>
+            </a:extLst>
+          </p:cNvPr>
+          <p:cNvSpPr>
+            <a:spLocks noGrp="1"/>
+          </p:cNvSpPr>
+          <p:nvPr>
+            <p:ph type="ftr" idx="11"/>
+          </p:nvPr>
+        </p:nvSpPr>
+        <p:spPr/>
+        <p:txBody>
+          <a:bodyPr/>
+          <a:lstStyle/>
+          <a:p>
+            <a:pPr marL="0" marR="0" lvl="0" indent="0" algn="ctr" defTabSz="914400" rtl="0" eaLnBrk="1" fontAlgn="auto" latinLnBrk="0" hangingPunct="1">
+              <a:lnSpc>
+                <a:spcPct val="96000"/>
+              </a:lnSpc>
+              <a:spcBef>
+                <a:spcPts val="0"/>
+              </a:spcBef>
+              <a:spcAft>
+                <a:spcPts val="0"/>
+              </a:spcAft>
+              <a:buClrTx/>
+              <a:buSzTx/>
+              <a:buFont typeface="Times New Roman" pitchFamily="16" charset="0"/>
+              <a:buNone/>
+              <a:tabLst>
+                <a:tab pos="0" algn="l"/>
+                <a:tab pos="457063" algn="l"/>
+                <a:tab pos="914126" algn="l"/>
+                <a:tab pos="1371189" algn="l"/>
+                <a:tab pos="1828251" algn="l"/>
+                <a:tab pos="2285314" algn="l"/>
+                <a:tab pos="2742377" algn="l"/>
+                <a:tab pos="3199440" algn="l"/>
+                <a:tab pos="3656503" algn="l"/>
+                <a:tab pos="4113566" algn="l"/>
+                <a:tab pos="4570628" algn="l"/>
+                <a:tab pos="5027691" algn="l"/>
+                <a:tab pos="5484754" algn="l"/>
+                <a:tab pos="5941817" algn="l"/>
+                <a:tab pos="6398880" algn="l"/>
+                <a:tab pos="6855943" algn="l"/>
+                <a:tab pos="7313005" algn="l"/>
+                <a:tab pos="7770068" algn="l"/>
+                <a:tab pos="8227131" algn="l"/>
+                <a:tab pos="8684194" algn="l"/>
+                <a:tab pos="9141257" algn="l"/>
+              </a:tabLst>
+              <a:defRPr/>
+            </a:pPr>
+            <a:r>
+              <a:rPr kumimoji="0" lang="en-US" sz="1400" b="0" i="0" u="none" strike="noStrike" kern="1200" cap="none" spc="0" normalizeH="0" baseline="0" noProof="0">
+                <a:ln>
+                  <a:noFill/>
+                </a:ln>
+                <a:solidFill>
+                  <a:srgbClr val="000000"/>
+                </a:solidFill>
+                <a:effectLst/>
+                <a:uLnTx/>
+                <a:uFillTx/>
+                <a:latin typeface="Arial"/>
+                <a:ea typeface="+mn-ea"/>
+                <a:cs typeface="Arial" charset="0"/>
+              </a:rPr>
+              <a:t>CS 1501 – Algorithms &amp; Data Structures 2 – Sherif Khattab</a:t>
+            </a:r>
+            <a:endParaRPr kumimoji="0" lang="en-GB" sz="1400" b="0" i="0" u="none" strike="noStrike" kern="1200" cap="none" spc="0" normalizeH="0" baseline="0" noProof="0">
+              <a:ln>
+                <a:noFill/>
+              </a:ln>
+              <a:solidFill>
+                <a:srgbClr val="000000"/>
+              </a:solidFill>
+              <a:effectLst/>
+              <a:uLnTx/>
+              <a:uFillTx/>
+              <a:latin typeface="Times New Roman" pitchFamily="16" charset="0"/>
+              <a:ea typeface="+mn-ea"/>
+              <a:cs typeface="Arial" charset="0"/>
+            </a:endParaRPr>
+          </a:p>
+        </p:txBody>
+      </p:sp>
+    </p:spTree>
+    <p:extLst>
+      <p:ext uri="{BB962C8B-B14F-4D97-AF65-F5344CB8AC3E}">
+        <p14:creationId xmlns:p14="http://schemas.microsoft.com/office/powerpoint/2010/main" val="551485046"/>
+      </p:ext>
+    </p:extLst>
+  </p:cSld>
+  <p:clrMapOvr>
+    <a:masterClrMapping/>
+  </p:clrMapOvr>
+</p:sld>
+</file>
+
+<file path=ppt/slides/slide23.xml><?xml version="1.0" encoding="utf-8"?>
+<p:sld xmlns:a="http://schemas.openxmlformats.org/drawingml/2006/main" xmlns:r="http://schemas.openxmlformats.org/officeDocument/2006/relationships" xmlns:p="http://schemas.openxmlformats.org/presentationml/2006/main">
+  <p:cSld>
+    <p:spTree>
+      <p:nvGrpSpPr>
+        <p:cNvPr id="1" name=""/>
+        <p:cNvGrpSpPr/>
+        <p:nvPr/>
+      </p:nvGrpSpPr>
+      <p:grpSpPr>
+        <a:xfrm>
+          <a:off x="0" y="0"/>
+          <a:ext cx="0" cy="0"/>
+          <a:chOff x="0" y="0"/>
+          <a:chExt cx="0" cy="0"/>
+        </a:xfrm>
+      </p:grpSpPr>
+      <p:sp>
+        <p:nvSpPr>
+          <p:cNvPr id="2" name="Title 1">
+            <a:extLst>
+              <a:ext uri="{FF2B5EF4-FFF2-40B4-BE49-F238E27FC236}">
+                <a16:creationId xmlns:a16="http://schemas.microsoft.com/office/drawing/2014/main" id="{BC3ADD74-EB95-47D3-9ED2-6D8DD55DD99C}"/>
+              </a:ext>
+            </a:extLst>
+          </p:cNvPr>
+          <p:cNvSpPr>
+            <a:spLocks noGrp="1"/>
+          </p:cNvSpPr>
+          <p:nvPr>
+            <p:ph type="title"/>
+          </p:nvPr>
+        </p:nvSpPr>
+        <p:spPr/>
+        <p:txBody>
+          <a:bodyPr/>
+          <a:lstStyle/>
+          <a:p>
+            <a:r>
+              <a:rPr lang="en-US"/>
+              <a:t>Code Walkthrough</a:t>
+            </a:r>
+          </a:p>
+        </p:txBody>
+      </p:sp>
+      <p:sp>
+        <p:nvSpPr>
+          <p:cNvPr id="3" name="Content Placeholder 2">
+            <a:extLst>
+              <a:ext uri="{FF2B5EF4-FFF2-40B4-BE49-F238E27FC236}">
+                <a16:creationId xmlns:a16="http://schemas.microsoft.com/office/drawing/2014/main" id="{A296D1F4-E837-4F96-9F51-0E48E82EFCB0}"/>
+              </a:ext>
+            </a:extLst>
+          </p:cNvPr>
+          <p:cNvSpPr>
+            <a:spLocks noGrp="1"/>
+          </p:cNvSpPr>
+          <p:nvPr>
+            <p:ph idx="1"/>
+          </p:nvPr>
+        </p:nvSpPr>
+        <p:spPr/>
+        <p:txBody>
+          <a:bodyPr/>
+          <a:lstStyle/>
+          <a:p>
+            <a:r>
+              <a:rPr lang="en-US" dirty="0"/>
+              <a:t>Available online at:</a:t>
+            </a:r>
+          </a:p>
+          <a:p>
+            <a:pPr lvl="1"/>
+            <a:r>
+              <a:rPr lang="en-US" dirty="0">
+                <a:hlinkClick r:id="rId2"/>
+              </a:rPr>
+              <a:t>https://cs1501-2221.github.io/handouts/CodeHandouts/TreeADT/Slides</a:t>
+            </a:r>
+            <a:endParaRPr lang="en-US" dirty="0"/>
+          </a:p>
+          <a:p>
+            <a:pPr lvl="1"/>
+            <a:r>
+              <a:rPr lang="en-US" dirty="0"/>
+              <a:t>The slides are under the </a:t>
+            </a:r>
+            <a:r>
+              <a:rPr lang="en-US" dirty="0" err="1"/>
+              <a:t>CodeHandouts</a:t>
+            </a:r>
+            <a:r>
+              <a:rPr lang="en-US" dirty="0"/>
+              <a:t>/</a:t>
+            </a:r>
+            <a:r>
+              <a:rPr lang="en-US" dirty="0" err="1"/>
+              <a:t>TreeADT</a:t>
+            </a:r>
+            <a:r>
+              <a:rPr lang="en-US" dirty="0"/>
+              <a:t>/slides folder in the handout repository</a:t>
+            </a:r>
+          </a:p>
+          <a:p>
+            <a:pPr lvl="1"/>
+            <a:r>
+              <a:rPr lang="en-US" dirty="0">
+                <a:hlinkClick r:id="rId3"/>
+              </a:rPr>
+              <a:t>https://github.com/cs1501-2221/handouts</a:t>
+            </a:r>
+            <a:endParaRPr lang="en-US" dirty="0"/>
+          </a:p>
+        </p:txBody>
+      </p:sp>
+      <p:sp>
+        <p:nvSpPr>
+          <p:cNvPr id="4" name="Footer Placeholder 3">
+            <a:extLst>
+              <a:ext uri="{FF2B5EF4-FFF2-40B4-BE49-F238E27FC236}">
+                <a16:creationId xmlns:a16="http://schemas.microsoft.com/office/drawing/2014/main" id="{59D3D596-6ED7-4EC0-BE08-962951836449}"/>
+              </a:ext>
+            </a:extLst>
+          </p:cNvPr>
+          <p:cNvSpPr>
+            <a:spLocks noGrp="1"/>
+          </p:cNvSpPr>
+          <p:nvPr>
+            <p:ph type="ftr" idx="11"/>
+          </p:nvPr>
+        </p:nvSpPr>
+        <p:spPr/>
+        <p:txBody>
+          <a:bodyPr/>
+          <a:lstStyle/>
+          <a:p>
+            <a:pPr marL="0" marR="0" lvl="0" indent="0" algn="ctr" defTabSz="914400" rtl="0" eaLnBrk="1" fontAlgn="auto" latinLnBrk="0" hangingPunct="1">
+              <a:lnSpc>
+                <a:spcPct val="96000"/>
+              </a:lnSpc>
+              <a:spcBef>
+                <a:spcPts val="0"/>
+              </a:spcBef>
+              <a:spcAft>
+                <a:spcPts val="0"/>
+              </a:spcAft>
+              <a:buClrTx/>
+              <a:buSzTx/>
+              <a:buFont typeface="Times New Roman" pitchFamily="16" charset="0"/>
+              <a:buNone/>
+              <a:tabLst>
+                <a:tab pos="0" algn="l"/>
+                <a:tab pos="457063" algn="l"/>
+                <a:tab pos="914126" algn="l"/>
+                <a:tab pos="1371189" algn="l"/>
+                <a:tab pos="1828251" algn="l"/>
+                <a:tab pos="2285314" algn="l"/>
+                <a:tab pos="2742377" algn="l"/>
+                <a:tab pos="3199440" algn="l"/>
+                <a:tab pos="3656503" algn="l"/>
+                <a:tab pos="4113566" algn="l"/>
+                <a:tab pos="4570628" algn="l"/>
+                <a:tab pos="5027691" algn="l"/>
+                <a:tab pos="5484754" algn="l"/>
+                <a:tab pos="5941817" algn="l"/>
+                <a:tab pos="6398880" algn="l"/>
+                <a:tab pos="6855943" algn="l"/>
+                <a:tab pos="7313005" algn="l"/>
+                <a:tab pos="7770068" algn="l"/>
+                <a:tab pos="8227131" algn="l"/>
+                <a:tab pos="8684194" algn="l"/>
+                <a:tab pos="9141257" algn="l"/>
+              </a:tabLst>
+              <a:defRPr/>
+            </a:pPr>
+            <a:r>
+              <a:rPr kumimoji="0" lang="en-US" sz="1400" b="0" i="0" u="none" strike="noStrike" kern="1200" cap="none" spc="0" normalizeH="0" baseline="0" noProof="0">
+                <a:ln>
+                  <a:noFill/>
+                </a:ln>
+                <a:solidFill>
+                  <a:srgbClr val="000000"/>
+                </a:solidFill>
+                <a:effectLst/>
+                <a:uLnTx/>
+                <a:uFillTx/>
+                <a:latin typeface="Arial"/>
+                <a:ea typeface="+mn-ea"/>
+                <a:cs typeface="Arial" charset="0"/>
+              </a:rPr>
+              <a:t>CS 1501 – Algorithms &amp; Data Structures 2 – Sherif Khattab</a:t>
+            </a:r>
+            <a:endParaRPr kumimoji="0" lang="en-GB" sz="1400" b="0" i="0" u="none" strike="noStrike" kern="1200" cap="none" spc="0" normalizeH="0" baseline="0" noProof="0">
+              <a:ln>
+                <a:noFill/>
+              </a:ln>
+              <a:solidFill>
+                <a:srgbClr val="000000"/>
+              </a:solidFill>
+              <a:effectLst/>
+              <a:uLnTx/>
+              <a:uFillTx/>
+              <a:latin typeface="Times New Roman" pitchFamily="16" charset="0"/>
+              <a:ea typeface="+mn-ea"/>
+              <a:cs typeface="Arial" charset="0"/>
+            </a:endParaRPr>
+          </a:p>
+        </p:txBody>
+      </p:sp>
+      <p:sp>
+        <p:nvSpPr>
+          <p:cNvPr id="5" name="Slide Number Placeholder 4">
+            <a:extLst>
+              <a:ext uri="{FF2B5EF4-FFF2-40B4-BE49-F238E27FC236}">
+                <a16:creationId xmlns:a16="http://schemas.microsoft.com/office/drawing/2014/main" id="{A865766F-85AB-4B60-A2E9-0EE94ED9DD7A}"/>
+              </a:ext>
+            </a:extLst>
+          </p:cNvPr>
+          <p:cNvSpPr>
+            <a:spLocks noGrp="1"/>
+          </p:cNvSpPr>
+          <p:nvPr>
+            <p:ph type="sldNum" idx="12"/>
+          </p:nvPr>
+        </p:nvSpPr>
+        <p:spPr/>
+        <p:txBody>
+          <a:bodyPr/>
+          <a:lstStyle/>
+          <a:p>
+            <a:pPr marL="0" marR="0" lvl="0" indent="0" algn="r" defTabSz="914400" rtl="0" eaLnBrk="1" fontAlgn="auto" latinLnBrk="0" hangingPunct="1">
+              <a:lnSpc>
+                <a:spcPct val="96000"/>
+              </a:lnSpc>
+              <a:spcBef>
+                <a:spcPts val="0"/>
+              </a:spcBef>
+              <a:spcAft>
+                <a:spcPts val="0"/>
+              </a:spcAft>
+              <a:buClrTx/>
+              <a:buSzTx/>
+              <a:buFontTx/>
+              <a:buNone/>
+              <a:tabLst/>
+              <a:defRPr/>
+            </a:pPr>
+            <a:fld id="{65E435D9-63B0-4660-8D04-E83F5E2CA2AE}" type="slidenum">
+              <a:rPr kumimoji="0" lang="en-GB" altLang="en-US" sz="1400" b="0" i="0" u="none" strike="noStrike" kern="1200" cap="none" spc="0" normalizeH="0" baseline="0" noProof="0" smtClean="0">
+                <a:ln>
+                  <a:noFill/>
+                </a:ln>
+                <a:solidFill>
+                  <a:srgbClr val="000000"/>
+                </a:solidFill>
+                <a:effectLst/>
+                <a:uLnTx/>
+                <a:uFillTx/>
+                <a:latin typeface="Times New Roman" panose="02020603050405020304" pitchFamily="18" charset="0"/>
+                <a:ea typeface="+mn-ea"/>
+                <a:cs typeface="Arial"/>
+              </a:rPr>
+              <a:pPr marL="0" marR="0" lvl="0" indent="0" algn="r" defTabSz="914400" rtl="0" eaLnBrk="1" fontAlgn="auto" latinLnBrk="0" hangingPunct="1">
+                <a:lnSpc>
+                  <a:spcPct val="96000"/>
+                </a:lnSpc>
+                <a:spcBef>
+                  <a:spcPts val="0"/>
+                </a:spcBef>
+                <a:spcAft>
+                  <a:spcPts val="0"/>
+                </a:spcAft>
+                <a:buClrTx/>
+                <a:buSzTx/>
+                <a:buFontTx/>
+                <a:buNone/>
+                <a:tabLst/>
+                <a:defRPr/>
+              </a:pPr>
+              <a:t>23</a:t>
+            </a:fld>
+            <a:endParaRPr kumimoji="0" lang="en-GB" altLang="en-US" sz="1400" b="0" i="0" u="none" strike="noStrike" kern="1200" cap="none" spc="0" normalizeH="0" baseline="0" noProof="0">
+              <a:ln>
+                <a:noFill/>
+              </a:ln>
+              <a:solidFill>
+                <a:srgbClr val="000000"/>
+              </a:solidFill>
+              <a:effectLst/>
+              <a:uLnTx/>
+              <a:uFillTx/>
+              <a:latin typeface="Times New Roman" panose="02020603050405020304" pitchFamily="18" charset="0"/>
+              <a:ea typeface="+mn-ea"/>
+              <a:cs typeface="Arial"/>
+            </a:endParaRPr>
+          </a:p>
+        </p:txBody>
+      </p:sp>
+    </p:spTree>
+    <p:extLst>
+      <p:ext uri="{BB962C8B-B14F-4D97-AF65-F5344CB8AC3E}">
+        <p14:creationId xmlns:p14="http://schemas.microsoft.com/office/powerpoint/2010/main" val="868200480"/>
+      </p:ext>
+    </p:extLst>
+  </p:cSld>
+  <p:clrMapOvr>
+    <a:masterClrMapping/>
+  </p:clrMapOvr>
+</p:sld>
+</file>
+
+<file path=ppt/slides/slide24.xml><?xml version="1.0" encoding="utf-8"?>
+<p:sld xmlns:a="http://schemas.openxmlformats.org/drawingml/2006/main" xmlns:r="http://schemas.openxmlformats.org/officeDocument/2006/relationships" xmlns:p="http://schemas.openxmlformats.org/presentationml/2006/main">
+  <p:cSld>
+    <p:spTree>
+      <p:nvGrpSpPr>
+        <p:cNvPr id="1" name=""/>
+        <p:cNvGrpSpPr/>
+        <p:nvPr/>
+      </p:nvGrpSpPr>
+      <p:grpSpPr>
+        <a:xfrm>
+          <a:off x="0" y="0"/>
+          <a:ext cx="0" cy="0"/>
+          <a:chOff x="0" y="0"/>
+          <a:chExt cx="0" cy="0"/>
+        </a:xfrm>
+      </p:grpSpPr>
+      <p:sp>
+        <p:nvSpPr>
+          <p:cNvPr id="6" name="Slide Number">
+            <a:extLst>
+              <a:ext uri="{FF2B5EF4-FFF2-40B4-BE49-F238E27FC236}">
+                <a16:creationId xmlns:a16="http://schemas.microsoft.com/office/drawing/2014/main" id="{A84C6658-392F-6A4D-984C-531AB221C723}"/>
+              </a:ext>
+            </a:extLst>
+          </p:cNvPr>
+          <p:cNvSpPr>
+            <a:spLocks noGrp="1"/>
+          </p:cNvSpPr>
+          <p:nvPr>
+            <p:ph type="sldNum" sz="quarter" idx="12"/>
+          </p:nvPr>
+        </p:nvSpPr>
+        <p:spPr/>
+        <p:txBody>
+          <a:bodyPr/>
+          <a:lstStyle/>
+          <a:p>
+            <a:pPr defTabSz="377922">
+              <a:defRPr/>
+            </a:pPr>
+            <a:fld id="{8A7A6979-0714-4377-B894-6BE4C2D6E202}" type="slidenum">
+              <a:rPr lang="en-US">
+                <a:solidFill>
+                  <a:srgbClr val="FFFFFF"/>
+                </a:solidFill>
+              </a:rPr>
+              <a:pPr defTabSz="377922">
+                <a:defRPr/>
+              </a:pPr>
+              <a:t>24</a:t>
+            </a:fld>
+            <a:endParaRPr lang="en-US">
+              <a:solidFill>
+                <a:srgbClr val="FFFFFF"/>
+              </a:solidFill>
+            </a:endParaRPr>
+          </a:p>
+        </p:txBody>
+      </p:sp>
+      <p:sp>
+        <p:nvSpPr>
+          <p:cNvPr id="4" name="Title 1">
+            <a:extLst>
+              <a:ext uri="{FF2B5EF4-FFF2-40B4-BE49-F238E27FC236}">
+                <a16:creationId xmlns:a16="http://schemas.microsoft.com/office/drawing/2014/main" id="{845E174E-D032-44D5-9B3B-60F9C54B9084}"/>
+              </a:ext>
+            </a:extLst>
+          </p:cNvPr>
+          <p:cNvSpPr txBox="1">
+            <a:spLocks/>
+          </p:cNvSpPr>
+          <p:nvPr/>
+        </p:nvSpPr>
+        <p:spPr bwMode="blackWhite">
+          <a:xfrm>
+            <a:off x="505293" y="1533558"/>
+            <a:ext cx="8731166" cy="2060949"/>
+          </a:xfrm>
+          <a:prstGeom prst="rect">
+            <a:avLst/>
+          </a:prstGeom>
+          <a:noFill/>
+          <a:ln w="38100" cap="sq">
+            <a:noFill/>
+            <a:miter lim="800000"/>
+          </a:ln>
+        </p:spPr>
+        <p:txBody>
+          <a:bodyPr vert="horz" wrap="square" lIns="0" tIns="0" rIns="0" bIns="0" rtlCol="0" anchor="t" anchorCtr="0">
+            <a:spAutoFit/>
+          </a:bodyPr>
+          <a:lstStyle>
+            <a:lvl1pPr algn="ctr" defTabSz="914400" rtl="0" eaLnBrk="1" latinLnBrk="0" hangingPunct="1">
+              <a:lnSpc>
+                <a:spcPct val="90000"/>
+              </a:lnSpc>
+              <a:spcBef>
+                <a:spcPct val="0"/>
+              </a:spcBef>
+              <a:buNone/>
+              <a:defRPr sz="8600" b="0" i="0" kern="1200" cap="none" spc="300" baseline="0">
+                <a:solidFill>
+                  <a:schemeClr val="accent2"/>
+                </a:solidFill>
+                <a:latin typeface="United Sans Cond Medium" pitchFamily="2" charset="77"/>
+                <a:ea typeface="+mj-ea"/>
+                <a:cs typeface="+mj-cs"/>
+              </a:defRPr>
+            </a:lvl1pPr>
+          </a:lstStyle>
+          <a:p>
+            <a:pPr defTabSz="755843">
+              <a:defRPr/>
+            </a:pPr>
+            <a:r>
+              <a:rPr lang="en-US" sz="4960" b="1" spc="248">
+                <a:solidFill>
+                  <a:srgbClr val="002060"/>
+                </a:solidFill>
+                <a:latin typeface="Acumin Pro ExtraCondensed" panose="020B0604020202020204" charset="0"/>
+                <a:cs typeface="United Sans Cond Medium" panose="020B0604020202020204" charset="0"/>
+              </a:rPr>
+              <a:t>Please submit your reflections by using the </a:t>
+            </a:r>
+            <a:r>
+              <a:rPr lang="en-US" sz="4960" b="1" spc="248" err="1">
+                <a:solidFill>
+                  <a:srgbClr val="002060"/>
+                </a:solidFill>
+                <a:latin typeface="Acumin Pro ExtraCondensed" panose="020B0604020202020204" charset="0"/>
+                <a:cs typeface="United Sans Cond Medium" panose="020B0604020202020204" charset="0"/>
+              </a:rPr>
+              <a:t>CourseMIRROR</a:t>
+            </a:r>
+            <a:r>
+              <a:rPr lang="en-US" sz="4960" b="1" spc="248">
+                <a:solidFill>
+                  <a:srgbClr val="002060"/>
+                </a:solidFill>
+                <a:latin typeface="Acumin Pro ExtraCondensed" panose="020B0604020202020204" charset="0"/>
+                <a:cs typeface="United Sans Cond Medium" panose="020B0604020202020204" charset="0"/>
+              </a:rPr>
+              <a:t> App</a:t>
+            </a:r>
+          </a:p>
+        </p:txBody>
+      </p:sp>
+      <p:sp>
+        <p:nvSpPr>
+          <p:cNvPr id="5" name="Date Placeholder 3">
+            <a:extLst>
+              <a:ext uri="{FF2B5EF4-FFF2-40B4-BE49-F238E27FC236}">
+                <a16:creationId xmlns:a16="http://schemas.microsoft.com/office/drawing/2014/main" id="{6C566CCB-EA83-4CF7-9EDD-EAD8BA08143B}"/>
+              </a:ext>
+            </a:extLst>
+          </p:cNvPr>
+          <p:cNvSpPr>
+            <a:spLocks noGrp="1"/>
+          </p:cNvSpPr>
+          <p:nvPr>
+            <p:ph type="dt" sz="half" idx="10"/>
+          </p:nvPr>
+        </p:nvSpPr>
+        <p:spPr>
+          <a:xfrm>
+            <a:off x="8292304" y="6073629"/>
+            <a:ext cx="944155" cy="267780"/>
+          </a:xfrm>
+        </p:spPr>
+        <p:txBody>
+          <a:bodyPr/>
+          <a:lstStyle/>
+          <a:p>
+            <a:pPr defTabSz="377922">
+              <a:defRPr/>
+            </a:pPr>
+            <a:fld id="{049DC8E1-D369-0F48-9062-BB068AFD07CE}" type="datetime1">
+              <a:rPr lang="en-US">
+                <a:solidFill>
+                  <a:srgbClr val="FFFFFF">
+                    <a:alpha val="70000"/>
+                  </a:srgbClr>
+                </a:solidFill>
+              </a:rPr>
+              <a:pPr defTabSz="377922">
+                <a:defRPr/>
+              </a:pPr>
+              <a:t>1/24/22</a:t>
+            </a:fld>
+            <a:endParaRPr lang="en-US">
+              <a:solidFill>
+                <a:srgbClr val="FFFFFF">
+                  <a:alpha val="70000"/>
+                </a:srgbClr>
+              </a:solidFill>
+            </a:endParaRPr>
+          </a:p>
+        </p:txBody>
+      </p:sp>
+      <p:sp>
+        <p:nvSpPr>
+          <p:cNvPr id="2" name="TextBox 1">
+            <a:extLst>
+              <a:ext uri="{FF2B5EF4-FFF2-40B4-BE49-F238E27FC236}">
+                <a16:creationId xmlns:a16="http://schemas.microsoft.com/office/drawing/2014/main" id="{1F35FF62-3694-9144-A69E-A1580D1534C9}"/>
+              </a:ext>
+            </a:extLst>
+          </p:cNvPr>
+          <p:cNvSpPr txBox="1"/>
+          <p:nvPr/>
+        </p:nvSpPr>
+        <p:spPr>
+          <a:xfrm>
+            <a:off x="1157123" y="4632545"/>
+            <a:ext cx="7557758" cy="652230"/>
+          </a:xfrm>
+          <a:prstGeom prst="rect">
+            <a:avLst/>
+          </a:prstGeom>
+          <a:noFill/>
+        </p:spPr>
+        <p:txBody>
+          <a:bodyPr wrap="square" rtlCol="0">
+            <a:spAutoFit/>
+          </a:bodyPr>
+          <a:lstStyle/>
+          <a:p>
+            <a:pPr defTabSz="377922">
+              <a:defRPr/>
+            </a:pPr>
+            <a:r>
+              <a:rPr lang="en-US" sz="1819" b="1">
+                <a:solidFill>
+                  <a:srgbClr val="000000"/>
+                </a:solidFill>
+                <a:latin typeface="Times New Roman" panose="02020603050405020304" pitchFamily="18" charset="0"/>
+                <a:cs typeface="Times New Roman" panose="02020603050405020304" pitchFamily="18" charset="0"/>
+              </a:rPr>
+              <a:t>If you are having a problem with </a:t>
+            </a:r>
+            <a:r>
+              <a:rPr lang="en-US" sz="1819" b="1" err="1">
+                <a:solidFill>
+                  <a:srgbClr val="000000"/>
+                </a:solidFill>
+                <a:latin typeface="Times New Roman" panose="02020603050405020304" pitchFamily="18" charset="0"/>
+                <a:cs typeface="Times New Roman" panose="02020603050405020304" pitchFamily="18" charset="0"/>
+              </a:rPr>
+              <a:t>CourseMIRROR</a:t>
+            </a:r>
+            <a:r>
+              <a:rPr lang="en-US" sz="1819" b="1">
+                <a:solidFill>
+                  <a:srgbClr val="000000"/>
+                </a:solidFill>
+                <a:latin typeface="Times New Roman" panose="02020603050405020304" pitchFamily="18" charset="0"/>
+                <a:cs typeface="Times New Roman" panose="02020603050405020304" pitchFamily="18" charset="0"/>
+              </a:rPr>
+              <a:t>, please send an email to </a:t>
+            </a:r>
+            <a:r>
+              <a:rPr lang="en-US" sz="1819" b="1">
+                <a:solidFill>
+                  <a:srgbClr val="0000FF"/>
+                </a:solidFill>
+                <a:latin typeface="Times New Roman" panose="02020603050405020304" pitchFamily="18" charset="0"/>
+                <a:cs typeface="Times New Roman" panose="02020603050405020304" pitchFamily="18" charset="0"/>
+                <a:hlinkClick r:id="rId3">
+                  <a:extLst>
+                    <a:ext uri="{A12FA001-AC4F-418D-AE19-62706E023703}">
+                      <ahyp:hlinkClr xmlns:ahyp="http://schemas.microsoft.com/office/drawing/2018/hyperlinkcolor" val="tx"/>
+                    </a:ext>
+                  </a:extLst>
+                </a:hlinkClick>
+              </a:rPr>
+              <a:t>coursemirror.development@gmail.com</a:t>
+            </a:r>
+            <a:r>
+              <a:rPr lang="en-US" sz="1819" b="1">
+                <a:solidFill>
+                  <a:srgbClr val="0000FF"/>
+                </a:solidFill>
+                <a:latin typeface="Times New Roman" panose="02020603050405020304" pitchFamily="18" charset="0"/>
+                <a:cs typeface="Times New Roman" panose="02020603050405020304" pitchFamily="18" charset="0"/>
+              </a:rPr>
+              <a:t> </a:t>
+            </a:r>
+          </a:p>
+        </p:txBody>
+      </p:sp>
+    </p:spTree>
+    <p:extLst>
+      <p:ext uri="{BB962C8B-B14F-4D97-AF65-F5344CB8AC3E}">
+        <p14:creationId xmlns:p14="http://schemas.microsoft.com/office/powerpoint/2010/main" val="737806260"/>
+      </p:ext>
+    </p:extLst>
+  </p:cSld>
+  <p:clrMapOvr>
+    <a:masterClrMapping/>
+  </p:clrMapOvr>
+</p:sld>
+</file>
+
+<file path=ppt/slides/slide3.xml><?xml version="1.0" encoding="utf-8"?>
+<p:sld xmlns:a="http://schemas.openxmlformats.org/drawingml/2006/main" xmlns:r="http://schemas.openxmlformats.org/officeDocument/2006/relationships" xmlns:p="http://schemas.openxmlformats.org/presentationml/2006/main">
+  <p:cSld>
+    <p:spTree>
+      <p:nvGrpSpPr>
+        <p:cNvPr id="1" name=""/>
+        <p:cNvGrpSpPr/>
+        <p:nvPr/>
+      </p:nvGrpSpPr>
+      <p:grpSpPr>
+        <a:xfrm>
+          <a:off x="0" y="0"/>
+          <a:ext cx="0" cy="0"/>
+          <a:chOff x="0" y="0"/>
+          <a:chExt cx="0" cy="0"/>
+        </a:xfrm>
+      </p:grpSpPr>
+      <p:sp>
+        <p:nvSpPr>
+          <p:cNvPr id="2" name="Title 1">
+            <a:extLst>
+              <a:ext uri="{FF2B5EF4-FFF2-40B4-BE49-F238E27FC236}">
+                <a16:creationId xmlns:a16="http://schemas.microsoft.com/office/drawing/2014/main" id="{741EEA9E-5858-4409-A959-87D88423DD63}"/>
+              </a:ext>
+            </a:extLst>
+          </p:cNvPr>
+          <p:cNvSpPr>
+            <a:spLocks noGrp="1"/>
+          </p:cNvSpPr>
+          <p:nvPr>
+            <p:ph type="title"/>
+          </p:nvPr>
+        </p:nvSpPr>
+        <p:spPr/>
+        <p:txBody>
+          <a:bodyPr/>
+          <a:lstStyle/>
+          <a:p>
+            <a:r>
+              <a:rPr lang="en-US" dirty="0"/>
+              <a:t>Previous lecture</a:t>
+            </a:r>
+          </a:p>
+        </p:txBody>
+      </p:sp>
+      <p:sp>
+        <p:nvSpPr>
+          <p:cNvPr id="3" name="Content Placeholder 2">
+            <a:extLst>
+              <a:ext uri="{FF2B5EF4-FFF2-40B4-BE49-F238E27FC236}">
+                <a16:creationId xmlns:a16="http://schemas.microsoft.com/office/drawing/2014/main" id="{F832F02F-5ABF-4702-A259-B8272D97DD79}"/>
+              </a:ext>
+            </a:extLst>
+          </p:cNvPr>
+          <p:cNvSpPr>
+            <a:spLocks noGrp="1"/>
+          </p:cNvSpPr>
+          <p:nvPr>
+            <p:ph idx="1"/>
+          </p:nvPr>
+        </p:nvSpPr>
+        <p:spPr>
+          <a:xfrm>
+            <a:off x="1" y="710107"/>
+            <a:ext cx="10093116" cy="6565419"/>
+          </a:xfrm>
+        </p:spPr>
+        <p:txBody>
+          <a:bodyPr/>
+          <a:lstStyle/>
+          <a:p>
+            <a:r>
+              <a:rPr lang="en-US" dirty="0"/>
+              <a:t>Backtracking solution for the Boggle Game problem</a:t>
+            </a:r>
+          </a:p>
+          <a:p>
+            <a:r>
+              <a:rPr lang="en-US" dirty="0"/>
+              <a:t>General backtracking template</a:t>
+            </a:r>
+          </a:p>
+        </p:txBody>
+      </p:sp>
+      <p:sp>
+        <p:nvSpPr>
+          <p:cNvPr id="4" name="Footer Placeholder 3">
+            <a:extLst>
+              <a:ext uri="{FF2B5EF4-FFF2-40B4-BE49-F238E27FC236}">
+                <a16:creationId xmlns:a16="http://schemas.microsoft.com/office/drawing/2014/main" id="{B2742A87-0F03-4848-8AB3-00C3EF0257A1}"/>
+              </a:ext>
+            </a:extLst>
+          </p:cNvPr>
+          <p:cNvSpPr>
+            <a:spLocks noGrp="1"/>
+          </p:cNvSpPr>
+          <p:nvPr>
+            <p:ph type="ftr" idx="11"/>
+          </p:nvPr>
+        </p:nvSpPr>
+        <p:spPr/>
+        <p:txBody>
+          <a:bodyPr/>
+          <a:lstStyle/>
+          <a:p>
+            <a:pPr defTabSz="457063" fontAlgn="base" hangingPunct="0">
+              <a:spcBef>
+                <a:spcPct val="0"/>
+              </a:spcBef>
+              <a:spcAft>
+                <a:spcPct val="0"/>
+              </a:spcAft>
+              <a:buClr>
+                <a:srgbClr val="000000"/>
+              </a:buClr>
+              <a:buSzPct val="100000"/>
+              <a:defRPr/>
+            </a:pPr>
+            <a:r>
+              <a:rPr lang="en-US">
+                <a:latin typeface="Arial"/>
+              </a:rPr>
+              <a:t>CS 1501 – Algorithms &amp; Data Structures 2 – Sherif Khattab</a:t>
+            </a:r>
+            <a:endParaRPr lang="en-GB"/>
+          </a:p>
+        </p:txBody>
+      </p:sp>
+      <p:sp>
+        <p:nvSpPr>
+          <p:cNvPr id="5" name="Slide Number Placeholder 4">
+            <a:extLst>
+              <a:ext uri="{FF2B5EF4-FFF2-40B4-BE49-F238E27FC236}">
+                <a16:creationId xmlns:a16="http://schemas.microsoft.com/office/drawing/2014/main" id="{02DC2457-3542-4F95-B386-215E698016EB}"/>
+              </a:ext>
+            </a:extLst>
+          </p:cNvPr>
+          <p:cNvSpPr>
+            <a:spLocks noGrp="1"/>
+          </p:cNvSpPr>
+          <p:nvPr>
+            <p:ph type="sldNum" idx="12"/>
+          </p:nvPr>
+        </p:nvSpPr>
+        <p:spPr/>
+        <p:txBody>
+          <a:bodyPr/>
+          <a:lstStyle/>
+          <a:p>
+            <a:pPr defTabSz="457063" fontAlgn="base" hangingPunct="0">
+              <a:spcBef>
+                <a:spcPct val="0"/>
+              </a:spcBef>
+              <a:spcAft>
+                <a:spcPct val="0"/>
+              </a:spcAft>
+              <a:buClr>
+                <a:srgbClr val="000000"/>
+              </a:buClr>
+              <a:buSzPct val="100000"/>
+            </a:pPr>
+            <a:fld id="{65E435D9-63B0-4660-8D04-E83F5E2CA2AE}" type="slidenum">
+              <a:rPr lang="en-GB" altLang="en-US">
+                <a:cs typeface="Arial" panose="020B0604020202020204" pitchFamily="34" charset="0"/>
+              </a:rPr>
+              <a:pPr defTabSz="457063" fontAlgn="base" hangingPunct="0">
+                <a:spcBef>
+                  <a:spcPct val="0"/>
+                </a:spcBef>
+                <a:spcAft>
+                  <a:spcPct val="0"/>
+                </a:spcAft>
+                <a:buClr>
+                  <a:srgbClr val="000000"/>
+                </a:buClr>
+                <a:buSzPct val="100000"/>
+              </a:pPr>
+              <a:t>3</a:t>
+            </a:fld>
+            <a:endParaRPr lang="en-GB" altLang="en-US">
+              <a:cs typeface="Arial" panose="020B0604020202020204" pitchFamily="34" charset="0"/>
+            </a:endParaRPr>
+          </a:p>
+        </p:txBody>
+      </p:sp>
+    </p:spTree>
+    <p:extLst>
+      <p:ext uri="{BB962C8B-B14F-4D97-AF65-F5344CB8AC3E}">
+        <p14:creationId xmlns:p14="http://schemas.microsoft.com/office/powerpoint/2010/main" val="2374057061"/>
+      </p:ext>
+    </p:extLst>
+  </p:cSld>
+  <p:clrMapOvr>
+    <a:masterClrMapping/>
+  </p:clrMapOvr>
+</p:sld>
+</file>
+
+<file path=ppt/slides/slide4.xml><?xml version="1.0" encoding="utf-8"?>
+<p:sld xmlns:a="http://schemas.openxmlformats.org/drawingml/2006/main" xmlns:r="http://schemas.openxmlformats.org/officeDocument/2006/relationships" xmlns:p="http://schemas.openxmlformats.org/presentationml/2006/main">
+  <p:cSld>
+    <p:spTree>
+      <p:nvGrpSpPr>
+        <p:cNvPr id="1" name=""/>
+        <p:cNvGrpSpPr/>
+        <p:nvPr/>
+      </p:nvGrpSpPr>
+      <p:grpSpPr>
+        <a:xfrm>
+          <a:off x="0" y="0"/>
+          <a:ext cx="0" cy="0"/>
+          <a:chOff x="0" y="0"/>
+          <a:chExt cx="0" cy="0"/>
+        </a:xfrm>
+      </p:grpSpPr>
+      <p:sp>
+        <p:nvSpPr>
+          <p:cNvPr id="2" name="Title 1">
+            <a:extLst>
+              <a:ext uri="{FF2B5EF4-FFF2-40B4-BE49-F238E27FC236}">
+                <a16:creationId xmlns:a16="http://schemas.microsoft.com/office/drawing/2014/main" id="{1A1299B1-F2F3-8B42-B1C5-F009AD7F2E02}"/>
+              </a:ext>
+            </a:extLst>
+          </p:cNvPr>
+          <p:cNvSpPr>
+            <a:spLocks noGrp="1"/>
+          </p:cNvSpPr>
+          <p:nvPr>
+            <p:ph type="title"/>
+          </p:nvPr>
+        </p:nvSpPr>
+        <p:spPr/>
+        <p:txBody>
+          <a:bodyPr/>
+          <a:lstStyle/>
+          <a:p>
+            <a:r>
+              <a:rPr lang="en-US" dirty="0"/>
+              <a:t>CourseMIRROR Reflections</a:t>
+            </a:r>
+          </a:p>
+        </p:txBody>
+      </p:sp>
+      <p:sp>
+        <p:nvSpPr>
+          <p:cNvPr id="3" name="Content Placeholder 2">
+            <a:extLst>
+              <a:ext uri="{FF2B5EF4-FFF2-40B4-BE49-F238E27FC236}">
+                <a16:creationId xmlns:a16="http://schemas.microsoft.com/office/drawing/2014/main" id="{5FED3A02-5289-6345-AF81-5C7C0D936CD0}"/>
+              </a:ext>
+            </a:extLst>
+          </p:cNvPr>
+          <p:cNvSpPr>
+            <a:spLocks noGrp="1"/>
+          </p:cNvSpPr>
+          <p:nvPr>
+            <p:ph idx="1"/>
+          </p:nvPr>
+        </p:nvSpPr>
+        <p:spPr/>
+        <p:txBody>
+          <a:bodyPr/>
+          <a:lstStyle/>
+          <a:p>
+            <a:endParaRPr lang="en-US"/>
+          </a:p>
+        </p:txBody>
+      </p:sp>
+      <p:sp>
+        <p:nvSpPr>
+          <p:cNvPr id="4" name="Footer Placeholder 3">
+            <a:extLst>
+              <a:ext uri="{FF2B5EF4-FFF2-40B4-BE49-F238E27FC236}">
+                <a16:creationId xmlns:a16="http://schemas.microsoft.com/office/drawing/2014/main" id="{32983E8B-B7E2-DD41-8D11-92DD59E8DB6D}"/>
+              </a:ext>
+            </a:extLst>
+          </p:cNvPr>
+          <p:cNvSpPr>
+            <a:spLocks noGrp="1"/>
+          </p:cNvSpPr>
+          <p:nvPr>
+            <p:ph type="ftr" idx="11"/>
+          </p:nvPr>
+        </p:nvSpPr>
+        <p:spPr/>
+        <p:txBody>
+          <a:bodyPr/>
+          <a:lstStyle/>
+          <a:p>
+            <a:pPr>
+              <a:defRPr/>
+            </a:pPr>
+            <a:r>
+              <a:rPr lang="en-US">
+                <a:latin typeface="+mn-lt"/>
+              </a:rPr>
+              <a:t>CS 1501 – Algorithms &amp; Data Structures 2 – Sherif Khattab</a:t>
+            </a:r>
+            <a:endParaRPr lang="en-GB"/>
+          </a:p>
+        </p:txBody>
+      </p:sp>
+      <p:sp>
+        <p:nvSpPr>
+          <p:cNvPr id="5" name="Slide Number Placeholder 4">
+            <a:extLst>
+              <a:ext uri="{FF2B5EF4-FFF2-40B4-BE49-F238E27FC236}">
+                <a16:creationId xmlns:a16="http://schemas.microsoft.com/office/drawing/2014/main" id="{043B8665-5E2A-CA46-BE2E-E79A1C4B1B87}"/>
+              </a:ext>
+            </a:extLst>
+          </p:cNvPr>
+          <p:cNvSpPr>
+            <a:spLocks noGrp="1"/>
+          </p:cNvSpPr>
+          <p:nvPr>
+            <p:ph type="sldNum" idx="12"/>
+          </p:nvPr>
+        </p:nvSpPr>
+        <p:spPr/>
+        <p:txBody>
+          <a:bodyPr/>
+          <a:lstStyle/>
+          <a:p>
+            <a:fld id="{65E435D9-63B0-4660-8D04-E83F5E2CA2AE}" type="slidenum">
+              <a:rPr lang="en-GB" altLang="en-US" smtClean="0"/>
+              <a:pPr/>
+              <a:t>4</a:t>
+            </a:fld>
+            <a:endParaRPr lang="en-GB" altLang="en-US"/>
+          </a:p>
+        </p:txBody>
+      </p:sp>
+    </p:spTree>
+    <p:extLst>
+      <p:ext uri="{BB962C8B-B14F-4D97-AF65-F5344CB8AC3E}">
+        <p14:creationId xmlns:p14="http://schemas.microsoft.com/office/powerpoint/2010/main" val="1934269584"/>
+      </p:ext>
+    </p:extLst>
+  </p:cSld>
+  <p:clrMapOvr>
+    <a:masterClrMapping/>
+  </p:clrMapOvr>
+</p:sld>
+</file>
+
+<file path=ppt/slides/slide5.xml><?xml version="1.0" encoding="utf-8"?>
+<p:sld xmlns:a="http://schemas.openxmlformats.org/drawingml/2006/main" xmlns:r="http://schemas.openxmlformats.org/officeDocument/2006/relationships" xmlns:p="http://schemas.openxmlformats.org/presentationml/2006/main">
+  <p:cSld>
+    <p:spTree>
+      <p:nvGrpSpPr>
+        <p:cNvPr id="1" name=""/>
+        <p:cNvGrpSpPr/>
+        <p:nvPr/>
+      </p:nvGrpSpPr>
+      <p:grpSpPr>
+        <a:xfrm>
+          <a:off x="0" y="0"/>
+          <a:ext cx="0" cy="0"/>
+          <a:chOff x="0" y="0"/>
+          <a:chExt cx="0" cy="0"/>
+        </a:xfrm>
+      </p:grpSpPr>
+      <p:sp>
+        <p:nvSpPr>
+          <p:cNvPr id="2" name="Title 1">
+            <a:extLst>
+              <a:ext uri="{FF2B5EF4-FFF2-40B4-BE49-F238E27FC236}">
+                <a16:creationId xmlns:a16="http://schemas.microsoft.com/office/drawing/2014/main" id="{BAE4BE55-BB47-0840-8926-187F65000663}"/>
+              </a:ext>
+            </a:extLst>
+          </p:cNvPr>
+          <p:cNvSpPr>
+            <a:spLocks noGrp="1"/>
+          </p:cNvSpPr>
+          <p:nvPr>
+            <p:ph type="title"/>
+          </p:nvPr>
+        </p:nvSpPr>
+        <p:spPr/>
+        <p:txBody>
+          <a:bodyPr/>
+          <a:lstStyle/>
+          <a:p>
+            <a:r>
+              <a:rPr lang="en-US" dirty="0"/>
+              <a:t>Searching Problem</a:t>
+            </a:r>
+          </a:p>
+        </p:txBody>
+      </p:sp>
+      <p:sp>
+        <p:nvSpPr>
+          <p:cNvPr id="3" name="Content Placeholder 2">
+            <a:extLst>
+              <a:ext uri="{FF2B5EF4-FFF2-40B4-BE49-F238E27FC236}">
+                <a16:creationId xmlns:a16="http://schemas.microsoft.com/office/drawing/2014/main" id="{66D37046-C00B-C743-8909-879EA730BF48}"/>
+              </a:ext>
+            </a:extLst>
+          </p:cNvPr>
+          <p:cNvSpPr>
+            <a:spLocks noGrp="1"/>
+          </p:cNvSpPr>
+          <p:nvPr>
+            <p:ph idx="1"/>
+          </p:nvPr>
+        </p:nvSpPr>
+        <p:spPr/>
+        <p:txBody>
+          <a:bodyPr/>
+          <a:lstStyle/>
+          <a:p>
+            <a:r>
+              <a:rPr lang="en-US" dirty="0"/>
+              <a:t>Input: </a:t>
+            </a:r>
+          </a:p>
+          <a:p>
+            <a:pPr lvl="1"/>
+            <a:r>
+              <a:rPr lang="en-US" dirty="0"/>
+              <a:t>a (large) dynamic set of data items in the form of </a:t>
+            </a:r>
+          </a:p>
+          <a:p>
+            <a:pPr lvl="2"/>
+            <a:r>
+              <a:rPr lang="en-US" dirty="0"/>
+              <a:t>(key, value) pairs</a:t>
+            </a:r>
+          </a:p>
+          <a:p>
+            <a:pPr lvl="2"/>
+            <a:r>
+              <a:rPr lang="en-US" dirty="0"/>
+              <a:t>What does dynamic mean?</a:t>
+            </a:r>
+          </a:p>
+          <a:p>
+            <a:pPr lvl="1"/>
+            <a:r>
+              <a:rPr lang="en-US" dirty="0"/>
+              <a:t>a target </a:t>
+            </a:r>
+            <a:r>
+              <a:rPr lang="en-US" i="1" dirty="0"/>
+              <a:t>key</a:t>
+            </a:r>
+            <a:r>
+              <a:rPr lang="en-US" dirty="0"/>
+              <a:t> to search for</a:t>
+            </a:r>
+          </a:p>
+          <a:p>
+            <a:r>
+              <a:rPr lang="en-US" dirty="0"/>
+              <a:t>Output:</a:t>
+            </a:r>
+          </a:p>
+          <a:p>
+            <a:pPr lvl="1"/>
+            <a:r>
+              <a:rPr lang="en-US" dirty="0"/>
+              <a:t>if </a:t>
+            </a:r>
+            <a:r>
+              <a:rPr lang="en-US" i="1" dirty="0"/>
+              <a:t>key</a:t>
+            </a:r>
+            <a:r>
+              <a:rPr lang="en-US" dirty="0"/>
+              <a:t> exists in the set: return the corresponding value</a:t>
+            </a:r>
+          </a:p>
+          <a:p>
+            <a:pPr lvl="1"/>
+            <a:r>
+              <a:rPr lang="en-US" dirty="0"/>
+              <a:t>otherwise, return key </a:t>
+            </a:r>
+            <a:r>
+              <a:rPr lang="en-US" i="1" dirty="0"/>
+              <a:t>not found</a:t>
+            </a:r>
+            <a:endParaRPr lang="en-US" dirty="0"/>
+          </a:p>
+        </p:txBody>
+      </p:sp>
+      <p:sp>
+        <p:nvSpPr>
+          <p:cNvPr id="4" name="Footer Placeholder 3">
+            <a:extLst>
+              <a:ext uri="{FF2B5EF4-FFF2-40B4-BE49-F238E27FC236}">
+                <a16:creationId xmlns:a16="http://schemas.microsoft.com/office/drawing/2014/main" id="{AAAAF7EC-0B0A-7240-B9D3-22502EBB3E4E}"/>
+              </a:ext>
+            </a:extLst>
+          </p:cNvPr>
+          <p:cNvSpPr>
+            <a:spLocks noGrp="1"/>
+          </p:cNvSpPr>
+          <p:nvPr>
+            <p:ph type="ftr" idx="11"/>
+          </p:nvPr>
+        </p:nvSpPr>
+        <p:spPr/>
+        <p:txBody>
+          <a:bodyPr/>
+          <a:lstStyle/>
+          <a:p>
+            <a:pPr>
+              <a:defRPr/>
+            </a:pPr>
+            <a:r>
+              <a:rPr lang="en-US">
+                <a:latin typeface="+mn-lt"/>
+              </a:rPr>
+              <a:t>CS 1501 – Algorithms &amp; Data Structures 2 – Sherif Khattab</a:t>
+            </a:r>
+            <a:endParaRPr lang="en-GB"/>
+          </a:p>
+        </p:txBody>
+      </p:sp>
+      <p:sp>
+        <p:nvSpPr>
+          <p:cNvPr id="5" name="Slide Number Placeholder 4">
+            <a:extLst>
+              <a:ext uri="{FF2B5EF4-FFF2-40B4-BE49-F238E27FC236}">
+                <a16:creationId xmlns:a16="http://schemas.microsoft.com/office/drawing/2014/main" id="{EAA91FBB-3DA1-C040-ABE8-B5966BD6A3C0}"/>
+              </a:ext>
+            </a:extLst>
+          </p:cNvPr>
+          <p:cNvSpPr>
+            <a:spLocks noGrp="1"/>
+          </p:cNvSpPr>
+          <p:nvPr>
+            <p:ph type="sldNum" idx="12"/>
+          </p:nvPr>
+        </p:nvSpPr>
+        <p:spPr/>
+        <p:txBody>
+          <a:bodyPr/>
+          <a:lstStyle/>
+          <a:p>
+            <a:fld id="{65E435D9-63B0-4660-8D04-E83F5E2CA2AE}" type="slidenum">
+              <a:rPr lang="en-GB" altLang="en-US" smtClean="0"/>
+              <a:pPr/>
+              <a:t>5</a:t>
+            </a:fld>
+            <a:endParaRPr lang="en-GB" altLang="en-US"/>
+          </a:p>
+        </p:txBody>
+      </p:sp>
+    </p:spTree>
+    <p:extLst>
+      <p:ext uri="{BB962C8B-B14F-4D97-AF65-F5344CB8AC3E}">
+        <p14:creationId xmlns:p14="http://schemas.microsoft.com/office/powerpoint/2010/main" val="4101598668"/>
       </p:ext>
     </p:extLst>
   </p:cSld>
@@ -13342,27 +19753,250 @@
                       </p:childTnLst>
                     </p:cTn>
                   </p:par>
+                </p:childTnLst>
+              </p:cTn>
+              <p:prevCondLst>
+                <p:cond evt="onPrev" delay="0">
+                  <p:tgtEl>
+                    <p:sldTgt/>
+                  </p:tgtEl>
+                </p:cond>
+              </p:prevCondLst>
+              <p:nextCondLst>
+                <p:cond evt="onNext" delay="0">
+                  <p:tgtEl>
+                    <p:sldTgt/>
+                  </p:tgtEl>
+                </p:cond>
+              </p:nextCondLst>
+            </p:seq>
+          </p:childTnLst>
+        </p:cTn>
+      </p:par>
+    </p:tnLst>
+  </p:timing>
+</p:sld>
+</file>
+
+<file path=ppt/slides/slide6.xml><?xml version="1.0" encoding="utf-8"?>
+<p:sld xmlns:a="http://schemas.openxmlformats.org/drawingml/2006/main" xmlns:r="http://schemas.openxmlformats.org/officeDocument/2006/relationships" xmlns:p="http://schemas.openxmlformats.org/presentationml/2006/main">
+  <p:cSld>
+    <p:spTree>
+      <p:nvGrpSpPr>
+        <p:cNvPr id="1" name=""/>
+        <p:cNvGrpSpPr/>
+        <p:nvPr/>
+      </p:nvGrpSpPr>
+      <p:grpSpPr>
+        <a:xfrm>
+          <a:off x="0" y="0"/>
+          <a:ext cx="0" cy="0"/>
+          <a:chOff x="0" y="0"/>
+          <a:chExt cx="0" cy="0"/>
+        </a:xfrm>
+      </p:grpSpPr>
+      <p:sp>
+        <p:nvSpPr>
+          <p:cNvPr id="2" name="Title 1">
+            <a:extLst>
+              <a:ext uri="{FF2B5EF4-FFF2-40B4-BE49-F238E27FC236}">
+                <a16:creationId xmlns:a16="http://schemas.microsoft.com/office/drawing/2014/main" id="{F04FD427-B855-7748-91DD-4345F845EDDA}"/>
+              </a:ext>
+            </a:extLst>
+          </p:cNvPr>
+          <p:cNvSpPr>
+            <a:spLocks noGrp="1"/>
+          </p:cNvSpPr>
+          <p:nvPr>
+            <p:ph type="title"/>
+          </p:nvPr>
+        </p:nvSpPr>
+        <p:spPr/>
+        <p:txBody>
+          <a:bodyPr/>
+          <a:lstStyle/>
+          <a:p>
+            <a:r>
+              <a:rPr lang="en-US" dirty="0"/>
+              <a:t>Let’s create an ADT!</a:t>
+            </a:r>
+          </a:p>
+        </p:txBody>
+      </p:sp>
+      <p:sp>
+        <p:nvSpPr>
+          <p:cNvPr id="3" name="Content Placeholder 2">
+            <a:extLst>
+              <a:ext uri="{FF2B5EF4-FFF2-40B4-BE49-F238E27FC236}">
+                <a16:creationId xmlns:a16="http://schemas.microsoft.com/office/drawing/2014/main" id="{A60090A3-B522-CB4C-A719-CFC3F560260F}"/>
+              </a:ext>
+            </a:extLst>
+          </p:cNvPr>
+          <p:cNvSpPr>
+            <a:spLocks noGrp="1"/>
+          </p:cNvSpPr>
+          <p:nvPr>
+            <p:ph idx="1"/>
+          </p:nvPr>
+        </p:nvSpPr>
+        <p:spPr/>
+        <p:txBody>
+          <a:bodyPr/>
+          <a:lstStyle/>
+          <a:p>
+            <a:r>
+              <a:rPr lang="en-US" dirty="0"/>
+              <a:t>The Symbol Table ADT</a:t>
+            </a:r>
+          </a:p>
+          <a:p>
+            <a:pPr lvl="1"/>
+            <a:r>
+              <a:rPr lang="en-US" dirty="0"/>
+              <a:t>A set of (key, value) pairs</a:t>
+            </a:r>
+          </a:p>
+          <a:p>
+            <a:r>
+              <a:rPr lang="en-US" dirty="0"/>
+              <a:t>Operations of the ST ADT</a:t>
+            </a:r>
+          </a:p>
+          <a:p>
+            <a:pPr lvl="1"/>
+            <a:r>
+              <a:rPr lang="en-US" dirty="0"/>
+              <a:t>insert</a:t>
+            </a:r>
+          </a:p>
+          <a:p>
+            <a:pPr lvl="1"/>
+            <a:r>
+              <a:rPr lang="en-US" dirty="0"/>
+              <a:t>search</a:t>
+            </a:r>
+          </a:p>
+          <a:p>
+            <a:pPr lvl="1"/>
+            <a:r>
+              <a:rPr lang="en-US" dirty="0"/>
+              <a:t>delete</a:t>
+            </a:r>
+          </a:p>
+          <a:p>
+            <a:pPr marL="0" indent="0">
+              <a:buNone/>
+            </a:pPr>
+            <a:r>
+              <a:rPr lang="en-US" dirty="0"/>
+              <a:t>	</a:t>
+            </a:r>
+          </a:p>
+        </p:txBody>
+      </p:sp>
+      <p:sp>
+        <p:nvSpPr>
+          <p:cNvPr id="4" name="Footer Placeholder 3">
+            <a:extLst>
+              <a:ext uri="{FF2B5EF4-FFF2-40B4-BE49-F238E27FC236}">
+                <a16:creationId xmlns:a16="http://schemas.microsoft.com/office/drawing/2014/main" id="{CCDE0624-1315-D94B-A7C1-70AB78F552A2}"/>
+              </a:ext>
+            </a:extLst>
+          </p:cNvPr>
+          <p:cNvSpPr>
+            <a:spLocks noGrp="1"/>
+          </p:cNvSpPr>
+          <p:nvPr>
+            <p:ph type="ftr" idx="11"/>
+          </p:nvPr>
+        </p:nvSpPr>
+        <p:spPr/>
+        <p:txBody>
+          <a:bodyPr/>
+          <a:lstStyle/>
+          <a:p>
+            <a:pPr>
+              <a:defRPr/>
+            </a:pPr>
+            <a:r>
+              <a:rPr lang="en-US">
+                <a:latin typeface="+mn-lt"/>
+              </a:rPr>
+              <a:t>CS 1501 – Algorithms &amp; Data Structures 2 – Sherif Khattab</a:t>
+            </a:r>
+            <a:endParaRPr lang="en-GB"/>
+          </a:p>
+        </p:txBody>
+      </p:sp>
+      <p:sp>
+        <p:nvSpPr>
+          <p:cNvPr id="5" name="Slide Number Placeholder 4">
+            <a:extLst>
+              <a:ext uri="{FF2B5EF4-FFF2-40B4-BE49-F238E27FC236}">
+                <a16:creationId xmlns:a16="http://schemas.microsoft.com/office/drawing/2014/main" id="{C51F9215-F0F4-5047-86FC-E07F3F916F9E}"/>
+              </a:ext>
+            </a:extLst>
+          </p:cNvPr>
+          <p:cNvSpPr>
+            <a:spLocks noGrp="1"/>
+          </p:cNvSpPr>
+          <p:nvPr>
+            <p:ph type="sldNum" idx="12"/>
+          </p:nvPr>
+        </p:nvSpPr>
+        <p:spPr/>
+        <p:txBody>
+          <a:bodyPr/>
+          <a:lstStyle/>
+          <a:p>
+            <a:fld id="{65E435D9-63B0-4660-8D04-E83F5E2CA2AE}" type="slidenum">
+              <a:rPr lang="en-GB" altLang="en-US" smtClean="0"/>
+              <a:pPr/>
+              <a:t>6</a:t>
+            </a:fld>
+            <a:endParaRPr lang="en-GB" altLang="en-US"/>
+          </a:p>
+        </p:txBody>
+      </p:sp>
+    </p:spTree>
+    <p:extLst>
+      <p:ext uri="{BB962C8B-B14F-4D97-AF65-F5344CB8AC3E}">
+        <p14:creationId xmlns:p14="http://schemas.microsoft.com/office/powerpoint/2010/main" val="3882715997"/>
+      </p:ext>
+    </p:extLst>
+  </p:cSld>
+  <p:clrMapOvr>
+    <a:masterClrMapping/>
+  </p:clrMapOvr>
+  <p:timing>
+    <p:tnLst>
+      <p:par>
+        <p:cTn id="1" dur="indefinite" restart="never" nodeType="tmRoot">
+          <p:childTnLst>
+            <p:seq concurrent="1" nextAc="seek">
+              <p:cTn id="2" dur="indefinite" nodeType="mainSeq">
+                <p:childTnLst>
                   <p:par>
-                    <p:cTn id="35" fill="hold">
+                    <p:cTn id="3" fill="hold">
                       <p:stCondLst>
                         <p:cond delay="indefinite"/>
                       </p:stCondLst>
                       <p:childTnLst>
                         <p:par>
-                          <p:cTn id="36" fill="hold">
+                          <p:cTn id="4" fill="hold">
                             <p:stCondLst>
                               <p:cond delay="0"/>
                             </p:stCondLst>
                             <p:childTnLst>
                               <p:par>
-                                <p:cTn id="37" presetID="1" presetClass="entr" presetSubtype="0" fill="hold" nodeType="clickEffect">
+                                <p:cTn id="5" presetID="1" presetClass="entr" presetSubtype="0" fill="hold" nodeType="clickEffect">
                                   <p:stCondLst>
                                     <p:cond delay="0"/>
                                   </p:stCondLst>
                                   <p:childTnLst>
                                     <p:set>
                                       <p:cBhvr>
-                                        <p:cTn id="38" dur="1" fill="hold">
+                                        <p:cTn id="6" dur="1" fill="hold">
                                           <p:stCondLst>
                                             <p:cond delay="0"/>
                                           </p:stCondLst>
@@ -13370,7 +20004,7 @@
                                         <p:tgtEl>
                                           <p:spTgt spid="3">
                                             <p:txEl>
-                                              <p:pRg st="8" end="8"/>
+                                              <p:pRg st="0" end="0"/>
                                             </p:txEl>
                                           </p:spTgt>
                                         </p:tgtEl>
@@ -13392,26 +20026,26 @@
                     </p:cTn>
                   </p:par>
                   <p:par>
-                    <p:cTn id="39" fill="hold">
+                    <p:cTn id="7" fill="hold">
                       <p:stCondLst>
                         <p:cond delay="indefinite"/>
                       </p:stCondLst>
                       <p:childTnLst>
                         <p:par>
-                          <p:cTn id="40" fill="hold">
+                          <p:cTn id="8" fill="hold">
                             <p:stCondLst>
                               <p:cond delay="0"/>
                             </p:stCondLst>
                             <p:childTnLst>
                               <p:par>
-                                <p:cTn id="41" presetID="1" presetClass="entr" presetSubtype="0" fill="hold" nodeType="clickEffect">
+                                <p:cTn id="9" presetID="1" presetClass="entr" presetSubtype="0" fill="hold" nodeType="clickEffect">
                                   <p:stCondLst>
                                     <p:cond delay="0"/>
                                   </p:stCondLst>
                                   <p:childTnLst>
                                     <p:set>
                                       <p:cBhvr>
-                                        <p:cTn id="42" dur="1" fill="hold">
+                                        <p:cTn id="10" dur="1" fill="hold">
                                           <p:stCondLst>
                                             <p:cond delay="0"/>
                                           </p:stCondLst>
@@ -13419,7 +20053,7 @@
                                         <p:tgtEl>
                                           <p:spTgt spid="3">
                                             <p:txEl>
-                                              <p:pRg st="9" end="9"/>
+                                              <p:pRg st="1" end="1"/>
                                             </p:txEl>
                                           </p:spTgt>
                                         </p:tgtEl>
@@ -13441,26 +20075,26 @@
                     </p:cTn>
                   </p:par>
                   <p:par>
-                    <p:cTn id="43" fill="hold">
+                    <p:cTn id="11" fill="hold">
                       <p:stCondLst>
                         <p:cond delay="indefinite"/>
                       </p:stCondLst>
                       <p:childTnLst>
                         <p:par>
-                          <p:cTn id="44" fill="hold">
+                          <p:cTn id="12" fill="hold">
                             <p:stCondLst>
                               <p:cond delay="0"/>
                             </p:stCondLst>
                             <p:childTnLst>
                               <p:par>
-                                <p:cTn id="45" presetID="1" presetClass="entr" presetSubtype="0" fill="hold" nodeType="clickEffect">
+                                <p:cTn id="13" presetID="1" presetClass="entr" presetSubtype="0" fill="hold" nodeType="clickEffect">
                                   <p:stCondLst>
                                     <p:cond delay="0"/>
                                   </p:stCondLst>
                                   <p:childTnLst>
                                     <p:set>
                                       <p:cBhvr>
-                                        <p:cTn id="46" dur="1" fill="hold">
+                                        <p:cTn id="14" dur="1" fill="hold">
                                           <p:stCondLst>
                                             <p:cond delay="0"/>
                                           </p:stCondLst>
@@ -13468,7 +20102,7 @@
                                         <p:tgtEl>
                                           <p:spTgt spid="3">
                                             <p:txEl>
-                                              <p:pRg st="10" end="10"/>
+                                              <p:pRg st="2" end="2"/>
                                             </p:txEl>
                                           </p:spTgt>
                                         </p:tgtEl>
@@ -13490,26 +20124,26 @@
                     </p:cTn>
                   </p:par>
                   <p:par>
-                    <p:cTn id="47" fill="hold">
+                    <p:cTn id="15" fill="hold">
                       <p:stCondLst>
                         <p:cond delay="indefinite"/>
                       </p:stCondLst>
                       <p:childTnLst>
                         <p:par>
-                          <p:cTn id="48" fill="hold">
+                          <p:cTn id="16" fill="hold">
                             <p:stCondLst>
                               <p:cond delay="0"/>
                             </p:stCondLst>
                             <p:childTnLst>
                               <p:par>
-                                <p:cTn id="49" presetID="1" presetClass="entr" presetSubtype="0" fill="hold" nodeType="clickEffect">
+                                <p:cTn id="17" presetID="1" presetClass="entr" presetSubtype="0" fill="hold" nodeType="clickEffect">
                                   <p:stCondLst>
                                     <p:cond delay="0"/>
                                   </p:stCondLst>
                                   <p:childTnLst>
                                     <p:set>
                                       <p:cBhvr>
-                                        <p:cTn id="50" dur="1" fill="hold">
+                                        <p:cTn id="18" dur="1" fill="hold">
                                           <p:stCondLst>
                                             <p:cond delay="0"/>
                                           </p:stCondLst>
@@ -13517,7 +20151,154 @@
                                         <p:tgtEl>
                                           <p:spTgt spid="3">
                                             <p:txEl>
-                                              <p:pRg st="11" end="11"/>
+                                              <p:pRg st="3" end="3"/>
+                                            </p:txEl>
+                                          </p:spTgt>
+                                        </p:tgtEl>
+                                        <p:attrNameLst>
+                                          <p:attrName>style.visibility</p:attrName>
+                                        </p:attrNameLst>
+                                      </p:cBhvr>
+                                      <p:to>
+                                        <p:strVal val="visible"/>
+                                      </p:to>
+                                    </p:set>
+                                  </p:childTnLst>
+                                </p:cTn>
+                              </p:par>
+                            </p:childTnLst>
+                          </p:cTn>
+                        </p:par>
+                      </p:childTnLst>
+                    </p:cTn>
+                  </p:par>
+                  <p:par>
+                    <p:cTn id="19" fill="hold">
+                      <p:stCondLst>
+                        <p:cond delay="indefinite"/>
+                      </p:stCondLst>
+                      <p:childTnLst>
+                        <p:par>
+                          <p:cTn id="20" fill="hold">
+                            <p:stCondLst>
+                              <p:cond delay="0"/>
+                            </p:stCondLst>
+                            <p:childTnLst>
+                              <p:par>
+                                <p:cTn id="21" presetID="1" presetClass="entr" presetSubtype="0" fill="hold" nodeType="clickEffect">
+                                  <p:stCondLst>
+                                    <p:cond delay="0"/>
+                                  </p:stCondLst>
+                                  <p:childTnLst>
+                                    <p:set>
+                                      <p:cBhvr>
+                                        <p:cTn id="22" dur="1" fill="hold">
+                                          <p:stCondLst>
+                                            <p:cond delay="0"/>
+                                          </p:stCondLst>
+                                        </p:cTn>
+                                        <p:tgtEl>
+                                          <p:spTgt spid="3">
+                                            <p:txEl>
+                                              <p:pRg st="4" end="4"/>
+                                            </p:txEl>
+                                          </p:spTgt>
+                                        </p:tgtEl>
+                                        <p:attrNameLst>
+                                          <p:attrName>style.visibility</p:attrName>
+                                        </p:attrNameLst>
+                                      </p:cBhvr>
+                                      <p:to>
+                                        <p:strVal val="visible"/>
+                                      </p:to>
+                                    </p:set>
+                                  </p:childTnLst>
+                                </p:cTn>
+                              </p:par>
+                            </p:childTnLst>
+                          </p:cTn>
+                        </p:par>
+                      </p:childTnLst>
+                    </p:cTn>
+                  </p:par>
+                  <p:par>
+                    <p:cTn id="23" fill="hold">
+                      <p:stCondLst>
+                        <p:cond delay="indefinite"/>
+                      </p:stCondLst>
+                      <p:childTnLst>
+                        <p:par>
+                          <p:cTn id="24" fill="hold">
+                            <p:stCondLst>
+                              <p:cond delay="0"/>
+                            </p:stCondLst>
+                            <p:childTnLst>
+                              <p:par>
+                                <p:cTn id="25" presetID="1" presetClass="entr" presetSubtype="0" fill="hold" nodeType="clickEffect">
+                                  <p:stCondLst>
+                                    <p:cond delay="0"/>
+                                  </p:stCondLst>
+                                  <p:childTnLst>
+                                    <p:set>
+                                      <p:cBhvr>
+                                        <p:cTn id="26" dur="1" fill="hold">
+                                          <p:stCondLst>
+                                            <p:cond delay="0"/>
+                                          </p:stCondLst>
+                                        </p:cTn>
+                                        <p:tgtEl>
+                                          <p:spTgt spid="3">
+                                            <p:txEl>
+                                              <p:pRg st="5" end="5"/>
+                                            </p:txEl>
+                                          </p:spTgt>
+                                        </p:tgtEl>
+                                        <p:attrNameLst>
+                                          <p:attrName>style.visibility</p:attrName>
+                                        </p:attrNameLst>
+                                      </p:cBhvr>
+                                      <p:to>
+                                        <p:strVal val="visible"/>
+                                      </p:to>
+                                    </p:set>
+                                  </p:childTnLst>
+                                </p:cTn>
+                              </p:par>
+                            </p:childTnLst>
+                          </p:cTn>
+                        </p:par>
+                      </p:childTnLst>
+                    </p:cTn>
+                  </p:par>
+                  <p:par>
+                    <p:cTn id="27" fill="hold">
+                      <p:stCondLst>
+                        <p:cond delay="indefinite"/>
+                      </p:stCondLst>
+                      <p:childTnLst>
+                        <p:par>
+                          <p:cTn id="28" fill="hold">
+                            <p:stCondLst>
+                              <p:cond delay="0"/>
+                            </p:stCondLst>
+                            <p:childTnLst>
+                              <p:par>
+                                <p:cTn id="29" presetID="1" presetClass="entr" presetSubtype="0" fill="hold" nodeType="clickEffect">
+                                  <p:stCondLst>
+                                    <p:cond delay="0"/>
+                                  </p:stCondLst>
+                                  <p:childTnLst>
+                                    <p:set>
+                                      <p:cBhvr>
+                                        <p:cTn id="30" dur="1" fill="hold">
+                                          <p:stCondLst>
+                                            <p:cond delay="0"/>
+                                          </p:stCondLst>
+                                        </p:cTn>
+                                        <p:tgtEl>
+                                          <p:spTgt spid="3">
+                                            <p:txEl>
+                                              <p:pRg st="6" end="6"/>
                                             </p:txEl>
                                           </p:spTgt>
                                         </p:tgtEl>
@@ -13563,7 +20344,7 @@
 </p:sld>
 </file>
 
-<file path=ppt/slides/slide3.xml><?xml version="1.0" encoding="utf-8"?>
+<file path=ppt/slides/slide7.xml><?xml version="1.0" encoding="utf-8"?>
 <p:sld xmlns:a="http://schemas.openxmlformats.org/drawingml/2006/main" xmlns:r="http://schemas.openxmlformats.org/officeDocument/2006/relationships" xmlns:p="http://schemas.openxmlformats.org/presentationml/2006/main">
   <p:cSld>
     <p:spTree>
@@ -13585,7 +20366,7 @@
           <p:cNvPr id="2" name="Title 1">
             <a:extLst>
               <a:ext uri="{FF2B5EF4-FFF2-40B4-BE49-F238E27FC236}">
-                <a16:creationId xmlns:a16="http://schemas.microsoft.com/office/drawing/2014/main" id="{741EEA9E-5858-4409-A959-87D88423DD63}"/>
+                <a16:creationId xmlns:a16="http://schemas.microsoft.com/office/drawing/2014/main" id="{773F923B-DA4B-404C-A019-FF4AD6C70756}"/>
               </a:ext>
             </a:extLst>
           </p:cNvPr>
@@ -13602,8 +20383,8 @@
           <a:lstStyle/>
           <a:p>
             <a:r>
-              <a:rPr lang="en-US"/>
-              <a:t>Last lecture …</a:t>
+              <a:rPr lang="en-US" dirty="0"/>
+              <a:t>Symbol Table Implementations</a:t>
             </a:r>
           </a:p>
         </p:txBody>
@@ -13613,7 +20394,7 @@
           <p:cNvPr id="3" name="Content Placeholder 2">
             <a:extLst>
               <a:ext uri="{FF2B5EF4-FFF2-40B4-BE49-F238E27FC236}">
-                <a16:creationId xmlns:a16="http://schemas.microsoft.com/office/drawing/2014/main" id="{F832F02F-5ABF-4702-A259-B8272D97DD79}"/>
+                <a16:creationId xmlns:a16="http://schemas.microsoft.com/office/drawing/2014/main" id="{D790DADA-0309-444A-9E7A-F2F44A3F624E}"/>
               </a:ext>
             </a:extLst>
           </p:cNvPr>
@@ -13624,41 +20405,66 @@
             <p:ph idx="1"/>
           </p:nvPr>
         </p:nvSpPr>
-        <p:spPr>
-          <a:xfrm>
-            <a:off x="1" y="710107"/>
-            <a:ext cx="10093116" cy="6565419"/>
-          </a:xfrm>
-        </p:spPr>
+        <p:spPr/>
         <p:txBody>
           <a:bodyPr/>
           <a:lstStyle/>
           <a:p>
             <a:r>
               <a:rPr lang="en-US" dirty="0"/>
-              <a:t>Brute force</a:t>
+              <a:t>Array</a:t>
             </a:r>
           </a:p>
           <a:p>
             <a:pPr lvl="1"/>
             <a:r>
               <a:rPr lang="en-US" dirty="0"/>
-              <a:t>Solution Tree</a:t>
+              <a:t>Unsorted</a:t>
             </a:r>
           </a:p>
           <a:p>
             <a:pPr lvl="1"/>
             <a:r>
               <a:rPr lang="en-US" dirty="0"/>
-              <a:t>Pruning</a:t>
+              <a:t>Sorted</a:t>
+            </a:r>
+          </a:p>
+          <a:p>
+            <a:r>
+              <a:rPr lang="en-US" dirty="0"/>
+              <a:t>Linked List</a:t>
             </a:r>
           </a:p>
           <a:p>
             <a:pPr lvl="1"/>
             <a:r>
               <a:rPr lang="en-US" dirty="0"/>
-              <a:t>PIN Cracking Example</a:t>
-            </a:r>
+              <a:t>Unsorted</a:t>
+            </a:r>
+          </a:p>
+          <a:p>
+            <a:pPr lvl="1"/>
+            <a:r>
+              <a:rPr lang="en-US" dirty="0"/>
+              <a:t>Sorted</a:t>
+            </a:r>
+          </a:p>
+          <a:p>
+            <a:r>
+              <a:rPr lang="en-US" dirty="0"/>
+              <a:t>What if we use a non-linear data structure?</a:t>
+            </a:r>
+          </a:p>
+          <a:p>
+            <a:pPr lvl="1"/>
+            <a:r>
+              <a:rPr lang="en-US" dirty="0"/>
+              <a:t>a Tree?</a:t>
+            </a:r>
+          </a:p>
+          <a:p>
+            <a:pPr lvl="1"/>
+            <a:endParaRPr lang="en-US" dirty="0"/>
           </a:p>
         </p:txBody>
       </p:sp>
@@ -13667,7 +20473,7 @@
           <p:cNvPr id="4" name="Footer Placeholder 3">
             <a:extLst>
               <a:ext uri="{FF2B5EF4-FFF2-40B4-BE49-F238E27FC236}">
-                <a16:creationId xmlns:a16="http://schemas.microsoft.com/office/drawing/2014/main" id="{B2742A87-0F03-4848-8AB3-00C3EF0257A1}"/>
+                <a16:creationId xmlns:a16="http://schemas.microsoft.com/office/drawing/2014/main" id="{86F45B51-B0C7-F942-822D-C5EFD9966B3A}"/>
               </a:ext>
             </a:extLst>
           </p:cNvPr>
@@ -13683,22 +20489,12 @@
           <a:bodyPr/>
           <a:lstStyle/>
           <a:p>
-            <a:pPr defTabSz="457063" fontAlgn="base" hangingPunct="0">
-              <a:spcBef>
-                <a:spcPct val="0"/>
-              </a:spcBef>
-              <a:spcAft>
-                <a:spcPct val="0"/>
-              </a:spcAft>
-              <a:buClr>
-                <a:srgbClr val="000000"/>
-              </a:buClr>
-              <a:buSzPct val="100000"/>
+            <a:pPr>
               <a:defRPr/>
             </a:pPr>
             <a:r>
               <a:rPr lang="en-US">
-                <a:latin typeface="Arial"/>
+                <a:latin typeface="+mn-lt"/>
               </a:rPr>
               <a:t>CS 1501 – Algorithms &amp; Data Structures 2 – Sherif Khattab</a:t>
             </a:r>
@@ -13711,7 +20507,7 @@
           <p:cNvPr id="5" name="Slide Number Placeholder 4">
             <a:extLst>
               <a:ext uri="{FF2B5EF4-FFF2-40B4-BE49-F238E27FC236}">
-                <a16:creationId xmlns:a16="http://schemas.microsoft.com/office/drawing/2014/main" id="{02DC2457-3542-4F95-B386-215E698016EB}"/>
+                <a16:creationId xmlns:a16="http://schemas.microsoft.com/office/drawing/2014/main" id="{BF0F6891-7F67-BC41-9A7A-16C2AEA1409C}"/>
               </a:ext>
             </a:extLst>
           </p:cNvPr>
@@ -13727,56 +20523,451 @@
           <a:bodyPr/>
           <a:lstStyle/>
           <a:p>
-            <a:pPr defTabSz="457063" fontAlgn="base" hangingPunct="0">
-              <a:spcBef>
-                <a:spcPct val="0"/>
-              </a:spcBef>
-              <a:spcAft>
-                <a:spcPct val="0"/>
-              </a:spcAft>
-              <a:buClr>
-                <a:srgbClr val="000000"/>
-              </a:buClr>
-              <a:buSzPct val="100000"/>
-            </a:pPr>
             <a:fld id="{65E435D9-63B0-4660-8D04-E83F5E2CA2AE}" type="slidenum">
-              <a:rPr lang="en-GB" altLang="en-US">
-                <a:cs typeface="Arial" panose="020B0604020202020204" pitchFamily="34" charset="0"/>
-              </a:rPr>
-              <a:pPr defTabSz="457063" fontAlgn="base" hangingPunct="0">
-                <a:spcBef>
-                  <a:spcPct val="0"/>
-                </a:spcBef>
-                <a:spcAft>
-                  <a:spcPct val="0"/>
-                </a:spcAft>
-                <a:buClr>
-                  <a:srgbClr val="000000"/>
-                </a:buClr>
-                <a:buSzPct val="100000"/>
-              </a:pPr>
-              <a:t>3</a:t>
+              <a:rPr lang="en-GB" altLang="en-US" smtClean="0"/>
+              <a:pPr/>
+              <a:t>7</a:t>
             </a:fld>
-            <a:endParaRPr lang="en-GB" altLang="en-US">
-              <a:cs typeface="Arial" panose="020B0604020202020204" pitchFamily="34" charset="0"/>
-            </a:endParaRPr>
+            <a:endParaRPr lang="en-GB" altLang="en-US"/>
           </a:p>
         </p:txBody>
       </p:sp>
     </p:spTree>
     <p:extLst>
       <p:ext uri="{BB962C8B-B14F-4D97-AF65-F5344CB8AC3E}">
-        <p14:creationId xmlns:p14="http://schemas.microsoft.com/office/powerpoint/2010/main" val="2374057061"/>
+        <p14:creationId xmlns:p14="http://schemas.microsoft.com/office/powerpoint/2010/main" val="178079215"/>
       </p:ext>
     </p:extLst>
   </p:cSld>
   <p:clrMapOvr>
     <a:masterClrMapping/>
   </p:clrMapOvr>
+  <p:timing>
+    <p:tnLst>
+      <p:par>
+        <p:cTn id="1" dur="indefinite" restart="never" nodeType="tmRoot">
+          <p:childTnLst>
+            <p:seq concurrent="1" nextAc="seek">
+              <p:cTn id="2" dur="indefinite" nodeType="mainSeq">
+                <p:childTnLst>
+                  <p:par>
+                    <p:cTn id="3" fill="hold">
+                      <p:stCondLst>
+                        <p:cond delay="indefinite"/>
+                      </p:stCondLst>
+                      <p:childTnLst>
+                        <p:par>
+                          <p:cTn id="4" fill="hold">
+                            <p:stCondLst>
+                              <p:cond delay="0"/>
+                            </p:stCondLst>
+                            <p:childTnLst>
+                              <p:par>
+                                <p:cTn id="5" presetID="1" presetClass="entr" presetSubtype="0" fill="hold" nodeType="clickEffect">
+                                  <p:stCondLst>
+                                    <p:cond delay="0"/>
+                                  </p:stCondLst>
+                                  <p:childTnLst>
+                                    <p:set>
+                                      <p:cBhvr>
+                                        <p:cTn id="6" dur="1" fill="hold">
+                                          <p:stCondLst>
+                                            <p:cond delay="0"/>
+                                          </p:stCondLst>
+                                        </p:cTn>
+                                        <p:tgtEl>
+                                          <p:spTgt spid="3">
+                                            <p:txEl>
+                                              <p:pRg st="0" end="0"/>
+                                            </p:txEl>
+                                          </p:spTgt>
+                                        </p:tgtEl>
+                                        <p:attrNameLst>
+                                          <p:attrName>style.visibility</p:attrName>
+                                        </p:attrNameLst>
+                                      </p:cBhvr>
+                                      <p:to>
+                                        <p:strVal val="visible"/>
+                                      </p:to>
+                                    </p:set>
+                                  </p:childTnLst>
+                                </p:cTn>
+                              </p:par>
+                            </p:childTnLst>
+                          </p:cTn>
+                        </p:par>
+                      </p:childTnLst>
+                    </p:cTn>
+                  </p:par>
+                  <p:par>
+                    <p:cTn id="7" fill="hold">
+                      <p:stCondLst>
+                        <p:cond delay="indefinite"/>
+                      </p:stCondLst>
+                      <p:childTnLst>
+                        <p:par>
+                          <p:cTn id="8" fill="hold">
+                            <p:stCondLst>
+                              <p:cond delay="0"/>
+                            </p:stCondLst>
+                            <p:childTnLst>
+                              <p:par>
+                                <p:cTn id="9" presetID="1" presetClass="entr" presetSubtype="0" fill="hold" nodeType="clickEffect">
+                                  <p:stCondLst>
+                                    <p:cond delay="0"/>
+                                  </p:stCondLst>
+                                  <p:childTnLst>
+                                    <p:set>
+                                      <p:cBhvr>
+                                        <p:cTn id="10" dur="1" fill="hold">
+                                          <p:stCondLst>
+                                            <p:cond delay="0"/>
+                                          </p:stCondLst>
+                                        </p:cTn>
+                                        <p:tgtEl>
+                                          <p:spTgt spid="3">
+                                            <p:txEl>
+                                              <p:pRg st="1" end="1"/>
+                                            </p:txEl>
+                                          </p:spTgt>
+                                        </p:tgtEl>
+                                        <p:attrNameLst>
+                                          <p:attrName>style.visibility</p:attrName>
+                                        </p:attrNameLst>
+                                      </p:cBhvr>
+                                      <p:to>
+                                        <p:strVal val="visible"/>
+                                      </p:to>
+                                    </p:set>
+                                  </p:childTnLst>
+                                </p:cTn>
+                              </p:par>
+                            </p:childTnLst>
+                          </p:cTn>
+                        </p:par>
+                      </p:childTnLst>
+                    </p:cTn>
+                  </p:par>
+                  <p:par>
+                    <p:cTn id="11" fill="hold">
+                      <p:stCondLst>
+                        <p:cond delay="indefinite"/>
+                      </p:stCondLst>
+                      <p:childTnLst>
+                        <p:par>
+                          <p:cTn id="12" fill="hold">
+                            <p:stCondLst>
+                              <p:cond delay="0"/>
+                            </p:stCondLst>
+                            <p:childTnLst>
+                              <p:par>
+                                <p:cTn id="13" presetID="1" presetClass="entr" presetSubtype="0" fill="hold" nodeType="clickEffect">
+                                  <p:stCondLst>
+                                    <p:cond delay="0"/>
+                                  </p:stCondLst>
+                                  <p:childTnLst>
+                                    <p:set>
+                                      <p:cBhvr>
+                                        <p:cTn id="14" dur="1" fill="hold">
+                                          <p:stCondLst>
+                                            <p:cond delay="0"/>
+                                          </p:stCondLst>
+                                        </p:cTn>
+                                        <p:tgtEl>
+                                          <p:spTgt spid="3">
+                                            <p:txEl>
+                                              <p:pRg st="2" end="2"/>
+                                            </p:txEl>
+                                          </p:spTgt>
+                                        </p:tgtEl>
+                                        <p:attrNameLst>
+                                          <p:attrName>style.visibility</p:attrName>
+                                        </p:attrNameLst>
+                                      </p:cBhvr>
+                                      <p:to>
+                                        <p:strVal val="visible"/>
+                                      </p:to>
+                                    </p:set>
+                                  </p:childTnLst>
+                                </p:cTn>
+                              </p:par>
+                            </p:childTnLst>
+                          </p:cTn>
+                        </p:par>
+                      </p:childTnLst>
+                    </p:cTn>
+                  </p:par>
+                  <p:par>
+                    <p:cTn id="15" fill="hold">
+                      <p:stCondLst>
+                        <p:cond delay="indefinite"/>
+                      </p:stCondLst>
+                      <p:childTnLst>
+                        <p:par>
+                          <p:cTn id="16" fill="hold">
+                            <p:stCondLst>
+                              <p:cond delay="0"/>
+                            </p:stCondLst>
+                            <p:childTnLst>
+                              <p:par>
+                                <p:cTn id="17" presetID="1" presetClass="entr" presetSubtype="0" fill="hold" nodeType="clickEffect">
+                                  <p:stCondLst>
+                                    <p:cond delay="0"/>
+                                  </p:stCondLst>
+                                  <p:childTnLst>
+                                    <p:set>
+                                      <p:cBhvr>
+                                        <p:cTn id="18" dur="1" fill="hold">
+                                          <p:stCondLst>
+                                            <p:cond delay="0"/>
+                                          </p:stCondLst>
+                                        </p:cTn>
+                                        <p:tgtEl>
+                                          <p:spTgt spid="3">
+                                            <p:txEl>
+                                              <p:pRg st="3" end="3"/>
+                                            </p:txEl>
+                                          </p:spTgt>
+                                        </p:tgtEl>
+                                        <p:attrNameLst>
+                                          <p:attrName>style.visibility</p:attrName>
+                                        </p:attrNameLst>
+                                      </p:cBhvr>
+                                      <p:to>
+                                        <p:strVal val="visible"/>
+                                      </p:to>
+                                    </p:set>
+                                  </p:childTnLst>
+                                </p:cTn>
+                              </p:par>
+                            </p:childTnLst>
+                          </p:cTn>
+                        </p:par>
+                      </p:childTnLst>
+                    </p:cTn>
+                  </p:par>
+                  <p:par>
+                    <p:cTn id="19" fill="hold">
+                      <p:stCondLst>
+                        <p:cond delay="indefinite"/>
+                      </p:stCondLst>
+                      <p:childTnLst>
+                        <p:par>
+                          <p:cTn id="20" fill="hold">
+                            <p:stCondLst>
+                              <p:cond delay="0"/>
+                            </p:stCondLst>
+                            <p:childTnLst>
+                              <p:par>
+                                <p:cTn id="21" presetID="1" presetClass="entr" presetSubtype="0" fill="hold" nodeType="clickEffect">
+                                  <p:stCondLst>
+                                    <p:cond delay="0"/>
+                                  </p:stCondLst>
+                                  <p:childTnLst>
+                                    <p:set>
+                                      <p:cBhvr>
+                                        <p:cTn id="22" dur="1" fill="hold">
+                                          <p:stCondLst>
+                                            <p:cond delay="0"/>
+                                          </p:stCondLst>
+                                        </p:cTn>
+                                        <p:tgtEl>
+                                          <p:spTgt spid="3">
+                                            <p:txEl>
+                                              <p:pRg st="4" end="4"/>
+                                            </p:txEl>
+                                          </p:spTgt>
+                                        </p:tgtEl>
+                                        <p:attrNameLst>
+                                          <p:attrName>style.visibility</p:attrName>
+                                        </p:attrNameLst>
+                                      </p:cBhvr>
+                                      <p:to>
+                                        <p:strVal val="visible"/>
+                                      </p:to>
+                                    </p:set>
+                                  </p:childTnLst>
+                                </p:cTn>
+                              </p:par>
+                            </p:childTnLst>
+                          </p:cTn>
+                        </p:par>
+                      </p:childTnLst>
+                    </p:cTn>
+                  </p:par>
+                  <p:par>
+                    <p:cTn id="23" fill="hold">
+                      <p:stCondLst>
+                        <p:cond delay="indefinite"/>
+                      </p:stCondLst>
+                      <p:childTnLst>
+                        <p:par>
+                          <p:cTn id="24" fill="hold">
+                            <p:stCondLst>
+                              <p:cond delay="0"/>
+                            </p:stCondLst>
+                            <p:childTnLst>
+                              <p:par>
+                                <p:cTn id="25" presetID="1" presetClass="entr" presetSubtype="0" fill="hold" nodeType="clickEffect">
+                                  <p:stCondLst>
+                                    <p:cond delay="0"/>
+                                  </p:stCondLst>
+                                  <p:childTnLst>
+                                    <p:set>
+                                      <p:cBhvr>
+                                        <p:cTn id="26" dur="1" fill="hold">
+                                          <p:stCondLst>
+                                            <p:cond delay="0"/>
+                                          </p:stCondLst>
+                                        </p:cTn>
+                                        <p:tgtEl>
+                                          <p:spTgt spid="3">
+                                            <p:txEl>
+                                              <p:pRg st="5" end="5"/>
+                                            </p:txEl>
+                                          </p:spTgt>
+                                        </p:tgtEl>
+                                        <p:attrNameLst>
+                                          <p:attrName>style.visibility</p:attrName>
+                                        </p:attrNameLst>
+                                      </p:cBhvr>
+                                      <p:to>
+                                        <p:strVal val="visible"/>
+                                      </p:to>
+                                    </p:set>
+                                  </p:childTnLst>
+                                </p:cTn>
+                              </p:par>
+                            </p:childTnLst>
+                          </p:cTn>
+                        </p:par>
+                      </p:childTnLst>
+                    </p:cTn>
+                  </p:par>
+                  <p:par>
+                    <p:cTn id="27" fill="hold">
+                      <p:stCondLst>
+                        <p:cond delay="indefinite"/>
+                      </p:stCondLst>
+                      <p:childTnLst>
+                        <p:par>
+                          <p:cTn id="28" fill="hold">
+                            <p:stCondLst>
+                              <p:cond delay="0"/>
+                            </p:stCondLst>
+                            <p:childTnLst>
+                              <p:par>
+                                <p:cTn id="29" presetID="1" presetClass="entr" presetSubtype="0" fill="hold" nodeType="clickEffect">
+                                  <p:stCondLst>
+                                    <p:cond delay="0"/>
+                                  </p:stCondLst>
+                                  <p:childTnLst>
+                                    <p:set>
+                                      <p:cBhvr>
+                                        <p:cTn id="30" dur="1" fill="hold">
+                                          <p:stCondLst>
+                                            <p:cond delay="0"/>
+                                          </p:stCondLst>
+                                        </p:cTn>
+                                        <p:tgtEl>
+                                          <p:spTgt spid="3">
+                                            <p:txEl>
+                                              <p:pRg st="6" end="6"/>
+                                            </p:txEl>
+                                          </p:spTgt>
+                                        </p:tgtEl>
+                                        <p:attrNameLst>
+                                          <p:attrName>style.visibility</p:attrName>
+                                        </p:attrNameLst>
+                                      </p:cBhvr>
+                                      <p:to>
+                                        <p:strVal val="visible"/>
+                                      </p:to>
+                                    </p:set>
+                                  </p:childTnLst>
+                                </p:cTn>
+                              </p:par>
+                            </p:childTnLst>
+                          </p:cTn>
+                        </p:par>
+                      </p:childTnLst>
+                    </p:cTn>
+                  </p:par>
+                  <p:par>
+                    <p:cTn id="31" fill="hold">
+                      <p:stCondLst>
+                        <p:cond delay="indefinite"/>
+                      </p:stCondLst>
+                      <p:childTnLst>
+                        <p:par>
+                          <p:cTn id="32" fill="hold">
+                            <p:stCondLst>
+                              <p:cond delay="0"/>
+                            </p:stCondLst>
+                            <p:childTnLst>
+                              <p:par>
+                                <p:cTn id="33" presetID="1" presetClass="entr" presetSubtype="0" fill="hold" nodeType="clickEffect">
+                                  <p:stCondLst>
+                                    <p:cond delay="0"/>
+                                  </p:stCondLst>
+                                  <p:childTnLst>
+                                    <p:set>
+                                      <p:cBhvr>
+                                        <p:cTn id="34" dur="1" fill="hold">
+                                          <p:stCondLst>
+                                            <p:cond delay="0"/>
+                                          </p:stCondLst>
+                                        </p:cTn>
+                                        <p:tgtEl>
+                                          <p:spTgt spid="3">
+                                            <p:txEl>
+                                              <p:pRg st="7" end="7"/>
+                                            </p:txEl>
+                                          </p:spTgt>
+                                        </p:tgtEl>
+                                        <p:attrNameLst>
+                                          <p:attrName>style.visibility</p:attrName>
+                                        </p:attrNameLst>
+                                      </p:cBhvr>
+                                      <p:to>
+                                        <p:strVal val="visible"/>
+                                      </p:to>
+                                    </p:set>
+                                  </p:childTnLst>
+                                </p:cTn>
+                              </p:par>
+                            </p:childTnLst>
+                          </p:cTn>
+                        </p:par>
+                      </p:childTnLst>
+                    </p:cTn>
+                  </p:par>
+                </p:childTnLst>
+              </p:cTn>
+              <p:prevCondLst>
+                <p:cond evt="onPrev" delay="0">
+                  <p:tgtEl>
+                    <p:sldTgt/>
+                  </p:tgtEl>
+                </p:cond>
+              </p:prevCondLst>
+              <p:nextCondLst>
+                <p:cond evt="onNext" delay="0">
+                  <p:tgtEl>
+                    <p:sldTgt/>
+                  </p:tgtEl>
+                </p:cond>
+              </p:nextCondLst>
+            </p:seq>
+          </p:childTnLst>
+        </p:cTn>
+      </p:par>
+    </p:tnLst>
+  </p:timing>
 </p:sld>
 </file>
 
-<file path=ppt/slides/slide4.xml><?xml version="1.0" encoding="utf-8"?>
+<file path=ppt/slides/slide8.xml><?xml version="1.0" encoding="utf-8"?>
 <p:sld xmlns:a="http://schemas.openxmlformats.org/drawingml/2006/main" xmlns:r="http://schemas.openxmlformats.org/officeDocument/2006/relationships" xmlns:p="http://schemas.openxmlformats.org/presentationml/2006/main">
   <p:cSld>
     <p:spTree>
@@ -13795,10 +20986,10 @@
       </p:grpSpPr>
       <p:sp>
         <p:nvSpPr>
-          <p:cNvPr id="6" name="Slide Number">
+          <p:cNvPr id="2" name="Title 1">
             <a:extLst>
               <a:ext uri="{FF2B5EF4-FFF2-40B4-BE49-F238E27FC236}">
-                <a16:creationId xmlns:a16="http://schemas.microsoft.com/office/drawing/2014/main" id="{A84C6658-392F-6A4D-984C-531AB221C723}"/>
+                <a16:creationId xmlns:a16="http://schemas.microsoft.com/office/drawing/2014/main" id="{B59CF7D6-76D5-844F-A197-85CF17106A28}"/>
               </a:ext>
             </a:extLst>
           </p:cNvPr>
@@ -13806,7 +20997,7 @@
             <a:spLocks noGrp="1"/>
           </p:cNvSpPr>
           <p:nvPr>
-            <p:ph type="sldNum" sz="quarter" idx="12"/>
+            <p:ph type="title"/>
           </p:nvPr>
         </p:nvSpPr>
         <p:spPr/>
@@ -13814,174 +21005,267 @@
           <a:bodyPr/>
           <a:lstStyle/>
           <a:p>
-            <a:pPr defTabSz="377922">
-              <a:defRPr/>
-            </a:pPr>
-            <a:fld id="{8A7A6979-0714-4377-B894-6BE4C2D6E202}" type="slidenum">
-              <a:rPr lang="en-US">
-                <a:solidFill>
-                  <a:srgbClr val="FFFFFF"/>
-                </a:solidFill>
-              </a:rPr>
-              <a:pPr defTabSz="377922">
-                <a:defRPr/>
-              </a:pPr>
-              <a:t>4</a:t>
-            </a:fld>
-            <a:endParaRPr lang="en-US">
-              <a:solidFill>
-                <a:srgbClr val="FFFFFF"/>
-              </a:solidFill>
-            </a:endParaRPr>
-          </a:p>
-        </p:txBody>
-      </p:sp>
-      <p:sp>
-        <p:nvSpPr>
-          <p:cNvPr id="4" name="Title 1">
+            <a:r>
+              <a:rPr lang="en-US"/>
+              <a:t>Examples of Trees</a:t>
+            </a:r>
+          </a:p>
+        </p:txBody>
+      </p:sp>
+      <p:sp>
+        <p:nvSpPr>
+          <p:cNvPr id="3" name="Content Placeholder 2">
             <a:extLst>
               <a:ext uri="{FF2B5EF4-FFF2-40B4-BE49-F238E27FC236}">
-                <a16:creationId xmlns:a16="http://schemas.microsoft.com/office/drawing/2014/main" id="{845E174E-D032-44D5-9B3B-60F9C54B9084}"/>
+                <a16:creationId xmlns:a16="http://schemas.microsoft.com/office/drawing/2014/main" id="{984352AE-61C7-1547-8D54-65CBCAA568FB}"/>
               </a:ext>
             </a:extLst>
           </p:cNvPr>
-          <p:cNvSpPr txBox="1">
-            <a:spLocks/>
-          </p:cNvSpPr>
+          <p:cNvSpPr>
+            <a:spLocks noGrp="1"/>
+          </p:cNvSpPr>
+          <p:nvPr>
+            <p:ph idx="1"/>
+          </p:nvPr>
+        </p:nvSpPr>
+        <p:spPr/>
+        <p:txBody>
+          <a:bodyPr/>
+          <a:lstStyle/>
+          <a:p>
+            <a:endParaRPr lang="en-US"/>
+          </a:p>
+        </p:txBody>
+      </p:sp>
+      <p:sp>
+        <p:nvSpPr>
+          <p:cNvPr id="5" name="Footer Placeholder 4">
+            <a:extLst>
+              <a:ext uri="{FF2B5EF4-FFF2-40B4-BE49-F238E27FC236}">
+                <a16:creationId xmlns:a16="http://schemas.microsoft.com/office/drawing/2014/main" id="{888CD37B-06D9-6C42-A04D-C5ACC23F7BA2}"/>
+              </a:ext>
+            </a:extLst>
+          </p:cNvPr>
+          <p:cNvSpPr>
+            <a:spLocks noGrp="1"/>
+          </p:cNvSpPr>
+          <p:nvPr>
+            <p:ph type="ftr" idx="11"/>
+          </p:nvPr>
+        </p:nvSpPr>
+        <p:spPr/>
+        <p:txBody>
+          <a:bodyPr/>
+          <a:lstStyle/>
+          <a:p>
+            <a:pPr marL="0" marR="0" lvl="0" indent="0" algn="ctr" defTabSz="914400" rtl="0" eaLnBrk="1" fontAlgn="auto" latinLnBrk="0" hangingPunct="1">
+              <a:lnSpc>
+                <a:spcPct val="96000"/>
+              </a:lnSpc>
+              <a:spcBef>
+                <a:spcPts val="0"/>
+              </a:spcBef>
+              <a:spcAft>
+                <a:spcPts val="0"/>
+              </a:spcAft>
+              <a:buClrTx/>
+              <a:buSzTx/>
+              <a:buFont typeface="Times New Roman" pitchFamily="16" charset="0"/>
+              <a:buNone/>
+              <a:tabLst>
+                <a:tab pos="0" algn="l"/>
+                <a:tab pos="457436" algn="l"/>
+                <a:tab pos="914872" algn="l"/>
+                <a:tab pos="1372308" algn="l"/>
+                <a:tab pos="1829742" algn="l"/>
+                <a:tab pos="2287178" algn="l"/>
+                <a:tab pos="2744615" algn="l"/>
+                <a:tab pos="3202050" algn="l"/>
+                <a:tab pos="3659486" algn="l"/>
+                <a:tab pos="4116923" algn="l"/>
+                <a:tab pos="4574357" algn="l"/>
+                <a:tab pos="5031793" algn="l"/>
+                <a:tab pos="5489228" algn="l"/>
+                <a:tab pos="5946665" algn="l"/>
+                <a:tab pos="6404101" algn="l"/>
+                <a:tab pos="6861536" algn="l"/>
+                <a:tab pos="7318971" algn="l"/>
+                <a:tab pos="7776408" algn="l"/>
+                <a:tab pos="8233843" algn="l"/>
+                <a:tab pos="8691279" algn="l"/>
+                <a:tab pos="9148715" algn="l"/>
+              </a:tabLst>
+              <a:defRPr/>
+            </a:pPr>
+            <a:r>
+              <a:rPr kumimoji="0" lang="en-US" sz="1401" b="0" i="0" u="none" strike="noStrike" kern="1200" cap="none" spc="0" normalizeH="0" baseline="0" noProof="0">
+                <a:ln>
+                  <a:noFill/>
+                </a:ln>
+                <a:solidFill>
+                  <a:srgbClr val="000000"/>
+                </a:solidFill>
+                <a:effectLst/>
+                <a:uLnTx/>
+                <a:uFillTx/>
+                <a:latin typeface="Arial"/>
+                <a:ea typeface="+mn-ea"/>
+                <a:cs typeface="Arial" charset="0"/>
+              </a:rPr>
+              <a:t>CS 1501 – Algorithms &amp; Data Structures 2 – Sherif Khattab</a:t>
+            </a:r>
+            <a:endParaRPr kumimoji="0" lang="en-GB" sz="1401" b="0" i="0" u="none" strike="noStrike" kern="1200" cap="none" spc="0" normalizeH="0" baseline="0" noProof="0">
+              <a:ln>
+                <a:noFill/>
+              </a:ln>
+              <a:solidFill>
+                <a:srgbClr val="000000"/>
+              </a:solidFill>
+              <a:effectLst/>
+              <a:uLnTx/>
+              <a:uFillTx/>
+              <a:latin typeface="Times New Roman" pitchFamily="16" charset="0"/>
+              <a:ea typeface="+mn-ea"/>
+              <a:cs typeface="Arial" charset="0"/>
+            </a:endParaRPr>
+          </a:p>
+        </p:txBody>
+      </p:sp>
+      <p:pic>
+        <p:nvPicPr>
+          <p:cNvPr id="7" name="Picture 2">
+            <a:extLst>
+              <a:ext uri="{FF2B5EF4-FFF2-40B4-BE49-F238E27FC236}">
+                <a16:creationId xmlns:a16="http://schemas.microsoft.com/office/drawing/2014/main" id="{F8E81BE7-EEBA-2D4B-95CB-AC11A3811788}"/>
+              </a:ext>
+            </a:extLst>
+          </p:cNvPr>
+          <p:cNvPicPr>
+            <a:picLocks noChangeAspect="1" noChangeArrowheads="1"/>
+          </p:cNvPicPr>
           <p:nvPr/>
-        </p:nvSpPr>
-        <p:spPr bwMode="blackWhite">
+        </p:nvPicPr>
+        <p:blipFill>
+          <a:blip r:embed="rId2">
+            <a:grayscl/>
+          </a:blip>
+          <a:srcRect/>
+          <a:stretch>
+            <a:fillRect/>
+          </a:stretch>
+        </p:blipFill>
+        <p:spPr bwMode="auto">
           <a:xfrm>
-            <a:off x="505293" y="1533558"/>
-            <a:ext cx="8731166" cy="2060949"/>
+            <a:off x="6031232" y="961962"/>
+            <a:ext cx="3840912" cy="4388372"/>
           </a:xfrm>
           <a:prstGeom prst="rect">
             <a:avLst/>
           </a:prstGeom>
-          <a:noFill/>
-          <a:ln w="38100" cap="sq">
+          <a:ln>
             <a:noFill/>
-            <a:miter lim="800000"/>
           </a:ln>
+          <a:effectLst>
+            <a:outerShdw blurRad="292100" dist="139700" dir="2700000" algn="tl" rotWithShape="0">
+              <a:srgbClr val="333333">
+                <a:alpha val="65000"/>
+              </a:srgbClr>
+            </a:outerShdw>
+          </a:effectLst>
         </p:spPr>
-        <p:txBody>
-          <a:bodyPr vert="horz" wrap="square" lIns="0" tIns="0" rIns="0" bIns="0" rtlCol="0" anchor="t" anchorCtr="0">
-            <a:spAutoFit/>
-          </a:bodyPr>
-          <a:lstStyle>
-            <a:lvl1pPr algn="ctr" defTabSz="914400" rtl="0" eaLnBrk="1" latinLnBrk="0" hangingPunct="1">
-              <a:lnSpc>
-                <a:spcPct val="90000"/>
-              </a:lnSpc>
-              <a:spcBef>
-                <a:spcPct val="0"/>
-              </a:spcBef>
-              <a:buNone/>
-              <a:defRPr sz="8600" b="0" i="0" kern="1200" cap="none" spc="300" baseline="0">
-                <a:solidFill>
-                  <a:schemeClr val="accent2"/>
-                </a:solidFill>
-                <a:latin typeface="United Sans Cond Medium" pitchFamily="2" charset="77"/>
-                <a:ea typeface="+mj-ea"/>
-                <a:cs typeface="+mj-cs"/>
-              </a:defRPr>
-            </a:lvl1pPr>
-          </a:lstStyle>
-          <a:p>
-            <a:pPr defTabSz="755843">
-              <a:defRPr/>
-            </a:pPr>
-            <a:r>
-              <a:rPr lang="en-US" sz="4960" b="1" spc="248">
-                <a:solidFill>
-                  <a:srgbClr val="002060"/>
-                </a:solidFill>
-                <a:latin typeface="Acumin Pro ExtraCondensed" panose="020B0604020202020204" charset="0"/>
-                <a:cs typeface="United Sans Cond Medium" panose="020B0604020202020204" charset="0"/>
-              </a:rPr>
-              <a:t>Please submit your reflections by using the </a:t>
-            </a:r>
-            <a:r>
-              <a:rPr lang="en-US" sz="4960" b="1" spc="248" err="1">
-                <a:solidFill>
-                  <a:srgbClr val="002060"/>
-                </a:solidFill>
-                <a:latin typeface="Acumin Pro ExtraCondensed" panose="020B0604020202020204" charset="0"/>
-                <a:cs typeface="United Sans Cond Medium" panose="020B0604020202020204" charset="0"/>
-              </a:rPr>
-              <a:t>CourseMIRROR</a:t>
-            </a:r>
-            <a:r>
-              <a:rPr lang="en-US" sz="4960" b="1" spc="248">
-                <a:solidFill>
-                  <a:srgbClr val="002060"/>
-                </a:solidFill>
-                <a:latin typeface="Acumin Pro ExtraCondensed" panose="020B0604020202020204" charset="0"/>
-                <a:cs typeface="United Sans Cond Medium" panose="020B0604020202020204" charset="0"/>
-              </a:rPr>
-              <a:t> App</a:t>
-            </a:r>
-          </a:p>
-        </p:txBody>
-      </p:sp>
-      <p:sp>
-        <p:nvSpPr>
-          <p:cNvPr id="5" name="Date Placeholder 3">
+      </p:pic>
+      <p:pic>
+        <p:nvPicPr>
+          <p:cNvPr id="8" name="Picture 2">
             <a:extLst>
               <a:ext uri="{FF2B5EF4-FFF2-40B4-BE49-F238E27FC236}">
-                <a16:creationId xmlns:a16="http://schemas.microsoft.com/office/drawing/2014/main" id="{6C566CCB-EA83-4CF7-9EDD-EAD8BA08143B}"/>
+                <a16:creationId xmlns:a16="http://schemas.microsoft.com/office/drawing/2014/main" id="{5B86E137-A304-3341-825C-E5AF6D856546}"/>
               </a:ext>
             </a:extLst>
           </p:cNvPr>
-          <p:cNvSpPr>
-            <a:spLocks noGrp="1"/>
-          </p:cNvSpPr>
-          <p:nvPr>
-            <p:ph type="dt" sz="half" idx="10"/>
-          </p:nvPr>
-        </p:nvSpPr>
-        <p:spPr>
+          <p:cNvPicPr>
+            <a:picLocks noChangeAspect="1" noChangeArrowheads="1"/>
+          </p:cNvPicPr>
+          <p:nvPr/>
+        </p:nvPicPr>
+        <p:blipFill>
+          <a:blip r:embed="rId3">
+            <a:grayscl/>
+          </a:blip>
+          <a:srcRect/>
+          <a:stretch>
+            <a:fillRect/>
+          </a:stretch>
+        </p:blipFill>
+        <p:spPr bwMode="auto">
           <a:xfrm>
-            <a:off x="8292304" y="6073629"/>
-            <a:ext cx="944155" cy="267780"/>
+            <a:off x="1035563" y="1065434"/>
+            <a:ext cx="3960106" cy="3149473"/>
           </a:xfrm>
+          <a:prstGeom prst="rect">
+            <a:avLst/>
+          </a:prstGeom>
+          <a:ln>
+            <a:noFill/>
+          </a:ln>
+          <a:effectLst>
+            <a:outerShdw blurRad="292100" dist="139700" dir="2700000" algn="tl" rotWithShape="0">
+              <a:srgbClr val="333333">
+                <a:alpha val="65000"/>
+              </a:srgbClr>
+            </a:outerShdw>
+          </a:effectLst>
         </p:spPr>
-        <p:txBody>
-          <a:bodyPr/>
-          <a:lstStyle/>
-          <a:p>
-            <a:pPr defTabSz="377922">
-              <a:defRPr/>
-            </a:pPr>
-            <a:fld id="{049DC8E1-D369-0F48-9062-BB068AFD07CE}" type="datetime1">
-              <a:rPr lang="en-US">
-                <a:solidFill>
-                  <a:srgbClr val="FFFFFF">
-                    <a:alpha val="70000"/>
-                  </a:srgbClr>
-                </a:solidFill>
-              </a:rPr>
-              <a:pPr defTabSz="377922">
-                <a:defRPr/>
-              </a:pPr>
-              <a:t>1/19/22</a:t>
-            </a:fld>
-            <a:endParaRPr lang="en-US">
-              <a:solidFill>
-                <a:srgbClr val="FFFFFF">
-                  <a:alpha val="70000"/>
-                </a:srgbClr>
-              </a:solidFill>
-            </a:endParaRPr>
-          </a:p>
-        </p:txBody>
-      </p:sp>
-      <p:sp>
-        <p:nvSpPr>
-          <p:cNvPr id="2" name="TextBox 1">
+      </p:pic>
+      <p:pic>
+        <p:nvPicPr>
+          <p:cNvPr id="9" name="Picture 2">
             <a:extLst>
               <a:ext uri="{FF2B5EF4-FFF2-40B4-BE49-F238E27FC236}">
-                <a16:creationId xmlns:a16="http://schemas.microsoft.com/office/drawing/2014/main" id="{1F35FF62-3694-9144-A69E-A1580D1534C9}"/>
+                <a16:creationId xmlns:a16="http://schemas.microsoft.com/office/drawing/2014/main" id="{8BD49CC8-D021-6747-9352-2431D7F03F5A}"/>
+              </a:ext>
+            </a:extLst>
+          </p:cNvPr>
+          <p:cNvPicPr>
+            <a:picLocks noChangeAspect="1" noChangeArrowheads="1"/>
+          </p:cNvPicPr>
+          <p:nvPr/>
+        </p:nvPicPr>
+        <p:blipFill>
+          <a:blip r:embed="rId4">
+            <a:grayscl/>
+          </a:blip>
+          <a:srcRect/>
+          <a:stretch>
+            <a:fillRect/>
+          </a:stretch>
+        </p:blipFill>
+        <p:spPr bwMode="auto">
+          <a:xfrm>
+            <a:off x="824874" y="4847044"/>
+            <a:ext cx="4170796" cy="2283852"/>
+          </a:xfrm>
+          <a:prstGeom prst="rect">
+            <a:avLst/>
+          </a:prstGeom>
+          <a:ln>
+            <a:noFill/>
+          </a:ln>
+          <a:effectLst>
+            <a:outerShdw blurRad="292100" dist="139700" dir="2700000" algn="tl" rotWithShape="0">
+              <a:srgbClr val="333333">
+                <a:alpha val="65000"/>
+              </a:srgbClr>
+            </a:outerShdw>
+          </a:effectLst>
+        </p:spPr>
+      </p:pic>
+      <p:sp>
+        <p:nvSpPr>
+          <p:cNvPr id="10" name="TextBox 9">
+            <a:extLst>
+              <a:ext uri="{FF2B5EF4-FFF2-40B4-BE49-F238E27FC236}">
+                <a16:creationId xmlns:a16="http://schemas.microsoft.com/office/drawing/2014/main" id="{A5AD7D06-60FE-554B-BBE9-EB7AEE11FD26}"/>
               </a:ext>
             </a:extLst>
           </p:cNvPr>
@@ -13990,8 +21274,8 @@
         </p:nvSpPr>
         <p:spPr>
           <a:xfrm>
-            <a:off x="1157123" y="4632545"/>
-            <a:ext cx="7557758" cy="652230"/>
+            <a:off x="2334478" y="4334796"/>
+            <a:ext cx="1338471" cy="369088"/>
           </a:xfrm>
           <a:prstGeom prst="rect">
             <a:avLst/>
@@ -13999,78 +21283,544 @@
           <a:noFill/>
         </p:spPr>
         <p:txBody>
-          <a:bodyPr wrap="square" rtlCol="0">
+          <a:bodyPr wrap="none" rtlCol="0">
             <a:spAutoFit/>
           </a:bodyPr>
           <a:lstStyle/>
           <a:p>
-            <a:pPr defTabSz="377922">
+            <a:pPr marL="0" marR="0" lvl="0" indent="0" algn="l" defTabSz="914400" rtl="0" eaLnBrk="1" fontAlgn="auto" latinLnBrk="0" hangingPunct="1">
+              <a:lnSpc>
+                <a:spcPct val="100000"/>
+              </a:lnSpc>
+              <a:spcBef>
+                <a:spcPts val="0"/>
+              </a:spcBef>
+              <a:spcAft>
+                <a:spcPts val="0"/>
+              </a:spcAft>
+              <a:buClrTx/>
+              <a:buSzTx/>
+              <a:buFontTx/>
+              <a:buNone/>
+              <a:tabLst/>
               <a:defRPr/>
             </a:pPr>
             <a:r>
-              <a:rPr lang="en-US" sz="1819" b="1">
+              <a:rPr kumimoji="0" lang="en-US" sz="1799" b="0" i="0" u="none" strike="noStrike" kern="1200" cap="none" spc="0" normalizeH="0" baseline="0" noProof="0">
+                <a:ln>
+                  <a:noFill/>
+                </a:ln>
                 <a:solidFill>
                   <a:srgbClr val="000000"/>
                 </a:solidFill>
-                <a:latin typeface="Times New Roman" panose="02020603050405020304" pitchFamily="18" charset="0"/>
-                <a:cs typeface="Times New Roman" panose="02020603050405020304" pitchFamily="18" charset="0"/>
+                <a:effectLst/>
+                <a:uLnTx/>
+                <a:uFillTx/>
+                <a:latin typeface="Arial"/>
+                <a:ea typeface="+mn-ea"/>
+                <a:cs typeface="Arial"/>
               </a:rPr>
-              <a:t>If you are having a problem with </a:t>
-            </a:r>
-            <a:r>
-              <a:rPr lang="en-US" sz="1819" b="1" err="1">
+              <a:t>Game Tree</a:t>
+            </a:r>
+          </a:p>
+        </p:txBody>
+      </p:sp>
+      <p:sp>
+        <p:nvSpPr>
+          <p:cNvPr id="11" name="TextBox 10">
+            <a:extLst>
+              <a:ext uri="{FF2B5EF4-FFF2-40B4-BE49-F238E27FC236}">
+                <a16:creationId xmlns:a16="http://schemas.microsoft.com/office/drawing/2014/main" id="{27B03EA4-5A19-7E4B-982B-07B6A230999C}"/>
+              </a:ext>
+            </a:extLst>
+          </p:cNvPr>
+          <p:cNvSpPr txBox="1"/>
+          <p:nvPr/>
+        </p:nvSpPr>
+        <p:spPr>
+          <a:xfrm>
+            <a:off x="7282453" y="5595366"/>
+            <a:ext cx="1312831" cy="369088"/>
+          </a:xfrm>
+          <a:prstGeom prst="rect">
+            <a:avLst/>
+          </a:prstGeom>
+          <a:noFill/>
+        </p:spPr>
+        <p:txBody>
+          <a:bodyPr wrap="none" rtlCol="0">
+            <a:spAutoFit/>
+          </a:bodyPr>
+          <a:lstStyle/>
+          <a:p>
+            <a:pPr marL="0" marR="0" lvl="0" indent="0" algn="l" defTabSz="914400" rtl="0" eaLnBrk="1" fontAlgn="auto" latinLnBrk="0" hangingPunct="1">
+              <a:lnSpc>
+                <a:spcPct val="100000"/>
+              </a:lnSpc>
+              <a:spcBef>
+                <a:spcPts val="0"/>
+              </a:spcBef>
+              <a:spcAft>
+                <a:spcPts val="0"/>
+              </a:spcAft>
+              <a:buClrTx/>
+              <a:buSzTx/>
+              <a:buFontTx/>
+              <a:buNone/>
+              <a:tabLst/>
+              <a:defRPr/>
+            </a:pPr>
+            <a:r>
+              <a:rPr kumimoji="0" lang="en-US" sz="1799" b="0" i="0" u="none" strike="noStrike" kern="1200" cap="none" spc="0" normalizeH="0" baseline="0" noProof="0">
+                <a:ln>
+                  <a:noFill/>
+                </a:ln>
                 <a:solidFill>
                   <a:srgbClr val="000000"/>
                 </a:solidFill>
-                <a:latin typeface="Times New Roman" panose="02020603050405020304" pitchFamily="18" charset="0"/>
-                <a:cs typeface="Times New Roman" panose="02020603050405020304" pitchFamily="18" charset="0"/>
+                <a:effectLst/>
+                <a:uLnTx/>
+                <a:uFillTx/>
+                <a:latin typeface="Arial"/>
+                <a:ea typeface="+mn-ea"/>
+                <a:cs typeface="Arial"/>
               </a:rPr>
-              <a:t>CourseMIRROR</a:t>
-            </a:r>
-            <a:r>
-              <a:rPr lang="en-US" sz="1819" b="1">
+              <a:t>Parse Tree</a:t>
+            </a:r>
+          </a:p>
+        </p:txBody>
+      </p:sp>
+      <p:sp>
+        <p:nvSpPr>
+          <p:cNvPr id="12" name="TextBox 11">
+            <a:extLst>
+              <a:ext uri="{FF2B5EF4-FFF2-40B4-BE49-F238E27FC236}">
+                <a16:creationId xmlns:a16="http://schemas.microsoft.com/office/drawing/2014/main" id="{7D945DCA-BA56-2E4C-A406-AAF2667D820A}"/>
+              </a:ext>
+            </a:extLst>
+          </p:cNvPr>
+          <p:cNvSpPr txBox="1"/>
+          <p:nvPr/>
+        </p:nvSpPr>
+        <p:spPr>
+          <a:xfrm>
+            <a:off x="4995670" y="6710873"/>
+            <a:ext cx="1594871" cy="369088"/>
+          </a:xfrm>
+          <a:prstGeom prst="rect">
+            <a:avLst/>
+          </a:prstGeom>
+          <a:noFill/>
+        </p:spPr>
+        <p:txBody>
+          <a:bodyPr wrap="none" rtlCol="0">
+            <a:spAutoFit/>
+          </a:bodyPr>
+          <a:lstStyle/>
+          <a:p>
+            <a:pPr marL="0" marR="0" lvl="0" indent="0" algn="l" defTabSz="914400" rtl="0" eaLnBrk="1" fontAlgn="auto" latinLnBrk="0" hangingPunct="1">
+              <a:lnSpc>
+                <a:spcPct val="100000"/>
+              </a:lnSpc>
+              <a:spcBef>
+                <a:spcPts val="0"/>
+              </a:spcBef>
+              <a:spcAft>
+                <a:spcPts val="0"/>
+              </a:spcAft>
+              <a:buClrTx/>
+              <a:buSzTx/>
+              <a:buFontTx/>
+              <a:buNone/>
+              <a:tabLst/>
+              <a:defRPr/>
+            </a:pPr>
+            <a:r>
+              <a:rPr kumimoji="0" lang="en-US" sz="1799" b="0" i="0" u="none" strike="noStrike" kern="1200" cap="none" spc="0" normalizeH="0" baseline="0" noProof="0">
+                <a:ln>
+                  <a:noFill/>
+                </a:ln>
                 <a:solidFill>
                   <a:srgbClr val="000000"/>
                 </a:solidFill>
+                <a:effectLst/>
+                <a:uLnTx/>
+                <a:uFillTx/>
+                <a:latin typeface="Arial"/>
+                <a:ea typeface="+mn-ea"/>
+                <a:cs typeface="Arial"/>
+              </a:rPr>
+              <a:t>Decision Tree</a:t>
+            </a:r>
+          </a:p>
+        </p:txBody>
+      </p:sp>
+      <p:sp>
+        <p:nvSpPr>
+          <p:cNvPr id="6" name="Slide Number Placeholder 5">
+            <a:extLst>
+              <a:ext uri="{FF2B5EF4-FFF2-40B4-BE49-F238E27FC236}">
+                <a16:creationId xmlns:a16="http://schemas.microsoft.com/office/drawing/2014/main" id="{72728F88-86D6-4C6F-B58E-F37B00FB8E09}"/>
+              </a:ext>
+            </a:extLst>
+          </p:cNvPr>
+          <p:cNvSpPr>
+            <a:spLocks noGrp="1"/>
+          </p:cNvSpPr>
+          <p:nvPr>
+            <p:ph type="sldNum" idx="12"/>
+          </p:nvPr>
+        </p:nvSpPr>
+        <p:spPr/>
+        <p:txBody>
+          <a:bodyPr/>
+          <a:lstStyle/>
+          <a:p>
+            <a:pPr marL="0" marR="0" lvl="0" indent="0" algn="r" defTabSz="914400" rtl="0" eaLnBrk="1" fontAlgn="auto" latinLnBrk="0" hangingPunct="1">
+              <a:lnSpc>
+                <a:spcPct val="96000"/>
+              </a:lnSpc>
+              <a:spcBef>
+                <a:spcPts val="0"/>
+              </a:spcBef>
+              <a:spcAft>
+                <a:spcPts val="0"/>
+              </a:spcAft>
+              <a:buClrTx/>
+              <a:buSzTx/>
+              <a:buFontTx/>
+              <a:buNone/>
+              <a:tabLst/>
+              <a:defRPr/>
+            </a:pPr>
+            <a:fld id="{65E435D9-63B0-4660-8D04-E83F5E2CA2AE}" type="slidenum">
+              <a:rPr kumimoji="0" lang="en-GB" altLang="en-US" sz="1401" b="0" i="0" u="none" strike="noStrike" kern="1200" cap="none" spc="0" normalizeH="0" baseline="0" noProof="0" smtClean="0">
+                <a:ln>
+                  <a:noFill/>
+                </a:ln>
+                <a:solidFill>
+                  <a:srgbClr val="000000"/>
+                </a:solidFill>
+                <a:effectLst/>
+                <a:uLnTx/>
+                <a:uFillTx/>
                 <a:latin typeface="Times New Roman" panose="02020603050405020304" pitchFamily="18" charset="0"/>
-                <a:cs typeface="Times New Roman" panose="02020603050405020304" pitchFamily="18" charset="0"/>
+                <a:ea typeface="+mn-ea"/>
+                <a:cs typeface="Arial"/>
               </a:rPr>
-              <a:t>, please send an email to </a:t>
-            </a:r>
-            <a:r>
-              <a:rPr lang="en-US" sz="1819" b="1">
-                <a:solidFill>
-                  <a:srgbClr val="0000FF"/>
-                </a:solidFill>
-                <a:latin typeface="Times New Roman" panose="02020603050405020304" pitchFamily="18" charset="0"/>
-                <a:cs typeface="Times New Roman" panose="02020603050405020304" pitchFamily="18" charset="0"/>
-                <a:hlinkClick r:id="rId3">
-                  <a:extLst>
-                    <a:ext uri="{A12FA001-AC4F-418D-AE19-62706E023703}">
-                      <ahyp:hlinkClr xmlns:ahyp="http://schemas.microsoft.com/office/drawing/2018/hyperlinkcolor" val="tx"/>
-                    </a:ext>
-                  </a:extLst>
-                </a:hlinkClick>
-              </a:rPr>
-              <a:t>coursemirror.development@gmail.com</a:t>
-            </a:r>
-            <a:r>
-              <a:rPr lang="en-US" sz="1819" b="1">
-                <a:solidFill>
-                  <a:srgbClr val="0000FF"/>
-                </a:solidFill>
-                <a:latin typeface="Times New Roman" panose="02020603050405020304" pitchFamily="18" charset="0"/>
-                <a:cs typeface="Times New Roman" panose="02020603050405020304" pitchFamily="18" charset="0"/>
-              </a:rPr>
-              <a:t> </a:t>
-            </a:r>
+              <a:pPr marL="0" marR="0" lvl="0" indent="0" algn="r" defTabSz="914400" rtl="0" eaLnBrk="1" fontAlgn="auto" latinLnBrk="0" hangingPunct="1">
+                <a:lnSpc>
+                  <a:spcPct val="96000"/>
+                </a:lnSpc>
+                <a:spcBef>
+                  <a:spcPts val="0"/>
+                </a:spcBef>
+                <a:spcAft>
+                  <a:spcPts val="0"/>
+                </a:spcAft>
+                <a:buClrTx/>
+                <a:buSzTx/>
+                <a:buFontTx/>
+                <a:buNone/>
+                <a:tabLst/>
+                <a:defRPr/>
+              </a:pPr>
+              <a:t>8</a:t>
+            </a:fld>
+            <a:endParaRPr kumimoji="0" lang="en-GB" altLang="en-US" sz="1401" b="0" i="0" u="none" strike="noStrike" kern="1200" cap="none" spc="0" normalizeH="0" baseline="0" noProof="0">
+              <a:ln>
+                <a:noFill/>
+              </a:ln>
+              <a:solidFill>
+                <a:srgbClr val="000000"/>
+              </a:solidFill>
+              <a:effectLst/>
+              <a:uLnTx/>
+              <a:uFillTx/>
+              <a:latin typeface="Times New Roman" panose="02020603050405020304" pitchFamily="18" charset="0"/>
+              <a:ea typeface="+mn-ea"/>
+              <a:cs typeface="Arial"/>
+            </a:endParaRPr>
           </a:p>
         </p:txBody>
       </p:sp>
     </p:spTree>
     <p:extLst>
       <p:ext uri="{BB962C8B-B14F-4D97-AF65-F5344CB8AC3E}">
-        <p14:creationId xmlns:p14="http://schemas.microsoft.com/office/powerpoint/2010/main" val="737806260"/>
+        <p14:creationId xmlns:p14="http://schemas.microsoft.com/office/powerpoint/2010/main" val="2537966333"/>
+      </p:ext>
+    </p:extLst>
+  </p:cSld>
+  <p:clrMapOvr>
+    <a:masterClrMapping/>
+  </p:clrMapOvr>
+</p:sld>
+</file>
+
+<file path=ppt/slides/slide9.xml><?xml version="1.0" encoding="utf-8"?>
+<p:sld xmlns:a="http://schemas.openxmlformats.org/drawingml/2006/main" xmlns:r="http://schemas.openxmlformats.org/officeDocument/2006/relationships" xmlns:p="http://schemas.openxmlformats.org/presentationml/2006/main">
+  <p:cSld>
+    <p:spTree>
+      <p:nvGrpSpPr>
+        <p:cNvPr id="1" name=""/>
+        <p:cNvGrpSpPr/>
+        <p:nvPr/>
+      </p:nvGrpSpPr>
+      <p:grpSpPr>
+        <a:xfrm>
+          <a:off x="0" y="0"/>
+          <a:ext cx="0" cy="0"/>
+          <a:chOff x="0" y="0"/>
+          <a:chExt cx="0" cy="0"/>
+        </a:xfrm>
+      </p:grpSpPr>
+      <p:sp>
+        <p:nvSpPr>
+          <p:cNvPr id="9218" name="Title 1"/>
+          <p:cNvSpPr>
+            <a:spLocks noGrp="1"/>
+          </p:cNvSpPr>
+          <p:nvPr>
+            <p:ph type="title"/>
+          </p:nvPr>
+        </p:nvSpPr>
+        <p:spPr/>
+        <p:txBody>
+          <a:bodyPr/>
+          <a:lstStyle/>
+          <a:p>
+            <a:pPr eaLnBrk="1" hangingPunct="1"/>
+            <a:r>
+              <a:rPr lang="en-US" altLang="en-US"/>
+              <a:t>Tree Terminology</a:t>
+            </a:r>
+          </a:p>
+        </p:txBody>
+      </p:sp>
+      <p:sp>
+        <p:nvSpPr>
+          <p:cNvPr id="9219" name="Content Placeholder 2"/>
+          <p:cNvSpPr>
+            <a:spLocks noGrp="1"/>
+          </p:cNvSpPr>
+          <p:nvPr>
+            <p:ph idx="1"/>
+          </p:nvPr>
+        </p:nvSpPr>
+        <p:spPr/>
+        <p:txBody>
+          <a:bodyPr/>
+          <a:lstStyle/>
+          <a:p>
+            <a:pPr eaLnBrk="1" hangingPunct="1"/>
+            <a:endParaRPr lang="en-US" altLang="en-US"/>
+          </a:p>
+        </p:txBody>
+      </p:sp>
+      <p:sp>
+        <p:nvSpPr>
+          <p:cNvPr id="4" name="Footer Placeholder 3"/>
+          <p:cNvSpPr>
+            <a:spLocks noGrp="1"/>
+          </p:cNvSpPr>
+          <p:nvPr>
+            <p:ph type="ftr" idx="11"/>
+          </p:nvPr>
+        </p:nvSpPr>
+        <p:spPr/>
+        <p:txBody>
+          <a:bodyPr/>
+          <a:lstStyle/>
+          <a:p>
+            <a:pPr marL="0" marR="0" lvl="0" indent="0" algn="ctr" defTabSz="914400" rtl="0" eaLnBrk="1" fontAlgn="auto" latinLnBrk="0" hangingPunct="1">
+              <a:lnSpc>
+                <a:spcPct val="96000"/>
+              </a:lnSpc>
+              <a:spcBef>
+                <a:spcPts val="0"/>
+              </a:spcBef>
+              <a:spcAft>
+                <a:spcPts val="0"/>
+              </a:spcAft>
+              <a:buClrTx/>
+              <a:buSzTx/>
+              <a:buFont typeface="Times New Roman" pitchFamily="16" charset="0"/>
+              <a:buNone/>
+              <a:tabLst>
+                <a:tab pos="0" algn="l"/>
+                <a:tab pos="457436" algn="l"/>
+                <a:tab pos="914872" algn="l"/>
+                <a:tab pos="1372308" algn="l"/>
+                <a:tab pos="1829742" algn="l"/>
+                <a:tab pos="2287178" algn="l"/>
+                <a:tab pos="2744615" algn="l"/>
+                <a:tab pos="3202050" algn="l"/>
+                <a:tab pos="3659486" algn="l"/>
+                <a:tab pos="4116923" algn="l"/>
+                <a:tab pos="4574357" algn="l"/>
+                <a:tab pos="5031793" algn="l"/>
+                <a:tab pos="5489228" algn="l"/>
+                <a:tab pos="5946665" algn="l"/>
+                <a:tab pos="6404101" algn="l"/>
+                <a:tab pos="6861536" algn="l"/>
+                <a:tab pos="7318971" algn="l"/>
+                <a:tab pos="7776408" algn="l"/>
+                <a:tab pos="8233843" algn="l"/>
+                <a:tab pos="8691279" algn="l"/>
+                <a:tab pos="9148715" algn="l"/>
+              </a:tabLst>
+              <a:defRPr/>
+            </a:pPr>
+            <a:r>
+              <a:rPr kumimoji="0" lang="en-US" sz="1401" b="0" i="0" u="none" strike="noStrike" kern="1200" cap="none" spc="0" normalizeH="0" baseline="0" noProof="0">
+                <a:ln>
+                  <a:noFill/>
+                </a:ln>
+                <a:solidFill>
+                  <a:srgbClr val="000000"/>
+                </a:solidFill>
+                <a:effectLst/>
+                <a:uLnTx/>
+                <a:uFillTx/>
+                <a:latin typeface="Times New Roman" pitchFamily="16" charset="0"/>
+                <a:ea typeface="+mn-ea"/>
+                <a:cs typeface="Arial" charset="0"/>
+              </a:rPr>
+              <a:t>CS 1501 – Algorithms &amp; Data Structures 2 – Sherif Khattab</a:t>
+            </a:r>
+          </a:p>
+        </p:txBody>
+      </p:sp>
+      <p:pic>
+        <p:nvPicPr>
+          <p:cNvPr id="22530" name="Picture 2"/>
+          <p:cNvPicPr>
+            <a:picLocks noChangeAspect="1" noChangeArrowheads="1"/>
+          </p:cNvPicPr>
+          <p:nvPr/>
+        </p:nvPicPr>
+        <p:blipFill>
+          <a:blip r:embed="rId2">
+            <a:grayscl/>
+          </a:blip>
+          <a:srcRect/>
+          <a:stretch>
+            <a:fillRect/>
+          </a:stretch>
+        </p:blipFill>
+        <p:spPr bwMode="auto">
+          <a:xfrm>
+            <a:off x="283946" y="1819576"/>
+            <a:ext cx="9313562" cy="3527053"/>
+          </a:xfrm>
+          <a:prstGeom prst="rect">
+            <a:avLst/>
+          </a:prstGeom>
+          <a:ln>
+            <a:noFill/>
+          </a:ln>
+          <a:effectLst>
+            <a:outerShdw blurRad="292100" dist="139700" dir="2700000" algn="tl" rotWithShape="0">
+              <a:srgbClr val="333333">
+                <a:alpha val="65000"/>
+              </a:srgbClr>
+            </a:outerShdw>
+          </a:effectLst>
+        </p:spPr>
+      </p:pic>
+      <p:sp>
+        <p:nvSpPr>
+          <p:cNvPr id="3" name="Slide Number Placeholder 2">
+            <a:extLst>
+              <a:ext uri="{FF2B5EF4-FFF2-40B4-BE49-F238E27FC236}">
+                <a16:creationId xmlns:a16="http://schemas.microsoft.com/office/drawing/2014/main" id="{BDCA1CF6-D760-45EE-88A7-8C69B546FE16}"/>
+              </a:ext>
+            </a:extLst>
+          </p:cNvPr>
+          <p:cNvSpPr>
+            <a:spLocks noGrp="1"/>
+          </p:cNvSpPr>
+          <p:nvPr>
+            <p:ph type="sldNum" idx="12"/>
+          </p:nvPr>
+        </p:nvSpPr>
+        <p:spPr/>
+        <p:txBody>
+          <a:bodyPr/>
+          <a:lstStyle/>
+          <a:p>
+            <a:pPr marL="0" marR="0" lvl="0" indent="0" algn="r" defTabSz="914400" rtl="0" eaLnBrk="1" fontAlgn="auto" latinLnBrk="0" hangingPunct="1">
+              <a:lnSpc>
+                <a:spcPct val="96000"/>
+              </a:lnSpc>
+              <a:spcBef>
+                <a:spcPts val="0"/>
+              </a:spcBef>
+              <a:spcAft>
+                <a:spcPts val="0"/>
+              </a:spcAft>
+              <a:buClrTx/>
+              <a:buSzTx/>
+              <a:buFontTx/>
+              <a:buNone/>
+              <a:tabLst/>
+              <a:defRPr/>
+            </a:pPr>
+            <a:fld id="{65E435D9-63B0-4660-8D04-E83F5E2CA2AE}" type="slidenum">
+              <a:rPr kumimoji="0" lang="en-GB" altLang="en-US" sz="1401" b="0" i="0" u="none" strike="noStrike" kern="1200" cap="none" spc="0" normalizeH="0" baseline="0" noProof="0" smtClean="0">
+                <a:ln>
+                  <a:noFill/>
+                </a:ln>
+                <a:solidFill>
+                  <a:srgbClr val="000000"/>
+                </a:solidFill>
+                <a:effectLst/>
+                <a:uLnTx/>
+                <a:uFillTx/>
+                <a:latin typeface="Times New Roman" panose="02020603050405020304" pitchFamily="18" charset="0"/>
+                <a:ea typeface="+mn-ea"/>
+                <a:cs typeface="Arial"/>
+              </a:rPr>
+              <a:pPr marL="0" marR="0" lvl="0" indent="0" algn="r" defTabSz="914400" rtl="0" eaLnBrk="1" fontAlgn="auto" latinLnBrk="0" hangingPunct="1">
+                <a:lnSpc>
+                  <a:spcPct val="96000"/>
+                </a:lnSpc>
+                <a:spcBef>
+                  <a:spcPts val="0"/>
+                </a:spcBef>
+                <a:spcAft>
+                  <a:spcPts val="0"/>
+                </a:spcAft>
+                <a:buClrTx/>
+                <a:buSzTx/>
+                <a:buFontTx/>
+                <a:buNone/>
+                <a:tabLst/>
+                <a:defRPr/>
+              </a:pPr>
+              <a:t>9</a:t>
+            </a:fld>
+            <a:endParaRPr kumimoji="0" lang="en-GB" altLang="en-US" sz="1401" b="0" i="0" u="none" strike="noStrike" kern="1200" cap="none" spc="0" normalizeH="0" baseline="0" noProof="0">
+              <a:ln>
+                <a:noFill/>
+              </a:ln>
+              <a:solidFill>
+                <a:srgbClr val="000000"/>
+              </a:solidFill>
+              <a:effectLst/>
+              <a:uLnTx/>
+              <a:uFillTx/>
+              <a:latin typeface="Times New Roman" panose="02020603050405020304" pitchFamily="18" charset="0"/>
+              <a:ea typeface="+mn-ea"/>
+              <a:cs typeface="Arial"/>
+            </a:endParaRPr>
+          </a:p>
+        </p:txBody>
+      </p:sp>
+    </p:spTree>
+    <p:extLst>
+      <p:ext uri="{BB962C8B-B14F-4D97-AF65-F5344CB8AC3E}">
+        <p14:creationId xmlns:p14="http://schemas.microsoft.com/office/powerpoint/2010/main" val="2496682011"/>
       </p:ext>
     </p:extLst>
   </p:cSld>

--- a/DraftSlides/Lecture3.pptx
+++ b/DraftSlides/Lecture3.pptx
@@ -7,7 +7,7 @@
     <p:sldMasterId id="2147483711" r:id="rId3"/>
   </p:sldMasterIdLst>
   <p:notesMasterIdLst>
-    <p:notesMasterId r:id="rId28"/>
+    <p:notesMasterId r:id="rId20"/>
   </p:notesMasterIdLst>
   <p:sldIdLst>
     <p:sldId id="405" r:id="rId4"/>
@@ -22,18 +22,10 @@
     <p:sldId id="1749" r:id="rId13"/>
     <p:sldId id="1870" r:id="rId14"/>
     <p:sldId id="1860" r:id="rId15"/>
-    <p:sldId id="1756" r:id="rId16"/>
-    <p:sldId id="281" r:id="rId17"/>
-    <p:sldId id="282" r:id="rId18"/>
-    <p:sldId id="283" r:id="rId19"/>
-    <p:sldId id="1875" r:id="rId20"/>
-    <p:sldId id="1876" r:id="rId21"/>
-    <p:sldId id="1877" r:id="rId22"/>
-    <p:sldId id="1878" r:id="rId23"/>
-    <p:sldId id="1879" r:id="rId24"/>
-    <p:sldId id="1873" r:id="rId25"/>
-    <p:sldId id="1874" r:id="rId26"/>
-    <p:sldId id="513" r:id="rId27"/>
+    <p:sldId id="1875" r:id="rId16"/>
+    <p:sldId id="1876" r:id="rId17"/>
+    <p:sldId id="1877" r:id="rId18"/>
+    <p:sldId id="513" r:id="rId19"/>
   </p:sldIdLst>
   <p:sldSz cx="10077450" cy="7562850"/>
   <p:notesSz cx="6858000" cy="9144000"/>
@@ -173,6 +165,895 @@
 
 <file path=ppt/changesInfos/changesInfo1.xml><?xml version="1.0" encoding="utf-8"?>
 <pc:chgInfo xmlns:a="http://schemas.openxmlformats.org/drawingml/2006/main" xmlns:r="http://schemas.openxmlformats.org/officeDocument/2006/relationships" xmlns:ac="http://schemas.microsoft.com/office/drawing/2013/main/command" xmlns:pc="http://schemas.microsoft.com/office/powerpoint/2013/main/command">
+  <pc:docChgLst>
+    <pc:chgData name="Khattab, Sherif" userId="c83b1e15-36f3-4f46-aceb-05aac24c545e" providerId="ADAL" clId="{F834E35F-18A9-B241-B162-F9ACA4EFE26C}"/>
+    <pc:docChg chg="custSel modSld">
+      <pc:chgData name="Khattab, Sherif" userId="c83b1e15-36f3-4f46-aceb-05aac24c545e" providerId="ADAL" clId="{F834E35F-18A9-B241-B162-F9ACA4EFE26C}" dt="2021-09-01T05:38:22.894" v="1" actId="478"/>
+      <pc:docMkLst>
+        <pc:docMk/>
+      </pc:docMkLst>
+      <pc:sldChg chg="delSp modSp mod">
+        <pc:chgData name="Khattab, Sherif" userId="c83b1e15-36f3-4f46-aceb-05aac24c545e" providerId="ADAL" clId="{F834E35F-18A9-B241-B162-F9ACA4EFE26C}" dt="2021-09-01T05:38:22.894" v="1" actId="478"/>
+        <pc:sldMkLst>
+          <pc:docMk/>
+          <pc:sldMk cId="1894775455" sldId="405"/>
+        </pc:sldMkLst>
+        <pc:spChg chg="mod">
+          <ac:chgData name="Khattab, Sherif" userId="c83b1e15-36f3-4f46-aceb-05aac24c545e" providerId="ADAL" clId="{F834E35F-18A9-B241-B162-F9ACA4EFE26C}" dt="2021-09-01T05:38:20.201" v="0"/>
+          <ac:spMkLst>
+            <pc:docMk/>
+            <pc:sldMk cId="1894775455" sldId="405"/>
+            <ac:spMk id="3" creationId="{00000000-0000-0000-0000-000000000000}"/>
+          </ac:spMkLst>
+        </pc:spChg>
+        <pc:spChg chg="del">
+          <ac:chgData name="Khattab, Sherif" userId="c83b1e15-36f3-4f46-aceb-05aac24c545e" providerId="ADAL" clId="{F834E35F-18A9-B241-B162-F9ACA4EFE26C}" dt="2021-09-01T05:38:22.894" v="1" actId="478"/>
+          <ac:spMkLst>
+            <pc:docMk/>
+            <pc:sldMk cId="1894775455" sldId="405"/>
+            <ac:spMk id="5" creationId="{76645EC5-A991-419C-860F-C4BB509A507B}"/>
+          </ac:spMkLst>
+        </pc:spChg>
+      </pc:sldChg>
+    </pc:docChg>
+  </pc:docChgLst>
+  <pc:docChgLst>
+    <pc:chgData name="Khattab, Sherif" userId="c83b1e15-36f3-4f46-aceb-05aac24c545e" providerId="ADAL" clId="{49366C86-6EFE-464C-B6B0-D941AB16FD34}"/>
+    <pc:docChg chg="modSld">
+      <pc:chgData name="Khattab, Sherif" userId="c83b1e15-36f3-4f46-aceb-05aac24c545e" providerId="ADAL" clId="{49366C86-6EFE-464C-B6B0-D941AB16FD34}" dt="2021-01-29T15:46:30.108" v="13" actId="20577"/>
+      <pc:docMkLst>
+        <pc:docMk/>
+      </pc:docMkLst>
+      <pc:sldChg chg="modSp mod">
+        <pc:chgData name="Khattab, Sherif" userId="c83b1e15-36f3-4f46-aceb-05aac24c545e" providerId="ADAL" clId="{49366C86-6EFE-464C-B6B0-D941AB16FD34}" dt="2021-01-29T15:46:30.108" v="13" actId="20577"/>
+        <pc:sldMkLst>
+          <pc:docMk/>
+          <pc:sldMk cId="1068465410" sldId="496"/>
+        </pc:sldMkLst>
+        <pc:spChg chg="mod">
+          <ac:chgData name="Khattab, Sherif" userId="c83b1e15-36f3-4f46-aceb-05aac24c545e" providerId="ADAL" clId="{49366C86-6EFE-464C-B6B0-D941AB16FD34}" dt="2021-01-29T15:46:30.108" v="13" actId="20577"/>
+          <ac:spMkLst>
+            <pc:docMk/>
+            <pc:sldMk cId="1068465410" sldId="496"/>
+            <ac:spMk id="3" creationId="{2466C52D-9A48-4683-BE7F-268D8DB7FAAD}"/>
+          </ac:spMkLst>
+        </pc:spChg>
+      </pc:sldChg>
+    </pc:docChg>
+  </pc:docChgLst>
+  <pc:docChgLst>
+    <pc:chgData name="Khattab, Sherif" userId="c83b1e15-36f3-4f46-aceb-05aac24c545e" providerId="ADAL" clId="{F2938780-69D4-7440-8672-A89FA067EE16}"/>
+    <pc:docChg chg="custSel addSld delSld modSld">
+      <pc:chgData name="Khattab, Sherif" userId="c83b1e15-36f3-4f46-aceb-05aac24c545e" providerId="ADAL" clId="{F2938780-69D4-7440-8672-A89FA067EE16}" dt="2022-01-24T19:11:27.720" v="1472"/>
+      <pc:docMkLst>
+        <pc:docMk/>
+      </pc:docMkLst>
+      <pc:sldChg chg="add del">
+        <pc:chgData name="Khattab, Sherif" userId="c83b1e15-36f3-4f46-aceb-05aac24c545e" providerId="ADAL" clId="{F2938780-69D4-7440-8672-A89FA067EE16}" dt="2022-01-24T19:00:47.936" v="1054"/>
+        <pc:sldMkLst>
+          <pc:docMk/>
+          <pc:sldMk cId="2805000757" sldId="281"/>
+        </pc:sldMkLst>
+      </pc:sldChg>
+      <pc:sldChg chg="add del">
+        <pc:chgData name="Khattab, Sherif" userId="c83b1e15-36f3-4f46-aceb-05aac24c545e" providerId="ADAL" clId="{F2938780-69D4-7440-8672-A89FA067EE16}" dt="2022-01-24T19:00:47.936" v="1054"/>
+        <pc:sldMkLst>
+          <pc:docMk/>
+          <pc:sldMk cId="644336610" sldId="282"/>
+        </pc:sldMkLst>
+      </pc:sldChg>
+      <pc:sldChg chg="add del">
+        <pc:chgData name="Khattab, Sherif" userId="c83b1e15-36f3-4f46-aceb-05aac24c545e" providerId="ADAL" clId="{F2938780-69D4-7440-8672-A89FA067EE16}" dt="2022-01-24T19:00:47.936" v="1054"/>
+        <pc:sldMkLst>
+          <pc:docMk/>
+          <pc:sldMk cId="3275560456" sldId="283"/>
+        </pc:sldMkLst>
+      </pc:sldChg>
+      <pc:sldChg chg="del">
+        <pc:chgData name="Khattab, Sherif" userId="c83b1e15-36f3-4f46-aceb-05aac24c545e" providerId="ADAL" clId="{F2938780-69D4-7440-8672-A89FA067EE16}" dt="2022-01-19T19:44:11.292" v="1" actId="2696"/>
+        <pc:sldMkLst>
+          <pc:docMk/>
+          <pc:sldMk cId="2890204605" sldId="395"/>
+        </pc:sldMkLst>
+      </pc:sldChg>
+      <pc:sldChg chg="del">
+        <pc:chgData name="Khattab, Sherif" userId="c83b1e15-36f3-4f46-aceb-05aac24c545e" providerId="ADAL" clId="{F2938780-69D4-7440-8672-A89FA067EE16}" dt="2022-01-19T19:44:11.292" v="1" actId="2696"/>
+        <pc:sldMkLst>
+          <pc:docMk/>
+          <pc:sldMk cId="2597936913" sldId="396"/>
+        </pc:sldMkLst>
+      </pc:sldChg>
+      <pc:sldChg chg="del">
+        <pc:chgData name="Khattab, Sherif" userId="c83b1e15-36f3-4f46-aceb-05aac24c545e" providerId="ADAL" clId="{F2938780-69D4-7440-8672-A89FA067EE16}" dt="2022-01-19T19:44:11.292" v="1" actId="2696"/>
+        <pc:sldMkLst>
+          <pc:docMk/>
+          <pc:sldMk cId="3574743674" sldId="397"/>
+        </pc:sldMkLst>
+      </pc:sldChg>
+      <pc:sldChg chg="del">
+        <pc:chgData name="Khattab, Sherif" userId="c83b1e15-36f3-4f46-aceb-05aac24c545e" providerId="ADAL" clId="{F2938780-69D4-7440-8672-A89FA067EE16}" dt="2022-01-19T19:44:11.292" v="1" actId="2696"/>
+        <pc:sldMkLst>
+          <pc:docMk/>
+          <pc:sldMk cId="777795780" sldId="398"/>
+        </pc:sldMkLst>
+      </pc:sldChg>
+      <pc:sldChg chg="del">
+        <pc:chgData name="Khattab, Sherif" userId="c83b1e15-36f3-4f46-aceb-05aac24c545e" providerId="ADAL" clId="{F2938780-69D4-7440-8672-A89FA067EE16}" dt="2022-01-19T19:44:11.292" v="1" actId="2696"/>
+        <pc:sldMkLst>
+          <pc:docMk/>
+          <pc:sldMk cId="2945536741" sldId="399"/>
+        </pc:sldMkLst>
+      </pc:sldChg>
+      <pc:sldChg chg="del">
+        <pc:chgData name="Khattab, Sherif" userId="c83b1e15-36f3-4f46-aceb-05aac24c545e" providerId="ADAL" clId="{F2938780-69D4-7440-8672-A89FA067EE16}" dt="2022-01-19T19:44:11.292" v="1" actId="2696"/>
+        <pc:sldMkLst>
+          <pc:docMk/>
+          <pc:sldMk cId="3261447239" sldId="400"/>
+        </pc:sldMkLst>
+      </pc:sldChg>
+      <pc:sldChg chg="del">
+        <pc:chgData name="Khattab, Sherif" userId="c83b1e15-36f3-4f46-aceb-05aac24c545e" providerId="ADAL" clId="{F2938780-69D4-7440-8672-A89FA067EE16}" dt="2022-01-19T19:44:11.292" v="1" actId="2696"/>
+        <pc:sldMkLst>
+          <pc:docMk/>
+          <pc:sldMk cId="225707824" sldId="401"/>
+        </pc:sldMkLst>
+      </pc:sldChg>
+      <pc:sldChg chg="del">
+        <pc:chgData name="Khattab, Sherif" userId="c83b1e15-36f3-4f46-aceb-05aac24c545e" providerId="ADAL" clId="{F2938780-69D4-7440-8672-A89FA067EE16}" dt="2022-01-19T19:44:11.292" v="1" actId="2696"/>
+        <pc:sldMkLst>
+          <pc:docMk/>
+          <pc:sldMk cId="3756086896" sldId="402"/>
+        </pc:sldMkLst>
+      </pc:sldChg>
+      <pc:sldChg chg="modSp mod modAnim">
+        <pc:chgData name="Khattab, Sherif" userId="c83b1e15-36f3-4f46-aceb-05aac24c545e" providerId="ADAL" clId="{F2938780-69D4-7440-8672-A89FA067EE16}" dt="2022-01-24T18:50:27.070" v="250"/>
+        <pc:sldMkLst>
+          <pc:docMk/>
+          <pc:sldMk cId="1068465410" sldId="496"/>
+        </pc:sldMkLst>
+        <pc:spChg chg="mod">
+          <ac:chgData name="Khattab, Sherif" userId="c83b1e15-36f3-4f46-aceb-05aac24c545e" providerId="ADAL" clId="{F2938780-69D4-7440-8672-A89FA067EE16}" dt="2022-01-24T18:50:02.639" v="245" actId="20577"/>
+          <ac:spMkLst>
+            <pc:docMk/>
+            <pc:sldMk cId="1068465410" sldId="496"/>
+            <ac:spMk id="3" creationId="{2466C52D-9A48-4683-BE7F-268D8DB7FAAD}"/>
+          </ac:spMkLst>
+        </pc:spChg>
+      </pc:sldChg>
+      <pc:sldChg chg="modSp mod">
+        <pc:chgData name="Khattab, Sherif" userId="c83b1e15-36f3-4f46-aceb-05aac24c545e" providerId="ADAL" clId="{F2938780-69D4-7440-8672-A89FA067EE16}" dt="2022-01-24T18:51:55.854" v="384" actId="20577"/>
+        <pc:sldMkLst>
+          <pc:docMk/>
+          <pc:sldMk cId="2374057061" sldId="498"/>
+        </pc:sldMkLst>
+        <pc:spChg chg="mod">
+          <ac:chgData name="Khattab, Sherif" userId="c83b1e15-36f3-4f46-aceb-05aac24c545e" providerId="ADAL" clId="{F2938780-69D4-7440-8672-A89FA067EE16}" dt="2022-01-24T18:51:16.644" v="287" actId="20577"/>
+          <ac:spMkLst>
+            <pc:docMk/>
+            <pc:sldMk cId="2374057061" sldId="498"/>
+            <ac:spMk id="2" creationId="{741EEA9E-5858-4409-A959-87D88423DD63}"/>
+          </ac:spMkLst>
+        </pc:spChg>
+        <pc:spChg chg="mod">
+          <ac:chgData name="Khattab, Sherif" userId="c83b1e15-36f3-4f46-aceb-05aac24c545e" providerId="ADAL" clId="{F2938780-69D4-7440-8672-A89FA067EE16}" dt="2022-01-24T18:51:55.854" v="384" actId="20577"/>
+          <ac:spMkLst>
+            <pc:docMk/>
+            <pc:sldMk cId="2374057061" sldId="498"/>
+            <ac:spMk id="3" creationId="{F832F02F-5ABF-4702-A259-B8272D97DD79}"/>
+          </ac:spMkLst>
+        </pc:spChg>
+      </pc:sldChg>
+      <pc:sldChg chg="del">
+        <pc:chgData name="Khattab, Sherif" userId="c83b1e15-36f3-4f46-aceb-05aac24c545e" providerId="ADAL" clId="{F2938780-69D4-7440-8672-A89FA067EE16}" dt="2022-01-12T17:55:44.979" v="0" actId="2696"/>
+        <pc:sldMkLst>
+          <pc:docMk/>
+          <pc:sldMk cId="2435766761" sldId="503"/>
+        </pc:sldMkLst>
+      </pc:sldChg>
+      <pc:sldChg chg="del">
+        <pc:chgData name="Khattab, Sherif" userId="c83b1e15-36f3-4f46-aceb-05aac24c545e" providerId="ADAL" clId="{F2938780-69D4-7440-8672-A89FA067EE16}" dt="2022-01-19T19:44:11.292" v="1" actId="2696"/>
+        <pc:sldMkLst>
+          <pc:docMk/>
+          <pc:sldMk cId="1128397823" sldId="504"/>
+        </pc:sldMkLst>
+      </pc:sldChg>
+      <pc:sldChg chg="del">
+        <pc:chgData name="Khattab, Sherif" userId="c83b1e15-36f3-4f46-aceb-05aac24c545e" providerId="ADAL" clId="{F2938780-69D4-7440-8672-A89FA067EE16}" dt="2022-01-19T19:44:11.292" v="1" actId="2696"/>
+        <pc:sldMkLst>
+          <pc:docMk/>
+          <pc:sldMk cId="729670177" sldId="505"/>
+        </pc:sldMkLst>
+      </pc:sldChg>
+      <pc:sldChg chg="modSp new mod">
+        <pc:chgData name="Khattab, Sherif" userId="c83b1e15-36f3-4f46-aceb-05aac24c545e" providerId="ADAL" clId="{F2938780-69D4-7440-8672-A89FA067EE16}" dt="2022-01-24T18:50:48.212" v="283" actId="20577"/>
+        <pc:sldMkLst>
+          <pc:docMk/>
+          <pc:sldMk cId="1934269584" sldId="514"/>
+        </pc:sldMkLst>
+        <pc:spChg chg="mod">
+          <ac:chgData name="Khattab, Sherif" userId="c83b1e15-36f3-4f46-aceb-05aac24c545e" providerId="ADAL" clId="{F2938780-69D4-7440-8672-A89FA067EE16}" dt="2022-01-24T18:50:48.212" v="283" actId="20577"/>
+          <ac:spMkLst>
+            <pc:docMk/>
+            <pc:sldMk cId="1934269584" sldId="514"/>
+            <ac:spMk id="2" creationId="{1A1299B1-F2F3-8B42-B1C5-F009AD7F2E02}"/>
+          </ac:spMkLst>
+        </pc:spChg>
+      </pc:sldChg>
+      <pc:sldChg chg="modSp new mod modAnim">
+        <pc:chgData name="Khattab, Sherif" userId="c83b1e15-36f3-4f46-aceb-05aac24c545e" providerId="ADAL" clId="{F2938780-69D4-7440-8672-A89FA067EE16}" dt="2022-01-24T19:04:37.515" v="1222"/>
+        <pc:sldMkLst>
+          <pc:docMk/>
+          <pc:sldMk cId="4101598668" sldId="515"/>
+        </pc:sldMkLst>
+        <pc:spChg chg="mod">
+          <ac:chgData name="Khattab, Sherif" userId="c83b1e15-36f3-4f46-aceb-05aac24c545e" providerId="ADAL" clId="{F2938780-69D4-7440-8672-A89FA067EE16}" dt="2022-01-24T18:52:06.451" v="402" actId="20577"/>
+          <ac:spMkLst>
+            <pc:docMk/>
+            <pc:sldMk cId="4101598668" sldId="515"/>
+            <ac:spMk id="2" creationId="{BAE4BE55-BB47-0840-8926-187F65000663}"/>
+          </ac:spMkLst>
+        </pc:spChg>
+        <pc:spChg chg="mod">
+          <ac:chgData name="Khattab, Sherif" userId="c83b1e15-36f3-4f46-aceb-05aac24c545e" providerId="ADAL" clId="{F2938780-69D4-7440-8672-A89FA067EE16}" dt="2022-01-24T19:04:29.958" v="1220" actId="6549"/>
+          <ac:spMkLst>
+            <pc:docMk/>
+            <pc:sldMk cId="4101598668" sldId="515"/>
+            <ac:spMk id="3" creationId="{66D37046-C00B-C743-8909-879EA730BF48}"/>
+          </ac:spMkLst>
+        </pc:spChg>
+      </pc:sldChg>
+      <pc:sldChg chg="modSp new mod modAnim">
+        <pc:chgData name="Khattab, Sherif" userId="c83b1e15-36f3-4f46-aceb-05aac24c545e" providerId="ADAL" clId="{F2938780-69D4-7440-8672-A89FA067EE16}" dt="2022-01-24T19:04:46.414" v="1224"/>
+        <pc:sldMkLst>
+          <pc:docMk/>
+          <pc:sldMk cId="3882715997" sldId="516"/>
+        </pc:sldMkLst>
+        <pc:spChg chg="mod">
+          <ac:chgData name="Khattab, Sherif" userId="c83b1e15-36f3-4f46-aceb-05aac24c545e" providerId="ADAL" clId="{F2938780-69D4-7440-8672-A89FA067EE16}" dt="2022-01-24T18:57:29.547" v="754" actId="20577"/>
+          <ac:spMkLst>
+            <pc:docMk/>
+            <pc:sldMk cId="3882715997" sldId="516"/>
+            <ac:spMk id="2" creationId="{F04FD427-B855-7748-91DD-4345F845EDDA}"/>
+          </ac:spMkLst>
+        </pc:spChg>
+        <pc:spChg chg="mod">
+          <ac:chgData name="Khattab, Sherif" userId="c83b1e15-36f3-4f46-aceb-05aac24c545e" providerId="ADAL" clId="{F2938780-69D4-7440-8672-A89FA067EE16}" dt="2022-01-24T18:58:27.537" v="889" actId="20577"/>
+          <ac:spMkLst>
+            <pc:docMk/>
+            <pc:sldMk cId="3882715997" sldId="516"/>
+            <ac:spMk id="3" creationId="{A60090A3-B522-CB4C-A719-CFC3F560260F}"/>
+          </ac:spMkLst>
+        </pc:spChg>
+      </pc:sldChg>
+      <pc:sldChg chg="modSp new mod modAnim">
+        <pc:chgData name="Khattab, Sherif" userId="c83b1e15-36f3-4f46-aceb-05aac24c545e" providerId="ADAL" clId="{F2938780-69D4-7440-8672-A89FA067EE16}" dt="2022-01-24T19:05:01.412" v="1226"/>
+        <pc:sldMkLst>
+          <pc:docMk/>
+          <pc:sldMk cId="178079215" sldId="517"/>
+        </pc:sldMkLst>
+        <pc:spChg chg="mod">
+          <ac:chgData name="Khattab, Sherif" userId="c83b1e15-36f3-4f46-aceb-05aac24c545e" providerId="ADAL" clId="{F2938780-69D4-7440-8672-A89FA067EE16}" dt="2022-01-24T18:58:43.312" v="922" actId="20577"/>
+          <ac:spMkLst>
+            <pc:docMk/>
+            <pc:sldMk cId="178079215" sldId="517"/>
+            <ac:spMk id="2" creationId="{773F923B-DA4B-404C-A019-FF4AD6C70756}"/>
+          </ac:spMkLst>
+        </pc:spChg>
+        <pc:spChg chg="mod">
+          <ac:chgData name="Khattab, Sherif" userId="c83b1e15-36f3-4f46-aceb-05aac24c545e" providerId="ADAL" clId="{F2938780-69D4-7440-8672-A89FA067EE16}" dt="2022-01-24T18:59:26.359" v="1047" actId="20577"/>
+          <ac:spMkLst>
+            <pc:docMk/>
+            <pc:sldMk cId="178079215" sldId="517"/>
+            <ac:spMk id="3" creationId="{D790DADA-0309-444A-9E7A-F2F44A3F624E}"/>
+          </ac:spMkLst>
+        </pc:spChg>
+      </pc:sldChg>
+      <pc:sldChg chg="add del">
+        <pc:chgData name="Khattab, Sherif" userId="c83b1e15-36f3-4f46-aceb-05aac24c545e" providerId="ADAL" clId="{F2938780-69D4-7440-8672-A89FA067EE16}" dt="2022-01-24T19:00:47.936" v="1054"/>
+        <pc:sldMkLst>
+          <pc:docMk/>
+          <pc:sldMk cId="2496682011" sldId="1747"/>
+        </pc:sldMkLst>
+      </pc:sldChg>
+      <pc:sldChg chg="add del">
+        <pc:chgData name="Khattab, Sherif" userId="c83b1e15-36f3-4f46-aceb-05aac24c545e" providerId="ADAL" clId="{F2938780-69D4-7440-8672-A89FA067EE16}" dt="2022-01-24T19:00:47.936" v="1054"/>
+        <pc:sldMkLst>
+          <pc:docMk/>
+          <pc:sldMk cId="1456819960" sldId="1749"/>
+        </pc:sldMkLst>
+      </pc:sldChg>
+      <pc:sldChg chg="add del modAnim">
+        <pc:chgData name="Khattab, Sherif" userId="c83b1e15-36f3-4f46-aceb-05aac24c545e" providerId="ADAL" clId="{F2938780-69D4-7440-8672-A89FA067EE16}" dt="2022-01-24T19:05:20.791" v="1231"/>
+        <pc:sldMkLst>
+          <pc:docMk/>
+          <pc:sldMk cId="2838362889" sldId="1756"/>
+        </pc:sldMkLst>
+      </pc:sldChg>
+      <pc:sldChg chg="add del">
+        <pc:chgData name="Khattab, Sherif" userId="c83b1e15-36f3-4f46-aceb-05aac24c545e" providerId="ADAL" clId="{F2938780-69D4-7440-8672-A89FA067EE16}" dt="2022-01-24T19:00:47.936" v="1054"/>
+        <pc:sldMkLst>
+          <pc:docMk/>
+          <pc:sldMk cId="2537966333" sldId="1859"/>
+        </pc:sldMkLst>
+      </pc:sldChg>
+      <pc:sldChg chg="modSp new mod modAnim">
+        <pc:chgData name="Khattab, Sherif" userId="c83b1e15-36f3-4f46-aceb-05aac24c545e" providerId="ADAL" clId="{F2938780-69D4-7440-8672-A89FA067EE16}" dt="2022-01-24T19:05:13.379" v="1229"/>
+        <pc:sldMkLst>
+          <pc:docMk/>
+          <pc:sldMk cId="94405796" sldId="1860"/>
+        </pc:sldMkLst>
+        <pc:spChg chg="mod">
+          <ac:chgData name="Khattab, Sherif" userId="c83b1e15-36f3-4f46-aceb-05aac24c545e" providerId="ADAL" clId="{F2938780-69D4-7440-8672-A89FA067EE16}" dt="2022-01-24T19:03:14.495" v="1073" actId="20577"/>
+          <ac:spMkLst>
+            <pc:docMk/>
+            <pc:sldMk cId="94405796" sldId="1860"/>
+            <ac:spMk id="2" creationId="{46D5E86E-526D-C64F-80A9-DE4115CEEF4D}"/>
+          </ac:spMkLst>
+        </pc:spChg>
+        <pc:spChg chg="mod">
+          <ac:chgData name="Khattab, Sherif" userId="c83b1e15-36f3-4f46-aceb-05aac24c545e" providerId="ADAL" clId="{F2938780-69D4-7440-8672-A89FA067EE16}" dt="2022-01-24T19:04:06.025" v="1217" actId="114"/>
+          <ac:spMkLst>
+            <pc:docMk/>
+            <pc:sldMk cId="94405796" sldId="1860"/>
+            <ac:spMk id="3" creationId="{2D817B69-2398-4745-A2CD-07ED6E10AE15}"/>
+          </ac:spMkLst>
+        </pc:spChg>
+      </pc:sldChg>
+      <pc:sldChg chg="del">
+        <pc:chgData name="Khattab, Sherif" userId="c83b1e15-36f3-4f46-aceb-05aac24c545e" providerId="ADAL" clId="{F2938780-69D4-7440-8672-A89FA067EE16}" dt="2022-01-19T19:44:11.292" v="1" actId="2696"/>
+        <pc:sldMkLst>
+          <pc:docMk/>
+          <pc:sldMk cId="728471020" sldId="1861"/>
+        </pc:sldMkLst>
+      </pc:sldChg>
+      <pc:sldChg chg="del">
+        <pc:chgData name="Khattab, Sherif" userId="c83b1e15-36f3-4f46-aceb-05aac24c545e" providerId="ADAL" clId="{F2938780-69D4-7440-8672-A89FA067EE16}" dt="2022-01-19T19:44:11.292" v="1" actId="2696"/>
+        <pc:sldMkLst>
+          <pc:docMk/>
+          <pc:sldMk cId="2798897567" sldId="1862"/>
+        </pc:sldMkLst>
+      </pc:sldChg>
+      <pc:sldChg chg="del">
+        <pc:chgData name="Khattab, Sherif" userId="c83b1e15-36f3-4f46-aceb-05aac24c545e" providerId="ADAL" clId="{F2938780-69D4-7440-8672-A89FA067EE16}" dt="2022-01-12T17:55:44.979" v="0" actId="2696"/>
+        <pc:sldMkLst>
+          <pc:docMk/>
+          <pc:sldMk cId="3431024549" sldId="1864"/>
+        </pc:sldMkLst>
+      </pc:sldChg>
+      <pc:sldChg chg="add del">
+        <pc:chgData name="Khattab, Sherif" userId="c83b1e15-36f3-4f46-aceb-05aac24c545e" providerId="ADAL" clId="{F2938780-69D4-7440-8672-A89FA067EE16}" dt="2022-01-24T19:08:35.767" v="1235" actId="2696"/>
+        <pc:sldMkLst>
+          <pc:docMk/>
+          <pc:sldMk cId="1662342598" sldId="1870"/>
+        </pc:sldMkLst>
+      </pc:sldChg>
+      <pc:sldChg chg="add del">
+        <pc:chgData name="Khattab, Sherif" userId="c83b1e15-36f3-4f46-aceb-05aac24c545e" providerId="ADAL" clId="{F2938780-69D4-7440-8672-A89FA067EE16}" dt="2022-01-24T19:08:43.089" v="1237"/>
+        <pc:sldMkLst>
+          <pc:docMk/>
+          <pc:sldMk cId="2489273629" sldId="1870"/>
+        </pc:sldMkLst>
+      </pc:sldChg>
+      <pc:sldChg chg="add">
+        <pc:chgData name="Khattab, Sherif" userId="c83b1e15-36f3-4f46-aceb-05aac24c545e" providerId="ADAL" clId="{F2938780-69D4-7440-8672-A89FA067EE16}" dt="2022-01-24T19:08:43.196" v="1238"/>
+        <pc:sldMkLst>
+          <pc:docMk/>
+          <pc:sldMk cId="2643093518" sldId="1870"/>
+        </pc:sldMkLst>
+      </pc:sldChg>
+      <pc:sldChg chg="add del">
+        <pc:chgData name="Khattab, Sherif" userId="c83b1e15-36f3-4f46-aceb-05aac24c545e" providerId="ADAL" clId="{F2938780-69D4-7440-8672-A89FA067EE16}" dt="2022-01-24T19:06:42.347" v="1234"/>
+        <pc:sldMkLst>
+          <pc:docMk/>
+          <pc:sldMk cId="551485046" sldId="1873"/>
+        </pc:sldMkLst>
+      </pc:sldChg>
+      <pc:sldChg chg="add del">
+        <pc:chgData name="Khattab, Sherif" userId="c83b1e15-36f3-4f46-aceb-05aac24c545e" providerId="ADAL" clId="{F2938780-69D4-7440-8672-A89FA067EE16}" dt="2022-01-24T19:06:42.347" v="1234"/>
+        <pc:sldMkLst>
+          <pc:docMk/>
+          <pc:sldMk cId="868200480" sldId="1874"/>
+        </pc:sldMkLst>
+      </pc:sldChg>
+      <pc:sldChg chg="modSp new mod">
+        <pc:chgData name="Khattab, Sherif" userId="c83b1e15-36f3-4f46-aceb-05aac24c545e" providerId="ADAL" clId="{F2938780-69D4-7440-8672-A89FA067EE16}" dt="2022-01-24T19:09:14.554" v="1291" actId="20577"/>
+        <pc:sldMkLst>
+          <pc:docMk/>
+          <pc:sldMk cId="2951067329" sldId="1875"/>
+        </pc:sldMkLst>
+        <pc:spChg chg="mod">
+          <ac:chgData name="Khattab, Sherif" userId="c83b1e15-36f3-4f46-aceb-05aac24c545e" providerId="ADAL" clId="{F2938780-69D4-7440-8672-A89FA067EE16}" dt="2022-01-24T19:08:56.930" v="1259" actId="20577"/>
+          <ac:spMkLst>
+            <pc:docMk/>
+            <pc:sldMk cId="2951067329" sldId="1875"/>
+            <ac:spMk id="2" creationId="{3D3FBB3E-C765-1E4E-94C9-0366E1474005}"/>
+          </ac:spMkLst>
+        </pc:spChg>
+        <pc:spChg chg="mod">
+          <ac:chgData name="Khattab, Sherif" userId="c83b1e15-36f3-4f46-aceb-05aac24c545e" providerId="ADAL" clId="{F2938780-69D4-7440-8672-A89FA067EE16}" dt="2022-01-24T19:09:14.554" v="1291" actId="20577"/>
+          <ac:spMkLst>
+            <pc:docMk/>
+            <pc:sldMk cId="2951067329" sldId="1875"/>
+            <ac:spMk id="3" creationId="{29DC18C8-49D2-814F-9449-B9B1DA721BCC}"/>
+          </ac:spMkLst>
+        </pc:spChg>
+      </pc:sldChg>
+      <pc:sldChg chg="modSp new mod">
+        <pc:chgData name="Khattab, Sherif" userId="c83b1e15-36f3-4f46-aceb-05aac24c545e" providerId="ADAL" clId="{F2938780-69D4-7440-8672-A89FA067EE16}" dt="2022-01-24T19:09:47.781" v="1373" actId="20577"/>
+        <pc:sldMkLst>
+          <pc:docMk/>
+          <pc:sldMk cId="2514033985" sldId="1876"/>
+        </pc:sldMkLst>
+        <pc:spChg chg="mod">
+          <ac:chgData name="Khattab, Sherif" userId="c83b1e15-36f3-4f46-aceb-05aac24c545e" providerId="ADAL" clId="{F2938780-69D4-7440-8672-A89FA067EE16}" dt="2022-01-24T19:09:22.040" v="1309" actId="20577"/>
+          <ac:spMkLst>
+            <pc:docMk/>
+            <pc:sldMk cId="2514033985" sldId="1876"/>
+            <ac:spMk id="2" creationId="{B3AFA3E5-D40A-2249-AC65-F3B19EE1F133}"/>
+          </ac:spMkLst>
+        </pc:spChg>
+        <pc:spChg chg="mod">
+          <ac:chgData name="Khattab, Sherif" userId="c83b1e15-36f3-4f46-aceb-05aac24c545e" providerId="ADAL" clId="{F2938780-69D4-7440-8672-A89FA067EE16}" dt="2022-01-24T19:09:47.781" v="1373" actId="20577"/>
+          <ac:spMkLst>
+            <pc:docMk/>
+            <pc:sldMk cId="2514033985" sldId="1876"/>
+            <ac:spMk id="3" creationId="{8810FF70-0502-7C47-8047-1376AA6A10E9}"/>
+          </ac:spMkLst>
+        </pc:spChg>
+      </pc:sldChg>
+      <pc:sldChg chg="modSp new mod">
+        <pc:chgData name="Khattab, Sherif" userId="c83b1e15-36f3-4f46-aceb-05aac24c545e" providerId="ADAL" clId="{F2938780-69D4-7440-8672-A89FA067EE16}" dt="2022-01-24T19:10:31.458" v="1469" actId="20577"/>
+        <pc:sldMkLst>
+          <pc:docMk/>
+          <pc:sldMk cId="671181895" sldId="1877"/>
+        </pc:sldMkLst>
+        <pc:spChg chg="mod">
+          <ac:chgData name="Khattab, Sherif" userId="c83b1e15-36f3-4f46-aceb-05aac24c545e" providerId="ADAL" clId="{F2938780-69D4-7440-8672-A89FA067EE16}" dt="2022-01-24T19:10:31.458" v="1469" actId="20577"/>
+          <ac:spMkLst>
+            <pc:docMk/>
+            <pc:sldMk cId="671181895" sldId="1877"/>
+            <ac:spMk id="2" creationId="{069B5492-7901-AD4A-A3E3-C3660B01056A}"/>
+          </ac:spMkLst>
+        </pc:spChg>
+        <pc:spChg chg="mod">
+          <ac:chgData name="Khattab, Sherif" userId="c83b1e15-36f3-4f46-aceb-05aac24c545e" providerId="ADAL" clId="{F2938780-69D4-7440-8672-A89FA067EE16}" dt="2022-01-24T19:10:23.844" v="1467" actId="20577"/>
+          <ac:spMkLst>
+            <pc:docMk/>
+            <pc:sldMk cId="671181895" sldId="1877"/>
+            <ac:spMk id="3" creationId="{BE8BCB22-8A89-BF4C-BAD0-7A771C44B9DE}"/>
+          </ac:spMkLst>
+        </pc:spChg>
+      </pc:sldChg>
+      <pc:sldChg chg="add del">
+        <pc:chgData name="Khattab, Sherif" userId="c83b1e15-36f3-4f46-aceb-05aac24c545e" providerId="ADAL" clId="{F2938780-69D4-7440-8672-A89FA067EE16}" dt="2022-01-24T19:11:27.720" v="1472"/>
+        <pc:sldMkLst>
+          <pc:docMk/>
+          <pc:sldMk cId="972574410" sldId="1878"/>
+        </pc:sldMkLst>
+      </pc:sldChg>
+      <pc:sldChg chg="add del">
+        <pc:chgData name="Khattab, Sherif" userId="c83b1e15-36f3-4f46-aceb-05aac24c545e" providerId="ADAL" clId="{F2938780-69D4-7440-8672-A89FA067EE16}" dt="2022-01-24T19:11:27.720" v="1472"/>
+        <pc:sldMkLst>
+          <pc:docMk/>
+          <pc:sldMk cId="3409777137" sldId="1879"/>
+        </pc:sldMkLst>
+      </pc:sldChg>
+    </pc:docChg>
+  </pc:docChgLst>
+  <pc:docChgLst>
+    <pc:chgData name="Khattab, Sherif" userId="c83b1e15-36f3-4f46-aceb-05aac24c545e" providerId="ADAL" clId="{FB7609DE-4E49-B943-8CC1-A94C3EC91022}"/>
+    <pc:docChg chg="undo custSel addSld delSld modSld">
+      <pc:chgData name="Khattab, Sherif" userId="c83b1e15-36f3-4f46-aceb-05aac24c545e" providerId="ADAL" clId="{FB7609DE-4E49-B943-8CC1-A94C3EC91022}" dt="2021-01-27T20:12:41.246" v="980"/>
+      <pc:docMkLst>
+        <pc:docMk/>
+      </pc:docMkLst>
+      <pc:sldChg chg="del">
+        <pc:chgData name="Khattab, Sherif" userId="c83b1e15-36f3-4f46-aceb-05aac24c545e" providerId="ADAL" clId="{FB7609DE-4E49-B943-8CC1-A94C3EC91022}" dt="2021-01-27T13:56:14.317" v="377" actId="2696"/>
+        <pc:sldMkLst>
+          <pc:docMk/>
+          <pc:sldMk cId="1152327425" sldId="257"/>
+        </pc:sldMkLst>
+      </pc:sldChg>
+      <pc:sldChg chg="del">
+        <pc:chgData name="Khattab, Sherif" userId="c83b1e15-36f3-4f46-aceb-05aac24c545e" providerId="ADAL" clId="{FB7609DE-4E49-B943-8CC1-A94C3EC91022}" dt="2021-01-27T13:56:14.317" v="377" actId="2696"/>
+        <pc:sldMkLst>
+          <pc:docMk/>
+          <pc:sldMk cId="2472493573" sldId="258"/>
+        </pc:sldMkLst>
+      </pc:sldChg>
+      <pc:sldChg chg="modSp del mod">
+        <pc:chgData name="Khattab, Sherif" userId="c83b1e15-36f3-4f46-aceb-05aac24c545e" providerId="ADAL" clId="{FB7609DE-4E49-B943-8CC1-A94C3EC91022}" dt="2021-01-27T13:56:14.317" v="377" actId="2696"/>
+        <pc:sldMkLst>
+          <pc:docMk/>
+          <pc:sldMk cId="1382941772" sldId="260"/>
+        </pc:sldMkLst>
+        <pc:spChg chg="mod">
+          <ac:chgData name="Khattab, Sherif" userId="c83b1e15-36f3-4f46-aceb-05aac24c545e" providerId="ADAL" clId="{FB7609DE-4E49-B943-8CC1-A94C3EC91022}" dt="2021-01-27T13:54:03.796" v="185" actId="27636"/>
+          <ac:spMkLst>
+            <pc:docMk/>
+            <pc:sldMk cId="1382941772" sldId="260"/>
+            <ac:spMk id="165" creationId="{00000000-0000-0000-0000-000000000000}"/>
+          </ac:spMkLst>
+        </pc:spChg>
+      </pc:sldChg>
+      <pc:sldChg chg="del">
+        <pc:chgData name="Khattab, Sherif" userId="c83b1e15-36f3-4f46-aceb-05aac24c545e" providerId="ADAL" clId="{FB7609DE-4E49-B943-8CC1-A94C3EC91022}" dt="2021-01-27T13:56:14.317" v="377" actId="2696"/>
+        <pc:sldMkLst>
+          <pc:docMk/>
+          <pc:sldMk cId="3392764763" sldId="274"/>
+        </pc:sldMkLst>
+      </pc:sldChg>
+      <pc:sldChg chg="modSp del mod">
+        <pc:chgData name="Khattab, Sherif" userId="c83b1e15-36f3-4f46-aceb-05aac24c545e" providerId="ADAL" clId="{FB7609DE-4E49-B943-8CC1-A94C3EC91022}" dt="2021-01-27T13:56:14.317" v="377" actId="2696"/>
+        <pc:sldMkLst>
+          <pc:docMk/>
+          <pc:sldMk cId="445949216" sldId="281"/>
+        </pc:sldMkLst>
+        <pc:spChg chg="mod">
+          <ac:chgData name="Khattab, Sherif" userId="c83b1e15-36f3-4f46-aceb-05aac24c545e" providerId="ADAL" clId="{FB7609DE-4E49-B943-8CC1-A94C3EC91022}" dt="2021-01-27T13:54:03.697" v="184" actId="27636"/>
+          <ac:spMkLst>
+            <pc:docMk/>
+            <pc:sldMk cId="445949216" sldId="281"/>
+            <ac:spMk id="263" creationId="{00000000-0000-0000-0000-000000000000}"/>
+          </ac:spMkLst>
+        </pc:spChg>
+      </pc:sldChg>
+      <pc:sldChg chg="add del">
+        <pc:chgData name="Khattab, Sherif" userId="c83b1e15-36f3-4f46-aceb-05aac24c545e" providerId="ADAL" clId="{FB7609DE-4E49-B943-8CC1-A94C3EC91022}" dt="2021-01-27T14:09:07.490" v="857"/>
+        <pc:sldMkLst>
+          <pc:docMk/>
+          <pc:sldMk cId="1315177585" sldId="281"/>
+        </pc:sldMkLst>
+      </pc:sldChg>
+      <pc:sldChg chg="modSp add mod">
+        <pc:chgData name="Khattab, Sherif" userId="c83b1e15-36f3-4f46-aceb-05aac24c545e" providerId="ADAL" clId="{FB7609DE-4E49-B943-8CC1-A94C3EC91022}" dt="2021-01-27T14:09:17.824" v="864" actId="20577"/>
+        <pc:sldMkLst>
+          <pc:docMk/>
+          <pc:sldMk cId="2805000757" sldId="281"/>
+        </pc:sldMkLst>
+        <pc:spChg chg="mod">
+          <ac:chgData name="Khattab, Sherif" userId="c83b1e15-36f3-4f46-aceb-05aac24c545e" providerId="ADAL" clId="{FB7609DE-4E49-B943-8CC1-A94C3EC91022}" dt="2021-01-27T14:09:17.824" v="864" actId="20577"/>
+          <ac:spMkLst>
+            <pc:docMk/>
+            <pc:sldMk cId="2805000757" sldId="281"/>
+            <ac:spMk id="460" creationId="{00000000-0000-0000-0000-000000000000}"/>
+          </ac:spMkLst>
+        </pc:spChg>
+      </pc:sldChg>
+      <pc:sldChg chg="modSp add mod">
+        <pc:chgData name="Khattab, Sherif" userId="c83b1e15-36f3-4f46-aceb-05aac24c545e" providerId="ADAL" clId="{FB7609DE-4E49-B943-8CC1-A94C3EC91022}" dt="2021-01-27T14:09:22.594" v="867" actId="20577"/>
+        <pc:sldMkLst>
+          <pc:docMk/>
+          <pc:sldMk cId="644336610" sldId="282"/>
+        </pc:sldMkLst>
+        <pc:spChg chg="mod">
+          <ac:chgData name="Khattab, Sherif" userId="c83b1e15-36f3-4f46-aceb-05aac24c545e" providerId="ADAL" clId="{FB7609DE-4E49-B943-8CC1-A94C3EC91022}" dt="2021-01-27T14:09:22.594" v="867" actId="20577"/>
+          <ac:spMkLst>
+            <pc:docMk/>
+            <pc:sldMk cId="644336610" sldId="282"/>
+            <ac:spMk id="467" creationId="{00000000-0000-0000-0000-000000000000}"/>
+          </ac:spMkLst>
+        </pc:spChg>
+      </pc:sldChg>
+      <pc:sldChg chg="add del">
+        <pc:chgData name="Khattab, Sherif" userId="c83b1e15-36f3-4f46-aceb-05aac24c545e" providerId="ADAL" clId="{FB7609DE-4E49-B943-8CC1-A94C3EC91022}" dt="2021-01-27T14:09:07.490" v="857"/>
+        <pc:sldMkLst>
+          <pc:docMk/>
+          <pc:sldMk cId="2784934943" sldId="282"/>
+        </pc:sldMkLst>
+      </pc:sldChg>
+      <pc:sldChg chg="add del">
+        <pc:chgData name="Khattab, Sherif" userId="c83b1e15-36f3-4f46-aceb-05aac24c545e" providerId="ADAL" clId="{FB7609DE-4E49-B943-8CC1-A94C3EC91022}" dt="2021-01-27T14:09:07.490" v="857"/>
+        <pc:sldMkLst>
+          <pc:docMk/>
+          <pc:sldMk cId="3013231227" sldId="283"/>
+        </pc:sldMkLst>
+      </pc:sldChg>
+      <pc:sldChg chg="modSp add mod">
+        <pc:chgData name="Khattab, Sherif" userId="c83b1e15-36f3-4f46-aceb-05aac24c545e" providerId="ADAL" clId="{FB7609DE-4E49-B943-8CC1-A94C3EC91022}" dt="2021-01-27T14:09:29.143" v="874" actId="20577"/>
+        <pc:sldMkLst>
+          <pc:docMk/>
+          <pc:sldMk cId="3275560456" sldId="283"/>
+        </pc:sldMkLst>
+        <pc:spChg chg="mod">
+          <ac:chgData name="Khattab, Sherif" userId="c83b1e15-36f3-4f46-aceb-05aac24c545e" providerId="ADAL" clId="{FB7609DE-4E49-B943-8CC1-A94C3EC91022}" dt="2021-01-27T14:09:29.143" v="874" actId="20577"/>
+          <ac:spMkLst>
+            <pc:docMk/>
+            <pc:sldMk cId="3275560456" sldId="283"/>
+            <ac:spMk id="474" creationId="{00000000-0000-0000-0000-000000000000}"/>
+          </ac:spMkLst>
+        </pc:spChg>
+      </pc:sldChg>
+      <pc:sldChg chg="del">
+        <pc:chgData name="Khattab, Sherif" userId="c83b1e15-36f3-4f46-aceb-05aac24c545e" providerId="ADAL" clId="{FB7609DE-4E49-B943-8CC1-A94C3EC91022}" dt="2021-01-27T13:56:14.317" v="377" actId="2696"/>
+        <pc:sldMkLst>
+          <pc:docMk/>
+          <pc:sldMk cId="2865696446" sldId="285"/>
+        </pc:sldMkLst>
+      </pc:sldChg>
+      <pc:sldChg chg="del">
+        <pc:chgData name="Khattab, Sherif" userId="c83b1e15-36f3-4f46-aceb-05aac24c545e" providerId="ADAL" clId="{FB7609DE-4E49-B943-8CC1-A94C3EC91022}" dt="2021-01-27T13:56:14.317" v="377" actId="2696"/>
+        <pc:sldMkLst>
+          <pc:docMk/>
+          <pc:sldMk cId="214968552" sldId="287"/>
+        </pc:sldMkLst>
+      </pc:sldChg>
+      <pc:sldChg chg="del">
+        <pc:chgData name="Khattab, Sherif" userId="c83b1e15-36f3-4f46-aceb-05aac24c545e" providerId="ADAL" clId="{FB7609DE-4E49-B943-8CC1-A94C3EC91022}" dt="2021-01-27T13:56:14.317" v="377" actId="2696"/>
+        <pc:sldMkLst>
+          <pc:docMk/>
+          <pc:sldMk cId="1092592367" sldId="391"/>
+        </pc:sldMkLst>
+      </pc:sldChg>
+      <pc:sldChg chg="add">
+        <pc:chgData name="Khattab, Sherif" userId="c83b1e15-36f3-4f46-aceb-05aac24c545e" providerId="ADAL" clId="{FB7609DE-4E49-B943-8CC1-A94C3EC91022}" dt="2021-01-27T14:05:33.759" v="837"/>
+        <pc:sldMkLst>
+          <pc:docMk/>
+          <pc:sldMk cId="1273787362" sldId="392"/>
+        </pc:sldMkLst>
+      </pc:sldChg>
+      <pc:sldChg chg="del">
+        <pc:chgData name="Khattab, Sherif" userId="c83b1e15-36f3-4f46-aceb-05aac24c545e" providerId="ADAL" clId="{FB7609DE-4E49-B943-8CC1-A94C3EC91022}" dt="2021-01-27T13:56:14.317" v="377" actId="2696"/>
+        <pc:sldMkLst>
+          <pc:docMk/>
+          <pc:sldMk cId="4280497035" sldId="392"/>
+        </pc:sldMkLst>
+      </pc:sldChg>
+      <pc:sldChg chg="modSp mod">
+        <pc:chgData name="Khattab, Sherif" userId="c83b1e15-36f3-4f46-aceb-05aac24c545e" providerId="ADAL" clId="{FB7609DE-4E49-B943-8CC1-A94C3EC91022}" dt="2021-01-27T13:54:03.989" v="186" actId="27636"/>
+        <pc:sldMkLst>
+          <pc:docMk/>
+          <pc:sldMk cId="811987457" sldId="394"/>
+        </pc:sldMkLst>
+        <pc:spChg chg="mod">
+          <ac:chgData name="Khattab, Sherif" userId="c83b1e15-36f3-4f46-aceb-05aac24c545e" providerId="ADAL" clId="{FB7609DE-4E49-B943-8CC1-A94C3EC91022}" dt="2021-01-27T13:54:03.989" v="186" actId="27636"/>
+          <ac:spMkLst>
+            <pc:docMk/>
+            <pc:sldMk cId="811987457" sldId="394"/>
+            <ac:spMk id="263" creationId="{00000000-0000-0000-0000-000000000000}"/>
+          </ac:spMkLst>
+        </pc:spChg>
+      </pc:sldChg>
+      <pc:sldChg chg="modSp mod modAnim">
+        <pc:chgData name="Khattab, Sherif" userId="c83b1e15-36f3-4f46-aceb-05aac24c545e" providerId="ADAL" clId="{FB7609DE-4E49-B943-8CC1-A94C3EC91022}" dt="2021-01-27T20:12:41.246" v="980"/>
+        <pc:sldMkLst>
+          <pc:docMk/>
+          <pc:sldMk cId="3756086896" sldId="402"/>
+        </pc:sldMkLst>
+        <pc:spChg chg="mod">
+          <ac:chgData name="Khattab, Sherif" userId="c83b1e15-36f3-4f46-aceb-05aac24c545e" providerId="ADAL" clId="{FB7609DE-4E49-B943-8CC1-A94C3EC91022}" dt="2021-01-27T20:12:06.756" v="976" actId="14100"/>
+          <ac:spMkLst>
+            <pc:docMk/>
+            <pc:sldMk cId="3756086896" sldId="402"/>
+            <ac:spMk id="2" creationId="{2701C75F-4DC8-2144-BA02-D9E72D4D689E}"/>
+          </ac:spMkLst>
+        </pc:spChg>
+        <pc:picChg chg="mod">
+          <ac:chgData name="Khattab, Sherif" userId="c83b1e15-36f3-4f46-aceb-05aac24c545e" providerId="ADAL" clId="{FB7609DE-4E49-B943-8CC1-A94C3EC91022}" dt="2021-01-27T20:12:17.725" v="978" actId="1076"/>
+          <ac:picMkLst>
+            <pc:docMk/>
+            <pc:sldMk cId="3756086896" sldId="402"/>
+            <ac:picMk id="8" creationId="{789DE477-7E78-B64D-B4B9-045378CD8882}"/>
+          </ac:picMkLst>
+        </pc:picChg>
+      </pc:sldChg>
+      <pc:sldChg chg="modSp mod">
+        <pc:chgData name="Khattab, Sherif" userId="c83b1e15-36f3-4f46-aceb-05aac24c545e" providerId="ADAL" clId="{FB7609DE-4E49-B943-8CC1-A94C3EC91022}" dt="2021-01-27T13:54:04.173" v="187" actId="27636"/>
+        <pc:sldMkLst>
+          <pc:docMk/>
+          <pc:sldMk cId="1876792183" sldId="403"/>
+        </pc:sldMkLst>
+        <pc:spChg chg="mod">
+          <ac:chgData name="Khattab, Sherif" userId="c83b1e15-36f3-4f46-aceb-05aac24c545e" providerId="ADAL" clId="{FB7609DE-4E49-B943-8CC1-A94C3EC91022}" dt="2021-01-27T13:54:04.173" v="187" actId="27636"/>
+          <ac:spMkLst>
+            <pc:docMk/>
+            <pc:sldMk cId="1876792183" sldId="403"/>
+            <ac:spMk id="421" creationId="{00000000-0000-0000-0000-000000000000}"/>
+          </ac:spMkLst>
+        </pc:spChg>
+      </pc:sldChg>
+      <pc:sldChg chg="delSp modSp mod">
+        <pc:chgData name="Khattab, Sherif" userId="c83b1e15-36f3-4f46-aceb-05aac24c545e" providerId="ADAL" clId="{FB7609DE-4E49-B943-8CC1-A94C3EC91022}" dt="2021-01-27T13:53:37.035" v="111" actId="478"/>
+        <pc:sldMkLst>
+          <pc:docMk/>
+          <pc:sldMk cId="1894775455" sldId="405"/>
+        </pc:sldMkLst>
+        <pc:spChg chg="del mod">
+          <ac:chgData name="Khattab, Sherif" userId="c83b1e15-36f3-4f46-aceb-05aac24c545e" providerId="ADAL" clId="{FB7609DE-4E49-B943-8CC1-A94C3EC91022}" dt="2021-01-27T13:53:37.035" v="111" actId="478"/>
+          <ac:spMkLst>
+            <pc:docMk/>
+            <pc:sldMk cId="1894775455" sldId="405"/>
+            <ac:spMk id="5" creationId="{16306A4B-84B5-E84E-B29D-41318FA00D6C}"/>
+          </ac:spMkLst>
+        </pc:spChg>
+      </pc:sldChg>
+      <pc:sldChg chg="modSp mod">
+        <pc:chgData name="Khattab, Sherif" userId="c83b1e15-36f3-4f46-aceb-05aac24c545e" providerId="ADAL" clId="{FB7609DE-4E49-B943-8CC1-A94C3EC91022}" dt="2021-01-27T14:04:12.076" v="827" actId="20577"/>
+        <pc:sldMkLst>
+          <pc:docMk/>
+          <pc:sldMk cId="1068465410" sldId="496"/>
+        </pc:sldMkLst>
+        <pc:spChg chg="mod">
+          <ac:chgData name="Khattab, Sherif" userId="c83b1e15-36f3-4f46-aceb-05aac24c545e" providerId="ADAL" clId="{FB7609DE-4E49-B943-8CC1-A94C3EC91022}" dt="2021-01-27T14:04:12.076" v="827" actId="20577"/>
+          <ac:spMkLst>
+            <pc:docMk/>
+            <pc:sldMk cId="1068465410" sldId="496"/>
+            <ac:spMk id="3" creationId="{2466C52D-9A48-4683-BE7F-268D8DB7FAAD}"/>
+          </ac:spMkLst>
+        </pc:spChg>
+      </pc:sldChg>
+      <pc:sldChg chg="modSp mod">
+        <pc:chgData name="Khattab, Sherif" userId="c83b1e15-36f3-4f46-aceb-05aac24c545e" providerId="ADAL" clId="{FB7609DE-4E49-B943-8CC1-A94C3EC91022}" dt="2021-01-27T13:55:41.322" v="376" actId="20577"/>
+        <pc:sldMkLst>
+          <pc:docMk/>
+          <pc:sldMk cId="2374057061" sldId="498"/>
+        </pc:sldMkLst>
+        <pc:spChg chg="mod">
+          <ac:chgData name="Khattab, Sherif" userId="c83b1e15-36f3-4f46-aceb-05aac24c545e" providerId="ADAL" clId="{FB7609DE-4E49-B943-8CC1-A94C3EC91022}" dt="2021-01-27T13:55:41.322" v="376" actId="20577"/>
+          <ac:spMkLst>
+            <pc:docMk/>
+            <pc:sldMk cId="2374057061" sldId="498"/>
+            <ac:spMk id="3" creationId="{F832F02F-5ABF-4702-A259-B8272D97DD79}"/>
+          </ac:spMkLst>
+        </pc:spChg>
+      </pc:sldChg>
+      <pc:sldChg chg="modSp mod">
+        <pc:chgData name="Khattab, Sherif" userId="c83b1e15-36f3-4f46-aceb-05aac24c545e" providerId="ADAL" clId="{FB7609DE-4E49-B943-8CC1-A94C3EC91022}" dt="2021-01-27T14:11:15.598" v="969" actId="6549"/>
+        <pc:sldMkLst>
+          <pc:docMk/>
+          <pc:sldMk cId="2823856332" sldId="499"/>
+        </pc:sldMkLst>
+        <pc:spChg chg="mod">
+          <ac:chgData name="Khattab, Sherif" userId="c83b1e15-36f3-4f46-aceb-05aac24c545e" providerId="ADAL" clId="{FB7609DE-4E49-B943-8CC1-A94C3EC91022}" dt="2021-01-27T14:11:15.598" v="969" actId="6549"/>
+          <ac:spMkLst>
+            <pc:docMk/>
+            <pc:sldMk cId="2823856332" sldId="499"/>
+            <ac:spMk id="3" creationId="{E1064C43-9078-4C76-A016-C8AE45AE9774}"/>
+          </ac:spMkLst>
+        </pc:spChg>
+      </pc:sldChg>
+      <pc:sldChg chg="del">
+        <pc:chgData name="Khattab, Sherif" userId="c83b1e15-36f3-4f46-aceb-05aac24c545e" providerId="ADAL" clId="{FB7609DE-4E49-B943-8CC1-A94C3EC91022}" dt="2021-01-27T13:56:14.317" v="377" actId="2696"/>
+        <pc:sldMkLst>
+          <pc:docMk/>
+          <pc:sldMk cId="58097193" sldId="500"/>
+        </pc:sldMkLst>
+      </pc:sldChg>
+      <pc:sldChg chg="del">
+        <pc:chgData name="Khattab, Sherif" userId="c83b1e15-36f3-4f46-aceb-05aac24c545e" providerId="ADAL" clId="{FB7609DE-4E49-B943-8CC1-A94C3EC91022}" dt="2021-01-27T13:56:14.317" v="377" actId="2696"/>
+        <pc:sldMkLst>
+          <pc:docMk/>
+          <pc:sldMk cId="1226087183" sldId="501"/>
+        </pc:sldMkLst>
+      </pc:sldChg>
+      <pc:sldChg chg="del">
+        <pc:chgData name="Khattab, Sherif" userId="c83b1e15-36f3-4f46-aceb-05aac24c545e" providerId="ADAL" clId="{FB7609DE-4E49-B943-8CC1-A94C3EC91022}" dt="2021-01-27T13:56:14.317" v="377" actId="2696"/>
+        <pc:sldMkLst>
+          <pc:docMk/>
+          <pc:sldMk cId="1196699890" sldId="502"/>
+        </pc:sldMkLst>
+      </pc:sldChg>
+      <pc:sldChg chg="modSp new mod">
+        <pc:chgData name="Khattab, Sherif" userId="c83b1e15-36f3-4f46-aceb-05aac24c545e" providerId="ADAL" clId="{FB7609DE-4E49-B943-8CC1-A94C3EC91022}" dt="2021-01-27T13:56:32.763" v="390" actId="20577"/>
+        <pc:sldMkLst>
+          <pc:docMk/>
+          <pc:sldMk cId="1128397823" sldId="504"/>
+        </pc:sldMkLst>
+        <pc:spChg chg="mod">
+          <ac:chgData name="Khattab, Sherif" userId="c83b1e15-36f3-4f46-aceb-05aac24c545e" providerId="ADAL" clId="{FB7609DE-4E49-B943-8CC1-A94C3EC91022}" dt="2021-01-27T13:56:32.763" v="390" actId="20577"/>
+          <ac:spMkLst>
+            <pc:docMk/>
+            <pc:sldMk cId="1128397823" sldId="504"/>
+            <ac:spMk id="2" creationId="{F3177E1A-980D-FE4C-9AD4-B7D0A5ECA2A9}"/>
+          </ac:spMkLst>
+        </pc:spChg>
+      </pc:sldChg>
+      <pc:sldChg chg="modSp new mod">
+        <pc:chgData name="Khattab, Sherif" userId="c83b1e15-36f3-4f46-aceb-05aac24c545e" providerId="ADAL" clId="{FB7609DE-4E49-B943-8CC1-A94C3EC91022}" dt="2021-01-27T13:56:42.853" v="403" actId="20577"/>
+        <pc:sldMkLst>
+          <pc:docMk/>
+          <pc:sldMk cId="729670177" sldId="505"/>
+        </pc:sldMkLst>
+        <pc:spChg chg="mod">
+          <ac:chgData name="Khattab, Sherif" userId="c83b1e15-36f3-4f46-aceb-05aac24c545e" providerId="ADAL" clId="{FB7609DE-4E49-B943-8CC1-A94C3EC91022}" dt="2021-01-27T13:56:42.853" v="403" actId="20577"/>
+          <ac:spMkLst>
+            <pc:docMk/>
+            <pc:sldMk cId="729670177" sldId="505"/>
+            <ac:spMk id="2" creationId="{4BE0AA09-81BB-B44F-B753-EDAACC6AD9AC}"/>
+          </ac:spMkLst>
+        </pc:spChg>
+      </pc:sldChg>
+      <pc:sldChg chg="modSp new mod">
+        <pc:chgData name="Khattab, Sherif" userId="c83b1e15-36f3-4f46-aceb-05aac24c545e" providerId="ADAL" clId="{FB7609DE-4E49-B943-8CC1-A94C3EC91022}" dt="2021-01-27T13:58:28.393" v="659" actId="20577"/>
+        <pc:sldMkLst>
+          <pc:docMk/>
+          <pc:sldMk cId="700442057" sldId="506"/>
+        </pc:sldMkLst>
+        <pc:spChg chg="mod">
+          <ac:chgData name="Khattab, Sherif" userId="c83b1e15-36f3-4f46-aceb-05aac24c545e" providerId="ADAL" clId="{FB7609DE-4E49-B943-8CC1-A94C3EC91022}" dt="2021-01-27T13:57:10.490" v="430" actId="5793"/>
+          <ac:spMkLst>
+            <pc:docMk/>
+            <pc:sldMk cId="700442057" sldId="506"/>
+            <ac:spMk id="2" creationId="{09964AE1-DBFC-2848-B191-FE3ED1AFB0DB}"/>
+          </ac:spMkLst>
+        </pc:spChg>
+        <pc:spChg chg="mod">
+          <ac:chgData name="Khattab, Sherif" userId="c83b1e15-36f3-4f46-aceb-05aac24c545e" providerId="ADAL" clId="{FB7609DE-4E49-B943-8CC1-A94C3EC91022}" dt="2021-01-27T13:58:28.393" v="659" actId="20577"/>
+          <ac:spMkLst>
+            <pc:docMk/>
+            <pc:sldMk cId="700442057" sldId="506"/>
+            <ac:spMk id="3" creationId="{BDC81B29-68EF-D34F-B9F6-D9EC25476DFF}"/>
+          </ac:spMkLst>
+        </pc:spChg>
+      </pc:sldChg>
+      <pc:sldChg chg="modSp new mod">
+        <pc:chgData name="Khattab, Sherif" userId="c83b1e15-36f3-4f46-aceb-05aac24c545e" providerId="ADAL" clId="{FB7609DE-4E49-B943-8CC1-A94C3EC91022}" dt="2021-01-27T14:05:53.018" v="854" actId="20577"/>
+        <pc:sldMkLst>
+          <pc:docMk/>
+          <pc:sldMk cId="1569011807" sldId="507"/>
+        </pc:sldMkLst>
+        <pc:spChg chg="mod">
+          <ac:chgData name="Khattab, Sherif" userId="c83b1e15-36f3-4f46-aceb-05aac24c545e" providerId="ADAL" clId="{FB7609DE-4E49-B943-8CC1-A94C3EC91022}" dt="2021-01-27T14:05:53.018" v="854" actId="20577"/>
+          <ac:spMkLst>
+            <pc:docMk/>
+            <pc:sldMk cId="1569011807" sldId="507"/>
+            <ac:spMk id="2" creationId="{AA9BE831-E41C-204F-984D-A478257E1ABD}"/>
+          </ac:spMkLst>
+        </pc:spChg>
+      </pc:sldChg>
+      <pc:sldChg chg="add">
+        <pc:chgData name="Khattab, Sherif" userId="c83b1e15-36f3-4f46-aceb-05aac24c545e" providerId="ADAL" clId="{FB7609DE-4E49-B943-8CC1-A94C3EC91022}" dt="2021-01-27T14:07:02.063" v="855"/>
+        <pc:sldMkLst>
+          <pc:docMk/>
+          <pc:sldMk cId="2496682011" sldId="1747"/>
+        </pc:sldMkLst>
+      </pc:sldChg>
+      <pc:sldChg chg="add">
+        <pc:chgData name="Khattab, Sherif" userId="c83b1e15-36f3-4f46-aceb-05aac24c545e" providerId="ADAL" clId="{FB7609DE-4E49-B943-8CC1-A94C3EC91022}" dt="2021-01-27T14:07:02.063" v="855"/>
+        <pc:sldMkLst>
+          <pc:docMk/>
+          <pc:sldMk cId="1456819960" sldId="1749"/>
+        </pc:sldMkLst>
+      </pc:sldChg>
+      <pc:sldChg chg="add">
+        <pc:chgData name="Khattab, Sherif" userId="c83b1e15-36f3-4f46-aceb-05aac24c545e" providerId="ADAL" clId="{FB7609DE-4E49-B943-8CC1-A94C3EC91022}" dt="2021-01-27T14:07:02.063" v="855"/>
+        <pc:sldMkLst>
+          <pc:docMk/>
+          <pc:sldMk cId="2838362889" sldId="1756"/>
+        </pc:sldMkLst>
+      </pc:sldChg>
+      <pc:sldChg chg="add">
+        <pc:chgData name="Khattab, Sherif" userId="c83b1e15-36f3-4f46-aceb-05aac24c545e" providerId="ADAL" clId="{FB7609DE-4E49-B943-8CC1-A94C3EC91022}" dt="2021-01-27T14:07:02.063" v="855"/>
+        <pc:sldMkLst>
+          <pc:docMk/>
+          <pc:sldMk cId="2537966333" sldId="1859"/>
+        </pc:sldMkLst>
+      </pc:sldChg>
+      <pc:sldChg chg="modSp add mod">
+        <pc:chgData name="Khattab, Sherif" userId="c83b1e15-36f3-4f46-aceb-05aac24c545e" providerId="ADAL" clId="{FB7609DE-4E49-B943-8CC1-A94C3EC91022}" dt="2021-01-27T14:11:01.914" v="940" actId="20577"/>
+        <pc:sldMkLst>
+          <pc:docMk/>
+          <pc:sldMk cId="1241308872" sldId="1860"/>
+        </pc:sldMkLst>
+        <pc:spChg chg="mod">
+          <ac:chgData name="Khattab, Sherif" userId="c83b1e15-36f3-4f46-aceb-05aac24c545e" providerId="ADAL" clId="{FB7609DE-4E49-B943-8CC1-A94C3EC91022}" dt="2021-01-27T14:10:32.881" v="886" actId="5793"/>
+          <ac:spMkLst>
+            <pc:docMk/>
+            <pc:sldMk cId="1241308872" sldId="1860"/>
+            <ac:spMk id="2" creationId="{09964AE1-DBFC-2848-B191-FE3ED1AFB0DB}"/>
+          </ac:spMkLst>
+        </pc:spChg>
+        <pc:spChg chg="mod">
+          <ac:chgData name="Khattab, Sherif" userId="c83b1e15-36f3-4f46-aceb-05aac24c545e" providerId="ADAL" clId="{FB7609DE-4E49-B943-8CC1-A94C3EC91022}" dt="2021-01-27T14:11:01.914" v="940" actId="20577"/>
+          <ac:spMkLst>
+            <pc:docMk/>
+            <pc:sldMk cId="1241308872" sldId="1860"/>
+            <ac:spMk id="3" creationId="{BDC81B29-68EF-D34F-B9F6-D9EC25476DFF}"/>
+          </ac:spMkLst>
+        </pc:spChg>
+      </pc:sldChg>
+    </pc:docChg>
+  </pc:docChgLst>
   <pc:docChgLst>
     <pc:chgData name="Khattab, Sherif" userId="c83b1e15-36f3-4f46-aceb-05aac24c545e" providerId="ADAL" clId="{9BA15C20-14B1-413E-8179-1AAA42FBF59B}"/>
     <pc:docChg chg="undo custSel addSld delSld modSld delMainMaster">
@@ -671,481 +1552,6 @@
     </pc:docChg>
   </pc:docChgLst>
   <pc:docChgLst>
-    <pc:chgData name="Khattab, Sherif" userId="c83b1e15-36f3-4f46-aceb-05aac24c545e" providerId="ADAL" clId="{F2938780-69D4-7440-8672-A89FA067EE16}"/>
-    <pc:docChg chg="custSel addSld delSld modSld">
-      <pc:chgData name="Khattab, Sherif" userId="c83b1e15-36f3-4f46-aceb-05aac24c545e" providerId="ADAL" clId="{F2938780-69D4-7440-8672-A89FA067EE16}" dt="2022-01-24T19:11:27.720" v="1472"/>
-      <pc:docMkLst>
-        <pc:docMk/>
-      </pc:docMkLst>
-      <pc:sldChg chg="add del">
-        <pc:chgData name="Khattab, Sherif" userId="c83b1e15-36f3-4f46-aceb-05aac24c545e" providerId="ADAL" clId="{F2938780-69D4-7440-8672-A89FA067EE16}" dt="2022-01-24T19:00:47.936" v="1054"/>
-        <pc:sldMkLst>
-          <pc:docMk/>
-          <pc:sldMk cId="2805000757" sldId="281"/>
-        </pc:sldMkLst>
-      </pc:sldChg>
-      <pc:sldChg chg="add del">
-        <pc:chgData name="Khattab, Sherif" userId="c83b1e15-36f3-4f46-aceb-05aac24c545e" providerId="ADAL" clId="{F2938780-69D4-7440-8672-A89FA067EE16}" dt="2022-01-24T19:00:47.936" v="1054"/>
-        <pc:sldMkLst>
-          <pc:docMk/>
-          <pc:sldMk cId="644336610" sldId="282"/>
-        </pc:sldMkLst>
-      </pc:sldChg>
-      <pc:sldChg chg="add del">
-        <pc:chgData name="Khattab, Sherif" userId="c83b1e15-36f3-4f46-aceb-05aac24c545e" providerId="ADAL" clId="{F2938780-69D4-7440-8672-A89FA067EE16}" dt="2022-01-24T19:00:47.936" v="1054"/>
-        <pc:sldMkLst>
-          <pc:docMk/>
-          <pc:sldMk cId="3275560456" sldId="283"/>
-        </pc:sldMkLst>
-      </pc:sldChg>
-      <pc:sldChg chg="del">
-        <pc:chgData name="Khattab, Sherif" userId="c83b1e15-36f3-4f46-aceb-05aac24c545e" providerId="ADAL" clId="{F2938780-69D4-7440-8672-A89FA067EE16}" dt="2022-01-19T19:44:11.292" v="1" actId="2696"/>
-        <pc:sldMkLst>
-          <pc:docMk/>
-          <pc:sldMk cId="2890204605" sldId="395"/>
-        </pc:sldMkLst>
-      </pc:sldChg>
-      <pc:sldChg chg="del">
-        <pc:chgData name="Khattab, Sherif" userId="c83b1e15-36f3-4f46-aceb-05aac24c545e" providerId="ADAL" clId="{F2938780-69D4-7440-8672-A89FA067EE16}" dt="2022-01-19T19:44:11.292" v="1" actId="2696"/>
-        <pc:sldMkLst>
-          <pc:docMk/>
-          <pc:sldMk cId="2597936913" sldId="396"/>
-        </pc:sldMkLst>
-      </pc:sldChg>
-      <pc:sldChg chg="del">
-        <pc:chgData name="Khattab, Sherif" userId="c83b1e15-36f3-4f46-aceb-05aac24c545e" providerId="ADAL" clId="{F2938780-69D4-7440-8672-A89FA067EE16}" dt="2022-01-19T19:44:11.292" v="1" actId="2696"/>
-        <pc:sldMkLst>
-          <pc:docMk/>
-          <pc:sldMk cId="3574743674" sldId="397"/>
-        </pc:sldMkLst>
-      </pc:sldChg>
-      <pc:sldChg chg="del">
-        <pc:chgData name="Khattab, Sherif" userId="c83b1e15-36f3-4f46-aceb-05aac24c545e" providerId="ADAL" clId="{F2938780-69D4-7440-8672-A89FA067EE16}" dt="2022-01-19T19:44:11.292" v="1" actId="2696"/>
-        <pc:sldMkLst>
-          <pc:docMk/>
-          <pc:sldMk cId="777795780" sldId="398"/>
-        </pc:sldMkLst>
-      </pc:sldChg>
-      <pc:sldChg chg="del">
-        <pc:chgData name="Khattab, Sherif" userId="c83b1e15-36f3-4f46-aceb-05aac24c545e" providerId="ADAL" clId="{F2938780-69D4-7440-8672-A89FA067EE16}" dt="2022-01-19T19:44:11.292" v="1" actId="2696"/>
-        <pc:sldMkLst>
-          <pc:docMk/>
-          <pc:sldMk cId="2945536741" sldId="399"/>
-        </pc:sldMkLst>
-      </pc:sldChg>
-      <pc:sldChg chg="del">
-        <pc:chgData name="Khattab, Sherif" userId="c83b1e15-36f3-4f46-aceb-05aac24c545e" providerId="ADAL" clId="{F2938780-69D4-7440-8672-A89FA067EE16}" dt="2022-01-19T19:44:11.292" v="1" actId="2696"/>
-        <pc:sldMkLst>
-          <pc:docMk/>
-          <pc:sldMk cId="3261447239" sldId="400"/>
-        </pc:sldMkLst>
-      </pc:sldChg>
-      <pc:sldChg chg="del">
-        <pc:chgData name="Khattab, Sherif" userId="c83b1e15-36f3-4f46-aceb-05aac24c545e" providerId="ADAL" clId="{F2938780-69D4-7440-8672-A89FA067EE16}" dt="2022-01-19T19:44:11.292" v="1" actId="2696"/>
-        <pc:sldMkLst>
-          <pc:docMk/>
-          <pc:sldMk cId="225707824" sldId="401"/>
-        </pc:sldMkLst>
-      </pc:sldChg>
-      <pc:sldChg chg="del">
-        <pc:chgData name="Khattab, Sherif" userId="c83b1e15-36f3-4f46-aceb-05aac24c545e" providerId="ADAL" clId="{F2938780-69D4-7440-8672-A89FA067EE16}" dt="2022-01-19T19:44:11.292" v="1" actId="2696"/>
-        <pc:sldMkLst>
-          <pc:docMk/>
-          <pc:sldMk cId="3756086896" sldId="402"/>
-        </pc:sldMkLst>
-      </pc:sldChg>
-      <pc:sldChg chg="modSp mod modAnim">
-        <pc:chgData name="Khattab, Sherif" userId="c83b1e15-36f3-4f46-aceb-05aac24c545e" providerId="ADAL" clId="{F2938780-69D4-7440-8672-A89FA067EE16}" dt="2022-01-24T18:50:27.070" v="250"/>
-        <pc:sldMkLst>
-          <pc:docMk/>
-          <pc:sldMk cId="1068465410" sldId="496"/>
-        </pc:sldMkLst>
-        <pc:spChg chg="mod">
-          <ac:chgData name="Khattab, Sherif" userId="c83b1e15-36f3-4f46-aceb-05aac24c545e" providerId="ADAL" clId="{F2938780-69D4-7440-8672-A89FA067EE16}" dt="2022-01-24T18:50:02.639" v="245" actId="20577"/>
-          <ac:spMkLst>
-            <pc:docMk/>
-            <pc:sldMk cId="1068465410" sldId="496"/>
-            <ac:spMk id="3" creationId="{2466C52D-9A48-4683-BE7F-268D8DB7FAAD}"/>
-          </ac:spMkLst>
-        </pc:spChg>
-      </pc:sldChg>
-      <pc:sldChg chg="modSp mod">
-        <pc:chgData name="Khattab, Sherif" userId="c83b1e15-36f3-4f46-aceb-05aac24c545e" providerId="ADAL" clId="{F2938780-69D4-7440-8672-A89FA067EE16}" dt="2022-01-24T18:51:55.854" v="384" actId="20577"/>
-        <pc:sldMkLst>
-          <pc:docMk/>
-          <pc:sldMk cId="2374057061" sldId="498"/>
-        </pc:sldMkLst>
-        <pc:spChg chg="mod">
-          <ac:chgData name="Khattab, Sherif" userId="c83b1e15-36f3-4f46-aceb-05aac24c545e" providerId="ADAL" clId="{F2938780-69D4-7440-8672-A89FA067EE16}" dt="2022-01-24T18:51:16.644" v="287" actId="20577"/>
-          <ac:spMkLst>
-            <pc:docMk/>
-            <pc:sldMk cId="2374057061" sldId="498"/>
-            <ac:spMk id="2" creationId="{741EEA9E-5858-4409-A959-87D88423DD63}"/>
-          </ac:spMkLst>
-        </pc:spChg>
-        <pc:spChg chg="mod">
-          <ac:chgData name="Khattab, Sherif" userId="c83b1e15-36f3-4f46-aceb-05aac24c545e" providerId="ADAL" clId="{F2938780-69D4-7440-8672-A89FA067EE16}" dt="2022-01-24T18:51:55.854" v="384" actId="20577"/>
-          <ac:spMkLst>
-            <pc:docMk/>
-            <pc:sldMk cId="2374057061" sldId="498"/>
-            <ac:spMk id="3" creationId="{F832F02F-5ABF-4702-A259-B8272D97DD79}"/>
-          </ac:spMkLst>
-        </pc:spChg>
-      </pc:sldChg>
-      <pc:sldChg chg="del">
-        <pc:chgData name="Khattab, Sherif" userId="c83b1e15-36f3-4f46-aceb-05aac24c545e" providerId="ADAL" clId="{F2938780-69D4-7440-8672-A89FA067EE16}" dt="2022-01-12T17:55:44.979" v="0" actId="2696"/>
-        <pc:sldMkLst>
-          <pc:docMk/>
-          <pc:sldMk cId="2435766761" sldId="503"/>
-        </pc:sldMkLst>
-      </pc:sldChg>
-      <pc:sldChg chg="del">
-        <pc:chgData name="Khattab, Sherif" userId="c83b1e15-36f3-4f46-aceb-05aac24c545e" providerId="ADAL" clId="{F2938780-69D4-7440-8672-A89FA067EE16}" dt="2022-01-19T19:44:11.292" v="1" actId="2696"/>
-        <pc:sldMkLst>
-          <pc:docMk/>
-          <pc:sldMk cId="1128397823" sldId="504"/>
-        </pc:sldMkLst>
-      </pc:sldChg>
-      <pc:sldChg chg="del">
-        <pc:chgData name="Khattab, Sherif" userId="c83b1e15-36f3-4f46-aceb-05aac24c545e" providerId="ADAL" clId="{F2938780-69D4-7440-8672-A89FA067EE16}" dt="2022-01-19T19:44:11.292" v="1" actId="2696"/>
-        <pc:sldMkLst>
-          <pc:docMk/>
-          <pc:sldMk cId="729670177" sldId="505"/>
-        </pc:sldMkLst>
-      </pc:sldChg>
-      <pc:sldChg chg="modSp new mod">
-        <pc:chgData name="Khattab, Sherif" userId="c83b1e15-36f3-4f46-aceb-05aac24c545e" providerId="ADAL" clId="{F2938780-69D4-7440-8672-A89FA067EE16}" dt="2022-01-24T18:50:48.212" v="283" actId="20577"/>
-        <pc:sldMkLst>
-          <pc:docMk/>
-          <pc:sldMk cId="1934269584" sldId="514"/>
-        </pc:sldMkLst>
-        <pc:spChg chg="mod">
-          <ac:chgData name="Khattab, Sherif" userId="c83b1e15-36f3-4f46-aceb-05aac24c545e" providerId="ADAL" clId="{F2938780-69D4-7440-8672-A89FA067EE16}" dt="2022-01-24T18:50:48.212" v="283" actId="20577"/>
-          <ac:spMkLst>
-            <pc:docMk/>
-            <pc:sldMk cId="1934269584" sldId="514"/>
-            <ac:spMk id="2" creationId="{1A1299B1-F2F3-8B42-B1C5-F009AD7F2E02}"/>
-          </ac:spMkLst>
-        </pc:spChg>
-      </pc:sldChg>
-      <pc:sldChg chg="modSp new mod modAnim">
-        <pc:chgData name="Khattab, Sherif" userId="c83b1e15-36f3-4f46-aceb-05aac24c545e" providerId="ADAL" clId="{F2938780-69D4-7440-8672-A89FA067EE16}" dt="2022-01-24T19:04:37.515" v="1222"/>
-        <pc:sldMkLst>
-          <pc:docMk/>
-          <pc:sldMk cId="4101598668" sldId="515"/>
-        </pc:sldMkLst>
-        <pc:spChg chg="mod">
-          <ac:chgData name="Khattab, Sherif" userId="c83b1e15-36f3-4f46-aceb-05aac24c545e" providerId="ADAL" clId="{F2938780-69D4-7440-8672-A89FA067EE16}" dt="2022-01-24T18:52:06.451" v="402" actId="20577"/>
-          <ac:spMkLst>
-            <pc:docMk/>
-            <pc:sldMk cId="4101598668" sldId="515"/>
-            <ac:spMk id="2" creationId="{BAE4BE55-BB47-0840-8926-187F65000663}"/>
-          </ac:spMkLst>
-        </pc:spChg>
-        <pc:spChg chg="mod">
-          <ac:chgData name="Khattab, Sherif" userId="c83b1e15-36f3-4f46-aceb-05aac24c545e" providerId="ADAL" clId="{F2938780-69D4-7440-8672-A89FA067EE16}" dt="2022-01-24T19:04:29.958" v="1220" actId="6549"/>
-          <ac:spMkLst>
-            <pc:docMk/>
-            <pc:sldMk cId="4101598668" sldId="515"/>
-            <ac:spMk id="3" creationId="{66D37046-C00B-C743-8909-879EA730BF48}"/>
-          </ac:spMkLst>
-        </pc:spChg>
-      </pc:sldChg>
-      <pc:sldChg chg="modSp new mod modAnim">
-        <pc:chgData name="Khattab, Sherif" userId="c83b1e15-36f3-4f46-aceb-05aac24c545e" providerId="ADAL" clId="{F2938780-69D4-7440-8672-A89FA067EE16}" dt="2022-01-24T19:04:46.414" v="1224"/>
-        <pc:sldMkLst>
-          <pc:docMk/>
-          <pc:sldMk cId="3882715997" sldId="516"/>
-        </pc:sldMkLst>
-        <pc:spChg chg="mod">
-          <ac:chgData name="Khattab, Sherif" userId="c83b1e15-36f3-4f46-aceb-05aac24c545e" providerId="ADAL" clId="{F2938780-69D4-7440-8672-A89FA067EE16}" dt="2022-01-24T18:57:29.547" v="754" actId="20577"/>
-          <ac:spMkLst>
-            <pc:docMk/>
-            <pc:sldMk cId="3882715997" sldId="516"/>
-            <ac:spMk id="2" creationId="{F04FD427-B855-7748-91DD-4345F845EDDA}"/>
-          </ac:spMkLst>
-        </pc:spChg>
-        <pc:spChg chg="mod">
-          <ac:chgData name="Khattab, Sherif" userId="c83b1e15-36f3-4f46-aceb-05aac24c545e" providerId="ADAL" clId="{F2938780-69D4-7440-8672-A89FA067EE16}" dt="2022-01-24T18:58:27.537" v="889" actId="20577"/>
-          <ac:spMkLst>
-            <pc:docMk/>
-            <pc:sldMk cId="3882715997" sldId="516"/>
-            <ac:spMk id="3" creationId="{A60090A3-B522-CB4C-A719-CFC3F560260F}"/>
-          </ac:spMkLst>
-        </pc:spChg>
-      </pc:sldChg>
-      <pc:sldChg chg="modSp new mod modAnim">
-        <pc:chgData name="Khattab, Sherif" userId="c83b1e15-36f3-4f46-aceb-05aac24c545e" providerId="ADAL" clId="{F2938780-69D4-7440-8672-A89FA067EE16}" dt="2022-01-24T19:05:01.412" v="1226"/>
-        <pc:sldMkLst>
-          <pc:docMk/>
-          <pc:sldMk cId="178079215" sldId="517"/>
-        </pc:sldMkLst>
-        <pc:spChg chg="mod">
-          <ac:chgData name="Khattab, Sherif" userId="c83b1e15-36f3-4f46-aceb-05aac24c545e" providerId="ADAL" clId="{F2938780-69D4-7440-8672-A89FA067EE16}" dt="2022-01-24T18:58:43.312" v="922" actId="20577"/>
-          <ac:spMkLst>
-            <pc:docMk/>
-            <pc:sldMk cId="178079215" sldId="517"/>
-            <ac:spMk id="2" creationId="{773F923B-DA4B-404C-A019-FF4AD6C70756}"/>
-          </ac:spMkLst>
-        </pc:spChg>
-        <pc:spChg chg="mod">
-          <ac:chgData name="Khattab, Sherif" userId="c83b1e15-36f3-4f46-aceb-05aac24c545e" providerId="ADAL" clId="{F2938780-69D4-7440-8672-A89FA067EE16}" dt="2022-01-24T18:59:26.359" v="1047" actId="20577"/>
-          <ac:spMkLst>
-            <pc:docMk/>
-            <pc:sldMk cId="178079215" sldId="517"/>
-            <ac:spMk id="3" creationId="{D790DADA-0309-444A-9E7A-F2F44A3F624E}"/>
-          </ac:spMkLst>
-        </pc:spChg>
-      </pc:sldChg>
-      <pc:sldChg chg="add del">
-        <pc:chgData name="Khattab, Sherif" userId="c83b1e15-36f3-4f46-aceb-05aac24c545e" providerId="ADAL" clId="{F2938780-69D4-7440-8672-A89FA067EE16}" dt="2022-01-24T19:00:47.936" v="1054"/>
-        <pc:sldMkLst>
-          <pc:docMk/>
-          <pc:sldMk cId="2496682011" sldId="1747"/>
-        </pc:sldMkLst>
-      </pc:sldChg>
-      <pc:sldChg chg="add del">
-        <pc:chgData name="Khattab, Sherif" userId="c83b1e15-36f3-4f46-aceb-05aac24c545e" providerId="ADAL" clId="{F2938780-69D4-7440-8672-A89FA067EE16}" dt="2022-01-24T19:00:47.936" v="1054"/>
-        <pc:sldMkLst>
-          <pc:docMk/>
-          <pc:sldMk cId="1456819960" sldId="1749"/>
-        </pc:sldMkLst>
-      </pc:sldChg>
-      <pc:sldChg chg="add del modAnim">
-        <pc:chgData name="Khattab, Sherif" userId="c83b1e15-36f3-4f46-aceb-05aac24c545e" providerId="ADAL" clId="{F2938780-69D4-7440-8672-A89FA067EE16}" dt="2022-01-24T19:05:20.791" v="1231"/>
-        <pc:sldMkLst>
-          <pc:docMk/>
-          <pc:sldMk cId="2838362889" sldId="1756"/>
-        </pc:sldMkLst>
-      </pc:sldChg>
-      <pc:sldChg chg="add del">
-        <pc:chgData name="Khattab, Sherif" userId="c83b1e15-36f3-4f46-aceb-05aac24c545e" providerId="ADAL" clId="{F2938780-69D4-7440-8672-A89FA067EE16}" dt="2022-01-24T19:00:47.936" v="1054"/>
-        <pc:sldMkLst>
-          <pc:docMk/>
-          <pc:sldMk cId="2537966333" sldId="1859"/>
-        </pc:sldMkLst>
-      </pc:sldChg>
-      <pc:sldChg chg="modSp new mod modAnim">
-        <pc:chgData name="Khattab, Sherif" userId="c83b1e15-36f3-4f46-aceb-05aac24c545e" providerId="ADAL" clId="{F2938780-69D4-7440-8672-A89FA067EE16}" dt="2022-01-24T19:05:13.379" v="1229"/>
-        <pc:sldMkLst>
-          <pc:docMk/>
-          <pc:sldMk cId="94405796" sldId="1860"/>
-        </pc:sldMkLst>
-        <pc:spChg chg="mod">
-          <ac:chgData name="Khattab, Sherif" userId="c83b1e15-36f3-4f46-aceb-05aac24c545e" providerId="ADAL" clId="{F2938780-69D4-7440-8672-A89FA067EE16}" dt="2022-01-24T19:03:14.495" v="1073" actId="20577"/>
-          <ac:spMkLst>
-            <pc:docMk/>
-            <pc:sldMk cId="94405796" sldId="1860"/>
-            <ac:spMk id="2" creationId="{46D5E86E-526D-C64F-80A9-DE4115CEEF4D}"/>
-          </ac:spMkLst>
-        </pc:spChg>
-        <pc:spChg chg="mod">
-          <ac:chgData name="Khattab, Sherif" userId="c83b1e15-36f3-4f46-aceb-05aac24c545e" providerId="ADAL" clId="{F2938780-69D4-7440-8672-A89FA067EE16}" dt="2022-01-24T19:04:06.025" v="1217" actId="114"/>
-          <ac:spMkLst>
-            <pc:docMk/>
-            <pc:sldMk cId="94405796" sldId="1860"/>
-            <ac:spMk id="3" creationId="{2D817B69-2398-4745-A2CD-07ED6E10AE15}"/>
-          </ac:spMkLst>
-        </pc:spChg>
-      </pc:sldChg>
-      <pc:sldChg chg="del">
-        <pc:chgData name="Khattab, Sherif" userId="c83b1e15-36f3-4f46-aceb-05aac24c545e" providerId="ADAL" clId="{F2938780-69D4-7440-8672-A89FA067EE16}" dt="2022-01-19T19:44:11.292" v="1" actId="2696"/>
-        <pc:sldMkLst>
-          <pc:docMk/>
-          <pc:sldMk cId="728471020" sldId="1861"/>
-        </pc:sldMkLst>
-      </pc:sldChg>
-      <pc:sldChg chg="del">
-        <pc:chgData name="Khattab, Sherif" userId="c83b1e15-36f3-4f46-aceb-05aac24c545e" providerId="ADAL" clId="{F2938780-69D4-7440-8672-A89FA067EE16}" dt="2022-01-19T19:44:11.292" v="1" actId="2696"/>
-        <pc:sldMkLst>
-          <pc:docMk/>
-          <pc:sldMk cId="2798897567" sldId="1862"/>
-        </pc:sldMkLst>
-      </pc:sldChg>
-      <pc:sldChg chg="del">
-        <pc:chgData name="Khattab, Sherif" userId="c83b1e15-36f3-4f46-aceb-05aac24c545e" providerId="ADAL" clId="{F2938780-69D4-7440-8672-A89FA067EE16}" dt="2022-01-12T17:55:44.979" v="0" actId="2696"/>
-        <pc:sldMkLst>
-          <pc:docMk/>
-          <pc:sldMk cId="3431024549" sldId="1864"/>
-        </pc:sldMkLst>
-      </pc:sldChg>
-      <pc:sldChg chg="add del">
-        <pc:chgData name="Khattab, Sherif" userId="c83b1e15-36f3-4f46-aceb-05aac24c545e" providerId="ADAL" clId="{F2938780-69D4-7440-8672-A89FA067EE16}" dt="2022-01-24T19:08:35.767" v="1235" actId="2696"/>
-        <pc:sldMkLst>
-          <pc:docMk/>
-          <pc:sldMk cId="1662342598" sldId="1870"/>
-        </pc:sldMkLst>
-      </pc:sldChg>
-      <pc:sldChg chg="add del">
-        <pc:chgData name="Khattab, Sherif" userId="c83b1e15-36f3-4f46-aceb-05aac24c545e" providerId="ADAL" clId="{F2938780-69D4-7440-8672-A89FA067EE16}" dt="2022-01-24T19:08:43.089" v="1237"/>
-        <pc:sldMkLst>
-          <pc:docMk/>
-          <pc:sldMk cId="2489273629" sldId="1870"/>
-        </pc:sldMkLst>
-      </pc:sldChg>
-      <pc:sldChg chg="add">
-        <pc:chgData name="Khattab, Sherif" userId="c83b1e15-36f3-4f46-aceb-05aac24c545e" providerId="ADAL" clId="{F2938780-69D4-7440-8672-A89FA067EE16}" dt="2022-01-24T19:08:43.196" v="1238"/>
-        <pc:sldMkLst>
-          <pc:docMk/>
-          <pc:sldMk cId="2643093518" sldId="1870"/>
-        </pc:sldMkLst>
-      </pc:sldChg>
-      <pc:sldChg chg="add del">
-        <pc:chgData name="Khattab, Sherif" userId="c83b1e15-36f3-4f46-aceb-05aac24c545e" providerId="ADAL" clId="{F2938780-69D4-7440-8672-A89FA067EE16}" dt="2022-01-24T19:06:42.347" v="1234"/>
-        <pc:sldMkLst>
-          <pc:docMk/>
-          <pc:sldMk cId="551485046" sldId="1873"/>
-        </pc:sldMkLst>
-      </pc:sldChg>
-      <pc:sldChg chg="add del">
-        <pc:chgData name="Khattab, Sherif" userId="c83b1e15-36f3-4f46-aceb-05aac24c545e" providerId="ADAL" clId="{F2938780-69D4-7440-8672-A89FA067EE16}" dt="2022-01-24T19:06:42.347" v="1234"/>
-        <pc:sldMkLst>
-          <pc:docMk/>
-          <pc:sldMk cId="868200480" sldId="1874"/>
-        </pc:sldMkLst>
-      </pc:sldChg>
-      <pc:sldChg chg="modSp new mod">
-        <pc:chgData name="Khattab, Sherif" userId="c83b1e15-36f3-4f46-aceb-05aac24c545e" providerId="ADAL" clId="{F2938780-69D4-7440-8672-A89FA067EE16}" dt="2022-01-24T19:09:14.554" v="1291" actId="20577"/>
-        <pc:sldMkLst>
-          <pc:docMk/>
-          <pc:sldMk cId="2951067329" sldId="1875"/>
-        </pc:sldMkLst>
-        <pc:spChg chg="mod">
-          <ac:chgData name="Khattab, Sherif" userId="c83b1e15-36f3-4f46-aceb-05aac24c545e" providerId="ADAL" clId="{F2938780-69D4-7440-8672-A89FA067EE16}" dt="2022-01-24T19:08:56.930" v="1259" actId="20577"/>
-          <ac:spMkLst>
-            <pc:docMk/>
-            <pc:sldMk cId="2951067329" sldId="1875"/>
-            <ac:spMk id="2" creationId="{3D3FBB3E-C765-1E4E-94C9-0366E1474005}"/>
-          </ac:spMkLst>
-        </pc:spChg>
-        <pc:spChg chg="mod">
-          <ac:chgData name="Khattab, Sherif" userId="c83b1e15-36f3-4f46-aceb-05aac24c545e" providerId="ADAL" clId="{F2938780-69D4-7440-8672-A89FA067EE16}" dt="2022-01-24T19:09:14.554" v="1291" actId="20577"/>
-          <ac:spMkLst>
-            <pc:docMk/>
-            <pc:sldMk cId="2951067329" sldId="1875"/>
-            <ac:spMk id="3" creationId="{29DC18C8-49D2-814F-9449-B9B1DA721BCC}"/>
-          </ac:spMkLst>
-        </pc:spChg>
-      </pc:sldChg>
-      <pc:sldChg chg="modSp new mod">
-        <pc:chgData name="Khattab, Sherif" userId="c83b1e15-36f3-4f46-aceb-05aac24c545e" providerId="ADAL" clId="{F2938780-69D4-7440-8672-A89FA067EE16}" dt="2022-01-24T19:09:47.781" v="1373" actId="20577"/>
-        <pc:sldMkLst>
-          <pc:docMk/>
-          <pc:sldMk cId="2514033985" sldId="1876"/>
-        </pc:sldMkLst>
-        <pc:spChg chg="mod">
-          <ac:chgData name="Khattab, Sherif" userId="c83b1e15-36f3-4f46-aceb-05aac24c545e" providerId="ADAL" clId="{F2938780-69D4-7440-8672-A89FA067EE16}" dt="2022-01-24T19:09:22.040" v="1309" actId="20577"/>
-          <ac:spMkLst>
-            <pc:docMk/>
-            <pc:sldMk cId="2514033985" sldId="1876"/>
-            <ac:spMk id="2" creationId="{B3AFA3E5-D40A-2249-AC65-F3B19EE1F133}"/>
-          </ac:spMkLst>
-        </pc:spChg>
-        <pc:spChg chg="mod">
-          <ac:chgData name="Khattab, Sherif" userId="c83b1e15-36f3-4f46-aceb-05aac24c545e" providerId="ADAL" clId="{F2938780-69D4-7440-8672-A89FA067EE16}" dt="2022-01-24T19:09:47.781" v="1373" actId="20577"/>
-          <ac:spMkLst>
-            <pc:docMk/>
-            <pc:sldMk cId="2514033985" sldId="1876"/>
-            <ac:spMk id="3" creationId="{8810FF70-0502-7C47-8047-1376AA6A10E9}"/>
-          </ac:spMkLst>
-        </pc:spChg>
-      </pc:sldChg>
-      <pc:sldChg chg="modSp new mod">
-        <pc:chgData name="Khattab, Sherif" userId="c83b1e15-36f3-4f46-aceb-05aac24c545e" providerId="ADAL" clId="{F2938780-69D4-7440-8672-A89FA067EE16}" dt="2022-01-24T19:10:31.458" v="1469" actId="20577"/>
-        <pc:sldMkLst>
-          <pc:docMk/>
-          <pc:sldMk cId="671181895" sldId="1877"/>
-        </pc:sldMkLst>
-        <pc:spChg chg="mod">
-          <ac:chgData name="Khattab, Sherif" userId="c83b1e15-36f3-4f46-aceb-05aac24c545e" providerId="ADAL" clId="{F2938780-69D4-7440-8672-A89FA067EE16}" dt="2022-01-24T19:10:31.458" v="1469" actId="20577"/>
-          <ac:spMkLst>
-            <pc:docMk/>
-            <pc:sldMk cId="671181895" sldId="1877"/>
-            <ac:spMk id="2" creationId="{069B5492-7901-AD4A-A3E3-C3660B01056A}"/>
-          </ac:spMkLst>
-        </pc:spChg>
-        <pc:spChg chg="mod">
-          <ac:chgData name="Khattab, Sherif" userId="c83b1e15-36f3-4f46-aceb-05aac24c545e" providerId="ADAL" clId="{F2938780-69D4-7440-8672-A89FA067EE16}" dt="2022-01-24T19:10:23.844" v="1467" actId="20577"/>
-          <ac:spMkLst>
-            <pc:docMk/>
-            <pc:sldMk cId="671181895" sldId="1877"/>
-            <ac:spMk id="3" creationId="{BE8BCB22-8A89-BF4C-BAD0-7A771C44B9DE}"/>
-          </ac:spMkLst>
-        </pc:spChg>
-      </pc:sldChg>
-      <pc:sldChg chg="add del">
-        <pc:chgData name="Khattab, Sherif" userId="c83b1e15-36f3-4f46-aceb-05aac24c545e" providerId="ADAL" clId="{F2938780-69D4-7440-8672-A89FA067EE16}" dt="2022-01-24T19:11:27.720" v="1472"/>
-        <pc:sldMkLst>
-          <pc:docMk/>
-          <pc:sldMk cId="972574410" sldId="1878"/>
-        </pc:sldMkLst>
-      </pc:sldChg>
-      <pc:sldChg chg="add del">
-        <pc:chgData name="Khattab, Sherif" userId="c83b1e15-36f3-4f46-aceb-05aac24c545e" providerId="ADAL" clId="{F2938780-69D4-7440-8672-A89FA067EE16}" dt="2022-01-24T19:11:27.720" v="1472"/>
-        <pc:sldMkLst>
-          <pc:docMk/>
-          <pc:sldMk cId="3409777137" sldId="1879"/>
-        </pc:sldMkLst>
-      </pc:sldChg>
-    </pc:docChg>
-  </pc:docChgLst>
-  <pc:docChgLst>
-    <pc:chgData name="Khattab, Sherif" userId="c83b1e15-36f3-4f46-aceb-05aac24c545e" providerId="ADAL" clId="{F834E35F-18A9-B241-B162-F9ACA4EFE26C}"/>
-    <pc:docChg chg="custSel modSld">
-      <pc:chgData name="Khattab, Sherif" userId="c83b1e15-36f3-4f46-aceb-05aac24c545e" providerId="ADAL" clId="{F834E35F-18A9-B241-B162-F9ACA4EFE26C}" dt="2021-09-01T05:38:22.894" v="1" actId="478"/>
-      <pc:docMkLst>
-        <pc:docMk/>
-      </pc:docMkLst>
-      <pc:sldChg chg="delSp modSp mod">
-        <pc:chgData name="Khattab, Sherif" userId="c83b1e15-36f3-4f46-aceb-05aac24c545e" providerId="ADAL" clId="{F834E35F-18A9-B241-B162-F9ACA4EFE26C}" dt="2021-09-01T05:38:22.894" v="1" actId="478"/>
-        <pc:sldMkLst>
-          <pc:docMk/>
-          <pc:sldMk cId="1894775455" sldId="405"/>
-        </pc:sldMkLst>
-        <pc:spChg chg="mod">
-          <ac:chgData name="Khattab, Sherif" userId="c83b1e15-36f3-4f46-aceb-05aac24c545e" providerId="ADAL" clId="{F834E35F-18A9-B241-B162-F9ACA4EFE26C}" dt="2021-09-01T05:38:20.201" v="0"/>
-          <ac:spMkLst>
-            <pc:docMk/>
-            <pc:sldMk cId="1894775455" sldId="405"/>
-            <ac:spMk id="3" creationId="{00000000-0000-0000-0000-000000000000}"/>
-          </ac:spMkLst>
-        </pc:spChg>
-        <pc:spChg chg="del">
-          <ac:chgData name="Khattab, Sherif" userId="c83b1e15-36f3-4f46-aceb-05aac24c545e" providerId="ADAL" clId="{F834E35F-18A9-B241-B162-F9ACA4EFE26C}" dt="2021-09-01T05:38:22.894" v="1" actId="478"/>
-          <ac:spMkLst>
-            <pc:docMk/>
-            <pc:sldMk cId="1894775455" sldId="405"/>
-            <ac:spMk id="5" creationId="{76645EC5-A991-419C-860F-C4BB509A507B}"/>
-          </ac:spMkLst>
-        </pc:spChg>
-      </pc:sldChg>
-    </pc:docChg>
-  </pc:docChgLst>
-  <pc:docChgLst>
-    <pc:chgData name="Khattab, Sherif" userId="c83b1e15-36f3-4f46-aceb-05aac24c545e" providerId="ADAL" clId="{49366C86-6EFE-464C-B6B0-D941AB16FD34}"/>
-    <pc:docChg chg="modSld">
-      <pc:chgData name="Khattab, Sherif" userId="c83b1e15-36f3-4f46-aceb-05aac24c545e" providerId="ADAL" clId="{49366C86-6EFE-464C-B6B0-D941AB16FD34}" dt="2021-01-29T15:46:30.108" v="13" actId="20577"/>
-      <pc:docMkLst>
-        <pc:docMk/>
-      </pc:docMkLst>
-      <pc:sldChg chg="modSp mod">
-        <pc:chgData name="Khattab, Sherif" userId="c83b1e15-36f3-4f46-aceb-05aac24c545e" providerId="ADAL" clId="{49366C86-6EFE-464C-B6B0-D941AB16FD34}" dt="2021-01-29T15:46:30.108" v="13" actId="20577"/>
-        <pc:sldMkLst>
-          <pc:docMk/>
-          <pc:sldMk cId="1068465410" sldId="496"/>
-        </pc:sldMkLst>
-        <pc:spChg chg="mod">
-          <ac:chgData name="Khattab, Sherif" userId="c83b1e15-36f3-4f46-aceb-05aac24c545e" providerId="ADAL" clId="{49366C86-6EFE-464C-B6B0-D941AB16FD34}" dt="2021-01-29T15:46:30.108" v="13" actId="20577"/>
-          <ac:spMkLst>
-            <pc:docMk/>
-            <pc:sldMk cId="1068465410" sldId="496"/>
-            <ac:spMk id="3" creationId="{2466C52D-9A48-4683-BE7F-268D8DB7FAAD}"/>
-          </ac:spMkLst>
-        </pc:spChg>
-      </pc:sldChg>
-    </pc:docChg>
-  </pc:docChgLst>
-  <pc:docChgLst>
     <pc:chgData name="Khattab, Sherif" userId="c83b1e15-36f3-4f46-aceb-05aac24c545e" providerId="ADAL" clId="{54A5409E-66E3-47DC-A045-DB1DDAD3FBF1}"/>
     <pc:docChg chg="undo custSel addSld delSld modSld">
       <pc:chgData name="Khattab, Sherif" userId="c83b1e15-36f3-4f46-aceb-05aac24c545e" providerId="ADAL" clId="{54A5409E-66E3-47DC-A045-DB1DDAD3FBF1}" dt="2021-09-13T21:57:52.191" v="387" actId="47"/>
@@ -1472,420 +1878,6 @@
       </pc:sldMasterChg>
     </pc:docChg>
   </pc:docChgLst>
-  <pc:docChgLst>
-    <pc:chgData name="Khattab, Sherif" userId="c83b1e15-36f3-4f46-aceb-05aac24c545e" providerId="ADAL" clId="{FB7609DE-4E49-B943-8CC1-A94C3EC91022}"/>
-    <pc:docChg chg="undo custSel addSld delSld modSld">
-      <pc:chgData name="Khattab, Sherif" userId="c83b1e15-36f3-4f46-aceb-05aac24c545e" providerId="ADAL" clId="{FB7609DE-4E49-B943-8CC1-A94C3EC91022}" dt="2021-01-27T20:12:41.246" v="980"/>
-      <pc:docMkLst>
-        <pc:docMk/>
-      </pc:docMkLst>
-      <pc:sldChg chg="del">
-        <pc:chgData name="Khattab, Sherif" userId="c83b1e15-36f3-4f46-aceb-05aac24c545e" providerId="ADAL" clId="{FB7609DE-4E49-B943-8CC1-A94C3EC91022}" dt="2021-01-27T13:56:14.317" v="377" actId="2696"/>
-        <pc:sldMkLst>
-          <pc:docMk/>
-          <pc:sldMk cId="1152327425" sldId="257"/>
-        </pc:sldMkLst>
-      </pc:sldChg>
-      <pc:sldChg chg="del">
-        <pc:chgData name="Khattab, Sherif" userId="c83b1e15-36f3-4f46-aceb-05aac24c545e" providerId="ADAL" clId="{FB7609DE-4E49-B943-8CC1-A94C3EC91022}" dt="2021-01-27T13:56:14.317" v="377" actId="2696"/>
-        <pc:sldMkLst>
-          <pc:docMk/>
-          <pc:sldMk cId="2472493573" sldId="258"/>
-        </pc:sldMkLst>
-      </pc:sldChg>
-      <pc:sldChg chg="modSp del mod">
-        <pc:chgData name="Khattab, Sherif" userId="c83b1e15-36f3-4f46-aceb-05aac24c545e" providerId="ADAL" clId="{FB7609DE-4E49-B943-8CC1-A94C3EC91022}" dt="2021-01-27T13:56:14.317" v="377" actId="2696"/>
-        <pc:sldMkLst>
-          <pc:docMk/>
-          <pc:sldMk cId="1382941772" sldId="260"/>
-        </pc:sldMkLst>
-        <pc:spChg chg="mod">
-          <ac:chgData name="Khattab, Sherif" userId="c83b1e15-36f3-4f46-aceb-05aac24c545e" providerId="ADAL" clId="{FB7609DE-4E49-B943-8CC1-A94C3EC91022}" dt="2021-01-27T13:54:03.796" v="185" actId="27636"/>
-          <ac:spMkLst>
-            <pc:docMk/>
-            <pc:sldMk cId="1382941772" sldId="260"/>
-            <ac:spMk id="165" creationId="{00000000-0000-0000-0000-000000000000}"/>
-          </ac:spMkLst>
-        </pc:spChg>
-      </pc:sldChg>
-      <pc:sldChg chg="del">
-        <pc:chgData name="Khattab, Sherif" userId="c83b1e15-36f3-4f46-aceb-05aac24c545e" providerId="ADAL" clId="{FB7609DE-4E49-B943-8CC1-A94C3EC91022}" dt="2021-01-27T13:56:14.317" v="377" actId="2696"/>
-        <pc:sldMkLst>
-          <pc:docMk/>
-          <pc:sldMk cId="3392764763" sldId="274"/>
-        </pc:sldMkLst>
-      </pc:sldChg>
-      <pc:sldChg chg="modSp del mod">
-        <pc:chgData name="Khattab, Sherif" userId="c83b1e15-36f3-4f46-aceb-05aac24c545e" providerId="ADAL" clId="{FB7609DE-4E49-B943-8CC1-A94C3EC91022}" dt="2021-01-27T13:56:14.317" v="377" actId="2696"/>
-        <pc:sldMkLst>
-          <pc:docMk/>
-          <pc:sldMk cId="445949216" sldId="281"/>
-        </pc:sldMkLst>
-        <pc:spChg chg="mod">
-          <ac:chgData name="Khattab, Sherif" userId="c83b1e15-36f3-4f46-aceb-05aac24c545e" providerId="ADAL" clId="{FB7609DE-4E49-B943-8CC1-A94C3EC91022}" dt="2021-01-27T13:54:03.697" v="184" actId="27636"/>
-          <ac:spMkLst>
-            <pc:docMk/>
-            <pc:sldMk cId="445949216" sldId="281"/>
-            <ac:spMk id="263" creationId="{00000000-0000-0000-0000-000000000000}"/>
-          </ac:spMkLst>
-        </pc:spChg>
-      </pc:sldChg>
-      <pc:sldChg chg="add del">
-        <pc:chgData name="Khattab, Sherif" userId="c83b1e15-36f3-4f46-aceb-05aac24c545e" providerId="ADAL" clId="{FB7609DE-4E49-B943-8CC1-A94C3EC91022}" dt="2021-01-27T14:09:07.490" v="857"/>
-        <pc:sldMkLst>
-          <pc:docMk/>
-          <pc:sldMk cId="1315177585" sldId="281"/>
-        </pc:sldMkLst>
-      </pc:sldChg>
-      <pc:sldChg chg="modSp add mod">
-        <pc:chgData name="Khattab, Sherif" userId="c83b1e15-36f3-4f46-aceb-05aac24c545e" providerId="ADAL" clId="{FB7609DE-4E49-B943-8CC1-A94C3EC91022}" dt="2021-01-27T14:09:17.824" v="864" actId="20577"/>
-        <pc:sldMkLst>
-          <pc:docMk/>
-          <pc:sldMk cId="2805000757" sldId="281"/>
-        </pc:sldMkLst>
-        <pc:spChg chg="mod">
-          <ac:chgData name="Khattab, Sherif" userId="c83b1e15-36f3-4f46-aceb-05aac24c545e" providerId="ADAL" clId="{FB7609DE-4E49-B943-8CC1-A94C3EC91022}" dt="2021-01-27T14:09:17.824" v="864" actId="20577"/>
-          <ac:spMkLst>
-            <pc:docMk/>
-            <pc:sldMk cId="2805000757" sldId="281"/>
-            <ac:spMk id="460" creationId="{00000000-0000-0000-0000-000000000000}"/>
-          </ac:spMkLst>
-        </pc:spChg>
-      </pc:sldChg>
-      <pc:sldChg chg="modSp add mod">
-        <pc:chgData name="Khattab, Sherif" userId="c83b1e15-36f3-4f46-aceb-05aac24c545e" providerId="ADAL" clId="{FB7609DE-4E49-B943-8CC1-A94C3EC91022}" dt="2021-01-27T14:09:22.594" v="867" actId="20577"/>
-        <pc:sldMkLst>
-          <pc:docMk/>
-          <pc:sldMk cId="644336610" sldId="282"/>
-        </pc:sldMkLst>
-        <pc:spChg chg="mod">
-          <ac:chgData name="Khattab, Sherif" userId="c83b1e15-36f3-4f46-aceb-05aac24c545e" providerId="ADAL" clId="{FB7609DE-4E49-B943-8CC1-A94C3EC91022}" dt="2021-01-27T14:09:22.594" v="867" actId="20577"/>
-          <ac:spMkLst>
-            <pc:docMk/>
-            <pc:sldMk cId="644336610" sldId="282"/>
-            <ac:spMk id="467" creationId="{00000000-0000-0000-0000-000000000000}"/>
-          </ac:spMkLst>
-        </pc:spChg>
-      </pc:sldChg>
-      <pc:sldChg chg="add del">
-        <pc:chgData name="Khattab, Sherif" userId="c83b1e15-36f3-4f46-aceb-05aac24c545e" providerId="ADAL" clId="{FB7609DE-4E49-B943-8CC1-A94C3EC91022}" dt="2021-01-27T14:09:07.490" v="857"/>
-        <pc:sldMkLst>
-          <pc:docMk/>
-          <pc:sldMk cId="2784934943" sldId="282"/>
-        </pc:sldMkLst>
-      </pc:sldChg>
-      <pc:sldChg chg="add del">
-        <pc:chgData name="Khattab, Sherif" userId="c83b1e15-36f3-4f46-aceb-05aac24c545e" providerId="ADAL" clId="{FB7609DE-4E49-B943-8CC1-A94C3EC91022}" dt="2021-01-27T14:09:07.490" v="857"/>
-        <pc:sldMkLst>
-          <pc:docMk/>
-          <pc:sldMk cId="3013231227" sldId="283"/>
-        </pc:sldMkLst>
-      </pc:sldChg>
-      <pc:sldChg chg="modSp add mod">
-        <pc:chgData name="Khattab, Sherif" userId="c83b1e15-36f3-4f46-aceb-05aac24c545e" providerId="ADAL" clId="{FB7609DE-4E49-B943-8CC1-A94C3EC91022}" dt="2021-01-27T14:09:29.143" v="874" actId="20577"/>
-        <pc:sldMkLst>
-          <pc:docMk/>
-          <pc:sldMk cId="3275560456" sldId="283"/>
-        </pc:sldMkLst>
-        <pc:spChg chg="mod">
-          <ac:chgData name="Khattab, Sherif" userId="c83b1e15-36f3-4f46-aceb-05aac24c545e" providerId="ADAL" clId="{FB7609DE-4E49-B943-8CC1-A94C3EC91022}" dt="2021-01-27T14:09:29.143" v="874" actId="20577"/>
-          <ac:spMkLst>
-            <pc:docMk/>
-            <pc:sldMk cId="3275560456" sldId="283"/>
-            <ac:spMk id="474" creationId="{00000000-0000-0000-0000-000000000000}"/>
-          </ac:spMkLst>
-        </pc:spChg>
-      </pc:sldChg>
-      <pc:sldChg chg="del">
-        <pc:chgData name="Khattab, Sherif" userId="c83b1e15-36f3-4f46-aceb-05aac24c545e" providerId="ADAL" clId="{FB7609DE-4E49-B943-8CC1-A94C3EC91022}" dt="2021-01-27T13:56:14.317" v="377" actId="2696"/>
-        <pc:sldMkLst>
-          <pc:docMk/>
-          <pc:sldMk cId="2865696446" sldId="285"/>
-        </pc:sldMkLst>
-      </pc:sldChg>
-      <pc:sldChg chg="del">
-        <pc:chgData name="Khattab, Sherif" userId="c83b1e15-36f3-4f46-aceb-05aac24c545e" providerId="ADAL" clId="{FB7609DE-4E49-B943-8CC1-A94C3EC91022}" dt="2021-01-27T13:56:14.317" v="377" actId="2696"/>
-        <pc:sldMkLst>
-          <pc:docMk/>
-          <pc:sldMk cId="214968552" sldId="287"/>
-        </pc:sldMkLst>
-      </pc:sldChg>
-      <pc:sldChg chg="del">
-        <pc:chgData name="Khattab, Sherif" userId="c83b1e15-36f3-4f46-aceb-05aac24c545e" providerId="ADAL" clId="{FB7609DE-4E49-B943-8CC1-A94C3EC91022}" dt="2021-01-27T13:56:14.317" v="377" actId="2696"/>
-        <pc:sldMkLst>
-          <pc:docMk/>
-          <pc:sldMk cId="1092592367" sldId="391"/>
-        </pc:sldMkLst>
-      </pc:sldChg>
-      <pc:sldChg chg="add">
-        <pc:chgData name="Khattab, Sherif" userId="c83b1e15-36f3-4f46-aceb-05aac24c545e" providerId="ADAL" clId="{FB7609DE-4E49-B943-8CC1-A94C3EC91022}" dt="2021-01-27T14:05:33.759" v="837"/>
-        <pc:sldMkLst>
-          <pc:docMk/>
-          <pc:sldMk cId="1273787362" sldId="392"/>
-        </pc:sldMkLst>
-      </pc:sldChg>
-      <pc:sldChg chg="del">
-        <pc:chgData name="Khattab, Sherif" userId="c83b1e15-36f3-4f46-aceb-05aac24c545e" providerId="ADAL" clId="{FB7609DE-4E49-B943-8CC1-A94C3EC91022}" dt="2021-01-27T13:56:14.317" v="377" actId="2696"/>
-        <pc:sldMkLst>
-          <pc:docMk/>
-          <pc:sldMk cId="4280497035" sldId="392"/>
-        </pc:sldMkLst>
-      </pc:sldChg>
-      <pc:sldChg chg="modSp mod">
-        <pc:chgData name="Khattab, Sherif" userId="c83b1e15-36f3-4f46-aceb-05aac24c545e" providerId="ADAL" clId="{FB7609DE-4E49-B943-8CC1-A94C3EC91022}" dt="2021-01-27T13:54:03.989" v="186" actId="27636"/>
-        <pc:sldMkLst>
-          <pc:docMk/>
-          <pc:sldMk cId="811987457" sldId="394"/>
-        </pc:sldMkLst>
-        <pc:spChg chg="mod">
-          <ac:chgData name="Khattab, Sherif" userId="c83b1e15-36f3-4f46-aceb-05aac24c545e" providerId="ADAL" clId="{FB7609DE-4E49-B943-8CC1-A94C3EC91022}" dt="2021-01-27T13:54:03.989" v="186" actId="27636"/>
-          <ac:spMkLst>
-            <pc:docMk/>
-            <pc:sldMk cId="811987457" sldId="394"/>
-            <ac:spMk id="263" creationId="{00000000-0000-0000-0000-000000000000}"/>
-          </ac:spMkLst>
-        </pc:spChg>
-      </pc:sldChg>
-      <pc:sldChg chg="modSp mod modAnim">
-        <pc:chgData name="Khattab, Sherif" userId="c83b1e15-36f3-4f46-aceb-05aac24c545e" providerId="ADAL" clId="{FB7609DE-4E49-B943-8CC1-A94C3EC91022}" dt="2021-01-27T20:12:41.246" v="980"/>
-        <pc:sldMkLst>
-          <pc:docMk/>
-          <pc:sldMk cId="3756086896" sldId="402"/>
-        </pc:sldMkLst>
-        <pc:spChg chg="mod">
-          <ac:chgData name="Khattab, Sherif" userId="c83b1e15-36f3-4f46-aceb-05aac24c545e" providerId="ADAL" clId="{FB7609DE-4E49-B943-8CC1-A94C3EC91022}" dt="2021-01-27T20:12:06.756" v="976" actId="14100"/>
-          <ac:spMkLst>
-            <pc:docMk/>
-            <pc:sldMk cId="3756086896" sldId="402"/>
-            <ac:spMk id="2" creationId="{2701C75F-4DC8-2144-BA02-D9E72D4D689E}"/>
-          </ac:spMkLst>
-        </pc:spChg>
-        <pc:picChg chg="mod">
-          <ac:chgData name="Khattab, Sherif" userId="c83b1e15-36f3-4f46-aceb-05aac24c545e" providerId="ADAL" clId="{FB7609DE-4E49-B943-8CC1-A94C3EC91022}" dt="2021-01-27T20:12:17.725" v="978" actId="1076"/>
-          <ac:picMkLst>
-            <pc:docMk/>
-            <pc:sldMk cId="3756086896" sldId="402"/>
-            <ac:picMk id="8" creationId="{789DE477-7E78-B64D-B4B9-045378CD8882}"/>
-          </ac:picMkLst>
-        </pc:picChg>
-      </pc:sldChg>
-      <pc:sldChg chg="modSp mod">
-        <pc:chgData name="Khattab, Sherif" userId="c83b1e15-36f3-4f46-aceb-05aac24c545e" providerId="ADAL" clId="{FB7609DE-4E49-B943-8CC1-A94C3EC91022}" dt="2021-01-27T13:54:04.173" v="187" actId="27636"/>
-        <pc:sldMkLst>
-          <pc:docMk/>
-          <pc:sldMk cId="1876792183" sldId="403"/>
-        </pc:sldMkLst>
-        <pc:spChg chg="mod">
-          <ac:chgData name="Khattab, Sherif" userId="c83b1e15-36f3-4f46-aceb-05aac24c545e" providerId="ADAL" clId="{FB7609DE-4E49-B943-8CC1-A94C3EC91022}" dt="2021-01-27T13:54:04.173" v="187" actId="27636"/>
-          <ac:spMkLst>
-            <pc:docMk/>
-            <pc:sldMk cId="1876792183" sldId="403"/>
-            <ac:spMk id="421" creationId="{00000000-0000-0000-0000-000000000000}"/>
-          </ac:spMkLst>
-        </pc:spChg>
-      </pc:sldChg>
-      <pc:sldChg chg="delSp modSp mod">
-        <pc:chgData name="Khattab, Sherif" userId="c83b1e15-36f3-4f46-aceb-05aac24c545e" providerId="ADAL" clId="{FB7609DE-4E49-B943-8CC1-A94C3EC91022}" dt="2021-01-27T13:53:37.035" v="111" actId="478"/>
-        <pc:sldMkLst>
-          <pc:docMk/>
-          <pc:sldMk cId="1894775455" sldId="405"/>
-        </pc:sldMkLst>
-        <pc:spChg chg="del mod">
-          <ac:chgData name="Khattab, Sherif" userId="c83b1e15-36f3-4f46-aceb-05aac24c545e" providerId="ADAL" clId="{FB7609DE-4E49-B943-8CC1-A94C3EC91022}" dt="2021-01-27T13:53:37.035" v="111" actId="478"/>
-          <ac:spMkLst>
-            <pc:docMk/>
-            <pc:sldMk cId="1894775455" sldId="405"/>
-            <ac:spMk id="5" creationId="{16306A4B-84B5-E84E-B29D-41318FA00D6C}"/>
-          </ac:spMkLst>
-        </pc:spChg>
-      </pc:sldChg>
-      <pc:sldChg chg="modSp mod">
-        <pc:chgData name="Khattab, Sherif" userId="c83b1e15-36f3-4f46-aceb-05aac24c545e" providerId="ADAL" clId="{FB7609DE-4E49-B943-8CC1-A94C3EC91022}" dt="2021-01-27T14:04:12.076" v="827" actId="20577"/>
-        <pc:sldMkLst>
-          <pc:docMk/>
-          <pc:sldMk cId="1068465410" sldId="496"/>
-        </pc:sldMkLst>
-        <pc:spChg chg="mod">
-          <ac:chgData name="Khattab, Sherif" userId="c83b1e15-36f3-4f46-aceb-05aac24c545e" providerId="ADAL" clId="{FB7609DE-4E49-B943-8CC1-A94C3EC91022}" dt="2021-01-27T14:04:12.076" v="827" actId="20577"/>
-          <ac:spMkLst>
-            <pc:docMk/>
-            <pc:sldMk cId="1068465410" sldId="496"/>
-            <ac:spMk id="3" creationId="{2466C52D-9A48-4683-BE7F-268D8DB7FAAD}"/>
-          </ac:spMkLst>
-        </pc:spChg>
-      </pc:sldChg>
-      <pc:sldChg chg="modSp mod">
-        <pc:chgData name="Khattab, Sherif" userId="c83b1e15-36f3-4f46-aceb-05aac24c545e" providerId="ADAL" clId="{FB7609DE-4E49-B943-8CC1-A94C3EC91022}" dt="2021-01-27T13:55:41.322" v="376" actId="20577"/>
-        <pc:sldMkLst>
-          <pc:docMk/>
-          <pc:sldMk cId="2374057061" sldId="498"/>
-        </pc:sldMkLst>
-        <pc:spChg chg="mod">
-          <ac:chgData name="Khattab, Sherif" userId="c83b1e15-36f3-4f46-aceb-05aac24c545e" providerId="ADAL" clId="{FB7609DE-4E49-B943-8CC1-A94C3EC91022}" dt="2021-01-27T13:55:41.322" v="376" actId="20577"/>
-          <ac:spMkLst>
-            <pc:docMk/>
-            <pc:sldMk cId="2374057061" sldId="498"/>
-            <ac:spMk id="3" creationId="{F832F02F-5ABF-4702-A259-B8272D97DD79}"/>
-          </ac:spMkLst>
-        </pc:spChg>
-      </pc:sldChg>
-      <pc:sldChg chg="modSp mod">
-        <pc:chgData name="Khattab, Sherif" userId="c83b1e15-36f3-4f46-aceb-05aac24c545e" providerId="ADAL" clId="{FB7609DE-4E49-B943-8CC1-A94C3EC91022}" dt="2021-01-27T14:11:15.598" v="969" actId="6549"/>
-        <pc:sldMkLst>
-          <pc:docMk/>
-          <pc:sldMk cId="2823856332" sldId="499"/>
-        </pc:sldMkLst>
-        <pc:spChg chg="mod">
-          <ac:chgData name="Khattab, Sherif" userId="c83b1e15-36f3-4f46-aceb-05aac24c545e" providerId="ADAL" clId="{FB7609DE-4E49-B943-8CC1-A94C3EC91022}" dt="2021-01-27T14:11:15.598" v="969" actId="6549"/>
-          <ac:spMkLst>
-            <pc:docMk/>
-            <pc:sldMk cId="2823856332" sldId="499"/>
-            <ac:spMk id="3" creationId="{E1064C43-9078-4C76-A016-C8AE45AE9774}"/>
-          </ac:spMkLst>
-        </pc:spChg>
-      </pc:sldChg>
-      <pc:sldChg chg="del">
-        <pc:chgData name="Khattab, Sherif" userId="c83b1e15-36f3-4f46-aceb-05aac24c545e" providerId="ADAL" clId="{FB7609DE-4E49-B943-8CC1-A94C3EC91022}" dt="2021-01-27T13:56:14.317" v="377" actId="2696"/>
-        <pc:sldMkLst>
-          <pc:docMk/>
-          <pc:sldMk cId="58097193" sldId="500"/>
-        </pc:sldMkLst>
-      </pc:sldChg>
-      <pc:sldChg chg="del">
-        <pc:chgData name="Khattab, Sherif" userId="c83b1e15-36f3-4f46-aceb-05aac24c545e" providerId="ADAL" clId="{FB7609DE-4E49-B943-8CC1-A94C3EC91022}" dt="2021-01-27T13:56:14.317" v="377" actId="2696"/>
-        <pc:sldMkLst>
-          <pc:docMk/>
-          <pc:sldMk cId="1226087183" sldId="501"/>
-        </pc:sldMkLst>
-      </pc:sldChg>
-      <pc:sldChg chg="del">
-        <pc:chgData name="Khattab, Sherif" userId="c83b1e15-36f3-4f46-aceb-05aac24c545e" providerId="ADAL" clId="{FB7609DE-4E49-B943-8CC1-A94C3EC91022}" dt="2021-01-27T13:56:14.317" v="377" actId="2696"/>
-        <pc:sldMkLst>
-          <pc:docMk/>
-          <pc:sldMk cId="1196699890" sldId="502"/>
-        </pc:sldMkLst>
-      </pc:sldChg>
-      <pc:sldChg chg="modSp new mod">
-        <pc:chgData name="Khattab, Sherif" userId="c83b1e15-36f3-4f46-aceb-05aac24c545e" providerId="ADAL" clId="{FB7609DE-4E49-B943-8CC1-A94C3EC91022}" dt="2021-01-27T13:56:32.763" v="390" actId="20577"/>
-        <pc:sldMkLst>
-          <pc:docMk/>
-          <pc:sldMk cId="1128397823" sldId="504"/>
-        </pc:sldMkLst>
-        <pc:spChg chg="mod">
-          <ac:chgData name="Khattab, Sherif" userId="c83b1e15-36f3-4f46-aceb-05aac24c545e" providerId="ADAL" clId="{FB7609DE-4E49-B943-8CC1-A94C3EC91022}" dt="2021-01-27T13:56:32.763" v="390" actId="20577"/>
-          <ac:spMkLst>
-            <pc:docMk/>
-            <pc:sldMk cId="1128397823" sldId="504"/>
-            <ac:spMk id="2" creationId="{F3177E1A-980D-FE4C-9AD4-B7D0A5ECA2A9}"/>
-          </ac:spMkLst>
-        </pc:spChg>
-      </pc:sldChg>
-      <pc:sldChg chg="modSp new mod">
-        <pc:chgData name="Khattab, Sherif" userId="c83b1e15-36f3-4f46-aceb-05aac24c545e" providerId="ADAL" clId="{FB7609DE-4E49-B943-8CC1-A94C3EC91022}" dt="2021-01-27T13:56:42.853" v="403" actId="20577"/>
-        <pc:sldMkLst>
-          <pc:docMk/>
-          <pc:sldMk cId="729670177" sldId="505"/>
-        </pc:sldMkLst>
-        <pc:spChg chg="mod">
-          <ac:chgData name="Khattab, Sherif" userId="c83b1e15-36f3-4f46-aceb-05aac24c545e" providerId="ADAL" clId="{FB7609DE-4E49-B943-8CC1-A94C3EC91022}" dt="2021-01-27T13:56:42.853" v="403" actId="20577"/>
-          <ac:spMkLst>
-            <pc:docMk/>
-            <pc:sldMk cId="729670177" sldId="505"/>
-            <ac:spMk id="2" creationId="{4BE0AA09-81BB-B44F-B753-EDAACC6AD9AC}"/>
-          </ac:spMkLst>
-        </pc:spChg>
-      </pc:sldChg>
-      <pc:sldChg chg="modSp new mod">
-        <pc:chgData name="Khattab, Sherif" userId="c83b1e15-36f3-4f46-aceb-05aac24c545e" providerId="ADAL" clId="{FB7609DE-4E49-B943-8CC1-A94C3EC91022}" dt="2021-01-27T13:58:28.393" v="659" actId="20577"/>
-        <pc:sldMkLst>
-          <pc:docMk/>
-          <pc:sldMk cId="700442057" sldId="506"/>
-        </pc:sldMkLst>
-        <pc:spChg chg="mod">
-          <ac:chgData name="Khattab, Sherif" userId="c83b1e15-36f3-4f46-aceb-05aac24c545e" providerId="ADAL" clId="{FB7609DE-4E49-B943-8CC1-A94C3EC91022}" dt="2021-01-27T13:57:10.490" v="430" actId="5793"/>
-          <ac:spMkLst>
-            <pc:docMk/>
-            <pc:sldMk cId="700442057" sldId="506"/>
-            <ac:spMk id="2" creationId="{09964AE1-DBFC-2848-B191-FE3ED1AFB0DB}"/>
-          </ac:spMkLst>
-        </pc:spChg>
-        <pc:spChg chg="mod">
-          <ac:chgData name="Khattab, Sherif" userId="c83b1e15-36f3-4f46-aceb-05aac24c545e" providerId="ADAL" clId="{FB7609DE-4E49-B943-8CC1-A94C3EC91022}" dt="2021-01-27T13:58:28.393" v="659" actId="20577"/>
-          <ac:spMkLst>
-            <pc:docMk/>
-            <pc:sldMk cId="700442057" sldId="506"/>
-            <ac:spMk id="3" creationId="{BDC81B29-68EF-D34F-B9F6-D9EC25476DFF}"/>
-          </ac:spMkLst>
-        </pc:spChg>
-      </pc:sldChg>
-      <pc:sldChg chg="modSp new mod">
-        <pc:chgData name="Khattab, Sherif" userId="c83b1e15-36f3-4f46-aceb-05aac24c545e" providerId="ADAL" clId="{FB7609DE-4E49-B943-8CC1-A94C3EC91022}" dt="2021-01-27T14:05:53.018" v="854" actId="20577"/>
-        <pc:sldMkLst>
-          <pc:docMk/>
-          <pc:sldMk cId="1569011807" sldId="507"/>
-        </pc:sldMkLst>
-        <pc:spChg chg="mod">
-          <ac:chgData name="Khattab, Sherif" userId="c83b1e15-36f3-4f46-aceb-05aac24c545e" providerId="ADAL" clId="{FB7609DE-4E49-B943-8CC1-A94C3EC91022}" dt="2021-01-27T14:05:53.018" v="854" actId="20577"/>
-          <ac:spMkLst>
-            <pc:docMk/>
-            <pc:sldMk cId="1569011807" sldId="507"/>
-            <ac:spMk id="2" creationId="{AA9BE831-E41C-204F-984D-A478257E1ABD}"/>
-          </ac:spMkLst>
-        </pc:spChg>
-      </pc:sldChg>
-      <pc:sldChg chg="add">
-        <pc:chgData name="Khattab, Sherif" userId="c83b1e15-36f3-4f46-aceb-05aac24c545e" providerId="ADAL" clId="{FB7609DE-4E49-B943-8CC1-A94C3EC91022}" dt="2021-01-27T14:07:02.063" v="855"/>
-        <pc:sldMkLst>
-          <pc:docMk/>
-          <pc:sldMk cId="2496682011" sldId="1747"/>
-        </pc:sldMkLst>
-      </pc:sldChg>
-      <pc:sldChg chg="add">
-        <pc:chgData name="Khattab, Sherif" userId="c83b1e15-36f3-4f46-aceb-05aac24c545e" providerId="ADAL" clId="{FB7609DE-4E49-B943-8CC1-A94C3EC91022}" dt="2021-01-27T14:07:02.063" v="855"/>
-        <pc:sldMkLst>
-          <pc:docMk/>
-          <pc:sldMk cId="1456819960" sldId="1749"/>
-        </pc:sldMkLst>
-      </pc:sldChg>
-      <pc:sldChg chg="add">
-        <pc:chgData name="Khattab, Sherif" userId="c83b1e15-36f3-4f46-aceb-05aac24c545e" providerId="ADAL" clId="{FB7609DE-4E49-B943-8CC1-A94C3EC91022}" dt="2021-01-27T14:07:02.063" v="855"/>
-        <pc:sldMkLst>
-          <pc:docMk/>
-          <pc:sldMk cId="2838362889" sldId="1756"/>
-        </pc:sldMkLst>
-      </pc:sldChg>
-      <pc:sldChg chg="add">
-        <pc:chgData name="Khattab, Sherif" userId="c83b1e15-36f3-4f46-aceb-05aac24c545e" providerId="ADAL" clId="{FB7609DE-4E49-B943-8CC1-A94C3EC91022}" dt="2021-01-27T14:07:02.063" v="855"/>
-        <pc:sldMkLst>
-          <pc:docMk/>
-          <pc:sldMk cId="2537966333" sldId="1859"/>
-        </pc:sldMkLst>
-      </pc:sldChg>
-      <pc:sldChg chg="modSp add mod">
-        <pc:chgData name="Khattab, Sherif" userId="c83b1e15-36f3-4f46-aceb-05aac24c545e" providerId="ADAL" clId="{FB7609DE-4E49-B943-8CC1-A94C3EC91022}" dt="2021-01-27T14:11:01.914" v="940" actId="20577"/>
-        <pc:sldMkLst>
-          <pc:docMk/>
-          <pc:sldMk cId="1241308872" sldId="1860"/>
-        </pc:sldMkLst>
-        <pc:spChg chg="mod">
-          <ac:chgData name="Khattab, Sherif" userId="c83b1e15-36f3-4f46-aceb-05aac24c545e" providerId="ADAL" clId="{FB7609DE-4E49-B943-8CC1-A94C3EC91022}" dt="2021-01-27T14:10:32.881" v="886" actId="5793"/>
-          <ac:spMkLst>
-            <pc:docMk/>
-            <pc:sldMk cId="1241308872" sldId="1860"/>
-            <ac:spMk id="2" creationId="{09964AE1-DBFC-2848-B191-FE3ED1AFB0DB}"/>
-          </ac:spMkLst>
-        </pc:spChg>
-        <pc:spChg chg="mod">
-          <ac:chgData name="Khattab, Sherif" userId="c83b1e15-36f3-4f46-aceb-05aac24c545e" providerId="ADAL" clId="{FB7609DE-4E49-B943-8CC1-A94C3EC91022}" dt="2021-01-27T14:11:01.914" v="940" actId="20577"/>
-          <ac:spMkLst>
-            <pc:docMk/>
-            <pc:sldMk cId="1241308872" sldId="1860"/>
-            <ac:spMk id="3" creationId="{BDC81B29-68EF-D34F-B9F6-D9EC25476DFF}"/>
-          </ac:spMkLst>
-        </pc:spChg>
-      </pc:sldChg>
-    </pc:docChg>
-  </pc:docChgLst>
 </pc:chgInfo>
 </file>
 
@@ -1971,7 +1963,7 @@
           <a:p>
             <a:fld id="{A845D111-13B1-6540-9222-8BA23A0A1AF2}" type="datetimeFigureOut">
               <a:rPr lang="en-US" smtClean="0"/>
-              <a:t>1/24/22</a:t>
+              <a:t>1/26/22</a:t>
             </a:fld>
             <a:endParaRPr lang="en-US"/>
           </a:p>
@@ -2611,645 +2603,6 @@
 </file>
 
 <file path=ppt/notesSlides/notesSlide2.xml><?xml version="1.0" encoding="utf-8"?>
-<p:notes xmlns:a="http://schemas.openxmlformats.org/drawingml/2006/main" xmlns:r="http://schemas.openxmlformats.org/officeDocument/2006/relationships" xmlns:p="http://schemas.openxmlformats.org/presentationml/2006/main" showMasterSp="0" showMasterPhAnim="0">
-  <p:cSld>
-    <p:spTree>
-      <p:nvGrpSpPr>
-        <p:cNvPr id="1" name="Shape 456"/>
-        <p:cNvGrpSpPr/>
-        <p:nvPr/>
-      </p:nvGrpSpPr>
-      <p:grpSpPr>
-        <a:xfrm>
-          <a:off x="0" y="0"/>
-          <a:ext cx="0" cy="0"/>
-          <a:chOff x="0" y="0"/>
-          <a:chExt cx="0" cy="0"/>
-        </a:xfrm>
-      </p:grpSpPr>
-      <p:sp>
-        <p:nvSpPr>
-          <p:cNvPr id="457" name="Google Shape;457;g3c385fd78_40:notes"/>
-          <p:cNvSpPr>
-            <a:spLocks noGrp="1" noRot="1" noChangeAspect="1"/>
-          </p:cNvSpPr>
-          <p:nvPr>
-            <p:ph type="sldImg" idx="2"/>
-          </p:nvPr>
-        </p:nvSpPr>
-        <p:spPr>
-          <a:xfrm>
-            <a:off x="1144588" y="685800"/>
-            <a:ext cx="4568825" cy="3429000"/>
-          </a:xfrm>
-          <a:custGeom>
-            <a:avLst/>
-            <a:gdLst/>
-            <a:ahLst/>
-            <a:cxnLst/>
-            <a:rect l="0" t="0" r="0" b="0"/>
-            <a:pathLst>
-              <a:path w="120000" h="120000" extrusionOk="0">
-                <a:moveTo>
-                  <a:pt x="0" y="0"/>
-                </a:moveTo>
-                <a:lnTo>
-                  <a:pt x="120000" y="0"/>
-                </a:lnTo>
-                <a:lnTo>
-                  <a:pt x="120000" y="120000"/>
-                </a:lnTo>
-                <a:lnTo>
-                  <a:pt x="0" y="120000"/>
-                </a:lnTo>
-                <a:close/>
-              </a:path>
-            </a:pathLst>
-          </a:custGeom>
-        </p:spPr>
-      </p:sp>
-      <p:sp>
-        <p:nvSpPr>
-          <p:cNvPr id="458" name="Google Shape;458;g3c385fd78_40:notes"/>
-          <p:cNvSpPr txBox="1">
-            <a:spLocks noGrp="1"/>
-          </p:cNvSpPr>
-          <p:nvPr>
-            <p:ph type="body" idx="1"/>
-          </p:nvPr>
-        </p:nvSpPr>
-        <p:spPr>
-          <a:xfrm>
-            <a:off x="685800" y="4343400"/>
-            <a:ext cx="5486400" cy="4114800"/>
-          </a:xfrm>
-          <a:prstGeom prst="rect">
-            <a:avLst/>
-          </a:prstGeom>
-        </p:spPr>
-        <p:txBody>
-          <a:bodyPr spcFirstLastPara="1" wrap="square" lIns="91425" tIns="91425" rIns="91425" bIns="91425" anchor="t" anchorCtr="0">
-            <a:noAutofit/>
-          </a:bodyPr>
-          <a:lstStyle/>
-          <a:p>
-            <a:pPr marL="0" lvl="0" indent="0" rtl="0">
-              <a:spcBef>
-                <a:spcPts val="0"/>
-              </a:spcBef>
-              <a:spcAft>
-                <a:spcPts val="0"/>
-              </a:spcAft>
-              <a:buClr>
-                <a:schemeClr val="dk1"/>
-              </a:buClr>
-              <a:buSzPts val="1100"/>
-              <a:buFont typeface="Arial"/>
-              <a:buNone/>
-            </a:pPr>
-            <a:r>
-              <a:rPr lang="en">
-                <a:solidFill>
-                  <a:srgbClr val="252525"/>
-                </a:solidFill>
-              </a:rPr>
-              <a:t>F, B, A, D, C, E, G, I, H</a:t>
-            </a:r>
-            <a:endParaRPr>
-              <a:solidFill>
-                <a:srgbClr val="252525"/>
-              </a:solidFill>
-            </a:endParaRPr>
-          </a:p>
-          <a:p>
-            <a:pPr marL="0" lvl="0" indent="0" rtl="0">
-              <a:spcBef>
-                <a:spcPts val="0"/>
-              </a:spcBef>
-              <a:spcAft>
-                <a:spcPts val="0"/>
-              </a:spcAft>
-              <a:buClr>
-                <a:schemeClr val="dk1"/>
-              </a:buClr>
-              <a:buSzPts val="1100"/>
-              <a:buFont typeface="Arial"/>
-              <a:buNone/>
-            </a:pPr>
-            <a:endParaRPr>
-              <a:solidFill>
-                <a:srgbClr val="252525"/>
-              </a:solidFill>
-            </a:endParaRPr>
-          </a:p>
-          <a:p>
-            <a:pPr marL="0" lvl="0" indent="0" rtl="0">
-              <a:spcBef>
-                <a:spcPts val="0"/>
-              </a:spcBef>
-              <a:spcAft>
-                <a:spcPts val="0"/>
-              </a:spcAft>
-              <a:buClr>
-                <a:schemeClr val="dk1"/>
-              </a:buClr>
-              <a:buSzPts val="1100"/>
-              <a:buFont typeface="Arial"/>
-              <a:buNone/>
-            </a:pPr>
-            <a:r>
-              <a:rPr lang="en">
-                <a:solidFill>
-                  <a:srgbClr val="252525"/>
-                </a:solidFill>
-              </a:rPr>
-              <a:t>Seen before when we talked about marshalling </a:t>
-            </a:r>
-            <a:r>
-              <a:rPr lang="en" err="1">
-                <a:solidFill>
-                  <a:srgbClr val="252525"/>
-                </a:solidFill>
-              </a:rPr>
-              <a:t>huffman</a:t>
-            </a:r>
-            <a:r>
-              <a:rPr lang="en">
-                <a:solidFill>
-                  <a:srgbClr val="252525"/>
-                </a:solidFill>
-              </a:rPr>
-              <a:t> tries to the compressed file</a:t>
-            </a:r>
-            <a:endParaRPr>
-              <a:solidFill>
-                <a:srgbClr val="252525"/>
-              </a:solidFill>
-            </a:endParaRPr>
-          </a:p>
-          <a:p>
-            <a:pPr marL="0" lvl="0" indent="0" rtl="0">
-              <a:spcBef>
-                <a:spcPts val="0"/>
-              </a:spcBef>
-              <a:spcAft>
-                <a:spcPts val="0"/>
-              </a:spcAft>
-              <a:buClr>
-                <a:schemeClr val="dk1"/>
-              </a:buClr>
-              <a:buSzPts val="1100"/>
-              <a:buFont typeface="Arial"/>
-              <a:buNone/>
-            </a:pPr>
-            <a:endParaRPr>
-              <a:solidFill>
-                <a:srgbClr val="252525"/>
-              </a:solidFill>
-            </a:endParaRPr>
-          </a:p>
-          <a:p>
-            <a:pPr marL="0" lvl="0" indent="0" rtl="0">
-              <a:spcBef>
-                <a:spcPts val="0"/>
-              </a:spcBef>
-              <a:spcAft>
-                <a:spcPts val="0"/>
-              </a:spcAft>
-              <a:buClr>
-                <a:schemeClr val="dk1"/>
-              </a:buClr>
-              <a:buSzPts val="1100"/>
-              <a:buFont typeface="Arial"/>
-              <a:buNone/>
-            </a:pPr>
-            <a:r>
-              <a:rPr lang="en">
-                <a:solidFill>
-                  <a:srgbClr val="252525"/>
-                </a:solidFill>
-              </a:rPr>
-              <a:t>Good for evaluating Polish notation</a:t>
-            </a:r>
-            <a:endParaRPr>
-              <a:solidFill>
-                <a:srgbClr val="252525"/>
-              </a:solidFill>
-            </a:endParaRPr>
-          </a:p>
-          <a:p>
-            <a:pPr marL="0" lvl="0" indent="0">
-              <a:spcBef>
-                <a:spcPts val="0"/>
-              </a:spcBef>
-              <a:spcAft>
-                <a:spcPts val="0"/>
-              </a:spcAft>
-              <a:buNone/>
-            </a:pPr>
-            <a:endParaRPr>
-              <a:solidFill>
-                <a:srgbClr val="252525"/>
-              </a:solidFill>
-              <a:highlight>
-                <a:srgbClr val="F9F9F9"/>
-              </a:highlight>
-            </a:endParaRPr>
-          </a:p>
-        </p:txBody>
-      </p:sp>
-    </p:spTree>
-    <p:extLst>
-      <p:ext uri="{BB962C8B-B14F-4D97-AF65-F5344CB8AC3E}">
-        <p14:creationId xmlns:p14="http://schemas.microsoft.com/office/powerpoint/2010/main" val="3948892276"/>
-      </p:ext>
-    </p:extLst>
-  </p:cSld>
-  <p:clrMapOvr>
-    <a:masterClrMapping/>
-  </p:clrMapOvr>
-</p:notes>
-</file>
-
-<file path=ppt/notesSlides/notesSlide3.xml><?xml version="1.0" encoding="utf-8"?>
-<p:notes xmlns:a="http://schemas.openxmlformats.org/drawingml/2006/main" xmlns:r="http://schemas.openxmlformats.org/officeDocument/2006/relationships" xmlns:p="http://schemas.openxmlformats.org/presentationml/2006/main" showMasterSp="0" showMasterPhAnim="0">
-  <p:cSld>
-    <p:spTree>
-      <p:nvGrpSpPr>
-        <p:cNvPr id="1" name="Shape 463"/>
-        <p:cNvGrpSpPr/>
-        <p:nvPr/>
-      </p:nvGrpSpPr>
-      <p:grpSpPr>
-        <a:xfrm>
-          <a:off x="0" y="0"/>
-          <a:ext cx="0" cy="0"/>
-          <a:chOff x="0" y="0"/>
-          <a:chExt cx="0" cy="0"/>
-        </a:xfrm>
-      </p:grpSpPr>
-      <p:sp>
-        <p:nvSpPr>
-          <p:cNvPr id="464" name="Google Shape;464;g3c385fd78_48:notes"/>
-          <p:cNvSpPr>
-            <a:spLocks noGrp="1" noRot="1" noChangeAspect="1"/>
-          </p:cNvSpPr>
-          <p:nvPr>
-            <p:ph type="sldImg" idx="2"/>
-          </p:nvPr>
-        </p:nvSpPr>
-        <p:spPr>
-          <a:xfrm>
-            <a:off x="1144588" y="685800"/>
-            <a:ext cx="4568825" cy="3429000"/>
-          </a:xfrm>
-          <a:custGeom>
-            <a:avLst/>
-            <a:gdLst/>
-            <a:ahLst/>
-            <a:cxnLst/>
-            <a:rect l="0" t="0" r="0" b="0"/>
-            <a:pathLst>
-              <a:path w="120000" h="120000" extrusionOk="0">
-                <a:moveTo>
-                  <a:pt x="0" y="0"/>
-                </a:moveTo>
-                <a:lnTo>
-                  <a:pt x="120000" y="0"/>
-                </a:lnTo>
-                <a:lnTo>
-                  <a:pt x="120000" y="120000"/>
-                </a:lnTo>
-                <a:lnTo>
-                  <a:pt x="0" y="120000"/>
-                </a:lnTo>
-                <a:close/>
-              </a:path>
-            </a:pathLst>
-          </a:custGeom>
-        </p:spPr>
-      </p:sp>
-      <p:sp>
-        <p:nvSpPr>
-          <p:cNvPr id="465" name="Google Shape;465;g3c385fd78_48:notes"/>
-          <p:cNvSpPr txBox="1">
-            <a:spLocks noGrp="1"/>
-          </p:cNvSpPr>
-          <p:nvPr>
-            <p:ph type="body" idx="1"/>
-          </p:nvPr>
-        </p:nvSpPr>
-        <p:spPr>
-          <a:xfrm>
-            <a:off x="685800" y="4343400"/>
-            <a:ext cx="5486400" cy="4114800"/>
-          </a:xfrm>
-          <a:prstGeom prst="rect">
-            <a:avLst/>
-          </a:prstGeom>
-        </p:spPr>
-        <p:txBody>
-          <a:bodyPr spcFirstLastPara="1" wrap="square" lIns="91425" tIns="91425" rIns="91425" bIns="91425" anchor="t" anchorCtr="0">
-            <a:noAutofit/>
-          </a:bodyPr>
-          <a:lstStyle/>
-          <a:p>
-            <a:pPr marL="0" lvl="0" indent="0" rtl="0">
-              <a:spcBef>
-                <a:spcPts val="0"/>
-              </a:spcBef>
-              <a:spcAft>
-                <a:spcPts val="0"/>
-              </a:spcAft>
-              <a:buNone/>
-            </a:pPr>
-            <a:r>
-              <a:rPr lang="en">
-                <a:solidFill>
-                  <a:srgbClr val="252525"/>
-                </a:solidFill>
-              </a:rPr>
-              <a:t>A, B, C, D, E, F, G, H, I</a:t>
-            </a:r>
-            <a:endParaRPr>
-              <a:solidFill>
-                <a:srgbClr val="252525"/>
-              </a:solidFill>
-            </a:endParaRPr>
-          </a:p>
-          <a:p>
-            <a:pPr marL="0" lvl="0" indent="0" rtl="0">
-              <a:spcBef>
-                <a:spcPts val="0"/>
-              </a:spcBef>
-              <a:spcAft>
-                <a:spcPts val="0"/>
-              </a:spcAft>
-              <a:buNone/>
-            </a:pPr>
-            <a:endParaRPr>
-              <a:solidFill>
-                <a:srgbClr val="252525"/>
-              </a:solidFill>
-            </a:endParaRPr>
-          </a:p>
-          <a:p>
-            <a:pPr marL="0" lvl="0" indent="0" rtl="0">
-              <a:spcBef>
-                <a:spcPts val="0"/>
-              </a:spcBef>
-              <a:spcAft>
-                <a:spcPts val="0"/>
-              </a:spcAft>
-              <a:buNone/>
-            </a:pPr>
-            <a:r>
-              <a:rPr lang="en">
-                <a:solidFill>
-                  <a:srgbClr val="252525"/>
-                </a:solidFill>
-              </a:rPr>
-              <a:t>Seen when we wanted to enumerate all values stored in a B-tree (motivating the need for a </a:t>
-            </a:r>
-            <a:r>
-              <a:rPr lang="en" err="1">
-                <a:solidFill>
-                  <a:srgbClr val="252525"/>
-                </a:solidFill>
-              </a:rPr>
-              <a:t>B+tree</a:t>
-            </a:r>
-            <a:r>
-              <a:rPr lang="en">
-                <a:solidFill>
-                  <a:srgbClr val="252525"/>
-                </a:solidFill>
-              </a:rPr>
-              <a:t>)</a:t>
-            </a:r>
-            <a:endParaRPr>
-              <a:solidFill>
-                <a:srgbClr val="252525"/>
-              </a:solidFill>
-            </a:endParaRPr>
-          </a:p>
-          <a:p>
-            <a:pPr marL="0" lvl="0" indent="0" rtl="0">
-              <a:spcBef>
-                <a:spcPts val="0"/>
-              </a:spcBef>
-              <a:spcAft>
-                <a:spcPts val="0"/>
-              </a:spcAft>
-              <a:buNone/>
-            </a:pPr>
-            <a:endParaRPr>
-              <a:solidFill>
-                <a:srgbClr val="252525"/>
-              </a:solidFill>
-            </a:endParaRPr>
-          </a:p>
-          <a:p>
-            <a:pPr marL="0" lvl="0" indent="0" rtl="0">
-              <a:spcBef>
-                <a:spcPts val="0"/>
-              </a:spcBef>
-              <a:spcAft>
-                <a:spcPts val="0"/>
-              </a:spcAft>
-              <a:buNone/>
-            </a:pPr>
-            <a:r>
-              <a:rPr lang="en">
-                <a:solidFill>
-                  <a:srgbClr val="252525"/>
-                </a:solidFill>
-              </a:rPr>
-              <a:t>Good for sorted ordering (if dealing with sorted data structure)</a:t>
-            </a:r>
-            <a:endParaRPr>
-              <a:solidFill>
-                <a:srgbClr val="252525"/>
-              </a:solidFill>
-            </a:endParaRPr>
-          </a:p>
-        </p:txBody>
-      </p:sp>
-    </p:spTree>
-    <p:extLst>
-      <p:ext uri="{BB962C8B-B14F-4D97-AF65-F5344CB8AC3E}">
-        <p14:creationId xmlns:p14="http://schemas.microsoft.com/office/powerpoint/2010/main" val="2033729014"/>
-      </p:ext>
-    </p:extLst>
-  </p:cSld>
-  <p:clrMapOvr>
-    <a:masterClrMapping/>
-  </p:clrMapOvr>
-</p:notes>
-</file>
-
-<file path=ppt/notesSlides/notesSlide4.xml><?xml version="1.0" encoding="utf-8"?>
-<p:notes xmlns:a="http://schemas.openxmlformats.org/drawingml/2006/main" xmlns:r="http://schemas.openxmlformats.org/officeDocument/2006/relationships" xmlns:p="http://schemas.openxmlformats.org/presentationml/2006/main" showMasterSp="0" showMasterPhAnim="0">
-  <p:cSld>
-    <p:spTree>
-      <p:nvGrpSpPr>
-        <p:cNvPr id="1" name="Shape 470"/>
-        <p:cNvGrpSpPr/>
-        <p:nvPr/>
-      </p:nvGrpSpPr>
-      <p:grpSpPr>
-        <a:xfrm>
-          <a:off x="0" y="0"/>
-          <a:ext cx="0" cy="0"/>
-          <a:chOff x="0" y="0"/>
-          <a:chExt cx="0" cy="0"/>
-        </a:xfrm>
-      </p:grpSpPr>
-      <p:sp>
-        <p:nvSpPr>
-          <p:cNvPr id="471" name="Google Shape;471;g3c385fd78_413:notes"/>
-          <p:cNvSpPr>
-            <a:spLocks noGrp="1" noRot="1" noChangeAspect="1"/>
-          </p:cNvSpPr>
-          <p:nvPr>
-            <p:ph type="sldImg" idx="2"/>
-          </p:nvPr>
-        </p:nvSpPr>
-        <p:spPr>
-          <a:xfrm>
-            <a:off x="1144588" y="685800"/>
-            <a:ext cx="4568825" cy="3429000"/>
-          </a:xfrm>
-          <a:custGeom>
-            <a:avLst/>
-            <a:gdLst/>
-            <a:ahLst/>
-            <a:cxnLst/>
-            <a:rect l="0" t="0" r="0" b="0"/>
-            <a:pathLst>
-              <a:path w="120000" h="120000" extrusionOk="0">
-                <a:moveTo>
-                  <a:pt x="0" y="0"/>
-                </a:moveTo>
-                <a:lnTo>
-                  <a:pt x="120000" y="0"/>
-                </a:lnTo>
-                <a:lnTo>
-                  <a:pt x="120000" y="120000"/>
-                </a:lnTo>
-                <a:lnTo>
-                  <a:pt x="0" y="120000"/>
-                </a:lnTo>
-                <a:close/>
-              </a:path>
-            </a:pathLst>
-          </a:custGeom>
-        </p:spPr>
-      </p:sp>
-      <p:sp>
-        <p:nvSpPr>
-          <p:cNvPr id="472" name="Google Shape;472;g3c385fd78_413:notes"/>
-          <p:cNvSpPr txBox="1">
-            <a:spLocks noGrp="1"/>
-          </p:cNvSpPr>
-          <p:nvPr>
-            <p:ph type="body" idx="1"/>
-          </p:nvPr>
-        </p:nvSpPr>
-        <p:spPr>
-          <a:xfrm>
-            <a:off x="685800" y="4343400"/>
-            <a:ext cx="5486400" cy="4114800"/>
-          </a:xfrm>
-          <a:prstGeom prst="rect">
-            <a:avLst/>
-          </a:prstGeom>
-        </p:spPr>
-        <p:txBody>
-          <a:bodyPr spcFirstLastPara="1" wrap="square" lIns="91425" tIns="91425" rIns="91425" bIns="91425" anchor="t" anchorCtr="0">
-            <a:noAutofit/>
-          </a:bodyPr>
-          <a:lstStyle/>
-          <a:p>
-            <a:pPr marL="0" lvl="0" indent="0" rtl="0">
-              <a:spcBef>
-                <a:spcPts val="0"/>
-              </a:spcBef>
-              <a:spcAft>
-                <a:spcPts val="0"/>
-              </a:spcAft>
-              <a:buNone/>
-            </a:pPr>
-            <a:r>
-              <a:rPr lang="en">
-                <a:solidFill>
-                  <a:srgbClr val="252525"/>
-                </a:solidFill>
-              </a:rPr>
-              <a:t>A, C, E, D, B, H, I, G, F</a:t>
-            </a:r>
-            <a:endParaRPr>
-              <a:solidFill>
-                <a:srgbClr val="252525"/>
-              </a:solidFill>
-            </a:endParaRPr>
-          </a:p>
-          <a:p>
-            <a:pPr marL="0" lvl="0" indent="0" rtl="0">
-              <a:spcBef>
-                <a:spcPts val="0"/>
-              </a:spcBef>
-              <a:spcAft>
-                <a:spcPts val="0"/>
-              </a:spcAft>
-              <a:buNone/>
-            </a:pPr>
-            <a:endParaRPr>
-              <a:solidFill>
-                <a:srgbClr val="252525"/>
-              </a:solidFill>
-            </a:endParaRPr>
-          </a:p>
-          <a:p>
-            <a:pPr marL="0" lvl="0" indent="0" rtl="0">
-              <a:spcBef>
-                <a:spcPts val="0"/>
-              </a:spcBef>
-              <a:spcAft>
-                <a:spcPts val="0"/>
-              </a:spcAft>
-              <a:buNone/>
-            </a:pPr>
-            <a:r>
-              <a:rPr lang="en">
-                <a:solidFill>
-                  <a:srgbClr val="252525"/>
-                </a:solidFill>
-              </a:rPr>
-              <a:t>Good for reverse Polish notation</a:t>
-            </a:r>
-            <a:endParaRPr>
-              <a:solidFill>
-                <a:srgbClr val="252525"/>
-              </a:solidFill>
-            </a:endParaRPr>
-          </a:p>
-        </p:txBody>
-      </p:sp>
-    </p:spTree>
-    <p:extLst>
-      <p:ext uri="{BB962C8B-B14F-4D97-AF65-F5344CB8AC3E}">
-        <p14:creationId xmlns:p14="http://schemas.microsoft.com/office/powerpoint/2010/main" val="926193407"/>
-      </p:ext>
-    </p:extLst>
-  </p:cSld>
-  <p:clrMapOvr>
-    <a:masterClrMapping/>
-  </p:clrMapOvr>
-</p:notes>
-</file>
-
-<file path=ppt/notesSlides/notesSlide5.xml><?xml version="1.0" encoding="utf-8"?>
 <p:notes xmlns:a="http://schemas.openxmlformats.org/drawingml/2006/main" xmlns:r="http://schemas.openxmlformats.org/officeDocument/2006/relationships" xmlns:p="http://schemas.openxmlformats.org/presentationml/2006/main">
   <p:cSld>
     <p:spTree>
@@ -3393,7 +2746,7 @@
                 <a:tabLst/>
                 <a:defRPr/>
               </a:pPr>
-              <a:t>24</a:t>
+              <a:t>16</a:t>
             </a:fld>
             <a:endParaRPr kumimoji="0" lang="en-US" sz="1200" b="0" i="0" u="none" strike="noStrike" kern="1200" cap="none" spc="0" normalizeH="0" baseline="0" noProof="0">
               <a:ln>
@@ -6086,7 +5439,7 @@
             <a:fld id="{049DC8E1-D369-0F48-9062-BB068AFD07CE}" type="datetime1">
               <a:rPr lang="en-US" smtClean="0"/>
               <a:pPr/>
-              <a:t>1/24/22</a:t>
+              <a:t>1/26/22</a:t>
             </a:fld>
             <a:endParaRPr lang="en-US"/>
           </a:p>
@@ -14560,187 +13913,10 @@
       </p:grpSpPr>
       <p:sp>
         <p:nvSpPr>
-          <p:cNvPr id="18434" name="Title 1"/>
-          <p:cNvSpPr>
-            <a:spLocks noGrp="1"/>
-          </p:cNvSpPr>
-          <p:nvPr>
-            <p:ph type="title"/>
-          </p:nvPr>
-        </p:nvSpPr>
-        <p:spPr/>
-        <p:txBody>
-          <a:bodyPr/>
-          <a:lstStyle/>
-          <a:p>
-            <a:pPr eaLnBrk="1" hangingPunct="1"/>
-            <a:r>
-              <a:rPr lang="en-US" altLang="en-US"/>
-              <a:t>Traversals of a Binary Tree</a:t>
-            </a:r>
-          </a:p>
-        </p:txBody>
-      </p:sp>
-      <p:sp>
-        <p:nvSpPr>
-          <p:cNvPr id="18435" name="Content Placeholder 2"/>
-          <p:cNvSpPr>
-            <a:spLocks noGrp="1"/>
-          </p:cNvSpPr>
-          <p:nvPr>
-            <p:ph idx="1"/>
-          </p:nvPr>
-        </p:nvSpPr>
-        <p:spPr/>
-        <p:txBody>
-          <a:bodyPr/>
-          <a:lstStyle/>
-          <a:p>
-            <a:pPr eaLnBrk="1" hangingPunct="1"/>
-            <a:r>
-              <a:rPr lang="en-US" altLang="en-US" sz="3085" dirty="0"/>
-              <a:t>Preorder traversal</a:t>
-            </a:r>
-          </a:p>
-          <a:p>
-            <a:pPr lvl="1" eaLnBrk="1" hangingPunct="1"/>
-            <a:r>
-              <a:rPr lang="en-US" altLang="en-US" sz="2645" dirty="0"/>
-              <a:t>Visit root before we visit root’s subtrees</a:t>
-            </a:r>
-          </a:p>
-          <a:p>
-            <a:pPr eaLnBrk="1" hangingPunct="1"/>
-            <a:r>
-              <a:rPr lang="en-US" altLang="en-US" sz="3085" dirty="0" err="1"/>
-              <a:t>Inorder</a:t>
-            </a:r>
-            <a:r>
-              <a:rPr lang="en-US" altLang="en-US" sz="3085" dirty="0"/>
-              <a:t> traversal </a:t>
-            </a:r>
-          </a:p>
-          <a:p>
-            <a:pPr lvl="1" eaLnBrk="1" hangingPunct="1"/>
-            <a:r>
-              <a:rPr lang="en-US" altLang="en-US" sz="2645" dirty="0"/>
-              <a:t>Visit root of a binary tree between visiting nodes in root’s subtrees.</a:t>
-            </a:r>
-          </a:p>
-          <a:p>
-            <a:pPr eaLnBrk="1" hangingPunct="1"/>
-            <a:r>
-              <a:rPr lang="en-US" altLang="en-US" sz="3085" dirty="0" err="1"/>
-              <a:t>Postorder</a:t>
-            </a:r>
-            <a:r>
-              <a:rPr lang="en-US" altLang="en-US" sz="3085" dirty="0"/>
-              <a:t> traversal </a:t>
-            </a:r>
-          </a:p>
-          <a:p>
-            <a:pPr lvl="1" eaLnBrk="1" hangingPunct="1"/>
-            <a:r>
-              <a:rPr lang="en-US" altLang="en-US" sz="2645" dirty="0"/>
-              <a:t>Visit root of a binary tree after visiting nodes in root’s subtrees </a:t>
-            </a:r>
-          </a:p>
-          <a:p>
-            <a:pPr eaLnBrk="1" hangingPunct="1"/>
-            <a:r>
-              <a:rPr lang="en-US" altLang="en-US" sz="3085" dirty="0"/>
-              <a:t>Level-order traversal </a:t>
-            </a:r>
-          </a:p>
-          <a:p>
-            <a:pPr lvl="1" eaLnBrk="1" hangingPunct="1"/>
-            <a:r>
-              <a:rPr lang="en-US" altLang="en-US" sz="2645" dirty="0"/>
-              <a:t>Begin at root and visit nodes one level at a time</a:t>
-            </a:r>
-          </a:p>
-        </p:txBody>
-      </p:sp>
-      <p:sp>
-        <p:nvSpPr>
-          <p:cNvPr id="4" name="Footer Placeholder 3"/>
-          <p:cNvSpPr>
-            <a:spLocks noGrp="1"/>
-          </p:cNvSpPr>
-          <p:nvPr>
-            <p:ph type="ftr" idx="11"/>
-          </p:nvPr>
-        </p:nvSpPr>
-        <p:spPr/>
-        <p:txBody>
-          <a:bodyPr/>
-          <a:lstStyle/>
-          <a:p>
-            <a:pPr marL="0" marR="0" lvl="0" indent="0" algn="ctr" defTabSz="914400" rtl="0" eaLnBrk="1" fontAlgn="auto" latinLnBrk="0" hangingPunct="1">
-              <a:lnSpc>
-                <a:spcPct val="96000"/>
-              </a:lnSpc>
-              <a:spcBef>
-                <a:spcPts val="0"/>
-              </a:spcBef>
-              <a:spcAft>
-                <a:spcPts val="0"/>
-              </a:spcAft>
-              <a:buClrTx/>
-              <a:buSzTx/>
-              <a:buFont typeface="Times New Roman" pitchFamily="16" charset="0"/>
-              <a:buNone/>
-              <a:tabLst>
-                <a:tab pos="0" algn="l"/>
-                <a:tab pos="457436" algn="l"/>
-                <a:tab pos="914872" algn="l"/>
-                <a:tab pos="1372308" algn="l"/>
-                <a:tab pos="1829742" algn="l"/>
-                <a:tab pos="2287178" algn="l"/>
-                <a:tab pos="2744615" algn="l"/>
-                <a:tab pos="3202050" algn="l"/>
-                <a:tab pos="3659486" algn="l"/>
-                <a:tab pos="4116923" algn="l"/>
-                <a:tab pos="4574357" algn="l"/>
-                <a:tab pos="5031793" algn="l"/>
-                <a:tab pos="5489228" algn="l"/>
-                <a:tab pos="5946665" algn="l"/>
-                <a:tab pos="6404101" algn="l"/>
-                <a:tab pos="6861536" algn="l"/>
-                <a:tab pos="7318971" algn="l"/>
-                <a:tab pos="7776408" algn="l"/>
-                <a:tab pos="8233843" algn="l"/>
-                <a:tab pos="8691279" algn="l"/>
-                <a:tab pos="9148715" algn="l"/>
-              </a:tabLst>
-              <a:defRPr/>
-            </a:pPr>
-            <a:r>
-              <a:rPr kumimoji="0" lang="en-US" sz="1401" b="0" i="0" u="none" strike="noStrike" kern="1200" cap="none" spc="0" normalizeH="0" baseline="0" noProof="0">
-                <a:ln>
-                  <a:noFill/>
-                </a:ln>
-                <a:solidFill>
-                  <a:srgbClr val="000000"/>
-                </a:solidFill>
-                <a:effectLst/>
-                <a:uLnTx/>
-                <a:uFillTx/>
-                <a:latin typeface="Times New Roman" pitchFamily="16" charset="0"/>
-                <a:ea typeface="+mn-ea"/>
-                <a:cs typeface="Arial" charset="0"/>
-              </a:rPr>
-              <a:t>CS 1501 – Algorithms &amp; Data Structures 2 – Sherif Khattab</a:t>
-            </a:r>
-          </a:p>
-        </p:txBody>
-      </p:sp>
-      <p:sp>
-        <p:nvSpPr>
-          <p:cNvPr id="3" name="Slide Number Placeholder 2">
+          <p:cNvPr id="2" name="Title 1">
             <a:extLst>
               <a:ext uri="{FF2B5EF4-FFF2-40B4-BE49-F238E27FC236}">
-                <a16:creationId xmlns:a16="http://schemas.microsoft.com/office/drawing/2014/main" id="{09DC10F4-FEFE-40CB-8090-DAE3787E30F6}"/>
+                <a16:creationId xmlns:a16="http://schemas.microsoft.com/office/drawing/2014/main" id="{3D3FBB3E-C765-1E4E-94C9-0366E1474005}"/>
               </a:ext>
             </a:extLst>
           </p:cNvPr>
@@ -14748,7 +13924,7 @@
             <a:spLocks noGrp="1"/>
           </p:cNvSpPr>
           <p:nvPr>
-            <p:ph type="sldNum" idx="12"/>
+            <p:ph type="title"/>
           </p:nvPr>
         </p:nvSpPr>
         <p:spPr/>
@@ -14756,1181 +13932,136 @@
           <a:bodyPr/>
           <a:lstStyle/>
           <a:p>
-            <a:pPr marL="0" marR="0" lvl="0" indent="0" algn="r" defTabSz="914400" rtl="0" eaLnBrk="1" fontAlgn="auto" latinLnBrk="0" hangingPunct="1">
-              <a:lnSpc>
-                <a:spcPct val="96000"/>
-              </a:lnSpc>
-              <a:spcBef>
-                <a:spcPts val="0"/>
-              </a:spcBef>
-              <a:spcAft>
-                <a:spcPts val="0"/>
-              </a:spcAft>
-              <a:buClrTx/>
-              <a:buSzTx/>
-              <a:buFontTx/>
+            <a:r>
+              <a:rPr lang="en-US" dirty="0"/>
+              <a:t>Tree Search Take 1</a:t>
+            </a:r>
+          </a:p>
+        </p:txBody>
+      </p:sp>
+      <p:sp>
+        <p:nvSpPr>
+          <p:cNvPr id="3" name="Content Placeholder 2">
+            <a:extLst>
+              <a:ext uri="{FF2B5EF4-FFF2-40B4-BE49-F238E27FC236}">
+                <a16:creationId xmlns:a16="http://schemas.microsoft.com/office/drawing/2014/main" id="{29DC18C8-49D2-814F-9449-B9B1DA721BCC}"/>
+              </a:ext>
+            </a:extLst>
+          </p:cNvPr>
+          <p:cNvSpPr>
+            <a:spLocks noGrp="1"/>
+          </p:cNvSpPr>
+          <p:nvPr>
+            <p:ph idx="1"/>
+          </p:nvPr>
+        </p:nvSpPr>
+        <p:spPr/>
+        <p:txBody>
+          <a:bodyPr/>
+          <a:lstStyle/>
+          <a:p>
+            <a:pPr marL="0" indent="0" algn="ctr">
               <a:buNone/>
-              <a:tabLst/>
+            </a:pPr>
+            <a:endParaRPr lang="en-US" dirty="0"/>
+          </a:p>
+          <a:p>
+            <a:pPr marL="0" indent="0" algn="ctr">
+              <a:buNone/>
+            </a:pPr>
+            <a:endParaRPr lang="en-US" dirty="0"/>
+          </a:p>
+          <a:p>
+            <a:pPr marL="0" indent="0" algn="ctr">
+              <a:buNone/>
+            </a:pPr>
+            <a:endParaRPr lang="en-US" dirty="0"/>
+          </a:p>
+          <a:p>
+            <a:pPr marL="0" indent="0" algn="ctr">
+              <a:buNone/>
+            </a:pPr>
+            <a:endParaRPr lang="en-US" dirty="0"/>
+          </a:p>
+          <a:p>
+            <a:pPr marL="0" indent="0" algn="ctr">
+              <a:buNone/>
+            </a:pPr>
+            <a:r>
+              <a:rPr lang="en-US" dirty="0"/>
+              <a:t>What is the runtime?</a:t>
+            </a:r>
+          </a:p>
+        </p:txBody>
+      </p:sp>
+      <p:sp>
+        <p:nvSpPr>
+          <p:cNvPr id="4" name="Footer Placeholder 3">
+            <a:extLst>
+              <a:ext uri="{FF2B5EF4-FFF2-40B4-BE49-F238E27FC236}">
+                <a16:creationId xmlns:a16="http://schemas.microsoft.com/office/drawing/2014/main" id="{E1E97D4D-BBCA-C445-9FFA-BE7DB40BF40A}"/>
+              </a:ext>
+            </a:extLst>
+          </p:cNvPr>
+          <p:cNvSpPr>
+            <a:spLocks noGrp="1"/>
+          </p:cNvSpPr>
+          <p:nvPr>
+            <p:ph type="ftr" idx="11"/>
+          </p:nvPr>
+        </p:nvSpPr>
+        <p:spPr/>
+        <p:txBody>
+          <a:bodyPr/>
+          <a:lstStyle/>
+          <a:p>
+            <a:pPr>
               <a:defRPr/>
             </a:pPr>
+            <a:r>
+              <a:rPr lang="en-US">
+                <a:latin typeface="+mn-lt"/>
+              </a:rPr>
+              <a:t>CS 1501 – Algorithms &amp; Data Structures 2 – Sherif Khattab</a:t>
+            </a:r>
+            <a:endParaRPr lang="en-GB"/>
+          </a:p>
+        </p:txBody>
+      </p:sp>
+      <p:sp>
+        <p:nvSpPr>
+          <p:cNvPr id="5" name="Slide Number Placeholder 4">
+            <a:extLst>
+              <a:ext uri="{FF2B5EF4-FFF2-40B4-BE49-F238E27FC236}">
+                <a16:creationId xmlns:a16="http://schemas.microsoft.com/office/drawing/2014/main" id="{1123B045-88FD-B44F-84B2-9A1AB76CE6E3}"/>
+              </a:ext>
+            </a:extLst>
+          </p:cNvPr>
+          <p:cNvSpPr>
+            <a:spLocks noGrp="1"/>
+          </p:cNvSpPr>
+          <p:nvPr>
+            <p:ph type="sldNum" idx="12"/>
+          </p:nvPr>
+        </p:nvSpPr>
+        <p:spPr/>
+        <p:txBody>
+          <a:bodyPr/>
+          <a:lstStyle/>
+          <a:p>
             <a:fld id="{65E435D9-63B0-4660-8D04-E83F5E2CA2AE}" type="slidenum">
-              <a:rPr kumimoji="0" lang="en-GB" altLang="en-US" sz="1401" b="0" i="0" u="none" strike="noStrike" kern="1200" cap="none" spc="0" normalizeH="0" baseline="0" noProof="0" smtClean="0">
-                <a:ln>
-                  <a:noFill/>
-                </a:ln>
-                <a:solidFill>
-                  <a:srgbClr val="000000"/>
-                </a:solidFill>
-                <a:effectLst/>
-                <a:uLnTx/>
-                <a:uFillTx/>
-                <a:latin typeface="Times New Roman" panose="02020603050405020304" pitchFamily="18" charset="0"/>
-                <a:ea typeface="+mn-ea"/>
-                <a:cs typeface="Arial"/>
-              </a:rPr>
-              <a:pPr marL="0" marR="0" lvl="0" indent="0" algn="r" defTabSz="914400" rtl="0" eaLnBrk="1" fontAlgn="auto" latinLnBrk="0" hangingPunct="1">
-                <a:lnSpc>
-                  <a:spcPct val="96000"/>
-                </a:lnSpc>
-                <a:spcBef>
-                  <a:spcPts val="0"/>
-                </a:spcBef>
-                <a:spcAft>
-                  <a:spcPts val="0"/>
-                </a:spcAft>
-                <a:buClrTx/>
-                <a:buSzTx/>
-                <a:buFontTx/>
-                <a:buNone/>
-                <a:tabLst/>
-                <a:defRPr/>
-              </a:pPr>
+              <a:rPr lang="en-GB" altLang="en-US" smtClean="0"/>
+              <a:pPr/>
               <a:t>13</a:t>
             </a:fld>
-            <a:endParaRPr kumimoji="0" lang="en-GB" altLang="en-US" sz="1401" b="0" i="0" u="none" strike="noStrike" kern="1200" cap="none" spc="0" normalizeH="0" baseline="0" noProof="0">
-              <a:ln>
-                <a:noFill/>
-              </a:ln>
-              <a:solidFill>
-                <a:srgbClr val="000000"/>
-              </a:solidFill>
-              <a:effectLst/>
-              <a:uLnTx/>
-              <a:uFillTx/>
-              <a:latin typeface="Times New Roman" panose="02020603050405020304" pitchFamily="18" charset="0"/>
-              <a:ea typeface="+mn-ea"/>
-              <a:cs typeface="Arial"/>
-            </a:endParaRPr>
+            <a:endParaRPr lang="en-GB" altLang="en-US"/>
           </a:p>
         </p:txBody>
       </p:sp>
     </p:spTree>
     <p:extLst>
       <p:ext uri="{BB962C8B-B14F-4D97-AF65-F5344CB8AC3E}">
-        <p14:creationId xmlns:p14="http://schemas.microsoft.com/office/powerpoint/2010/main" val="2838362889"/>
-      </p:ext>
-    </p:extLst>
-  </p:cSld>
-  <p:clrMapOvr>
-    <a:masterClrMapping/>
-  </p:clrMapOvr>
-  <p:timing>
-    <p:tnLst>
-      <p:par>
-        <p:cTn id="1" dur="indefinite" restart="never" nodeType="tmRoot">
-          <p:childTnLst>
-            <p:seq concurrent="1" nextAc="seek">
-              <p:cTn id="2" dur="indefinite" nodeType="mainSeq">
-                <p:childTnLst>
-                  <p:par>
-                    <p:cTn id="3" fill="hold">
-                      <p:stCondLst>
-                        <p:cond delay="indefinite"/>
-                      </p:stCondLst>
-                      <p:childTnLst>
-                        <p:par>
-                          <p:cTn id="4" fill="hold">
-                            <p:stCondLst>
-                              <p:cond delay="0"/>
-                            </p:stCondLst>
-                            <p:childTnLst>
-                              <p:par>
-                                <p:cTn id="5" presetID="1" presetClass="entr" presetSubtype="0" fill="hold" nodeType="clickEffect">
-                                  <p:stCondLst>
-                                    <p:cond delay="0"/>
-                                  </p:stCondLst>
-                                  <p:childTnLst>
-                                    <p:set>
-                                      <p:cBhvr>
-                                        <p:cTn id="6" dur="1" fill="hold">
-                                          <p:stCondLst>
-                                            <p:cond delay="0"/>
-                                          </p:stCondLst>
-                                        </p:cTn>
-                                        <p:tgtEl>
-                                          <p:spTgt spid="18435">
-                                            <p:txEl>
-                                              <p:pRg st="0" end="0"/>
-                                            </p:txEl>
-                                          </p:spTgt>
-                                        </p:tgtEl>
-                                        <p:attrNameLst>
-                                          <p:attrName>style.visibility</p:attrName>
-                                        </p:attrNameLst>
-                                      </p:cBhvr>
-                                      <p:to>
-                                        <p:strVal val="visible"/>
-                                      </p:to>
-                                    </p:set>
-                                  </p:childTnLst>
-                                </p:cTn>
-                              </p:par>
-                            </p:childTnLst>
-                          </p:cTn>
-                        </p:par>
-                      </p:childTnLst>
-                    </p:cTn>
-                  </p:par>
-                  <p:par>
-                    <p:cTn id="7" fill="hold">
-                      <p:stCondLst>
-                        <p:cond delay="indefinite"/>
-                      </p:stCondLst>
-                      <p:childTnLst>
-                        <p:par>
-                          <p:cTn id="8" fill="hold">
-                            <p:stCondLst>
-                              <p:cond delay="0"/>
-                            </p:stCondLst>
-                            <p:childTnLst>
-                              <p:par>
-                                <p:cTn id="9" presetID="1" presetClass="entr" presetSubtype="0" fill="hold" nodeType="clickEffect">
-                                  <p:stCondLst>
-                                    <p:cond delay="0"/>
-                                  </p:stCondLst>
-                                  <p:childTnLst>
-                                    <p:set>
-                                      <p:cBhvr>
-                                        <p:cTn id="10" dur="1" fill="hold">
-                                          <p:stCondLst>
-                                            <p:cond delay="0"/>
-                                          </p:stCondLst>
-                                        </p:cTn>
-                                        <p:tgtEl>
-                                          <p:spTgt spid="18435">
-                                            <p:txEl>
-                                              <p:pRg st="1" end="1"/>
-                                            </p:txEl>
-                                          </p:spTgt>
-                                        </p:tgtEl>
-                                        <p:attrNameLst>
-                                          <p:attrName>style.visibility</p:attrName>
-                                        </p:attrNameLst>
-                                      </p:cBhvr>
-                                      <p:to>
-                                        <p:strVal val="visible"/>
-                                      </p:to>
-                                    </p:set>
-                                  </p:childTnLst>
-                                </p:cTn>
-                              </p:par>
-                            </p:childTnLst>
-                          </p:cTn>
-                        </p:par>
-                      </p:childTnLst>
-                    </p:cTn>
-                  </p:par>
-                  <p:par>
-                    <p:cTn id="11" fill="hold">
-                      <p:stCondLst>
-                        <p:cond delay="indefinite"/>
-                      </p:stCondLst>
-                      <p:childTnLst>
-                        <p:par>
-                          <p:cTn id="12" fill="hold">
-                            <p:stCondLst>
-                              <p:cond delay="0"/>
-                            </p:stCondLst>
-                            <p:childTnLst>
-                              <p:par>
-                                <p:cTn id="13" presetID="1" presetClass="entr" presetSubtype="0" fill="hold" nodeType="clickEffect">
-                                  <p:stCondLst>
-                                    <p:cond delay="0"/>
-                                  </p:stCondLst>
-                                  <p:childTnLst>
-                                    <p:set>
-                                      <p:cBhvr>
-                                        <p:cTn id="14" dur="1" fill="hold">
-                                          <p:stCondLst>
-                                            <p:cond delay="0"/>
-                                          </p:stCondLst>
-                                        </p:cTn>
-                                        <p:tgtEl>
-                                          <p:spTgt spid="18435">
-                                            <p:txEl>
-                                              <p:pRg st="2" end="2"/>
-                                            </p:txEl>
-                                          </p:spTgt>
-                                        </p:tgtEl>
-                                        <p:attrNameLst>
-                                          <p:attrName>style.visibility</p:attrName>
-                                        </p:attrNameLst>
-                                      </p:cBhvr>
-                                      <p:to>
-                                        <p:strVal val="visible"/>
-                                      </p:to>
-                                    </p:set>
-                                  </p:childTnLst>
-                                </p:cTn>
-                              </p:par>
-                            </p:childTnLst>
-                          </p:cTn>
-                        </p:par>
-                      </p:childTnLst>
-                    </p:cTn>
-                  </p:par>
-                  <p:par>
-                    <p:cTn id="15" fill="hold">
-                      <p:stCondLst>
-                        <p:cond delay="indefinite"/>
-                      </p:stCondLst>
-                      <p:childTnLst>
-                        <p:par>
-                          <p:cTn id="16" fill="hold">
-                            <p:stCondLst>
-                              <p:cond delay="0"/>
-                            </p:stCondLst>
-                            <p:childTnLst>
-                              <p:par>
-                                <p:cTn id="17" presetID="1" presetClass="entr" presetSubtype="0" fill="hold" nodeType="clickEffect">
-                                  <p:stCondLst>
-                                    <p:cond delay="0"/>
-                                  </p:stCondLst>
-                                  <p:childTnLst>
-                                    <p:set>
-                                      <p:cBhvr>
-                                        <p:cTn id="18" dur="1" fill="hold">
-                                          <p:stCondLst>
-                                            <p:cond delay="0"/>
-                                          </p:stCondLst>
-                                        </p:cTn>
-                                        <p:tgtEl>
-                                          <p:spTgt spid="18435">
-                                            <p:txEl>
-                                              <p:pRg st="3" end="3"/>
-                                            </p:txEl>
-                                          </p:spTgt>
-                                        </p:tgtEl>
-                                        <p:attrNameLst>
-                                          <p:attrName>style.visibility</p:attrName>
-                                        </p:attrNameLst>
-                                      </p:cBhvr>
-                                      <p:to>
-                                        <p:strVal val="visible"/>
-                                      </p:to>
-                                    </p:set>
-                                  </p:childTnLst>
-                                </p:cTn>
-                              </p:par>
-                            </p:childTnLst>
-                          </p:cTn>
-                        </p:par>
-                      </p:childTnLst>
-                    </p:cTn>
-                  </p:par>
-                  <p:par>
-                    <p:cTn id="19" fill="hold">
-                      <p:stCondLst>
-                        <p:cond delay="indefinite"/>
-                      </p:stCondLst>
-                      <p:childTnLst>
-                        <p:par>
-                          <p:cTn id="20" fill="hold">
-                            <p:stCondLst>
-                              <p:cond delay="0"/>
-                            </p:stCondLst>
-                            <p:childTnLst>
-                              <p:par>
-                                <p:cTn id="21" presetID="1" presetClass="entr" presetSubtype="0" fill="hold" nodeType="clickEffect">
-                                  <p:stCondLst>
-                                    <p:cond delay="0"/>
-                                  </p:stCondLst>
-                                  <p:childTnLst>
-                                    <p:set>
-                                      <p:cBhvr>
-                                        <p:cTn id="22" dur="1" fill="hold">
-                                          <p:stCondLst>
-                                            <p:cond delay="0"/>
-                                          </p:stCondLst>
-                                        </p:cTn>
-                                        <p:tgtEl>
-                                          <p:spTgt spid="18435">
-                                            <p:txEl>
-                                              <p:pRg st="4" end="4"/>
-                                            </p:txEl>
-                                          </p:spTgt>
-                                        </p:tgtEl>
-                                        <p:attrNameLst>
-                                          <p:attrName>style.visibility</p:attrName>
-                                        </p:attrNameLst>
-                                      </p:cBhvr>
-                                      <p:to>
-                                        <p:strVal val="visible"/>
-                                      </p:to>
-                                    </p:set>
-                                  </p:childTnLst>
-                                </p:cTn>
-                              </p:par>
-                            </p:childTnLst>
-                          </p:cTn>
-                        </p:par>
-                      </p:childTnLst>
-                    </p:cTn>
-                  </p:par>
-                  <p:par>
-                    <p:cTn id="23" fill="hold">
-                      <p:stCondLst>
-                        <p:cond delay="indefinite"/>
-                      </p:stCondLst>
-                      <p:childTnLst>
-                        <p:par>
-                          <p:cTn id="24" fill="hold">
-                            <p:stCondLst>
-                              <p:cond delay="0"/>
-                            </p:stCondLst>
-                            <p:childTnLst>
-                              <p:par>
-                                <p:cTn id="25" presetID="1" presetClass="entr" presetSubtype="0" fill="hold" nodeType="clickEffect">
-                                  <p:stCondLst>
-                                    <p:cond delay="0"/>
-                                  </p:stCondLst>
-                                  <p:childTnLst>
-                                    <p:set>
-                                      <p:cBhvr>
-                                        <p:cTn id="26" dur="1" fill="hold">
-                                          <p:stCondLst>
-                                            <p:cond delay="0"/>
-                                          </p:stCondLst>
-                                        </p:cTn>
-                                        <p:tgtEl>
-                                          <p:spTgt spid="18435">
-                                            <p:txEl>
-                                              <p:pRg st="5" end="5"/>
-                                            </p:txEl>
-                                          </p:spTgt>
-                                        </p:tgtEl>
-                                        <p:attrNameLst>
-                                          <p:attrName>style.visibility</p:attrName>
-                                        </p:attrNameLst>
-                                      </p:cBhvr>
-                                      <p:to>
-                                        <p:strVal val="visible"/>
-                                      </p:to>
-                                    </p:set>
-                                  </p:childTnLst>
-                                </p:cTn>
-                              </p:par>
-                            </p:childTnLst>
-                          </p:cTn>
-                        </p:par>
-                      </p:childTnLst>
-                    </p:cTn>
-                  </p:par>
-                  <p:par>
-                    <p:cTn id="27" fill="hold">
-                      <p:stCondLst>
-                        <p:cond delay="indefinite"/>
-                      </p:stCondLst>
-                      <p:childTnLst>
-                        <p:par>
-                          <p:cTn id="28" fill="hold">
-                            <p:stCondLst>
-                              <p:cond delay="0"/>
-                            </p:stCondLst>
-                            <p:childTnLst>
-                              <p:par>
-                                <p:cTn id="29" presetID="1" presetClass="entr" presetSubtype="0" fill="hold" nodeType="clickEffect">
-                                  <p:stCondLst>
-                                    <p:cond delay="0"/>
-                                  </p:stCondLst>
-                                  <p:childTnLst>
-                                    <p:set>
-                                      <p:cBhvr>
-                                        <p:cTn id="30" dur="1" fill="hold">
-                                          <p:stCondLst>
-                                            <p:cond delay="0"/>
-                                          </p:stCondLst>
-                                        </p:cTn>
-                                        <p:tgtEl>
-                                          <p:spTgt spid="18435">
-                                            <p:txEl>
-                                              <p:pRg st="6" end="6"/>
-                                            </p:txEl>
-                                          </p:spTgt>
-                                        </p:tgtEl>
-                                        <p:attrNameLst>
-                                          <p:attrName>style.visibility</p:attrName>
-                                        </p:attrNameLst>
-                                      </p:cBhvr>
-                                      <p:to>
-                                        <p:strVal val="visible"/>
-                                      </p:to>
-                                    </p:set>
-                                  </p:childTnLst>
-                                </p:cTn>
-                              </p:par>
-                            </p:childTnLst>
-                          </p:cTn>
-                        </p:par>
-                      </p:childTnLst>
-                    </p:cTn>
-                  </p:par>
-                  <p:par>
-                    <p:cTn id="31" fill="hold">
-                      <p:stCondLst>
-                        <p:cond delay="indefinite"/>
-                      </p:stCondLst>
-                      <p:childTnLst>
-                        <p:par>
-                          <p:cTn id="32" fill="hold">
-                            <p:stCondLst>
-                              <p:cond delay="0"/>
-                            </p:stCondLst>
-                            <p:childTnLst>
-                              <p:par>
-                                <p:cTn id="33" presetID="1" presetClass="entr" presetSubtype="0" fill="hold" nodeType="clickEffect">
-                                  <p:stCondLst>
-                                    <p:cond delay="0"/>
-                                  </p:stCondLst>
-                                  <p:childTnLst>
-                                    <p:set>
-                                      <p:cBhvr>
-                                        <p:cTn id="34" dur="1" fill="hold">
-                                          <p:stCondLst>
-                                            <p:cond delay="0"/>
-                                          </p:stCondLst>
-                                        </p:cTn>
-                                        <p:tgtEl>
-                                          <p:spTgt spid="18435">
-                                            <p:txEl>
-                                              <p:pRg st="7" end="7"/>
-                                            </p:txEl>
-                                          </p:spTgt>
-                                        </p:tgtEl>
-                                        <p:attrNameLst>
-                                          <p:attrName>style.visibility</p:attrName>
-                                        </p:attrNameLst>
-                                      </p:cBhvr>
-                                      <p:to>
-                                        <p:strVal val="visible"/>
-                                      </p:to>
-                                    </p:set>
-                                  </p:childTnLst>
-                                </p:cTn>
-                              </p:par>
-                            </p:childTnLst>
-                          </p:cTn>
-                        </p:par>
-                      </p:childTnLst>
-                    </p:cTn>
-                  </p:par>
-                </p:childTnLst>
-              </p:cTn>
-              <p:prevCondLst>
-                <p:cond evt="onPrev" delay="0">
-                  <p:tgtEl>
-                    <p:sldTgt/>
-                  </p:tgtEl>
-                </p:cond>
-              </p:prevCondLst>
-              <p:nextCondLst>
-                <p:cond evt="onNext" delay="0">
-                  <p:tgtEl>
-                    <p:sldTgt/>
-                  </p:tgtEl>
-                </p:cond>
-              </p:nextCondLst>
-            </p:seq>
-          </p:childTnLst>
-        </p:cTn>
-      </p:par>
-    </p:tnLst>
-  </p:timing>
-</p:sld>
-</file>
-
-<file path=ppt/slides/slide14.xml><?xml version="1.0" encoding="utf-8"?>
-<p:sld xmlns:a="http://schemas.openxmlformats.org/drawingml/2006/main" xmlns:r="http://schemas.openxmlformats.org/officeDocument/2006/relationships" xmlns:p="http://schemas.openxmlformats.org/presentationml/2006/main">
-  <p:cSld>
-    <p:spTree>
-      <p:nvGrpSpPr>
-        <p:cNvPr id="1" name="Shape 459"/>
-        <p:cNvGrpSpPr/>
-        <p:nvPr/>
-      </p:nvGrpSpPr>
-      <p:grpSpPr>
-        <a:xfrm>
-          <a:off x="0" y="0"/>
-          <a:ext cx="0" cy="0"/>
-          <a:chOff x="0" y="0"/>
-          <a:chExt cx="0" cy="0"/>
-        </a:xfrm>
-      </p:grpSpPr>
-      <p:sp>
-        <p:nvSpPr>
-          <p:cNvPr id="460" name="Google Shape;460;p32"/>
-          <p:cNvSpPr txBox="1">
-            <a:spLocks noGrp="1"/>
-          </p:cNvSpPr>
-          <p:nvPr>
-            <p:ph type="title"/>
-          </p:nvPr>
-        </p:nvSpPr>
-        <p:spPr>
-          <a:prstGeom prst="rect">
-            <a:avLst/>
-          </a:prstGeom>
-        </p:spPr>
-        <p:txBody>
-          <a:bodyPr spcFirstLastPara="1" wrap="square" lIns="100747" tIns="100747" rIns="100747" bIns="100747" anchor="b" anchorCtr="0">
-            <a:noAutofit/>
-          </a:bodyPr>
-          <a:lstStyle/>
-          <a:p>
-            <a:r>
-              <a:rPr lang="en"/>
-              <a:t>Pre-order traversal</a:t>
-            </a:r>
-            <a:endParaRPr/>
-          </a:p>
-        </p:txBody>
-      </p:sp>
-      <p:sp>
-        <p:nvSpPr>
-          <p:cNvPr id="2" name="Content Placeholder 1">
-            <a:extLst>
-              <a:ext uri="{FF2B5EF4-FFF2-40B4-BE49-F238E27FC236}">
-                <a16:creationId xmlns:a16="http://schemas.microsoft.com/office/drawing/2014/main" id="{90B60445-6D45-4707-BE57-B39027B8E7D3}"/>
-              </a:ext>
-            </a:extLst>
-          </p:cNvPr>
-          <p:cNvSpPr>
-            <a:spLocks noGrp="1"/>
-          </p:cNvSpPr>
-          <p:nvPr>
-            <p:ph idx="1"/>
-          </p:nvPr>
-        </p:nvSpPr>
-        <p:spPr/>
-        <p:txBody>
-          <a:bodyPr/>
-          <a:lstStyle/>
-          <a:p>
-            <a:endParaRPr lang="en-US"/>
-          </a:p>
-        </p:txBody>
-      </p:sp>
-      <p:sp>
-        <p:nvSpPr>
-          <p:cNvPr id="462" name="Google Shape;462;p32"/>
-          <p:cNvSpPr txBox="1">
-            <a:spLocks noGrp="1"/>
-          </p:cNvSpPr>
-          <p:nvPr>
-            <p:ph type="sldNum" idx="12"/>
-          </p:nvPr>
-        </p:nvSpPr>
-        <p:spPr>
-          <a:prstGeom prst="rect">
-            <a:avLst/>
-          </a:prstGeom>
-        </p:spPr>
-        <p:txBody>
-          <a:bodyPr spcFirstLastPara="1" wrap="square" lIns="100747" tIns="100747" rIns="100747" bIns="100747" anchor="ctr" anchorCtr="0">
-            <a:noAutofit/>
-          </a:bodyPr>
-          <a:lstStyle/>
-          <a:p>
-            <a:pPr marL="0" marR="0" lvl="0" indent="0" algn="r" defTabSz="1007641" rtl="0" eaLnBrk="1" fontAlgn="auto" latinLnBrk="0" hangingPunct="1">
-              <a:lnSpc>
-                <a:spcPct val="96000"/>
-              </a:lnSpc>
-              <a:spcBef>
-                <a:spcPts val="0"/>
-              </a:spcBef>
-              <a:spcAft>
-                <a:spcPts val="0"/>
-              </a:spcAft>
-              <a:buClr>
-                <a:srgbClr val="000000"/>
-              </a:buClr>
-              <a:buSzTx/>
-              <a:buFontTx/>
-              <a:buNone/>
-              <a:tabLst/>
-              <a:defRPr/>
-            </a:pPr>
-            <a:fld id="{00000000-1234-1234-1234-123412341234}" type="slidenum">
-              <a:rPr kumimoji="0" lang="en" sz="1401" b="0" i="0" u="none" strike="noStrike" kern="0" cap="none" spc="0" normalizeH="0" baseline="0" noProof="0">
-                <a:ln>
-                  <a:noFill/>
-                </a:ln>
-                <a:solidFill>
-                  <a:srgbClr val="000000"/>
-                </a:solidFill>
-                <a:effectLst/>
-                <a:uLnTx/>
-                <a:uFillTx/>
-                <a:latin typeface="Times New Roman" panose="02020603050405020304" pitchFamily="18" charset="0"/>
-                <a:ea typeface="+mn-ea"/>
-                <a:cs typeface="Arial"/>
-              </a:rPr>
-              <a:pPr marL="0" marR="0" lvl="0" indent="0" algn="r" defTabSz="1007641" rtl="0" eaLnBrk="1" fontAlgn="auto" latinLnBrk="0" hangingPunct="1">
-                <a:lnSpc>
-                  <a:spcPct val="96000"/>
-                </a:lnSpc>
-                <a:spcBef>
-                  <a:spcPts val="0"/>
-                </a:spcBef>
-                <a:spcAft>
-                  <a:spcPts val="0"/>
-                </a:spcAft>
-                <a:buClr>
-                  <a:srgbClr val="000000"/>
-                </a:buClr>
-                <a:buSzTx/>
-                <a:buFontTx/>
-                <a:buNone/>
-                <a:tabLst/>
-                <a:defRPr/>
-              </a:pPr>
-              <a:t>14</a:t>
-            </a:fld>
-            <a:endParaRPr kumimoji="0" sz="1401" b="0" i="0" u="none" strike="noStrike" kern="0" cap="none" spc="0" normalizeH="0" baseline="0" noProof="0">
-              <a:ln>
-                <a:noFill/>
-              </a:ln>
-              <a:solidFill>
-                <a:srgbClr val="000000"/>
-              </a:solidFill>
-              <a:effectLst/>
-              <a:uLnTx/>
-              <a:uFillTx/>
-              <a:latin typeface="Times New Roman" panose="02020603050405020304" pitchFamily="18" charset="0"/>
-              <a:ea typeface="+mn-ea"/>
-              <a:cs typeface="Arial"/>
-            </a:endParaRPr>
-          </a:p>
-        </p:txBody>
-      </p:sp>
-      <p:pic>
-        <p:nvPicPr>
-          <p:cNvPr id="461" name="Google Shape;461;p32" descr="672px-Sorted_binary_tree_preorder.svg.png"/>
-          <p:cNvPicPr preferRelativeResize="0"/>
-          <p:nvPr/>
-        </p:nvPicPr>
-        <p:blipFill>
-          <a:blip r:embed="rId3">
-            <a:alphaModFix/>
-          </a:blip>
-          <a:stretch>
-            <a:fillRect/>
-          </a:stretch>
-        </p:blipFill>
-        <p:spPr>
-          <a:xfrm>
-            <a:off x="1511988" y="1225880"/>
-            <a:ext cx="7053475" cy="6024843"/>
-          </a:xfrm>
-          <a:prstGeom prst="rect">
-            <a:avLst/>
-          </a:prstGeom>
-          <a:noFill/>
-          <a:ln>
-            <a:noFill/>
-          </a:ln>
-        </p:spPr>
-      </p:pic>
-      <p:sp>
-        <p:nvSpPr>
-          <p:cNvPr id="3" name="Footer Placeholder 2">
-            <a:extLst>
-              <a:ext uri="{FF2B5EF4-FFF2-40B4-BE49-F238E27FC236}">
-                <a16:creationId xmlns:a16="http://schemas.microsoft.com/office/drawing/2014/main" id="{8C283871-2EBE-470D-87FA-AA01F7AC82C1}"/>
-              </a:ext>
-            </a:extLst>
-          </p:cNvPr>
-          <p:cNvSpPr>
-            <a:spLocks noGrp="1"/>
-          </p:cNvSpPr>
-          <p:nvPr>
-            <p:ph type="ftr" idx="11"/>
-          </p:nvPr>
-        </p:nvSpPr>
-        <p:spPr/>
-        <p:txBody>
-          <a:bodyPr/>
-          <a:lstStyle/>
-          <a:p>
-            <a:pPr marL="0" marR="0" lvl="0" indent="0" algn="ctr" defTabSz="914400" rtl="0" eaLnBrk="1" fontAlgn="auto" latinLnBrk="0" hangingPunct="1">
-              <a:lnSpc>
-                <a:spcPct val="96000"/>
-              </a:lnSpc>
-              <a:spcBef>
-                <a:spcPts val="0"/>
-              </a:spcBef>
-              <a:spcAft>
-                <a:spcPts val="0"/>
-              </a:spcAft>
-              <a:buClrTx/>
-              <a:buSzTx/>
-              <a:buFont typeface="Times New Roman" pitchFamily="16" charset="0"/>
-              <a:buNone/>
-              <a:tabLst>
-                <a:tab pos="0" algn="l"/>
-                <a:tab pos="457436" algn="l"/>
-                <a:tab pos="914872" algn="l"/>
-                <a:tab pos="1372308" algn="l"/>
-                <a:tab pos="1829742" algn="l"/>
-                <a:tab pos="2287178" algn="l"/>
-                <a:tab pos="2744615" algn="l"/>
-                <a:tab pos="3202050" algn="l"/>
-                <a:tab pos="3659486" algn="l"/>
-                <a:tab pos="4116923" algn="l"/>
-                <a:tab pos="4574357" algn="l"/>
-                <a:tab pos="5031793" algn="l"/>
-                <a:tab pos="5489228" algn="l"/>
-                <a:tab pos="5946665" algn="l"/>
-                <a:tab pos="6404101" algn="l"/>
-                <a:tab pos="6861536" algn="l"/>
-                <a:tab pos="7318971" algn="l"/>
-                <a:tab pos="7776408" algn="l"/>
-                <a:tab pos="8233843" algn="l"/>
-                <a:tab pos="8691279" algn="l"/>
-                <a:tab pos="9148715" algn="l"/>
-              </a:tabLst>
-              <a:defRPr/>
-            </a:pPr>
-            <a:r>
-              <a:rPr kumimoji="0" lang="en-US" sz="1401" b="0" i="0" u="none" strike="noStrike" kern="1200" cap="none" spc="0" normalizeH="0" baseline="0" noProof="0">
-                <a:ln>
-                  <a:noFill/>
-                </a:ln>
-                <a:solidFill>
-                  <a:srgbClr val="000000"/>
-                </a:solidFill>
-                <a:effectLst/>
-                <a:uLnTx/>
-                <a:uFillTx/>
-                <a:latin typeface="Arial"/>
-                <a:ea typeface="+mn-ea"/>
-                <a:cs typeface="Arial" charset="0"/>
-              </a:rPr>
-              <a:t>CS 1501 – Algorithms &amp; Data Structures 2 – Sherif Khattab</a:t>
-            </a:r>
-            <a:endParaRPr kumimoji="0" lang="en-GB" sz="1401" b="0" i="0" u="none" strike="noStrike" kern="1200" cap="none" spc="0" normalizeH="0" baseline="0" noProof="0">
-              <a:ln>
-                <a:noFill/>
-              </a:ln>
-              <a:solidFill>
-                <a:srgbClr val="000000"/>
-              </a:solidFill>
-              <a:effectLst/>
-              <a:uLnTx/>
-              <a:uFillTx/>
-              <a:latin typeface="Times New Roman" pitchFamily="16" charset="0"/>
-              <a:ea typeface="+mn-ea"/>
-              <a:cs typeface="Arial" charset="0"/>
-            </a:endParaRPr>
-          </a:p>
-        </p:txBody>
-      </p:sp>
-    </p:spTree>
-    <p:extLst>
-      <p:ext uri="{BB962C8B-B14F-4D97-AF65-F5344CB8AC3E}">
-        <p14:creationId xmlns:p14="http://schemas.microsoft.com/office/powerpoint/2010/main" val="2805000757"/>
-      </p:ext>
-    </p:extLst>
-  </p:cSld>
-  <p:clrMapOvr>
-    <a:masterClrMapping/>
-  </p:clrMapOvr>
-  <p:timing>
-    <p:tnLst>
-      <p:par>
-        <p:cTn id="1" dur="indefinite" restart="never" nodeType="tmRoot">
-          <p:childTnLst>
-            <p:seq concurrent="1" nextAc="seek">
-              <p:cTn id="2" dur="indefinite" nodeType="mainSeq">
-                <p:childTnLst>
-                  <p:par>
-                    <p:cTn id="3" fill="hold">
-                      <p:stCondLst>
-                        <p:cond delay="indefinite"/>
-                      </p:stCondLst>
-                      <p:childTnLst>
-                        <p:par>
-                          <p:cTn id="4" fill="hold">
-                            <p:stCondLst>
-                              <p:cond delay="0"/>
-                            </p:stCondLst>
-                            <p:childTnLst>
-                              <p:par>
-                                <p:cTn id="5" presetID="10" presetClass="entr" presetSubtype="0" fill="hold" nodeType="clickEffect">
-                                  <p:stCondLst>
-                                    <p:cond delay="0"/>
-                                  </p:stCondLst>
-                                  <p:childTnLst>
-                                    <p:set>
-                                      <p:cBhvr>
-                                        <p:cTn id="6" dur="1" fill="hold">
-                                          <p:stCondLst>
-                                            <p:cond delay="0"/>
-                                          </p:stCondLst>
-                                        </p:cTn>
-                                        <p:tgtEl>
-                                          <p:spTgt spid="461"/>
-                                        </p:tgtEl>
-                                        <p:attrNameLst>
-                                          <p:attrName>style.visibility</p:attrName>
-                                        </p:attrNameLst>
-                                      </p:cBhvr>
-                                      <p:to>
-                                        <p:strVal val="visible"/>
-                                      </p:to>
-                                    </p:set>
-                                    <p:animEffect transition="in" filter="fade">
-                                      <p:cBhvr>
-                                        <p:cTn id="7" dur="100"/>
-                                        <p:tgtEl>
-                                          <p:spTgt spid="461"/>
-                                        </p:tgtEl>
-                                      </p:cBhvr>
-                                    </p:animEffect>
-                                  </p:childTnLst>
-                                </p:cTn>
-                              </p:par>
-                            </p:childTnLst>
-                          </p:cTn>
-                        </p:par>
-                      </p:childTnLst>
-                    </p:cTn>
-                  </p:par>
-                </p:childTnLst>
-              </p:cTn>
-              <p:prevCondLst>
-                <p:cond evt="onPrev" delay="0">
-                  <p:tgtEl>
-                    <p:sldTgt/>
-                  </p:tgtEl>
-                </p:cond>
-              </p:prevCondLst>
-              <p:nextCondLst>
-                <p:cond evt="onNext" delay="0">
-                  <p:tgtEl>
-                    <p:sldTgt/>
-                  </p:tgtEl>
-                </p:cond>
-              </p:nextCondLst>
-            </p:seq>
-          </p:childTnLst>
-        </p:cTn>
-      </p:par>
-    </p:tnLst>
-  </p:timing>
-</p:sld>
-</file>
-
-<file path=ppt/slides/slide15.xml><?xml version="1.0" encoding="utf-8"?>
-<p:sld xmlns:a="http://schemas.openxmlformats.org/drawingml/2006/main" xmlns:r="http://schemas.openxmlformats.org/officeDocument/2006/relationships" xmlns:p="http://schemas.openxmlformats.org/presentationml/2006/main">
-  <p:cSld>
-    <p:spTree>
-      <p:nvGrpSpPr>
-        <p:cNvPr id="1" name="Shape 466"/>
-        <p:cNvGrpSpPr/>
-        <p:nvPr/>
-      </p:nvGrpSpPr>
-      <p:grpSpPr>
-        <a:xfrm>
-          <a:off x="0" y="0"/>
-          <a:ext cx="0" cy="0"/>
-          <a:chOff x="0" y="0"/>
-          <a:chExt cx="0" cy="0"/>
-        </a:xfrm>
-      </p:grpSpPr>
-      <p:sp>
-        <p:nvSpPr>
-          <p:cNvPr id="467" name="Google Shape;467;p33"/>
-          <p:cNvSpPr txBox="1">
-            <a:spLocks noGrp="1"/>
-          </p:cNvSpPr>
-          <p:nvPr>
-            <p:ph type="title"/>
-          </p:nvPr>
-        </p:nvSpPr>
-        <p:spPr>
-          <a:prstGeom prst="rect">
-            <a:avLst/>
-          </a:prstGeom>
-        </p:spPr>
-        <p:txBody>
-          <a:bodyPr spcFirstLastPara="1" wrap="square" lIns="100747" tIns="100747" rIns="100747" bIns="100747" anchor="b" anchorCtr="0">
-            <a:noAutofit/>
-          </a:bodyPr>
-          <a:lstStyle/>
-          <a:p>
-            <a:r>
-              <a:rPr lang="en"/>
-              <a:t>In-order traversal</a:t>
-            </a:r>
-            <a:endParaRPr/>
-          </a:p>
-        </p:txBody>
-      </p:sp>
-      <p:sp>
-        <p:nvSpPr>
-          <p:cNvPr id="2" name="Content Placeholder 1">
-            <a:extLst>
-              <a:ext uri="{FF2B5EF4-FFF2-40B4-BE49-F238E27FC236}">
-                <a16:creationId xmlns:a16="http://schemas.microsoft.com/office/drawing/2014/main" id="{18F6F50C-692C-4BB7-90E4-04D1641EEC95}"/>
-              </a:ext>
-            </a:extLst>
-          </p:cNvPr>
-          <p:cNvSpPr>
-            <a:spLocks noGrp="1"/>
-          </p:cNvSpPr>
-          <p:nvPr>
-            <p:ph idx="1"/>
-          </p:nvPr>
-        </p:nvSpPr>
-        <p:spPr/>
-        <p:txBody>
-          <a:bodyPr/>
-          <a:lstStyle/>
-          <a:p>
-            <a:endParaRPr lang="en-US"/>
-          </a:p>
-        </p:txBody>
-      </p:sp>
-      <p:sp>
-        <p:nvSpPr>
-          <p:cNvPr id="469" name="Google Shape;469;p33"/>
-          <p:cNvSpPr txBox="1">
-            <a:spLocks noGrp="1"/>
-          </p:cNvSpPr>
-          <p:nvPr>
-            <p:ph type="sldNum" idx="12"/>
-          </p:nvPr>
-        </p:nvSpPr>
-        <p:spPr>
-          <a:prstGeom prst="rect">
-            <a:avLst/>
-          </a:prstGeom>
-        </p:spPr>
-        <p:txBody>
-          <a:bodyPr spcFirstLastPara="1" wrap="square" lIns="100747" tIns="100747" rIns="100747" bIns="100747" anchor="ctr" anchorCtr="0">
-            <a:noAutofit/>
-          </a:bodyPr>
-          <a:lstStyle/>
-          <a:p>
-            <a:pPr marL="0" marR="0" lvl="0" indent="0" algn="r" defTabSz="1007641" rtl="0" eaLnBrk="1" fontAlgn="auto" latinLnBrk="0" hangingPunct="1">
-              <a:lnSpc>
-                <a:spcPct val="96000"/>
-              </a:lnSpc>
-              <a:spcBef>
-                <a:spcPts val="0"/>
-              </a:spcBef>
-              <a:spcAft>
-                <a:spcPts val="0"/>
-              </a:spcAft>
-              <a:buClr>
-                <a:srgbClr val="000000"/>
-              </a:buClr>
-              <a:buSzTx/>
-              <a:buFontTx/>
-              <a:buNone/>
-              <a:tabLst/>
-              <a:defRPr/>
-            </a:pPr>
-            <a:fld id="{00000000-1234-1234-1234-123412341234}" type="slidenum">
-              <a:rPr kumimoji="0" lang="en" sz="1401" b="0" i="0" u="none" strike="noStrike" kern="0" cap="none" spc="0" normalizeH="0" baseline="0" noProof="0">
-                <a:ln>
-                  <a:noFill/>
-                </a:ln>
-                <a:solidFill>
-                  <a:srgbClr val="000000"/>
-                </a:solidFill>
-                <a:effectLst/>
-                <a:uLnTx/>
-                <a:uFillTx/>
-                <a:latin typeface="Times New Roman" panose="02020603050405020304" pitchFamily="18" charset="0"/>
-                <a:ea typeface="+mn-ea"/>
-                <a:cs typeface="Arial"/>
-              </a:rPr>
-              <a:pPr marL="0" marR="0" lvl="0" indent="0" algn="r" defTabSz="1007641" rtl="0" eaLnBrk="1" fontAlgn="auto" latinLnBrk="0" hangingPunct="1">
-                <a:lnSpc>
-                  <a:spcPct val="96000"/>
-                </a:lnSpc>
-                <a:spcBef>
-                  <a:spcPts val="0"/>
-                </a:spcBef>
-                <a:spcAft>
-                  <a:spcPts val="0"/>
-                </a:spcAft>
-                <a:buClr>
-                  <a:srgbClr val="000000"/>
-                </a:buClr>
-                <a:buSzTx/>
-                <a:buFontTx/>
-                <a:buNone/>
-                <a:tabLst/>
-                <a:defRPr/>
-              </a:pPr>
-              <a:t>15</a:t>
-            </a:fld>
-            <a:endParaRPr kumimoji="0" sz="1401" b="0" i="0" u="none" strike="noStrike" kern="0" cap="none" spc="0" normalizeH="0" baseline="0" noProof="0">
-              <a:ln>
-                <a:noFill/>
-              </a:ln>
-              <a:solidFill>
-                <a:srgbClr val="000000"/>
-              </a:solidFill>
-              <a:effectLst/>
-              <a:uLnTx/>
-              <a:uFillTx/>
-              <a:latin typeface="Times New Roman" panose="02020603050405020304" pitchFamily="18" charset="0"/>
-              <a:ea typeface="+mn-ea"/>
-              <a:cs typeface="Arial"/>
-            </a:endParaRPr>
-          </a:p>
-        </p:txBody>
-      </p:sp>
-      <p:pic>
-        <p:nvPicPr>
-          <p:cNvPr id="468" name="Google Shape;468;p33" descr="672px-Sorted_binary_tree_inorder.svg.png"/>
-          <p:cNvPicPr preferRelativeResize="0"/>
-          <p:nvPr/>
-        </p:nvPicPr>
-        <p:blipFill>
-          <a:blip r:embed="rId3">
-            <a:alphaModFix/>
-          </a:blip>
-          <a:stretch>
-            <a:fillRect/>
-          </a:stretch>
-        </p:blipFill>
-        <p:spPr>
-          <a:xfrm>
-            <a:off x="1511988" y="1225880"/>
-            <a:ext cx="7053475" cy="6024843"/>
-          </a:xfrm>
-          <a:prstGeom prst="rect">
-            <a:avLst/>
-          </a:prstGeom>
-          <a:noFill/>
-          <a:ln>
-            <a:noFill/>
-          </a:ln>
-        </p:spPr>
-      </p:pic>
-      <p:sp>
-        <p:nvSpPr>
-          <p:cNvPr id="3" name="Footer Placeholder 2">
-            <a:extLst>
-              <a:ext uri="{FF2B5EF4-FFF2-40B4-BE49-F238E27FC236}">
-                <a16:creationId xmlns:a16="http://schemas.microsoft.com/office/drawing/2014/main" id="{ED742C76-47C3-41CD-9659-D0580796E5D8}"/>
-              </a:ext>
-            </a:extLst>
-          </p:cNvPr>
-          <p:cNvSpPr>
-            <a:spLocks noGrp="1"/>
-          </p:cNvSpPr>
-          <p:nvPr>
-            <p:ph type="ftr" idx="11"/>
-          </p:nvPr>
-        </p:nvSpPr>
-        <p:spPr/>
-        <p:txBody>
-          <a:bodyPr/>
-          <a:lstStyle/>
-          <a:p>
-            <a:pPr marL="0" marR="0" lvl="0" indent="0" algn="ctr" defTabSz="914400" rtl="0" eaLnBrk="1" fontAlgn="auto" latinLnBrk="0" hangingPunct="1">
-              <a:lnSpc>
-                <a:spcPct val="96000"/>
-              </a:lnSpc>
-              <a:spcBef>
-                <a:spcPts val="0"/>
-              </a:spcBef>
-              <a:spcAft>
-                <a:spcPts val="0"/>
-              </a:spcAft>
-              <a:buClrTx/>
-              <a:buSzTx/>
-              <a:buFont typeface="Times New Roman" pitchFamily="16" charset="0"/>
-              <a:buNone/>
-              <a:tabLst>
-                <a:tab pos="0" algn="l"/>
-                <a:tab pos="457436" algn="l"/>
-                <a:tab pos="914872" algn="l"/>
-                <a:tab pos="1372308" algn="l"/>
-                <a:tab pos="1829742" algn="l"/>
-                <a:tab pos="2287178" algn="l"/>
-                <a:tab pos="2744615" algn="l"/>
-                <a:tab pos="3202050" algn="l"/>
-                <a:tab pos="3659486" algn="l"/>
-                <a:tab pos="4116923" algn="l"/>
-                <a:tab pos="4574357" algn="l"/>
-                <a:tab pos="5031793" algn="l"/>
-                <a:tab pos="5489228" algn="l"/>
-                <a:tab pos="5946665" algn="l"/>
-                <a:tab pos="6404101" algn="l"/>
-                <a:tab pos="6861536" algn="l"/>
-                <a:tab pos="7318971" algn="l"/>
-                <a:tab pos="7776408" algn="l"/>
-                <a:tab pos="8233843" algn="l"/>
-                <a:tab pos="8691279" algn="l"/>
-                <a:tab pos="9148715" algn="l"/>
-              </a:tabLst>
-              <a:defRPr/>
-            </a:pPr>
-            <a:r>
-              <a:rPr kumimoji="0" lang="en-US" sz="1401" b="0" i="0" u="none" strike="noStrike" kern="1200" cap="none" spc="0" normalizeH="0" baseline="0" noProof="0">
-                <a:ln>
-                  <a:noFill/>
-                </a:ln>
-                <a:solidFill>
-                  <a:srgbClr val="000000"/>
-                </a:solidFill>
-                <a:effectLst/>
-                <a:uLnTx/>
-                <a:uFillTx/>
-                <a:latin typeface="Arial"/>
-                <a:ea typeface="+mn-ea"/>
-                <a:cs typeface="Arial" charset="0"/>
-              </a:rPr>
-              <a:t>CS 1501 – Algorithms &amp; Data Structures 2 – Sherif Khattab</a:t>
-            </a:r>
-            <a:endParaRPr kumimoji="0" lang="en-GB" sz="1401" b="0" i="0" u="none" strike="noStrike" kern="1200" cap="none" spc="0" normalizeH="0" baseline="0" noProof="0">
-              <a:ln>
-                <a:noFill/>
-              </a:ln>
-              <a:solidFill>
-                <a:srgbClr val="000000"/>
-              </a:solidFill>
-              <a:effectLst/>
-              <a:uLnTx/>
-              <a:uFillTx/>
-              <a:latin typeface="Times New Roman" pitchFamily="16" charset="0"/>
-              <a:ea typeface="+mn-ea"/>
-              <a:cs typeface="Arial" charset="0"/>
-            </a:endParaRPr>
-          </a:p>
-        </p:txBody>
-      </p:sp>
-    </p:spTree>
-    <p:extLst>
-      <p:ext uri="{BB962C8B-B14F-4D97-AF65-F5344CB8AC3E}">
-        <p14:creationId xmlns:p14="http://schemas.microsoft.com/office/powerpoint/2010/main" val="644336610"/>
+        <p14:creationId xmlns:p14="http://schemas.microsoft.com/office/powerpoint/2010/main" val="2951067329"/>
       </p:ext>
     </p:extLst>
   </p:cSld>
@@ -15940,306 +14071,7 @@
 </p:sld>
 </file>
 
-<file path=ppt/slides/slide16.xml><?xml version="1.0" encoding="utf-8"?>
-<p:sld xmlns:a="http://schemas.openxmlformats.org/drawingml/2006/main" xmlns:r="http://schemas.openxmlformats.org/officeDocument/2006/relationships" xmlns:p="http://schemas.openxmlformats.org/presentationml/2006/main">
-  <p:cSld>
-    <p:spTree>
-      <p:nvGrpSpPr>
-        <p:cNvPr id="1" name="Shape 473"/>
-        <p:cNvGrpSpPr/>
-        <p:nvPr/>
-      </p:nvGrpSpPr>
-      <p:grpSpPr>
-        <a:xfrm>
-          <a:off x="0" y="0"/>
-          <a:ext cx="0" cy="0"/>
-          <a:chOff x="0" y="0"/>
-          <a:chExt cx="0" cy="0"/>
-        </a:xfrm>
-      </p:grpSpPr>
-      <p:sp>
-        <p:nvSpPr>
-          <p:cNvPr id="474" name="Google Shape;474;p34"/>
-          <p:cNvSpPr txBox="1">
-            <a:spLocks noGrp="1"/>
-          </p:cNvSpPr>
-          <p:nvPr>
-            <p:ph type="title"/>
-          </p:nvPr>
-        </p:nvSpPr>
-        <p:spPr>
-          <a:prstGeom prst="rect">
-            <a:avLst/>
-          </a:prstGeom>
-        </p:spPr>
-        <p:txBody>
-          <a:bodyPr spcFirstLastPara="1" wrap="square" lIns="100747" tIns="100747" rIns="100747" bIns="100747" anchor="b" anchorCtr="0">
-            <a:noAutofit/>
-          </a:bodyPr>
-          <a:lstStyle/>
-          <a:p>
-            <a:r>
-              <a:rPr lang="en"/>
-              <a:t>Post-order traversal</a:t>
-            </a:r>
-            <a:endParaRPr/>
-          </a:p>
-        </p:txBody>
-      </p:sp>
-      <p:sp>
-        <p:nvSpPr>
-          <p:cNvPr id="2" name="Content Placeholder 1">
-            <a:extLst>
-              <a:ext uri="{FF2B5EF4-FFF2-40B4-BE49-F238E27FC236}">
-                <a16:creationId xmlns:a16="http://schemas.microsoft.com/office/drawing/2014/main" id="{D0F334F8-8818-4FCC-8B65-BD40D9C391AB}"/>
-              </a:ext>
-            </a:extLst>
-          </p:cNvPr>
-          <p:cNvSpPr>
-            <a:spLocks noGrp="1"/>
-          </p:cNvSpPr>
-          <p:nvPr>
-            <p:ph idx="1"/>
-          </p:nvPr>
-        </p:nvSpPr>
-        <p:spPr/>
-        <p:txBody>
-          <a:bodyPr/>
-          <a:lstStyle/>
-          <a:p>
-            <a:endParaRPr lang="en-US"/>
-          </a:p>
-        </p:txBody>
-      </p:sp>
-      <p:sp>
-        <p:nvSpPr>
-          <p:cNvPr id="476" name="Google Shape;476;p34"/>
-          <p:cNvSpPr txBox="1">
-            <a:spLocks noGrp="1"/>
-          </p:cNvSpPr>
-          <p:nvPr>
-            <p:ph type="sldNum" idx="12"/>
-          </p:nvPr>
-        </p:nvSpPr>
-        <p:spPr>
-          <a:prstGeom prst="rect">
-            <a:avLst/>
-          </a:prstGeom>
-        </p:spPr>
-        <p:txBody>
-          <a:bodyPr spcFirstLastPara="1" wrap="square" lIns="100747" tIns="100747" rIns="100747" bIns="100747" anchor="ctr" anchorCtr="0">
-            <a:noAutofit/>
-          </a:bodyPr>
-          <a:lstStyle/>
-          <a:p>
-            <a:pPr marL="0" marR="0" lvl="0" indent="0" algn="r" defTabSz="1007641" rtl="0" eaLnBrk="1" fontAlgn="auto" latinLnBrk="0" hangingPunct="1">
-              <a:lnSpc>
-                <a:spcPct val="96000"/>
-              </a:lnSpc>
-              <a:spcBef>
-                <a:spcPts val="0"/>
-              </a:spcBef>
-              <a:spcAft>
-                <a:spcPts val="0"/>
-              </a:spcAft>
-              <a:buClr>
-                <a:srgbClr val="000000"/>
-              </a:buClr>
-              <a:buSzTx/>
-              <a:buFontTx/>
-              <a:buNone/>
-              <a:tabLst/>
-              <a:defRPr/>
-            </a:pPr>
-            <a:fld id="{00000000-1234-1234-1234-123412341234}" type="slidenum">
-              <a:rPr kumimoji="0" lang="en" sz="1401" b="0" i="0" u="none" strike="noStrike" kern="0" cap="none" spc="0" normalizeH="0" baseline="0" noProof="0">
-                <a:ln>
-                  <a:noFill/>
-                </a:ln>
-                <a:solidFill>
-                  <a:srgbClr val="000000"/>
-                </a:solidFill>
-                <a:effectLst/>
-                <a:uLnTx/>
-                <a:uFillTx/>
-                <a:latin typeface="Times New Roman" panose="02020603050405020304" pitchFamily="18" charset="0"/>
-                <a:ea typeface="+mn-ea"/>
-                <a:cs typeface="Arial"/>
-              </a:rPr>
-              <a:pPr marL="0" marR="0" lvl="0" indent="0" algn="r" defTabSz="1007641" rtl="0" eaLnBrk="1" fontAlgn="auto" latinLnBrk="0" hangingPunct="1">
-                <a:lnSpc>
-                  <a:spcPct val="96000"/>
-                </a:lnSpc>
-                <a:spcBef>
-                  <a:spcPts val="0"/>
-                </a:spcBef>
-                <a:spcAft>
-                  <a:spcPts val="0"/>
-                </a:spcAft>
-                <a:buClr>
-                  <a:srgbClr val="000000"/>
-                </a:buClr>
-                <a:buSzTx/>
-                <a:buFontTx/>
-                <a:buNone/>
-                <a:tabLst/>
-                <a:defRPr/>
-              </a:pPr>
-              <a:t>16</a:t>
-            </a:fld>
-            <a:endParaRPr kumimoji="0" sz="1401" b="0" i="0" u="none" strike="noStrike" kern="0" cap="none" spc="0" normalizeH="0" baseline="0" noProof="0">
-              <a:ln>
-                <a:noFill/>
-              </a:ln>
-              <a:solidFill>
-                <a:srgbClr val="000000"/>
-              </a:solidFill>
-              <a:effectLst/>
-              <a:uLnTx/>
-              <a:uFillTx/>
-              <a:latin typeface="Times New Roman" panose="02020603050405020304" pitchFamily="18" charset="0"/>
-              <a:ea typeface="+mn-ea"/>
-              <a:cs typeface="Arial"/>
-            </a:endParaRPr>
-          </a:p>
-        </p:txBody>
-      </p:sp>
-      <p:pic>
-        <p:nvPicPr>
-          <p:cNvPr id="475" name="Google Shape;475;p34" descr="672px-Sorted_binary_tree_postorder.svg.png"/>
-          <p:cNvPicPr preferRelativeResize="0"/>
-          <p:nvPr/>
-        </p:nvPicPr>
-        <p:blipFill>
-          <a:blip r:embed="rId3">
-            <a:alphaModFix/>
-          </a:blip>
-          <a:stretch>
-            <a:fillRect/>
-          </a:stretch>
-        </p:blipFill>
-        <p:spPr>
-          <a:xfrm>
-            <a:off x="1511988" y="1225880"/>
-            <a:ext cx="7053475" cy="6024843"/>
-          </a:xfrm>
-          <a:prstGeom prst="rect">
-            <a:avLst/>
-          </a:prstGeom>
-          <a:noFill/>
-          <a:ln>
-            <a:noFill/>
-          </a:ln>
-        </p:spPr>
-      </p:pic>
-      <p:sp>
-        <p:nvSpPr>
-          <p:cNvPr id="3" name="Footer Placeholder 2">
-            <a:extLst>
-              <a:ext uri="{FF2B5EF4-FFF2-40B4-BE49-F238E27FC236}">
-                <a16:creationId xmlns:a16="http://schemas.microsoft.com/office/drawing/2014/main" id="{399CCD8D-E15C-4A55-858D-29F48CB89155}"/>
-              </a:ext>
-            </a:extLst>
-          </p:cNvPr>
-          <p:cNvSpPr>
-            <a:spLocks noGrp="1"/>
-          </p:cNvSpPr>
-          <p:nvPr>
-            <p:ph type="ftr" idx="11"/>
-          </p:nvPr>
-        </p:nvSpPr>
-        <p:spPr/>
-        <p:txBody>
-          <a:bodyPr/>
-          <a:lstStyle/>
-          <a:p>
-            <a:pPr marL="0" marR="0" lvl="0" indent="0" algn="ctr" defTabSz="914400" rtl="0" eaLnBrk="1" fontAlgn="auto" latinLnBrk="0" hangingPunct="1">
-              <a:lnSpc>
-                <a:spcPct val="96000"/>
-              </a:lnSpc>
-              <a:spcBef>
-                <a:spcPts val="0"/>
-              </a:spcBef>
-              <a:spcAft>
-                <a:spcPts val="0"/>
-              </a:spcAft>
-              <a:buClrTx/>
-              <a:buSzTx/>
-              <a:buFont typeface="Times New Roman" pitchFamily="16" charset="0"/>
-              <a:buNone/>
-              <a:tabLst>
-                <a:tab pos="0" algn="l"/>
-                <a:tab pos="457436" algn="l"/>
-                <a:tab pos="914872" algn="l"/>
-                <a:tab pos="1372308" algn="l"/>
-                <a:tab pos="1829742" algn="l"/>
-                <a:tab pos="2287178" algn="l"/>
-                <a:tab pos="2744615" algn="l"/>
-                <a:tab pos="3202050" algn="l"/>
-                <a:tab pos="3659486" algn="l"/>
-                <a:tab pos="4116923" algn="l"/>
-                <a:tab pos="4574357" algn="l"/>
-                <a:tab pos="5031793" algn="l"/>
-                <a:tab pos="5489228" algn="l"/>
-                <a:tab pos="5946665" algn="l"/>
-                <a:tab pos="6404101" algn="l"/>
-                <a:tab pos="6861536" algn="l"/>
-                <a:tab pos="7318971" algn="l"/>
-                <a:tab pos="7776408" algn="l"/>
-                <a:tab pos="8233843" algn="l"/>
-                <a:tab pos="8691279" algn="l"/>
-                <a:tab pos="9148715" algn="l"/>
-              </a:tabLst>
-              <a:defRPr/>
-            </a:pPr>
-            <a:r>
-              <a:rPr kumimoji="0" lang="en-US" sz="1401" b="0" i="0" u="none" strike="noStrike" kern="1200" cap="none" spc="0" normalizeH="0" baseline="0" noProof="0">
-                <a:ln>
-                  <a:noFill/>
-                </a:ln>
-                <a:solidFill>
-                  <a:srgbClr val="000000"/>
-                </a:solidFill>
-                <a:effectLst/>
-                <a:uLnTx/>
-                <a:uFillTx/>
-                <a:latin typeface="Arial"/>
-                <a:ea typeface="+mn-ea"/>
-                <a:cs typeface="Arial" charset="0"/>
-              </a:rPr>
-              <a:t>CS 1501 – Algorithms &amp; Data Structures 2 – Sherif Khattab</a:t>
-            </a:r>
-            <a:endParaRPr kumimoji="0" lang="en-GB" sz="1401" b="0" i="0" u="none" strike="noStrike" kern="1200" cap="none" spc="0" normalizeH="0" baseline="0" noProof="0">
-              <a:ln>
-                <a:noFill/>
-              </a:ln>
-              <a:solidFill>
-                <a:srgbClr val="000000"/>
-              </a:solidFill>
-              <a:effectLst/>
-              <a:uLnTx/>
-              <a:uFillTx/>
-              <a:latin typeface="Times New Roman" pitchFamily="16" charset="0"/>
-              <a:ea typeface="+mn-ea"/>
-              <a:cs typeface="Arial" charset="0"/>
-            </a:endParaRPr>
-          </a:p>
-        </p:txBody>
-      </p:sp>
-    </p:spTree>
-    <p:extLst>
-      <p:ext uri="{BB962C8B-B14F-4D97-AF65-F5344CB8AC3E}">
-        <p14:creationId xmlns:p14="http://schemas.microsoft.com/office/powerpoint/2010/main" val="3275560456"/>
-      </p:ext>
-    </p:extLst>
-  </p:cSld>
-  <p:clrMapOvr>
-    <a:masterClrMapping/>
-  </p:clrMapOvr>
-</p:sld>
-</file>
-
-<file path=ppt/slides/slide17.xml><?xml version="1.0" encoding="utf-8"?>
+<file path=ppt/slides/slide14.xml><?xml version="1.0" encoding="utf-8"?>
 <p:sld xmlns:a="http://schemas.openxmlformats.org/drawingml/2006/main" xmlns:r="http://schemas.openxmlformats.org/officeDocument/2006/relationships" xmlns:p="http://schemas.openxmlformats.org/presentationml/2006/main">
   <p:cSld>
     <p:spTree>
@@ -16261,7 +14093,7 @@
           <p:cNvPr id="2" name="Title 1">
             <a:extLst>
               <a:ext uri="{FF2B5EF4-FFF2-40B4-BE49-F238E27FC236}">
-                <a16:creationId xmlns:a16="http://schemas.microsoft.com/office/drawing/2014/main" id="{3D3FBB3E-C765-1E4E-94C9-0366E1474005}"/>
+                <a16:creationId xmlns:a16="http://schemas.microsoft.com/office/drawing/2014/main" id="{B3AFA3E5-D40A-2249-AC65-F3B19EE1F133}"/>
               </a:ext>
             </a:extLst>
           </p:cNvPr>
@@ -16279,7 +14111,7 @@
           <a:p>
             <a:r>
               <a:rPr lang="en-US" dirty="0"/>
-              <a:t>Tree Search Take 1</a:t>
+              <a:t>Can we do better?</a:t>
             </a:r>
           </a:p>
         </p:txBody>
@@ -16289,7 +14121,7 @@
           <p:cNvPr id="3" name="Content Placeholder 2">
             <a:extLst>
               <a:ext uri="{FF2B5EF4-FFF2-40B4-BE49-F238E27FC236}">
-                <a16:creationId xmlns:a16="http://schemas.microsoft.com/office/drawing/2014/main" id="{29DC18C8-49D2-814F-9449-B9B1DA721BCC}"/>
+                <a16:creationId xmlns:a16="http://schemas.microsoft.com/office/drawing/2014/main" id="{8810FF70-0502-7C47-8047-1376AA6A10E9}"/>
               </a:ext>
             </a:extLst>
           </p:cNvPr>
@@ -16304,6 +14136,15 @@
         <p:txBody>
           <a:bodyPr/>
           <a:lstStyle/>
+          <a:p>
+            <a:endParaRPr lang="en-US" dirty="0"/>
+          </a:p>
+          <a:p>
+            <a:endParaRPr lang="en-US" dirty="0"/>
+          </a:p>
+          <a:p>
+            <a:endParaRPr lang="en-US" dirty="0"/>
+          </a:p>
           <a:p>
             <a:pPr marL="0" indent="0" algn="ctr">
               <a:buNone/>
@@ -16314,27 +14155,9 @@
             <a:pPr marL="0" indent="0" algn="ctr">
               <a:buNone/>
             </a:pPr>
-            <a:endParaRPr lang="en-US" dirty="0"/>
-          </a:p>
-          <a:p>
-            <a:pPr marL="0" indent="0" algn="ctr">
-              <a:buNone/>
-            </a:pPr>
-            <a:endParaRPr lang="en-US" dirty="0"/>
-          </a:p>
-          <a:p>
-            <a:pPr marL="0" indent="0" algn="ctr">
-              <a:buNone/>
-            </a:pPr>
-            <a:endParaRPr lang="en-US" dirty="0"/>
-          </a:p>
-          <a:p>
-            <a:pPr marL="0" indent="0" algn="ctr">
-              <a:buNone/>
-            </a:pPr>
             <a:r>
               <a:rPr lang="en-US" dirty="0"/>
-              <a:t>What is the runtime?</a:t>
+              <a:t>Can we traverse the tree more intelligently?</a:t>
             </a:r>
           </a:p>
         </p:txBody>
@@ -16344,7 +14167,7 @@
           <p:cNvPr id="4" name="Footer Placeholder 3">
             <a:extLst>
               <a:ext uri="{FF2B5EF4-FFF2-40B4-BE49-F238E27FC236}">
-                <a16:creationId xmlns:a16="http://schemas.microsoft.com/office/drawing/2014/main" id="{E1E97D4D-BBCA-C445-9FFA-BE7DB40BF40A}"/>
+                <a16:creationId xmlns:a16="http://schemas.microsoft.com/office/drawing/2014/main" id="{5E7E6FD1-972B-2D48-9B45-5DBC1881EAE4}"/>
               </a:ext>
             </a:extLst>
           </p:cNvPr>
@@ -16378,7 +14201,7 @@
           <p:cNvPr id="5" name="Slide Number Placeholder 4">
             <a:extLst>
               <a:ext uri="{FF2B5EF4-FFF2-40B4-BE49-F238E27FC236}">
-                <a16:creationId xmlns:a16="http://schemas.microsoft.com/office/drawing/2014/main" id="{1123B045-88FD-B44F-84B2-9A1AB76CE6E3}"/>
+                <a16:creationId xmlns:a16="http://schemas.microsoft.com/office/drawing/2014/main" id="{FA41DCAA-6091-9E4D-8692-04C474DB5C2F}"/>
               </a:ext>
             </a:extLst>
           </p:cNvPr>
@@ -16397,7 +14220,7 @@
             <a:fld id="{65E435D9-63B0-4660-8D04-E83F5E2CA2AE}" type="slidenum">
               <a:rPr lang="en-GB" altLang="en-US" smtClean="0"/>
               <a:pPr/>
-              <a:t>17</a:t>
+              <a:t>14</a:t>
             </a:fld>
             <a:endParaRPr lang="en-GB" altLang="en-US"/>
           </a:p>
@@ -16406,7 +14229,7 @@
     </p:spTree>
     <p:extLst>
       <p:ext uri="{BB962C8B-B14F-4D97-AF65-F5344CB8AC3E}">
-        <p14:creationId xmlns:p14="http://schemas.microsoft.com/office/powerpoint/2010/main" val="2951067329"/>
+        <p14:creationId xmlns:p14="http://schemas.microsoft.com/office/powerpoint/2010/main" val="2514033985"/>
       </p:ext>
     </p:extLst>
   </p:cSld>
@@ -16416,7 +14239,7 @@
 </p:sld>
 </file>
 
-<file path=ppt/slides/slide18.xml><?xml version="1.0" encoding="utf-8"?>
+<file path=ppt/slides/slide15.xml><?xml version="1.0" encoding="utf-8"?>
 <p:sld xmlns:a="http://schemas.openxmlformats.org/drawingml/2006/main" xmlns:r="http://schemas.openxmlformats.org/officeDocument/2006/relationships" xmlns:p="http://schemas.openxmlformats.org/presentationml/2006/main">
   <p:cSld>
     <p:spTree>
@@ -16438,7 +14261,7 @@
           <p:cNvPr id="2" name="Title 1">
             <a:extLst>
               <a:ext uri="{FF2B5EF4-FFF2-40B4-BE49-F238E27FC236}">
-                <a16:creationId xmlns:a16="http://schemas.microsoft.com/office/drawing/2014/main" id="{B3AFA3E5-D40A-2249-AC65-F3B19EE1F133}"/>
+                <a16:creationId xmlns:a16="http://schemas.microsoft.com/office/drawing/2014/main" id="{069B5492-7901-AD4A-A3E3-C3660B01056A}"/>
               </a:ext>
             </a:extLst>
           </p:cNvPr>
@@ -16456,7 +14279,7 @@
           <a:p>
             <a:r>
               <a:rPr lang="en-US" dirty="0"/>
-              <a:t>Can we do better?</a:t>
+              <a:t>Tree Search Take 2: Binary Search Tree</a:t>
             </a:r>
           </a:p>
         </p:txBody>
@@ -16466,7 +14289,7 @@
           <p:cNvPr id="3" name="Content Placeholder 2">
             <a:extLst>
               <a:ext uri="{FF2B5EF4-FFF2-40B4-BE49-F238E27FC236}">
-                <a16:creationId xmlns:a16="http://schemas.microsoft.com/office/drawing/2014/main" id="{8810FF70-0502-7C47-8047-1376AA6A10E9}"/>
+                <a16:creationId xmlns:a16="http://schemas.microsoft.com/office/drawing/2014/main" id="{BE8BCB22-8A89-BF4C-BAD0-7A771C44B9DE}"/>
               </a:ext>
             </a:extLst>
           </p:cNvPr>
@@ -16482,27 +14305,16 @@
           <a:bodyPr/>
           <a:lstStyle/>
           <a:p>
-            <a:endParaRPr lang="en-US" dirty="0"/>
-          </a:p>
-          <a:p>
-            <a:endParaRPr lang="en-US" dirty="0"/>
-          </a:p>
-          <a:p>
-            <a:endParaRPr lang="en-US" dirty="0"/>
-          </a:p>
-          <a:p>
-            <a:pPr marL="0" indent="0" algn="ctr">
-              <a:buNone/>
-            </a:pPr>
-            <a:endParaRPr lang="en-US" dirty="0"/>
-          </a:p>
-          <a:p>
-            <a:pPr marL="0" indent="0" algn="ctr">
-              <a:buNone/>
-            </a:pPr>
             <a:r>
               <a:rPr lang="en-US" dirty="0"/>
-              <a:t>Can we traverse the tree more intelligently?</a:t>
+              <a:t>Search Tree Property</a:t>
+            </a:r>
+          </a:p>
+          <a:p>
+            <a:pPr lvl="1"/>
+            <a:r>
+              <a:rPr lang="en-US" dirty="0"/>
+              <a:t>left &lt; root &lt; right</a:t>
             </a:r>
           </a:p>
         </p:txBody>
@@ -16512,7 +14324,7 @@
           <p:cNvPr id="4" name="Footer Placeholder 3">
             <a:extLst>
               <a:ext uri="{FF2B5EF4-FFF2-40B4-BE49-F238E27FC236}">
-                <a16:creationId xmlns:a16="http://schemas.microsoft.com/office/drawing/2014/main" id="{5E7E6FD1-972B-2D48-9B45-5DBC1881EAE4}"/>
+                <a16:creationId xmlns:a16="http://schemas.microsoft.com/office/drawing/2014/main" id="{7A2064B8-9DED-1143-8154-39B5A61D690D}"/>
               </a:ext>
             </a:extLst>
           </p:cNvPr>
@@ -16546,7 +14358,7 @@
           <p:cNvPr id="5" name="Slide Number Placeholder 4">
             <a:extLst>
               <a:ext uri="{FF2B5EF4-FFF2-40B4-BE49-F238E27FC236}">
-                <a16:creationId xmlns:a16="http://schemas.microsoft.com/office/drawing/2014/main" id="{FA41DCAA-6091-9E4D-8692-04C474DB5C2F}"/>
+                <a16:creationId xmlns:a16="http://schemas.microsoft.com/office/drawing/2014/main" id="{CF76AAD5-EA56-B646-8F1B-B30D4D7BF1B9}"/>
               </a:ext>
             </a:extLst>
           </p:cNvPr>
@@ -16565,7 +14377,7 @@
             <a:fld id="{65E435D9-63B0-4660-8D04-E83F5E2CA2AE}" type="slidenum">
               <a:rPr lang="en-GB" altLang="en-US" smtClean="0"/>
               <a:pPr/>
-              <a:t>18</a:t>
+              <a:t>15</a:t>
             </a:fld>
             <a:endParaRPr lang="en-GB" altLang="en-US"/>
           </a:p>
@@ -16574,7 +14386,7 @@
     </p:spTree>
     <p:extLst>
       <p:ext uri="{BB962C8B-B14F-4D97-AF65-F5344CB8AC3E}">
-        <p14:creationId xmlns:p14="http://schemas.microsoft.com/office/powerpoint/2010/main" val="2514033985"/>
+        <p14:creationId xmlns:p14="http://schemas.microsoft.com/office/powerpoint/2010/main" val="671181895"/>
       </p:ext>
     </p:extLst>
   </p:cSld>
@@ -16584,7 +14396,7 @@
 </p:sld>
 </file>
 
-<file path=ppt/slides/slide19.xml><?xml version="1.0" encoding="utf-8"?>
+<file path=ppt/slides/slide16.xml><?xml version="1.0" encoding="utf-8"?>
 <p:sld xmlns:a="http://schemas.openxmlformats.org/drawingml/2006/main" xmlns:r="http://schemas.openxmlformats.org/officeDocument/2006/relationships" xmlns:p="http://schemas.openxmlformats.org/presentationml/2006/main">
   <p:cSld>
     <p:spTree>
@@ -16603,10 +14415,10 @@
       </p:grpSpPr>
       <p:sp>
         <p:nvSpPr>
-          <p:cNvPr id="2" name="Title 1">
+          <p:cNvPr id="6" name="Slide Number">
             <a:extLst>
               <a:ext uri="{FF2B5EF4-FFF2-40B4-BE49-F238E27FC236}">
-                <a16:creationId xmlns:a16="http://schemas.microsoft.com/office/drawing/2014/main" id="{069B5492-7901-AD4A-A3E3-C3660B01056A}"/>
+                <a16:creationId xmlns:a16="http://schemas.microsoft.com/office/drawing/2014/main" id="{A84C6658-392F-6A4D-984C-531AB221C723}"/>
               </a:ext>
             </a:extLst>
           </p:cNvPr>
@@ -16614,7 +14426,7 @@
             <a:spLocks noGrp="1"/>
           </p:cNvSpPr>
           <p:nvPr>
-            <p:ph type="title"/>
+            <p:ph type="sldNum" sz="quarter" idx="12"/>
           </p:nvPr>
         </p:nvSpPr>
         <p:spPr/>
@@ -16622,54 +14434,122 @@
           <a:bodyPr/>
           <a:lstStyle/>
           <a:p>
-            <a:r>
-              <a:rPr lang="en-US" dirty="0"/>
-              <a:t>Tree Search Take 2: Binary Search Tree</a:t>
-            </a:r>
-          </a:p>
-        </p:txBody>
-      </p:sp>
-      <p:sp>
-        <p:nvSpPr>
-          <p:cNvPr id="3" name="Content Placeholder 2">
+            <a:pPr defTabSz="377922">
+              <a:defRPr/>
+            </a:pPr>
+            <a:fld id="{8A7A6979-0714-4377-B894-6BE4C2D6E202}" type="slidenum">
+              <a:rPr lang="en-US">
+                <a:solidFill>
+                  <a:srgbClr val="FFFFFF"/>
+                </a:solidFill>
+              </a:rPr>
+              <a:pPr defTabSz="377922">
+                <a:defRPr/>
+              </a:pPr>
+              <a:t>16</a:t>
+            </a:fld>
+            <a:endParaRPr lang="en-US">
+              <a:solidFill>
+                <a:srgbClr val="FFFFFF"/>
+              </a:solidFill>
+            </a:endParaRPr>
+          </a:p>
+        </p:txBody>
+      </p:sp>
+      <p:sp>
+        <p:nvSpPr>
+          <p:cNvPr id="4" name="Title 1">
             <a:extLst>
               <a:ext uri="{FF2B5EF4-FFF2-40B4-BE49-F238E27FC236}">
-                <a16:creationId xmlns:a16="http://schemas.microsoft.com/office/drawing/2014/main" id="{BE8BCB22-8A89-BF4C-BAD0-7A771C44B9DE}"/>
+                <a16:creationId xmlns:a16="http://schemas.microsoft.com/office/drawing/2014/main" id="{845E174E-D032-44D5-9B3B-60F9C54B9084}"/>
               </a:ext>
             </a:extLst>
           </p:cNvPr>
-          <p:cNvSpPr>
-            <a:spLocks noGrp="1"/>
-          </p:cNvSpPr>
-          <p:nvPr>
-            <p:ph idx="1"/>
-          </p:nvPr>
-        </p:nvSpPr>
-        <p:spPr/>
-        <p:txBody>
-          <a:bodyPr/>
-          <a:lstStyle/>
-          <a:p>
-            <a:r>
-              <a:rPr lang="en-US" dirty="0"/>
-              <a:t>Search Tree Property</a:t>
-            </a:r>
-          </a:p>
-          <a:p>
-            <a:pPr lvl="1"/>
-            <a:r>
-              <a:rPr lang="en-US" dirty="0"/>
-              <a:t>left &lt; root &lt; right</a:t>
-            </a:r>
-          </a:p>
-        </p:txBody>
-      </p:sp>
-      <p:sp>
-        <p:nvSpPr>
-          <p:cNvPr id="4" name="Footer Placeholder 3">
+          <p:cNvSpPr txBox="1">
+            <a:spLocks/>
+          </p:cNvSpPr>
+          <p:nvPr/>
+        </p:nvSpPr>
+        <p:spPr bwMode="blackWhite">
+          <a:xfrm>
+            <a:off x="505293" y="1533558"/>
+            <a:ext cx="8731166" cy="2060949"/>
+          </a:xfrm>
+          <a:prstGeom prst="rect">
+            <a:avLst/>
+          </a:prstGeom>
+          <a:noFill/>
+          <a:ln w="38100" cap="sq">
+            <a:noFill/>
+            <a:miter lim="800000"/>
+          </a:ln>
+        </p:spPr>
+        <p:txBody>
+          <a:bodyPr vert="horz" wrap="square" lIns="0" tIns="0" rIns="0" bIns="0" rtlCol="0" anchor="t" anchorCtr="0">
+            <a:spAutoFit/>
+          </a:bodyPr>
+          <a:lstStyle>
+            <a:lvl1pPr algn="ctr" defTabSz="914400" rtl="0" eaLnBrk="1" latinLnBrk="0" hangingPunct="1">
+              <a:lnSpc>
+                <a:spcPct val="90000"/>
+              </a:lnSpc>
+              <a:spcBef>
+                <a:spcPct val="0"/>
+              </a:spcBef>
+              <a:buNone/>
+              <a:defRPr sz="8600" b="0" i="0" kern="1200" cap="none" spc="300" baseline="0">
+                <a:solidFill>
+                  <a:schemeClr val="accent2"/>
+                </a:solidFill>
+                <a:latin typeface="United Sans Cond Medium" pitchFamily="2" charset="77"/>
+                <a:ea typeface="+mj-ea"/>
+                <a:cs typeface="+mj-cs"/>
+              </a:defRPr>
+            </a:lvl1pPr>
+          </a:lstStyle>
+          <a:p>
+            <a:pPr defTabSz="755843">
+              <a:defRPr/>
+            </a:pPr>
+            <a:r>
+              <a:rPr lang="en-US" sz="4960" b="1" spc="248">
+                <a:solidFill>
+                  <a:srgbClr val="002060"/>
+                </a:solidFill>
+                <a:latin typeface="Acumin Pro ExtraCondensed" panose="020B0604020202020204" charset="0"/>
+                <a:cs typeface="United Sans Cond Medium" panose="020B0604020202020204" charset="0"/>
+              </a:rPr>
+              <a:t>Please submit your reflections by using the </a:t>
+            </a:r>
+            <a:r>
+              <a:rPr lang="en-US" sz="4960" b="1" spc="248" err="1">
+                <a:solidFill>
+                  <a:srgbClr val="002060"/>
+                </a:solidFill>
+                <a:latin typeface="Acumin Pro ExtraCondensed" panose="020B0604020202020204" charset="0"/>
+                <a:cs typeface="United Sans Cond Medium" panose="020B0604020202020204" charset="0"/>
+              </a:rPr>
+              <a:t>CourseMIRROR</a:t>
+            </a:r>
+            <a:r>
+              <a:rPr lang="en-US" sz="4960" b="1" spc="248">
+                <a:solidFill>
+                  <a:srgbClr val="002060"/>
+                </a:solidFill>
+                <a:latin typeface="Acumin Pro ExtraCondensed" panose="020B0604020202020204" charset="0"/>
+                <a:cs typeface="United Sans Cond Medium" panose="020B0604020202020204" charset="0"/>
+              </a:rPr>
+              <a:t> App</a:t>
+            </a:r>
+          </a:p>
+        </p:txBody>
+      </p:sp>
+      <p:sp>
+        <p:nvSpPr>
+          <p:cNvPr id="5" name="Date Placeholder 3">
             <a:extLst>
               <a:ext uri="{FF2B5EF4-FFF2-40B4-BE49-F238E27FC236}">
-                <a16:creationId xmlns:a16="http://schemas.microsoft.com/office/drawing/2014/main" id="{7A2064B8-9DED-1143-8154-39B5A61D690D}"/>
+                <a16:creationId xmlns:a16="http://schemas.microsoft.com/office/drawing/2014/main" id="{6C566CCB-EA83-4CF7-9EDD-EAD8BA08143B}"/>
               </a:ext>
             </a:extLst>
           </p:cNvPr>
@@ -16677,61 +14557,140 @@
             <a:spLocks noGrp="1"/>
           </p:cNvSpPr>
           <p:nvPr>
-            <p:ph type="ftr" idx="11"/>
-          </p:nvPr>
-        </p:nvSpPr>
-        <p:spPr/>
+            <p:ph type="dt" sz="half" idx="10"/>
+          </p:nvPr>
+        </p:nvSpPr>
+        <p:spPr>
+          <a:xfrm>
+            <a:off x="8292304" y="6073629"/>
+            <a:ext cx="944155" cy="267780"/>
+          </a:xfrm>
+        </p:spPr>
         <p:txBody>
           <a:bodyPr/>
           <a:lstStyle/>
           <a:p>
-            <a:pPr>
+            <a:pPr defTabSz="377922">
               <a:defRPr/>
             </a:pPr>
-            <a:r>
+            <a:fld id="{049DC8E1-D369-0F48-9062-BB068AFD07CE}" type="datetime1">
               <a:rPr lang="en-US">
-                <a:latin typeface="+mn-lt"/>
+                <a:solidFill>
+                  <a:srgbClr val="FFFFFF">
+                    <a:alpha val="70000"/>
+                  </a:srgbClr>
+                </a:solidFill>
               </a:rPr>
-              <a:t>CS 1501 – Algorithms &amp; Data Structures 2 – Sherif Khattab</a:t>
-            </a:r>
-            <a:endParaRPr lang="en-GB"/>
-          </a:p>
-        </p:txBody>
-      </p:sp>
-      <p:sp>
-        <p:nvSpPr>
-          <p:cNvPr id="5" name="Slide Number Placeholder 4">
+              <a:pPr defTabSz="377922">
+                <a:defRPr/>
+              </a:pPr>
+              <a:t>1/26/22</a:t>
+            </a:fld>
+            <a:endParaRPr lang="en-US">
+              <a:solidFill>
+                <a:srgbClr val="FFFFFF">
+                  <a:alpha val="70000"/>
+                </a:srgbClr>
+              </a:solidFill>
+            </a:endParaRPr>
+          </a:p>
+        </p:txBody>
+      </p:sp>
+      <p:sp>
+        <p:nvSpPr>
+          <p:cNvPr id="2" name="TextBox 1">
             <a:extLst>
               <a:ext uri="{FF2B5EF4-FFF2-40B4-BE49-F238E27FC236}">
-                <a16:creationId xmlns:a16="http://schemas.microsoft.com/office/drawing/2014/main" id="{CF76AAD5-EA56-B646-8F1B-B30D4D7BF1B9}"/>
+                <a16:creationId xmlns:a16="http://schemas.microsoft.com/office/drawing/2014/main" id="{1F35FF62-3694-9144-A69E-A1580D1534C9}"/>
               </a:ext>
             </a:extLst>
           </p:cNvPr>
-          <p:cNvSpPr>
-            <a:spLocks noGrp="1"/>
-          </p:cNvSpPr>
-          <p:nvPr>
-            <p:ph type="sldNum" idx="12"/>
-          </p:nvPr>
-        </p:nvSpPr>
-        <p:spPr/>
-        <p:txBody>
-          <a:bodyPr/>
+          <p:cNvSpPr txBox="1"/>
+          <p:nvPr/>
+        </p:nvSpPr>
+        <p:spPr>
+          <a:xfrm>
+            <a:off x="1157123" y="4632545"/>
+            <a:ext cx="7557758" cy="652230"/>
+          </a:xfrm>
+          <a:prstGeom prst="rect">
+            <a:avLst/>
+          </a:prstGeom>
+          <a:noFill/>
+        </p:spPr>
+        <p:txBody>
+          <a:bodyPr wrap="square" rtlCol="0">
+            <a:spAutoFit/>
+          </a:bodyPr>
           <a:lstStyle/>
           <a:p>
-            <a:fld id="{65E435D9-63B0-4660-8D04-E83F5E2CA2AE}" type="slidenum">
-              <a:rPr lang="en-GB" altLang="en-US" smtClean="0"/>
-              <a:pPr/>
-              <a:t>19</a:t>
-            </a:fld>
-            <a:endParaRPr lang="en-GB" altLang="en-US"/>
+            <a:pPr defTabSz="377922">
+              <a:defRPr/>
+            </a:pPr>
+            <a:r>
+              <a:rPr lang="en-US" sz="1819" b="1">
+                <a:solidFill>
+                  <a:srgbClr val="000000"/>
+                </a:solidFill>
+                <a:latin typeface="Times New Roman" panose="02020603050405020304" pitchFamily="18" charset="0"/>
+                <a:cs typeface="Times New Roman" panose="02020603050405020304" pitchFamily="18" charset="0"/>
+              </a:rPr>
+              <a:t>If you are having a problem with </a:t>
+            </a:r>
+            <a:r>
+              <a:rPr lang="en-US" sz="1819" b="1" err="1">
+                <a:solidFill>
+                  <a:srgbClr val="000000"/>
+                </a:solidFill>
+                <a:latin typeface="Times New Roman" panose="02020603050405020304" pitchFamily="18" charset="0"/>
+                <a:cs typeface="Times New Roman" panose="02020603050405020304" pitchFamily="18" charset="0"/>
+              </a:rPr>
+              <a:t>CourseMIRROR</a:t>
+            </a:r>
+            <a:r>
+              <a:rPr lang="en-US" sz="1819" b="1">
+                <a:solidFill>
+                  <a:srgbClr val="000000"/>
+                </a:solidFill>
+                <a:latin typeface="Times New Roman" panose="02020603050405020304" pitchFamily="18" charset="0"/>
+                <a:cs typeface="Times New Roman" panose="02020603050405020304" pitchFamily="18" charset="0"/>
+              </a:rPr>
+              <a:t>, please send an email to </a:t>
+            </a:r>
+            <a:r>
+              <a:rPr lang="en-US" sz="1819" b="1">
+                <a:solidFill>
+                  <a:srgbClr val="0000FF"/>
+                </a:solidFill>
+                <a:latin typeface="Times New Roman" panose="02020603050405020304" pitchFamily="18" charset="0"/>
+                <a:cs typeface="Times New Roman" panose="02020603050405020304" pitchFamily="18" charset="0"/>
+                <a:hlinkClick r:id="rId3">
+                  <a:extLst>
+                    <a:ext uri="{A12FA001-AC4F-418D-AE19-62706E023703}">
+                      <ahyp:hlinkClr xmlns:ahyp="http://schemas.microsoft.com/office/drawing/2018/hyperlinkcolor" val="tx"/>
+                    </a:ext>
+                  </a:extLst>
+                </a:hlinkClick>
+              </a:rPr>
+              <a:t>coursemirror.development@gmail.com</a:t>
+            </a:r>
+            <a:r>
+              <a:rPr lang="en-US" sz="1819" b="1">
+                <a:solidFill>
+                  <a:srgbClr val="0000FF"/>
+                </a:solidFill>
+                <a:latin typeface="Times New Roman" panose="02020603050405020304" pitchFamily="18" charset="0"/>
+                <a:cs typeface="Times New Roman" panose="02020603050405020304" pitchFamily="18" charset="0"/>
+              </a:rPr>
+              <a:t> </a:t>
+            </a:r>
           </a:p>
         </p:txBody>
       </p:sp>
     </p:spTree>
     <p:extLst>
       <p:ext uri="{BB962C8B-B14F-4D97-AF65-F5344CB8AC3E}">
-        <p14:creationId xmlns:p14="http://schemas.microsoft.com/office/powerpoint/2010/main" val="671181895"/>
+        <p14:creationId xmlns:p14="http://schemas.microsoft.com/office/powerpoint/2010/main" val="737806260"/>
       </p:ext>
     </p:extLst>
   </p:cSld>
@@ -17285,1510 +15244,6 @@
       </p:par>
     </p:tnLst>
   </p:timing>
-</p:sld>
-</file>
-
-<file path=ppt/slides/slide20.xml><?xml version="1.0" encoding="utf-8"?>
-<p:sld xmlns:a="http://schemas.openxmlformats.org/drawingml/2006/main" xmlns:r="http://schemas.openxmlformats.org/officeDocument/2006/relationships" xmlns:p="http://schemas.openxmlformats.org/presentationml/2006/main">
-  <p:cSld>
-    <p:spTree>
-      <p:nvGrpSpPr>
-        <p:cNvPr id="1" name=""/>
-        <p:cNvGrpSpPr/>
-        <p:nvPr/>
-      </p:nvGrpSpPr>
-      <p:grpSpPr>
-        <a:xfrm>
-          <a:off x="0" y="0"/>
-          <a:ext cx="0" cy="0"/>
-          <a:chOff x="0" y="0"/>
-          <a:chExt cx="0" cy="0"/>
-        </a:xfrm>
-      </p:grpSpPr>
-      <p:sp>
-        <p:nvSpPr>
-          <p:cNvPr id="2" name="Title 1">
-            <a:extLst>
-              <a:ext uri="{FF2B5EF4-FFF2-40B4-BE49-F238E27FC236}">
-                <a16:creationId xmlns:a16="http://schemas.microsoft.com/office/drawing/2014/main" id="{F8C38C92-9798-42DA-A083-C24A2C9B5537}"/>
-              </a:ext>
-            </a:extLst>
-          </p:cNvPr>
-          <p:cNvSpPr>
-            <a:spLocks noGrp="1"/>
-          </p:cNvSpPr>
-          <p:nvPr>
-            <p:ph type="title"/>
-          </p:nvPr>
-        </p:nvSpPr>
-        <p:spPr/>
-        <p:txBody>
-          <a:bodyPr/>
-          <a:lstStyle/>
-          <a:p>
-            <a:r>
-              <a:rPr lang="en-US"/>
-              <a:t>BSTs with varying heights</a:t>
-            </a:r>
-          </a:p>
-        </p:txBody>
-      </p:sp>
-      <p:sp>
-        <p:nvSpPr>
-          <p:cNvPr id="3" name="Content Placeholder 2">
-            <a:extLst>
-              <a:ext uri="{FF2B5EF4-FFF2-40B4-BE49-F238E27FC236}">
-                <a16:creationId xmlns:a16="http://schemas.microsoft.com/office/drawing/2014/main" id="{9F4092E2-AFA0-44C5-8D49-1C1556A5A933}"/>
-              </a:ext>
-            </a:extLst>
-          </p:cNvPr>
-          <p:cNvSpPr>
-            <a:spLocks noGrp="1"/>
-          </p:cNvSpPr>
-          <p:nvPr>
-            <p:ph idx="1"/>
-          </p:nvPr>
-        </p:nvSpPr>
-        <p:spPr/>
-        <p:txBody>
-          <a:bodyPr/>
-          <a:lstStyle/>
-          <a:p>
-            <a:endParaRPr lang="en-US"/>
-          </a:p>
-        </p:txBody>
-      </p:sp>
-      <p:sp>
-        <p:nvSpPr>
-          <p:cNvPr id="4" name="Footer Placeholder 3">
-            <a:extLst>
-              <a:ext uri="{FF2B5EF4-FFF2-40B4-BE49-F238E27FC236}">
-                <a16:creationId xmlns:a16="http://schemas.microsoft.com/office/drawing/2014/main" id="{FD599C8D-9747-4909-8F2F-B0DA1EC7D77D}"/>
-              </a:ext>
-            </a:extLst>
-          </p:cNvPr>
-          <p:cNvSpPr>
-            <a:spLocks noGrp="1"/>
-          </p:cNvSpPr>
-          <p:nvPr>
-            <p:ph type="ftr" idx="11"/>
-          </p:nvPr>
-        </p:nvSpPr>
-        <p:spPr/>
-        <p:txBody>
-          <a:bodyPr/>
-          <a:lstStyle/>
-          <a:p>
-            <a:pPr marL="0" marR="0" lvl="0" indent="0" algn="ctr" defTabSz="914400" rtl="0" eaLnBrk="1" fontAlgn="auto" latinLnBrk="0" hangingPunct="1">
-              <a:lnSpc>
-                <a:spcPct val="96000"/>
-              </a:lnSpc>
-              <a:spcBef>
-                <a:spcPts val="0"/>
-              </a:spcBef>
-              <a:spcAft>
-                <a:spcPts val="0"/>
-              </a:spcAft>
-              <a:buClrTx/>
-              <a:buSzTx/>
-              <a:buFont typeface="Times New Roman" pitchFamily="16" charset="0"/>
-              <a:buNone/>
-              <a:tabLst>
-                <a:tab pos="0" algn="l"/>
-                <a:tab pos="457436" algn="l"/>
-                <a:tab pos="914872" algn="l"/>
-                <a:tab pos="1372308" algn="l"/>
-                <a:tab pos="1829742" algn="l"/>
-                <a:tab pos="2287178" algn="l"/>
-                <a:tab pos="2744615" algn="l"/>
-                <a:tab pos="3202050" algn="l"/>
-                <a:tab pos="3659486" algn="l"/>
-                <a:tab pos="4116923" algn="l"/>
-                <a:tab pos="4574357" algn="l"/>
-                <a:tab pos="5031793" algn="l"/>
-                <a:tab pos="5489228" algn="l"/>
-                <a:tab pos="5946665" algn="l"/>
-                <a:tab pos="6404101" algn="l"/>
-                <a:tab pos="6861536" algn="l"/>
-                <a:tab pos="7318971" algn="l"/>
-                <a:tab pos="7776408" algn="l"/>
-                <a:tab pos="8233843" algn="l"/>
-                <a:tab pos="8691279" algn="l"/>
-                <a:tab pos="9148715" algn="l"/>
-              </a:tabLst>
-              <a:defRPr/>
-            </a:pPr>
-            <a:r>
-              <a:rPr kumimoji="0" lang="en-US" sz="1401" b="0" i="0" u="none" strike="noStrike" kern="1200" cap="none" spc="0" normalizeH="0" baseline="0" noProof="0">
-                <a:ln>
-                  <a:noFill/>
-                </a:ln>
-                <a:solidFill>
-                  <a:srgbClr val="000000"/>
-                </a:solidFill>
-                <a:effectLst/>
-                <a:uLnTx/>
-                <a:uFillTx/>
-                <a:latin typeface="Arial"/>
-                <a:ea typeface="+mn-ea"/>
-                <a:cs typeface="Arial" charset="0"/>
-              </a:rPr>
-              <a:t>CS 1501 – Algorithms &amp; Data Structures 2 – Sherif Khattab</a:t>
-            </a:r>
-            <a:endParaRPr kumimoji="0" lang="en-GB" sz="1401" b="0" i="0" u="none" strike="noStrike" kern="1200" cap="none" spc="0" normalizeH="0" baseline="0" noProof="0">
-              <a:ln>
-                <a:noFill/>
-              </a:ln>
-              <a:solidFill>
-                <a:srgbClr val="000000"/>
-              </a:solidFill>
-              <a:effectLst/>
-              <a:uLnTx/>
-              <a:uFillTx/>
-              <a:latin typeface="Times New Roman" pitchFamily="16" charset="0"/>
-              <a:ea typeface="+mn-ea"/>
-              <a:cs typeface="Arial" charset="0"/>
-            </a:endParaRPr>
-          </a:p>
-        </p:txBody>
-      </p:sp>
-      <p:sp>
-        <p:nvSpPr>
-          <p:cNvPr id="5" name="Slide Number Placeholder 4">
-            <a:extLst>
-              <a:ext uri="{FF2B5EF4-FFF2-40B4-BE49-F238E27FC236}">
-                <a16:creationId xmlns:a16="http://schemas.microsoft.com/office/drawing/2014/main" id="{180419D4-7ED8-453A-92B4-BF142E5D5459}"/>
-              </a:ext>
-            </a:extLst>
-          </p:cNvPr>
-          <p:cNvSpPr>
-            <a:spLocks noGrp="1"/>
-          </p:cNvSpPr>
-          <p:nvPr>
-            <p:ph type="sldNum" idx="12"/>
-          </p:nvPr>
-        </p:nvSpPr>
-        <p:spPr/>
-        <p:txBody>
-          <a:bodyPr/>
-          <a:lstStyle/>
-          <a:p>
-            <a:pPr marL="0" marR="0" lvl="0" indent="0" algn="r" defTabSz="914400" rtl="0" eaLnBrk="1" fontAlgn="auto" latinLnBrk="0" hangingPunct="1">
-              <a:lnSpc>
-                <a:spcPct val="96000"/>
-              </a:lnSpc>
-              <a:spcBef>
-                <a:spcPts val="0"/>
-              </a:spcBef>
-              <a:spcAft>
-                <a:spcPts val="0"/>
-              </a:spcAft>
-              <a:buClrTx/>
-              <a:buSzTx/>
-              <a:buFontTx/>
-              <a:buNone/>
-              <a:tabLst/>
-              <a:defRPr/>
-            </a:pPr>
-            <a:fld id="{65E435D9-63B0-4660-8D04-E83F5E2CA2AE}" type="slidenum">
-              <a:rPr kumimoji="0" lang="en-GB" altLang="en-US" sz="1401" b="0" i="0" u="none" strike="noStrike" kern="1200" cap="none" spc="0" normalizeH="0" baseline="0" noProof="0" smtClean="0">
-                <a:ln>
-                  <a:noFill/>
-                </a:ln>
-                <a:solidFill>
-                  <a:srgbClr val="000000"/>
-                </a:solidFill>
-                <a:effectLst/>
-                <a:uLnTx/>
-                <a:uFillTx/>
-                <a:latin typeface="Times New Roman" panose="02020603050405020304" pitchFamily="18" charset="0"/>
-                <a:ea typeface="+mn-ea"/>
-                <a:cs typeface="Arial"/>
-              </a:rPr>
-              <a:pPr marL="0" marR="0" lvl="0" indent="0" algn="r" defTabSz="914400" rtl="0" eaLnBrk="1" fontAlgn="auto" latinLnBrk="0" hangingPunct="1">
-                <a:lnSpc>
-                  <a:spcPct val="96000"/>
-                </a:lnSpc>
-                <a:spcBef>
-                  <a:spcPts val="0"/>
-                </a:spcBef>
-                <a:spcAft>
-                  <a:spcPts val="0"/>
-                </a:spcAft>
-                <a:buClrTx/>
-                <a:buSzTx/>
-                <a:buFontTx/>
-                <a:buNone/>
-                <a:tabLst/>
-                <a:defRPr/>
-              </a:pPr>
-              <a:t>20</a:t>
-            </a:fld>
-            <a:endParaRPr kumimoji="0" lang="en-GB" altLang="en-US" sz="1401" b="0" i="0" u="none" strike="noStrike" kern="1200" cap="none" spc="0" normalizeH="0" baseline="0" noProof="0">
-              <a:ln>
-                <a:noFill/>
-              </a:ln>
-              <a:solidFill>
-                <a:srgbClr val="000000"/>
-              </a:solidFill>
-              <a:effectLst/>
-              <a:uLnTx/>
-              <a:uFillTx/>
-              <a:latin typeface="Times New Roman" panose="02020603050405020304" pitchFamily="18" charset="0"/>
-              <a:ea typeface="+mn-ea"/>
-              <a:cs typeface="Arial"/>
-            </a:endParaRPr>
-          </a:p>
-        </p:txBody>
-      </p:sp>
-      <p:pic>
-        <p:nvPicPr>
-          <p:cNvPr id="7" name="Picture 6">
-            <a:extLst>
-              <a:ext uri="{FF2B5EF4-FFF2-40B4-BE49-F238E27FC236}">
-                <a16:creationId xmlns:a16="http://schemas.microsoft.com/office/drawing/2014/main" id="{A1A214CE-6882-4472-AC79-5B2AF6B68305}"/>
-              </a:ext>
-            </a:extLst>
-          </p:cNvPr>
-          <p:cNvPicPr>
-            <a:picLocks noChangeAspect="1"/>
-          </p:cNvPicPr>
-          <p:nvPr/>
-        </p:nvPicPr>
-        <p:blipFill>
-          <a:blip r:embed="rId2"/>
-          <a:stretch>
-            <a:fillRect/>
-          </a:stretch>
-        </p:blipFill>
-        <p:spPr>
-          <a:xfrm>
-            <a:off x="1077864" y="1318727"/>
-            <a:ext cx="8358884" cy="5573704"/>
-          </a:xfrm>
-          <a:prstGeom prst="rect">
-            <a:avLst/>
-          </a:prstGeom>
-        </p:spPr>
-      </p:pic>
-    </p:spTree>
-    <p:extLst>
-      <p:ext uri="{BB962C8B-B14F-4D97-AF65-F5344CB8AC3E}">
-        <p14:creationId xmlns:p14="http://schemas.microsoft.com/office/powerpoint/2010/main" val="972574410"/>
-      </p:ext>
-    </p:extLst>
-  </p:cSld>
-  <p:clrMapOvr>
-    <a:masterClrMapping/>
-  </p:clrMapOvr>
-</p:sld>
-</file>
-
-<file path=ppt/slides/slide21.xml><?xml version="1.0" encoding="utf-8"?>
-<p:sld xmlns:a="http://schemas.openxmlformats.org/drawingml/2006/main" xmlns:r="http://schemas.openxmlformats.org/officeDocument/2006/relationships" xmlns:p="http://schemas.openxmlformats.org/presentationml/2006/main">
-  <p:cSld>
-    <p:spTree>
-      <p:nvGrpSpPr>
-        <p:cNvPr id="1" name=""/>
-        <p:cNvGrpSpPr/>
-        <p:nvPr/>
-      </p:nvGrpSpPr>
-      <p:grpSpPr>
-        <a:xfrm>
-          <a:off x="0" y="0"/>
-          <a:ext cx="0" cy="0"/>
-          <a:chOff x="0" y="0"/>
-          <a:chExt cx="0" cy="0"/>
-        </a:xfrm>
-      </p:grpSpPr>
-      <p:sp>
-        <p:nvSpPr>
-          <p:cNvPr id="2" name="Title 1">
-            <a:extLst>
-              <a:ext uri="{FF2B5EF4-FFF2-40B4-BE49-F238E27FC236}">
-                <a16:creationId xmlns:a16="http://schemas.microsoft.com/office/drawing/2014/main" id="{9C19357A-79CF-4420-98D2-CCC8A3C7BA47}"/>
-              </a:ext>
-            </a:extLst>
-          </p:cNvPr>
-          <p:cNvSpPr>
-            <a:spLocks noGrp="1"/>
-          </p:cNvSpPr>
-          <p:nvPr>
-            <p:ph type="title"/>
-          </p:nvPr>
-        </p:nvSpPr>
-        <p:spPr/>
-        <p:txBody>
-          <a:bodyPr/>
-          <a:lstStyle/>
-          <a:p>
-            <a:r>
-              <a:rPr lang="en-US"/>
-              <a:t>Searching in and insertion to a BST</a:t>
-            </a:r>
-          </a:p>
-        </p:txBody>
-      </p:sp>
-      <p:sp>
-        <p:nvSpPr>
-          <p:cNvPr id="3" name="Content Placeholder 2">
-            <a:extLst>
-              <a:ext uri="{FF2B5EF4-FFF2-40B4-BE49-F238E27FC236}">
-                <a16:creationId xmlns:a16="http://schemas.microsoft.com/office/drawing/2014/main" id="{F227D5D5-689D-4CF2-BC51-C8F4CBF095B7}"/>
-              </a:ext>
-            </a:extLst>
-          </p:cNvPr>
-          <p:cNvSpPr>
-            <a:spLocks noGrp="1"/>
-          </p:cNvSpPr>
-          <p:nvPr>
-            <p:ph idx="1"/>
-          </p:nvPr>
-        </p:nvSpPr>
-        <p:spPr/>
-        <p:txBody>
-          <a:bodyPr/>
-          <a:lstStyle/>
-          <a:p>
-            <a:endParaRPr lang="en-US"/>
-          </a:p>
-        </p:txBody>
-      </p:sp>
-      <p:sp>
-        <p:nvSpPr>
-          <p:cNvPr id="4" name="Footer Placeholder 3">
-            <a:extLst>
-              <a:ext uri="{FF2B5EF4-FFF2-40B4-BE49-F238E27FC236}">
-                <a16:creationId xmlns:a16="http://schemas.microsoft.com/office/drawing/2014/main" id="{BE9F2757-701C-4D5F-9C3B-D98BEE126DE6}"/>
-              </a:ext>
-            </a:extLst>
-          </p:cNvPr>
-          <p:cNvSpPr>
-            <a:spLocks noGrp="1"/>
-          </p:cNvSpPr>
-          <p:nvPr>
-            <p:ph type="ftr" idx="11"/>
-          </p:nvPr>
-        </p:nvSpPr>
-        <p:spPr/>
-        <p:txBody>
-          <a:bodyPr/>
-          <a:lstStyle/>
-          <a:p>
-            <a:pPr marL="0" marR="0" lvl="0" indent="0" algn="ctr" defTabSz="914400" rtl="0" eaLnBrk="1" fontAlgn="auto" latinLnBrk="0" hangingPunct="1">
-              <a:lnSpc>
-                <a:spcPct val="96000"/>
-              </a:lnSpc>
-              <a:spcBef>
-                <a:spcPts val="0"/>
-              </a:spcBef>
-              <a:spcAft>
-                <a:spcPts val="0"/>
-              </a:spcAft>
-              <a:buClrTx/>
-              <a:buSzTx/>
-              <a:buFont typeface="Times New Roman" pitchFamily="16" charset="0"/>
-              <a:buNone/>
-              <a:tabLst>
-                <a:tab pos="0" algn="l"/>
-                <a:tab pos="457063" algn="l"/>
-                <a:tab pos="914126" algn="l"/>
-                <a:tab pos="1371189" algn="l"/>
-                <a:tab pos="1828251" algn="l"/>
-                <a:tab pos="2285314" algn="l"/>
-                <a:tab pos="2742377" algn="l"/>
-                <a:tab pos="3199440" algn="l"/>
-                <a:tab pos="3656503" algn="l"/>
-                <a:tab pos="4113566" algn="l"/>
-                <a:tab pos="4570628" algn="l"/>
-                <a:tab pos="5027691" algn="l"/>
-                <a:tab pos="5484754" algn="l"/>
-                <a:tab pos="5941817" algn="l"/>
-                <a:tab pos="6398880" algn="l"/>
-                <a:tab pos="6855943" algn="l"/>
-                <a:tab pos="7313005" algn="l"/>
-                <a:tab pos="7770068" algn="l"/>
-                <a:tab pos="8227131" algn="l"/>
-                <a:tab pos="8684194" algn="l"/>
-                <a:tab pos="9141257" algn="l"/>
-              </a:tabLst>
-              <a:defRPr/>
-            </a:pPr>
-            <a:r>
-              <a:rPr kumimoji="0" lang="en-US" sz="1400" b="0" i="0" u="none" strike="noStrike" kern="1200" cap="none" spc="0" normalizeH="0" baseline="0" noProof="0">
-                <a:ln>
-                  <a:noFill/>
-                </a:ln>
-                <a:solidFill>
-                  <a:srgbClr val="000000"/>
-                </a:solidFill>
-                <a:effectLst/>
-                <a:uLnTx/>
-                <a:uFillTx/>
-                <a:latin typeface="Arial"/>
-                <a:ea typeface="+mn-ea"/>
-                <a:cs typeface="Arial" charset="0"/>
-              </a:rPr>
-              <a:t>CS 1501 – Algorithms &amp; Data Structures 2 – Sherif Khattab</a:t>
-            </a:r>
-            <a:endParaRPr kumimoji="0" lang="en-GB" sz="1400" b="0" i="0" u="none" strike="noStrike" kern="1200" cap="none" spc="0" normalizeH="0" baseline="0" noProof="0">
-              <a:ln>
-                <a:noFill/>
-              </a:ln>
-              <a:solidFill>
-                <a:srgbClr val="000000"/>
-              </a:solidFill>
-              <a:effectLst/>
-              <a:uLnTx/>
-              <a:uFillTx/>
-              <a:latin typeface="Times New Roman" pitchFamily="16" charset="0"/>
-              <a:ea typeface="+mn-ea"/>
-              <a:cs typeface="Arial" charset="0"/>
-            </a:endParaRPr>
-          </a:p>
-        </p:txBody>
-      </p:sp>
-      <p:sp>
-        <p:nvSpPr>
-          <p:cNvPr id="5" name="Slide Number Placeholder 4">
-            <a:extLst>
-              <a:ext uri="{FF2B5EF4-FFF2-40B4-BE49-F238E27FC236}">
-                <a16:creationId xmlns:a16="http://schemas.microsoft.com/office/drawing/2014/main" id="{FD7BE09A-4453-453B-85DA-D2784824128B}"/>
-              </a:ext>
-            </a:extLst>
-          </p:cNvPr>
-          <p:cNvSpPr>
-            <a:spLocks noGrp="1"/>
-          </p:cNvSpPr>
-          <p:nvPr>
-            <p:ph type="sldNum" idx="12"/>
-          </p:nvPr>
-        </p:nvSpPr>
-        <p:spPr/>
-        <p:txBody>
-          <a:bodyPr/>
-          <a:lstStyle/>
-          <a:p>
-            <a:pPr marL="0" marR="0" lvl="0" indent="0" algn="r" defTabSz="914400" rtl="0" eaLnBrk="1" fontAlgn="auto" latinLnBrk="0" hangingPunct="1">
-              <a:lnSpc>
-                <a:spcPct val="96000"/>
-              </a:lnSpc>
-              <a:spcBef>
-                <a:spcPts val="0"/>
-              </a:spcBef>
-              <a:spcAft>
-                <a:spcPts val="0"/>
-              </a:spcAft>
-              <a:buClrTx/>
-              <a:buSzTx/>
-              <a:buFontTx/>
-              <a:buNone/>
-              <a:tabLst/>
-              <a:defRPr/>
-            </a:pPr>
-            <a:fld id="{65E435D9-63B0-4660-8D04-E83F5E2CA2AE}" type="slidenum">
-              <a:rPr kumimoji="0" lang="en-GB" altLang="en-US" sz="1400" b="0" i="0" u="none" strike="noStrike" kern="1200" cap="none" spc="0" normalizeH="0" baseline="0" noProof="0" smtClean="0">
-                <a:ln>
-                  <a:noFill/>
-                </a:ln>
-                <a:solidFill>
-                  <a:srgbClr val="000000"/>
-                </a:solidFill>
-                <a:effectLst/>
-                <a:uLnTx/>
-                <a:uFillTx/>
-                <a:latin typeface="Times New Roman" panose="02020603050405020304" pitchFamily="18" charset="0"/>
-                <a:ea typeface="+mn-ea"/>
-                <a:cs typeface="Arial"/>
-              </a:rPr>
-              <a:pPr marL="0" marR="0" lvl="0" indent="0" algn="r" defTabSz="914400" rtl="0" eaLnBrk="1" fontAlgn="auto" latinLnBrk="0" hangingPunct="1">
-                <a:lnSpc>
-                  <a:spcPct val="96000"/>
-                </a:lnSpc>
-                <a:spcBef>
-                  <a:spcPts val="0"/>
-                </a:spcBef>
-                <a:spcAft>
-                  <a:spcPts val="0"/>
-                </a:spcAft>
-                <a:buClrTx/>
-                <a:buSzTx/>
-                <a:buFontTx/>
-                <a:buNone/>
-                <a:tabLst/>
-                <a:defRPr/>
-              </a:pPr>
-              <a:t>21</a:t>
-            </a:fld>
-            <a:endParaRPr kumimoji="0" lang="en-GB" altLang="en-US" sz="1400" b="0" i="0" u="none" strike="noStrike" kern="1200" cap="none" spc="0" normalizeH="0" baseline="0" noProof="0">
-              <a:ln>
-                <a:noFill/>
-              </a:ln>
-              <a:solidFill>
-                <a:srgbClr val="000000"/>
-              </a:solidFill>
-              <a:effectLst/>
-              <a:uLnTx/>
-              <a:uFillTx/>
-              <a:latin typeface="Times New Roman" panose="02020603050405020304" pitchFamily="18" charset="0"/>
-              <a:ea typeface="+mn-ea"/>
-              <a:cs typeface="Arial"/>
-            </a:endParaRPr>
-          </a:p>
-        </p:txBody>
-      </p:sp>
-      <p:pic>
-        <p:nvPicPr>
-          <p:cNvPr id="7" name="Picture 6">
-            <a:extLst>
-              <a:ext uri="{FF2B5EF4-FFF2-40B4-BE49-F238E27FC236}">
-                <a16:creationId xmlns:a16="http://schemas.microsoft.com/office/drawing/2014/main" id="{6E77D898-3D24-44AD-BE48-2575EE8B9021}"/>
-              </a:ext>
-            </a:extLst>
-          </p:cNvPr>
-          <p:cNvPicPr>
-            <a:picLocks noChangeAspect="1"/>
-          </p:cNvPicPr>
-          <p:nvPr/>
-        </p:nvPicPr>
-        <p:blipFill>
-          <a:blip r:embed="rId2"/>
-          <a:stretch>
-            <a:fillRect/>
-          </a:stretch>
-        </p:blipFill>
-        <p:spPr>
-          <a:xfrm>
-            <a:off x="1432371" y="1200539"/>
-            <a:ext cx="8079022" cy="5387092"/>
-          </a:xfrm>
-          <a:prstGeom prst="rect">
-            <a:avLst/>
-          </a:prstGeom>
-        </p:spPr>
-      </p:pic>
-    </p:spTree>
-    <p:extLst>
-      <p:ext uri="{BB962C8B-B14F-4D97-AF65-F5344CB8AC3E}">
-        <p14:creationId xmlns:p14="http://schemas.microsoft.com/office/powerpoint/2010/main" val="3409777137"/>
-      </p:ext>
-    </p:extLst>
-  </p:cSld>
-  <p:clrMapOvr>
-    <a:masterClrMapping/>
-  </p:clrMapOvr>
-</p:sld>
-</file>
-
-<file path=ppt/slides/slide22.xml><?xml version="1.0" encoding="utf-8"?>
-<p:sld xmlns:a="http://schemas.openxmlformats.org/drawingml/2006/main" xmlns:r="http://schemas.openxmlformats.org/officeDocument/2006/relationships" xmlns:p="http://schemas.openxmlformats.org/presentationml/2006/main">
-  <p:cSld>
-    <p:spTree>
-      <p:nvGrpSpPr>
-        <p:cNvPr id="1" name=""/>
-        <p:cNvGrpSpPr/>
-        <p:nvPr/>
-      </p:nvGrpSpPr>
-      <p:grpSpPr>
-        <a:xfrm>
-          <a:off x="0" y="0"/>
-          <a:ext cx="0" cy="0"/>
-          <a:chOff x="0" y="0"/>
-          <a:chExt cx="0" cy="0"/>
-        </a:xfrm>
-      </p:grpSpPr>
-      <p:sp>
-        <p:nvSpPr>
-          <p:cNvPr id="3" name="Title 2">
-            <a:extLst>
-              <a:ext uri="{FF2B5EF4-FFF2-40B4-BE49-F238E27FC236}">
-                <a16:creationId xmlns:a16="http://schemas.microsoft.com/office/drawing/2014/main" id="{F353DFE7-5E48-4678-88F9-249C85D9FB6B}"/>
-              </a:ext>
-            </a:extLst>
-          </p:cNvPr>
-          <p:cNvSpPr>
-            <a:spLocks noGrp="1"/>
-          </p:cNvSpPr>
-          <p:nvPr>
-            <p:ph type="title"/>
-          </p:nvPr>
-        </p:nvSpPr>
-        <p:spPr/>
-        <p:txBody>
-          <a:bodyPr/>
-          <a:lstStyle/>
-          <a:p>
-            <a:r>
-              <a:rPr lang="en-US" dirty="0"/>
-              <a:t>Tree Interface</a:t>
-            </a:r>
-          </a:p>
-        </p:txBody>
-      </p:sp>
-      <p:sp>
-        <p:nvSpPr>
-          <p:cNvPr id="8" name="Content Placeholder 7">
-            <a:extLst>
-              <a:ext uri="{FF2B5EF4-FFF2-40B4-BE49-F238E27FC236}">
-                <a16:creationId xmlns:a16="http://schemas.microsoft.com/office/drawing/2014/main" id="{9D6B6965-4F82-4738-80C4-F08AD114D3F6}"/>
-              </a:ext>
-            </a:extLst>
-          </p:cNvPr>
-          <p:cNvSpPr>
-            <a:spLocks noGrp="1"/>
-          </p:cNvSpPr>
-          <p:nvPr>
-            <p:ph idx="1"/>
-          </p:nvPr>
-        </p:nvSpPr>
-        <p:spPr/>
-        <p:txBody>
-          <a:bodyPr/>
-          <a:lstStyle/>
-          <a:p>
-            <a:endParaRPr lang="en-US"/>
-          </a:p>
-        </p:txBody>
-      </p:sp>
-      <p:sp>
-        <p:nvSpPr>
-          <p:cNvPr id="4" name="Slide Number Placeholder 3">
-            <a:extLst>
-              <a:ext uri="{FF2B5EF4-FFF2-40B4-BE49-F238E27FC236}">
-                <a16:creationId xmlns:a16="http://schemas.microsoft.com/office/drawing/2014/main" id="{DA4ADD44-E358-497D-A07F-D9946707740D}"/>
-              </a:ext>
-            </a:extLst>
-          </p:cNvPr>
-          <p:cNvSpPr>
-            <a:spLocks noGrp="1"/>
-          </p:cNvSpPr>
-          <p:nvPr>
-            <p:ph type="sldNum" idx="12"/>
-          </p:nvPr>
-        </p:nvSpPr>
-        <p:spPr/>
-        <p:txBody>
-          <a:bodyPr/>
-          <a:lstStyle/>
-          <a:p>
-            <a:pPr marL="0" marR="0" lvl="0" indent="0" algn="r" defTabSz="914400" rtl="0" eaLnBrk="1" fontAlgn="auto" latinLnBrk="0" hangingPunct="1">
-              <a:lnSpc>
-                <a:spcPct val="96000"/>
-              </a:lnSpc>
-              <a:spcBef>
-                <a:spcPts val="0"/>
-              </a:spcBef>
-              <a:spcAft>
-                <a:spcPts val="0"/>
-              </a:spcAft>
-              <a:buClrTx/>
-              <a:buSzTx/>
-              <a:buFontTx/>
-              <a:buNone/>
-              <a:tabLst/>
-              <a:defRPr/>
-            </a:pPr>
-            <a:fld id="{00000000-1234-1234-1234-123412341234}" type="slidenum">
-              <a:rPr kumimoji="0" lang="en" sz="1400" b="0" i="0" u="none" strike="noStrike" kern="1200" cap="none" spc="0" normalizeH="0" baseline="0" noProof="0" smtClean="0">
-                <a:ln>
-                  <a:noFill/>
-                </a:ln>
-                <a:solidFill>
-                  <a:srgbClr val="000000"/>
-                </a:solidFill>
-                <a:effectLst/>
-                <a:uLnTx/>
-                <a:uFillTx/>
-                <a:latin typeface="Times New Roman" panose="02020603050405020304" pitchFamily="18" charset="0"/>
-                <a:ea typeface="+mn-ea"/>
-                <a:cs typeface="Arial"/>
-              </a:rPr>
-              <a:pPr marL="0" marR="0" lvl="0" indent="0" algn="r" defTabSz="914400" rtl="0" eaLnBrk="1" fontAlgn="auto" latinLnBrk="0" hangingPunct="1">
-                <a:lnSpc>
-                  <a:spcPct val="96000"/>
-                </a:lnSpc>
-                <a:spcBef>
-                  <a:spcPts val="0"/>
-                </a:spcBef>
-                <a:spcAft>
-                  <a:spcPts val="0"/>
-                </a:spcAft>
-                <a:buClrTx/>
-                <a:buSzTx/>
-                <a:buFontTx/>
-                <a:buNone/>
-                <a:tabLst/>
-                <a:defRPr/>
-              </a:pPr>
-              <a:t>22</a:t>
-            </a:fld>
-            <a:endParaRPr kumimoji="0" lang="en" sz="1400" b="0" i="0" u="none" strike="noStrike" kern="1200" cap="none" spc="0" normalizeH="0" baseline="0" noProof="0">
-              <a:ln>
-                <a:noFill/>
-              </a:ln>
-              <a:solidFill>
-                <a:srgbClr val="000000"/>
-              </a:solidFill>
-              <a:effectLst/>
-              <a:uLnTx/>
-              <a:uFillTx/>
-              <a:latin typeface="Times New Roman" panose="02020603050405020304" pitchFamily="18" charset="0"/>
-              <a:ea typeface="+mn-ea"/>
-              <a:cs typeface="Arial"/>
-            </a:endParaRPr>
-          </a:p>
-        </p:txBody>
-      </p:sp>
-      <p:pic>
-        <p:nvPicPr>
-          <p:cNvPr id="6" name="Picture 5" descr="Text&#10;&#10;Description automatically generated">
-            <a:extLst>
-              <a:ext uri="{FF2B5EF4-FFF2-40B4-BE49-F238E27FC236}">
-                <a16:creationId xmlns:a16="http://schemas.microsoft.com/office/drawing/2014/main" id="{81EA26B8-8DD2-49AA-9483-A5CA3C75C6D7}"/>
-              </a:ext>
-            </a:extLst>
-          </p:cNvPr>
-          <p:cNvPicPr>
-            <a:picLocks noChangeAspect="1"/>
-          </p:cNvPicPr>
-          <p:nvPr/>
-        </p:nvPicPr>
-        <p:blipFill>
-          <a:blip r:embed="rId2"/>
-          <a:stretch>
-            <a:fillRect/>
-          </a:stretch>
-        </p:blipFill>
-        <p:spPr>
-          <a:xfrm>
-            <a:off x="19050" y="1952625"/>
-            <a:ext cx="10039350" cy="3657600"/>
-          </a:xfrm>
-          <a:prstGeom prst="rect">
-            <a:avLst/>
-          </a:prstGeom>
-        </p:spPr>
-      </p:pic>
-      <p:sp>
-        <p:nvSpPr>
-          <p:cNvPr id="9" name="Footer Placeholder 8">
-            <a:extLst>
-              <a:ext uri="{FF2B5EF4-FFF2-40B4-BE49-F238E27FC236}">
-                <a16:creationId xmlns:a16="http://schemas.microsoft.com/office/drawing/2014/main" id="{BB54C99C-B492-4E6B-9CC4-C61404F47E69}"/>
-              </a:ext>
-            </a:extLst>
-          </p:cNvPr>
-          <p:cNvSpPr>
-            <a:spLocks noGrp="1"/>
-          </p:cNvSpPr>
-          <p:nvPr>
-            <p:ph type="ftr" idx="11"/>
-          </p:nvPr>
-        </p:nvSpPr>
-        <p:spPr/>
-        <p:txBody>
-          <a:bodyPr/>
-          <a:lstStyle/>
-          <a:p>
-            <a:pPr marL="0" marR="0" lvl="0" indent="0" algn="ctr" defTabSz="914400" rtl="0" eaLnBrk="1" fontAlgn="auto" latinLnBrk="0" hangingPunct="1">
-              <a:lnSpc>
-                <a:spcPct val="96000"/>
-              </a:lnSpc>
-              <a:spcBef>
-                <a:spcPts val="0"/>
-              </a:spcBef>
-              <a:spcAft>
-                <a:spcPts val="0"/>
-              </a:spcAft>
-              <a:buClrTx/>
-              <a:buSzTx/>
-              <a:buFont typeface="Times New Roman" pitchFamily="16" charset="0"/>
-              <a:buNone/>
-              <a:tabLst>
-                <a:tab pos="0" algn="l"/>
-                <a:tab pos="457063" algn="l"/>
-                <a:tab pos="914126" algn="l"/>
-                <a:tab pos="1371189" algn="l"/>
-                <a:tab pos="1828251" algn="l"/>
-                <a:tab pos="2285314" algn="l"/>
-                <a:tab pos="2742377" algn="l"/>
-                <a:tab pos="3199440" algn="l"/>
-                <a:tab pos="3656503" algn="l"/>
-                <a:tab pos="4113566" algn="l"/>
-                <a:tab pos="4570628" algn="l"/>
-                <a:tab pos="5027691" algn="l"/>
-                <a:tab pos="5484754" algn="l"/>
-                <a:tab pos="5941817" algn="l"/>
-                <a:tab pos="6398880" algn="l"/>
-                <a:tab pos="6855943" algn="l"/>
-                <a:tab pos="7313005" algn="l"/>
-                <a:tab pos="7770068" algn="l"/>
-                <a:tab pos="8227131" algn="l"/>
-                <a:tab pos="8684194" algn="l"/>
-                <a:tab pos="9141257" algn="l"/>
-              </a:tabLst>
-              <a:defRPr/>
-            </a:pPr>
-            <a:r>
-              <a:rPr kumimoji="0" lang="en-US" sz="1400" b="0" i="0" u="none" strike="noStrike" kern="1200" cap="none" spc="0" normalizeH="0" baseline="0" noProof="0">
-                <a:ln>
-                  <a:noFill/>
-                </a:ln>
-                <a:solidFill>
-                  <a:srgbClr val="000000"/>
-                </a:solidFill>
-                <a:effectLst/>
-                <a:uLnTx/>
-                <a:uFillTx/>
-                <a:latin typeface="Arial"/>
-                <a:ea typeface="+mn-ea"/>
-                <a:cs typeface="Arial" charset="0"/>
-              </a:rPr>
-              <a:t>CS 1501 – Algorithms &amp; Data Structures 2 – Sherif Khattab</a:t>
-            </a:r>
-            <a:endParaRPr kumimoji="0" lang="en-GB" sz="1400" b="0" i="0" u="none" strike="noStrike" kern="1200" cap="none" spc="0" normalizeH="0" baseline="0" noProof="0">
-              <a:ln>
-                <a:noFill/>
-              </a:ln>
-              <a:solidFill>
-                <a:srgbClr val="000000"/>
-              </a:solidFill>
-              <a:effectLst/>
-              <a:uLnTx/>
-              <a:uFillTx/>
-              <a:latin typeface="Times New Roman" pitchFamily="16" charset="0"/>
-              <a:ea typeface="+mn-ea"/>
-              <a:cs typeface="Arial" charset="0"/>
-            </a:endParaRPr>
-          </a:p>
-        </p:txBody>
-      </p:sp>
-    </p:spTree>
-    <p:extLst>
-      <p:ext uri="{BB962C8B-B14F-4D97-AF65-F5344CB8AC3E}">
-        <p14:creationId xmlns:p14="http://schemas.microsoft.com/office/powerpoint/2010/main" val="551485046"/>
-      </p:ext>
-    </p:extLst>
-  </p:cSld>
-  <p:clrMapOvr>
-    <a:masterClrMapping/>
-  </p:clrMapOvr>
-</p:sld>
-</file>
-
-<file path=ppt/slides/slide23.xml><?xml version="1.0" encoding="utf-8"?>
-<p:sld xmlns:a="http://schemas.openxmlformats.org/drawingml/2006/main" xmlns:r="http://schemas.openxmlformats.org/officeDocument/2006/relationships" xmlns:p="http://schemas.openxmlformats.org/presentationml/2006/main">
-  <p:cSld>
-    <p:spTree>
-      <p:nvGrpSpPr>
-        <p:cNvPr id="1" name=""/>
-        <p:cNvGrpSpPr/>
-        <p:nvPr/>
-      </p:nvGrpSpPr>
-      <p:grpSpPr>
-        <a:xfrm>
-          <a:off x="0" y="0"/>
-          <a:ext cx="0" cy="0"/>
-          <a:chOff x="0" y="0"/>
-          <a:chExt cx="0" cy="0"/>
-        </a:xfrm>
-      </p:grpSpPr>
-      <p:sp>
-        <p:nvSpPr>
-          <p:cNvPr id="2" name="Title 1">
-            <a:extLst>
-              <a:ext uri="{FF2B5EF4-FFF2-40B4-BE49-F238E27FC236}">
-                <a16:creationId xmlns:a16="http://schemas.microsoft.com/office/drawing/2014/main" id="{BC3ADD74-EB95-47D3-9ED2-6D8DD55DD99C}"/>
-              </a:ext>
-            </a:extLst>
-          </p:cNvPr>
-          <p:cNvSpPr>
-            <a:spLocks noGrp="1"/>
-          </p:cNvSpPr>
-          <p:nvPr>
-            <p:ph type="title"/>
-          </p:nvPr>
-        </p:nvSpPr>
-        <p:spPr/>
-        <p:txBody>
-          <a:bodyPr/>
-          <a:lstStyle/>
-          <a:p>
-            <a:r>
-              <a:rPr lang="en-US"/>
-              <a:t>Code Walkthrough</a:t>
-            </a:r>
-          </a:p>
-        </p:txBody>
-      </p:sp>
-      <p:sp>
-        <p:nvSpPr>
-          <p:cNvPr id="3" name="Content Placeholder 2">
-            <a:extLst>
-              <a:ext uri="{FF2B5EF4-FFF2-40B4-BE49-F238E27FC236}">
-                <a16:creationId xmlns:a16="http://schemas.microsoft.com/office/drawing/2014/main" id="{A296D1F4-E837-4F96-9F51-0E48E82EFCB0}"/>
-              </a:ext>
-            </a:extLst>
-          </p:cNvPr>
-          <p:cNvSpPr>
-            <a:spLocks noGrp="1"/>
-          </p:cNvSpPr>
-          <p:nvPr>
-            <p:ph idx="1"/>
-          </p:nvPr>
-        </p:nvSpPr>
-        <p:spPr/>
-        <p:txBody>
-          <a:bodyPr/>
-          <a:lstStyle/>
-          <a:p>
-            <a:r>
-              <a:rPr lang="en-US" dirty="0"/>
-              <a:t>Available online at:</a:t>
-            </a:r>
-          </a:p>
-          <a:p>
-            <a:pPr lvl="1"/>
-            <a:r>
-              <a:rPr lang="en-US" dirty="0">
-                <a:hlinkClick r:id="rId2"/>
-              </a:rPr>
-              <a:t>https://cs1501-2221.github.io/handouts/CodeHandouts/TreeADT/Slides</a:t>
-            </a:r>
-            <a:endParaRPr lang="en-US" dirty="0"/>
-          </a:p>
-          <a:p>
-            <a:pPr lvl="1"/>
-            <a:r>
-              <a:rPr lang="en-US" dirty="0"/>
-              <a:t>The slides are under the </a:t>
-            </a:r>
-            <a:r>
-              <a:rPr lang="en-US" dirty="0" err="1"/>
-              <a:t>CodeHandouts</a:t>
-            </a:r>
-            <a:r>
-              <a:rPr lang="en-US" dirty="0"/>
-              <a:t>/</a:t>
-            </a:r>
-            <a:r>
-              <a:rPr lang="en-US" dirty="0" err="1"/>
-              <a:t>TreeADT</a:t>
-            </a:r>
-            <a:r>
-              <a:rPr lang="en-US" dirty="0"/>
-              <a:t>/slides folder in the handout repository</a:t>
-            </a:r>
-          </a:p>
-          <a:p>
-            <a:pPr lvl="1"/>
-            <a:r>
-              <a:rPr lang="en-US" dirty="0">
-                <a:hlinkClick r:id="rId3"/>
-              </a:rPr>
-              <a:t>https://github.com/cs1501-2221/handouts</a:t>
-            </a:r>
-            <a:endParaRPr lang="en-US" dirty="0"/>
-          </a:p>
-        </p:txBody>
-      </p:sp>
-      <p:sp>
-        <p:nvSpPr>
-          <p:cNvPr id="4" name="Footer Placeholder 3">
-            <a:extLst>
-              <a:ext uri="{FF2B5EF4-FFF2-40B4-BE49-F238E27FC236}">
-                <a16:creationId xmlns:a16="http://schemas.microsoft.com/office/drawing/2014/main" id="{59D3D596-6ED7-4EC0-BE08-962951836449}"/>
-              </a:ext>
-            </a:extLst>
-          </p:cNvPr>
-          <p:cNvSpPr>
-            <a:spLocks noGrp="1"/>
-          </p:cNvSpPr>
-          <p:nvPr>
-            <p:ph type="ftr" idx="11"/>
-          </p:nvPr>
-        </p:nvSpPr>
-        <p:spPr/>
-        <p:txBody>
-          <a:bodyPr/>
-          <a:lstStyle/>
-          <a:p>
-            <a:pPr marL="0" marR="0" lvl="0" indent="0" algn="ctr" defTabSz="914400" rtl="0" eaLnBrk="1" fontAlgn="auto" latinLnBrk="0" hangingPunct="1">
-              <a:lnSpc>
-                <a:spcPct val="96000"/>
-              </a:lnSpc>
-              <a:spcBef>
-                <a:spcPts val="0"/>
-              </a:spcBef>
-              <a:spcAft>
-                <a:spcPts val="0"/>
-              </a:spcAft>
-              <a:buClrTx/>
-              <a:buSzTx/>
-              <a:buFont typeface="Times New Roman" pitchFamily="16" charset="0"/>
-              <a:buNone/>
-              <a:tabLst>
-                <a:tab pos="0" algn="l"/>
-                <a:tab pos="457063" algn="l"/>
-                <a:tab pos="914126" algn="l"/>
-                <a:tab pos="1371189" algn="l"/>
-                <a:tab pos="1828251" algn="l"/>
-                <a:tab pos="2285314" algn="l"/>
-                <a:tab pos="2742377" algn="l"/>
-                <a:tab pos="3199440" algn="l"/>
-                <a:tab pos="3656503" algn="l"/>
-                <a:tab pos="4113566" algn="l"/>
-                <a:tab pos="4570628" algn="l"/>
-                <a:tab pos="5027691" algn="l"/>
-                <a:tab pos="5484754" algn="l"/>
-                <a:tab pos="5941817" algn="l"/>
-                <a:tab pos="6398880" algn="l"/>
-                <a:tab pos="6855943" algn="l"/>
-                <a:tab pos="7313005" algn="l"/>
-                <a:tab pos="7770068" algn="l"/>
-                <a:tab pos="8227131" algn="l"/>
-                <a:tab pos="8684194" algn="l"/>
-                <a:tab pos="9141257" algn="l"/>
-              </a:tabLst>
-              <a:defRPr/>
-            </a:pPr>
-            <a:r>
-              <a:rPr kumimoji="0" lang="en-US" sz="1400" b="0" i="0" u="none" strike="noStrike" kern="1200" cap="none" spc="0" normalizeH="0" baseline="0" noProof="0">
-                <a:ln>
-                  <a:noFill/>
-                </a:ln>
-                <a:solidFill>
-                  <a:srgbClr val="000000"/>
-                </a:solidFill>
-                <a:effectLst/>
-                <a:uLnTx/>
-                <a:uFillTx/>
-                <a:latin typeface="Arial"/>
-                <a:ea typeface="+mn-ea"/>
-                <a:cs typeface="Arial" charset="0"/>
-              </a:rPr>
-              <a:t>CS 1501 – Algorithms &amp; Data Structures 2 – Sherif Khattab</a:t>
-            </a:r>
-            <a:endParaRPr kumimoji="0" lang="en-GB" sz="1400" b="0" i="0" u="none" strike="noStrike" kern="1200" cap="none" spc="0" normalizeH="0" baseline="0" noProof="0">
-              <a:ln>
-                <a:noFill/>
-              </a:ln>
-              <a:solidFill>
-                <a:srgbClr val="000000"/>
-              </a:solidFill>
-              <a:effectLst/>
-              <a:uLnTx/>
-              <a:uFillTx/>
-              <a:latin typeface="Times New Roman" pitchFamily="16" charset="0"/>
-              <a:ea typeface="+mn-ea"/>
-              <a:cs typeface="Arial" charset="0"/>
-            </a:endParaRPr>
-          </a:p>
-        </p:txBody>
-      </p:sp>
-      <p:sp>
-        <p:nvSpPr>
-          <p:cNvPr id="5" name="Slide Number Placeholder 4">
-            <a:extLst>
-              <a:ext uri="{FF2B5EF4-FFF2-40B4-BE49-F238E27FC236}">
-                <a16:creationId xmlns:a16="http://schemas.microsoft.com/office/drawing/2014/main" id="{A865766F-85AB-4B60-A2E9-0EE94ED9DD7A}"/>
-              </a:ext>
-            </a:extLst>
-          </p:cNvPr>
-          <p:cNvSpPr>
-            <a:spLocks noGrp="1"/>
-          </p:cNvSpPr>
-          <p:nvPr>
-            <p:ph type="sldNum" idx="12"/>
-          </p:nvPr>
-        </p:nvSpPr>
-        <p:spPr/>
-        <p:txBody>
-          <a:bodyPr/>
-          <a:lstStyle/>
-          <a:p>
-            <a:pPr marL="0" marR="0" lvl="0" indent="0" algn="r" defTabSz="914400" rtl="0" eaLnBrk="1" fontAlgn="auto" latinLnBrk="0" hangingPunct="1">
-              <a:lnSpc>
-                <a:spcPct val="96000"/>
-              </a:lnSpc>
-              <a:spcBef>
-                <a:spcPts val="0"/>
-              </a:spcBef>
-              <a:spcAft>
-                <a:spcPts val="0"/>
-              </a:spcAft>
-              <a:buClrTx/>
-              <a:buSzTx/>
-              <a:buFontTx/>
-              <a:buNone/>
-              <a:tabLst/>
-              <a:defRPr/>
-            </a:pPr>
-            <a:fld id="{65E435D9-63B0-4660-8D04-E83F5E2CA2AE}" type="slidenum">
-              <a:rPr kumimoji="0" lang="en-GB" altLang="en-US" sz="1400" b="0" i="0" u="none" strike="noStrike" kern="1200" cap="none" spc="0" normalizeH="0" baseline="0" noProof="0" smtClean="0">
-                <a:ln>
-                  <a:noFill/>
-                </a:ln>
-                <a:solidFill>
-                  <a:srgbClr val="000000"/>
-                </a:solidFill>
-                <a:effectLst/>
-                <a:uLnTx/>
-                <a:uFillTx/>
-                <a:latin typeface="Times New Roman" panose="02020603050405020304" pitchFamily="18" charset="0"/>
-                <a:ea typeface="+mn-ea"/>
-                <a:cs typeface="Arial"/>
-              </a:rPr>
-              <a:pPr marL="0" marR="0" lvl="0" indent="0" algn="r" defTabSz="914400" rtl="0" eaLnBrk="1" fontAlgn="auto" latinLnBrk="0" hangingPunct="1">
-                <a:lnSpc>
-                  <a:spcPct val="96000"/>
-                </a:lnSpc>
-                <a:spcBef>
-                  <a:spcPts val="0"/>
-                </a:spcBef>
-                <a:spcAft>
-                  <a:spcPts val="0"/>
-                </a:spcAft>
-                <a:buClrTx/>
-                <a:buSzTx/>
-                <a:buFontTx/>
-                <a:buNone/>
-                <a:tabLst/>
-                <a:defRPr/>
-              </a:pPr>
-              <a:t>23</a:t>
-            </a:fld>
-            <a:endParaRPr kumimoji="0" lang="en-GB" altLang="en-US" sz="1400" b="0" i="0" u="none" strike="noStrike" kern="1200" cap="none" spc="0" normalizeH="0" baseline="0" noProof="0">
-              <a:ln>
-                <a:noFill/>
-              </a:ln>
-              <a:solidFill>
-                <a:srgbClr val="000000"/>
-              </a:solidFill>
-              <a:effectLst/>
-              <a:uLnTx/>
-              <a:uFillTx/>
-              <a:latin typeface="Times New Roman" panose="02020603050405020304" pitchFamily="18" charset="0"/>
-              <a:ea typeface="+mn-ea"/>
-              <a:cs typeface="Arial"/>
-            </a:endParaRPr>
-          </a:p>
-        </p:txBody>
-      </p:sp>
-    </p:spTree>
-    <p:extLst>
-      <p:ext uri="{BB962C8B-B14F-4D97-AF65-F5344CB8AC3E}">
-        <p14:creationId xmlns:p14="http://schemas.microsoft.com/office/powerpoint/2010/main" val="868200480"/>
-      </p:ext>
-    </p:extLst>
-  </p:cSld>
-  <p:clrMapOvr>
-    <a:masterClrMapping/>
-  </p:clrMapOvr>
-</p:sld>
-</file>
-
-<file path=ppt/slides/slide24.xml><?xml version="1.0" encoding="utf-8"?>
-<p:sld xmlns:a="http://schemas.openxmlformats.org/drawingml/2006/main" xmlns:r="http://schemas.openxmlformats.org/officeDocument/2006/relationships" xmlns:p="http://schemas.openxmlformats.org/presentationml/2006/main">
-  <p:cSld>
-    <p:spTree>
-      <p:nvGrpSpPr>
-        <p:cNvPr id="1" name=""/>
-        <p:cNvGrpSpPr/>
-        <p:nvPr/>
-      </p:nvGrpSpPr>
-      <p:grpSpPr>
-        <a:xfrm>
-          <a:off x="0" y="0"/>
-          <a:ext cx="0" cy="0"/>
-          <a:chOff x="0" y="0"/>
-          <a:chExt cx="0" cy="0"/>
-        </a:xfrm>
-      </p:grpSpPr>
-      <p:sp>
-        <p:nvSpPr>
-          <p:cNvPr id="6" name="Slide Number">
-            <a:extLst>
-              <a:ext uri="{FF2B5EF4-FFF2-40B4-BE49-F238E27FC236}">
-                <a16:creationId xmlns:a16="http://schemas.microsoft.com/office/drawing/2014/main" id="{A84C6658-392F-6A4D-984C-531AB221C723}"/>
-              </a:ext>
-            </a:extLst>
-          </p:cNvPr>
-          <p:cNvSpPr>
-            <a:spLocks noGrp="1"/>
-          </p:cNvSpPr>
-          <p:nvPr>
-            <p:ph type="sldNum" sz="quarter" idx="12"/>
-          </p:nvPr>
-        </p:nvSpPr>
-        <p:spPr/>
-        <p:txBody>
-          <a:bodyPr/>
-          <a:lstStyle/>
-          <a:p>
-            <a:pPr defTabSz="377922">
-              <a:defRPr/>
-            </a:pPr>
-            <a:fld id="{8A7A6979-0714-4377-B894-6BE4C2D6E202}" type="slidenum">
-              <a:rPr lang="en-US">
-                <a:solidFill>
-                  <a:srgbClr val="FFFFFF"/>
-                </a:solidFill>
-              </a:rPr>
-              <a:pPr defTabSz="377922">
-                <a:defRPr/>
-              </a:pPr>
-              <a:t>24</a:t>
-            </a:fld>
-            <a:endParaRPr lang="en-US">
-              <a:solidFill>
-                <a:srgbClr val="FFFFFF"/>
-              </a:solidFill>
-            </a:endParaRPr>
-          </a:p>
-        </p:txBody>
-      </p:sp>
-      <p:sp>
-        <p:nvSpPr>
-          <p:cNvPr id="4" name="Title 1">
-            <a:extLst>
-              <a:ext uri="{FF2B5EF4-FFF2-40B4-BE49-F238E27FC236}">
-                <a16:creationId xmlns:a16="http://schemas.microsoft.com/office/drawing/2014/main" id="{845E174E-D032-44D5-9B3B-60F9C54B9084}"/>
-              </a:ext>
-            </a:extLst>
-          </p:cNvPr>
-          <p:cNvSpPr txBox="1">
-            <a:spLocks/>
-          </p:cNvSpPr>
-          <p:nvPr/>
-        </p:nvSpPr>
-        <p:spPr bwMode="blackWhite">
-          <a:xfrm>
-            <a:off x="505293" y="1533558"/>
-            <a:ext cx="8731166" cy="2060949"/>
-          </a:xfrm>
-          <a:prstGeom prst="rect">
-            <a:avLst/>
-          </a:prstGeom>
-          <a:noFill/>
-          <a:ln w="38100" cap="sq">
-            <a:noFill/>
-            <a:miter lim="800000"/>
-          </a:ln>
-        </p:spPr>
-        <p:txBody>
-          <a:bodyPr vert="horz" wrap="square" lIns="0" tIns="0" rIns="0" bIns="0" rtlCol="0" anchor="t" anchorCtr="0">
-            <a:spAutoFit/>
-          </a:bodyPr>
-          <a:lstStyle>
-            <a:lvl1pPr algn="ctr" defTabSz="914400" rtl="0" eaLnBrk="1" latinLnBrk="0" hangingPunct="1">
-              <a:lnSpc>
-                <a:spcPct val="90000"/>
-              </a:lnSpc>
-              <a:spcBef>
-                <a:spcPct val="0"/>
-              </a:spcBef>
-              <a:buNone/>
-              <a:defRPr sz="8600" b="0" i="0" kern="1200" cap="none" spc="300" baseline="0">
-                <a:solidFill>
-                  <a:schemeClr val="accent2"/>
-                </a:solidFill>
-                <a:latin typeface="United Sans Cond Medium" pitchFamily="2" charset="77"/>
-                <a:ea typeface="+mj-ea"/>
-                <a:cs typeface="+mj-cs"/>
-              </a:defRPr>
-            </a:lvl1pPr>
-          </a:lstStyle>
-          <a:p>
-            <a:pPr defTabSz="755843">
-              <a:defRPr/>
-            </a:pPr>
-            <a:r>
-              <a:rPr lang="en-US" sz="4960" b="1" spc="248">
-                <a:solidFill>
-                  <a:srgbClr val="002060"/>
-                </a:solidFill>
-                <a:latin typeface="Acumin Pro ExtraCondensed" panose="020B0604020202020204" charset="0"/>
-                <a:cs typeface="United Sans Cond Medium" panose="020B0604020202020204" charset="0"/>
-              </a:rPr>
-              <a:t>Please submit your reflections by using the </a:t>
-            </a:r>
-            <a:r>
-              <a:rPr lang="en-US" sz="4960" b="1" spc="248" err="1">
-                <a:solidFill>
-                  <a:srgbClr val="002060"/>
-                </a:solidFill>
-                <a:latin typeface="Acumin Pro ExtraCondensed" panose="020B0604020202020204" charset="0"/>
-                <a:cs typeface="United Sans Cond Medium" panose="020B0604020202020204" charset="0"/>
-              </a:rPr>
-              <a:t>CourseMIRROR</a:t>
-            </a:r>
-            <a:r>
-              <a:rPr lang="en-US" sz="4960" b="1" spc="248">
-                <a:solidFill>
-                  <a:srgbClr val="002060"/>
-                </a:solidFill>
-                <a:latin typeface="Acumin Pro ExtraCondensed" panose="020B0604020202020204" charset="0"/>
-                <a:cs typeface="United Sans Cond Medium" panose="020B0604020202020204" charset="0"/>
-              </a:rPr>
-              <a:t> App</a:t>
-            </a:r>
-          </a:p>
-        </p:txBody>
-      </p:sp>
-      <p:sp>
-        <p:nvSpPr>
-          <p:cNvPr id="5" name="Date Placeholder 3">
-            <a:extLst>
-              <a:ext uri="{FF2B5EF4-FFF2-40B4-BE49-F238E27FC236}">
-                <a16:creationId xmlns:a16="http://schemas.microsoft.com/office/drawing/2014/main" id="{6C566CCB-EA83-4CF7-9EDD-EAD8BA08143B}"/>
-              </a:ext>
-            </a:extLst>
-          </p:cNvPr>
-          <p:cNvSpPr>
-            <a:spLocks noGrp="1"/>
-          </p:cNvSpPr>
-          <p:nvPr>
-            <p:ph type="dt" sz="half" idx="10"/>
-          </p:nvPr>
-        </p:nvSpPr>
-        <p:spPr>
-          <a:xfrm>
-            <a:off x="8292304" y="6073629"/>
-            <a:ext cx="944155" cy="267780"/>
-          </a:xfrm>
-        </p:spPr>
-        <p:txBody>
-          <a:bodyPr/>
-          <a:lstStyle/>
-          <a:p>
-            <a:pPr defTabSz="377922">
-              <a:defRPr/>
-            </a:pPr>
-            <a:fld id="{049DC8E1-D369-0F48-9062-BB068AFD07CE}" type="datetime1">
-              <a:rPr lang="en-US">
-                <a:solidFill>
-                  <a:srgbClr val="FFFFFF">
-                    <a:alpha val="70000"/>
-                  </a:srgbClr>
-                </a:solidFill>
-              </a:rPr>
-              <a:pPr defTabSz="377922">
-                <a:defRPr/>
-              </a:pPr>
-              <a:t>1/24/22</a:t>
-            </a:fld>
-            <a:endParaRPr lang="en-US">
-              <a:solidFill>
-                <a:srgbClr val="FFFFFF">
-                  <a:alpha val="70000"/>
-                </a:srgbClr>
-              </a:solidFill>
-            </a:endParaRPr>
-          </a:p>
-        </p:txBody>
-      </p:sp>
-      <p:sp>
-        <p:nvSpPr>
-          <p:cNvPr id="2" name="TextBox 1">
-            <a:extLst>
-              <a:ext uri="{FF2B5EF4-FFF2-40B4-BE49-F238E27FC236}">
-                <a16:creationId xmlns:a16="http://schemas.microsoft.com/office/drawing/2014/main" id="{1F35FF62-3694-9144-A69E-A1580D1534C9}"/>
-              </a:ext>
-            </a:extLst>
-          </p:cNvPr>
-          <p:cNvSpPr txBox="1"/>
-          <p:nvPr/>
-        </p:nvSpPr>
-        <p:spPr>
-          <a:xfrm>
-            <a:off x="1157123" y="4632545"/>
-            <a:ext cx="7557758" cy="652230"/>
-          </a:xfrm>
-          <a:prstGeom prst="rect">
-            <a:avLst/>
-          </a:prstGeom>
-          <a:noFill/>
-        </p:spPr>
-        <p:txBody>
-          <a:bodyPr wrap="square" rtlCol="0">
-            <a:spAutoFit/>
-          </a:bodyPr>
-          <a:lstStyle/>
-          <a:p>
-            <a:pPr defTabSz="377922">
-              <a:defRPr/>
-            </a:pPr>
-            <a:r>
-              <a:rPr lang="en-US" sz="1819" b="1">
-                <a:solidFill>
-                  <a:srgbClr val="000000"/>
-                </a:solidFill>
-                <a:latin typeface="Times New Roman" panose="02020603050405020304" pitchFamily="18" charset="0"/>
-                <a:cs typeface="Times New Roman" panose="02020603050405020304" pitchFamily="18" charset="0"/>
-              </a:rPr>
-              <a:t>If you are having a problem with </a:t>
-            </a:r>
-            <a:r>
-              <a:rPr lang="en-US" sz="1819" b="1" err="1">
-                <a:solidFill>
-                  <a:srgbClr val="000000"/>
-                </a:solidFill>
-                <a:latin typeface="Times New Roman" panose="02020603050405020304" pitchFamily="18" charset="0"/>
-                <a:cs typeface="Times New Roman" panose="02020603050405020304" pitchFamily="18" charset="0"/>
-              </a:rPr>
-              <a:t>CourseMIRROR</a:t>
-            </a:r>
-            <a:r>
-              <a:rPr lang="en-US" sz="1819" b="1">
-                <a:solidFill>
-                  <a:srgbClr val="000000"/>
-                </a:solidFill>
-                <a:latin typeface="Times New Roman" panose="02020603050405020304" pitchFamily="18" charset="0"/>
-                <a:cs typeface="Times New Roman" panose="02020603050405020304" pitchFamily="18" charset="0"/>
-              </a:rPr>
-              <a:t>, please send an email to </a:t>
-            </a:r>
-            <a:r>
-              <a:rPr lang="en-US" sz="1819" b="1">
-                <a:solidFill>
-                  <a:srgbClr val="0000FF"/>
-                </a:solidFill>
-                <a:latin typeface="Times New Roman" panose="02020603050405020304" pitchFamily="18" charset="0"/>
-                <a:cs typeface="Times New Roman" panose="02020603050405020304" pitchFamily="18" charset="0"/>
-                <a:hlinkClick r:id="rId3">
-                  <a:extLst>
-                    <a:ext uri="{A12FA001-AC4F-418D-AE19-62706E023703}">
-                      <ahyp:hlinkClr xmlns:ahyp="http://schemas.microsoft.com/office/drawing/2018/hyperlinkcolor" val="tx"/>
-                    </a:ext>
-                  </a:extLst>
-                </a:hlinkClick>
-              </a:rPr>
-              <a:t>coursemirror.development@gmail.com</a:t>
-            </a:r>
-            <a:r>
-              <a:rPr lang="en-US" sz="1819" b="1">
-                <a:solidFill>
-                  <a:srgbClr val="0000FF"/>
-                </a:solidFill>
-                <a:latin typeface="Times New Roman" panose="02020603050405020304" pitchFamily="18" charset="0"/>
-                <a:cs typeface="Times New Roman" panose="02020603050405020304" pitchFamily="18" charset="0"/>
-              </a:rPr>
-              <a:t> </a:t>
-            </a:r>
-          </a:p>
-        </p:txBody>
-      </p:sp>
-    </p:spTree>
-    <p:extLst>
-      <p:ext uri="{BB962C8B-B14F-4D97-AF65-F5344CB8AC3E}">
-        <p14:creationId xmlns:p14="http://schemas.microsoft.com/office/powerpoint/2010/main" val="737806260"/>
-      </p:ext>
-    </p:extLst>
-  </p:cSld>
-  <p:clrMapOvr>
-    <a:masterClrMapping/>
-  </p:clrMapOvr>
 </p:sld>
 </file>
 
